--- a/apresentacao tcc.pptx
+++ b/apresentacao tcc.pptx
@@ -5,7 +5,7 @@
     <p:sldMasterId id="2147483648" r:id="rId1"/>
   </p:sldMasterIdLst>
   <p:notesMasterIdLst>
-    <p:notesMasterId r:id="rId21"/>
+    <p:notesMasterId r:id="rId24"/>
   </p:notesMasterIdLst>
   <p:sldIdLst>
     <p:sldId id="256" r:id="rId2"/>
@@ -13,20 +13,23 @@
     <p:sldId id="258" r:id="rId4"/>
     <p:sldId id="260" r:id="rId5"/>
     <p:sldId id="259" r:id="rId6"/>
-    <p:sldId id="266" r:id="rId7"/>
-    <p:sldId id="267" r:id="rId8"/>
-    <p:sldId id="262" r:id="rId9"/>
-    <p:sldId id="270" r:id="rId10"/>
-    <p:sldId id="263" r:id="rId11"/>
-    <p:sldId id="268" r:id="rId12"/>
-    <p:sldId id="269" r:id="rId13"/>
-    <p:sldId id="264" r:id="rId14"/>
-    <p:sldId id="271" r:id="rId15"/>
-    <p:sldId id="272" r:id="rId16"/>
-    <p:sldId id="273" r:id="rId17"/>
-    <p:sldId id="274" r:id="rId18"/>
-    <p:sldId id="275" r:id="rId19"/>
-    <p:sldId id="276" r:id="rId20"/>
+    <p:sldId id="278" r:id="rId7"/>
+    <p:sldId id="266" r:id="rId8"/>
+    <p:sldId id="267" r:id="rId9"/>
+    <p:sldId id="262" r:id="rId10"/>
+    <p:sldId id="270" r:id="rId11"/>
+    <p:sldId id="263" r:id="rId12"/>
+    <p:sldId id="277" r:id="rId13"/>
+    <p:sldId id="268" r:id="rId14"/>
+    <p:sldId id="269" r:id="rId15"/>
+    <p:sldId id="264" r:id="rId16"/>
+    <p:sldId id="271" r:id="rId17"/>
+    <p:sldId id="279" r:id="rId18"/>
+    <p:sldId id="272" r:id="rId19"/>
+    <p:sldId id="273" r:id="rId20"/>
+    <p:sldId id="274" r:id="rId21"/>
+    <p:sldId id="275" r:id="rId22"/>
+    <p:sldId id="276" r:id="rId23"/>
   </p:sldIdLst>
   <p:sldSz cx="9144000" cy="6858000" type="screen4x3"/>
   <p:notesSz cx="6858000" cy="9144000"/>
@@ -210,7 +213,8 @@
           <a:p>
             <a:fld id="{2F3EB17E-BC53-FC49-AF5F-F9A8A64D0B14}" type="datetimeFigureOut">
               <a:rPr lang="en-US" smtClean="0"/>
-              <a:t>11/17/11</a:t>
+              <a:pPr/>
+              <a:t>11/19/11</a:t>
             </a:fld>
             <a:endParaRPr lang="pt-BR"/>
           </a:p>
@@ -369,6 +373,7 @@
           <a:p>
             <a:fld id="{49F26A75-D0AF-EC4A-A545-98C8CC12AA9B}" type="slidenum">
               <a:rPr lang="pt-BR" smtClean="0"/>
+              <a:pPr/>
               <a:t>‹#›</a:t>
             </a:fld>
             <a:endParaRPr lang="pt-BR"/>
@@ -575,6 +580,7 @@
           <a:p>
             <a:fld id="{49F26A75-D0AF-EC4A-A545-98C8CC12AA9B}" type="slidenum">
               <a:rPr lang="pt-BR" smtClean="0"/>
+              <a:pPr/>
               <a:t>2</a:t>
             </a:fld>
             <a:endParaRPr lang="pt-BR"/>
@@ -702,6 +708,7 @@
           <a:p>
             <a:fld id="{49F26A75-D0AF-EC4A-A545-98C8CC12AA9B}" type="slidenum">
               <a:rPr lang="pt-BR" smtClean="0"/>
+              <a:pPr/>
               <a:t>3</a:t>
             </a:fld>
             <a:endParaRPr lang="pt-BR"/>
@@ -923,6 +930,7 @@
           <a:p>
             <a:fld id="{49F26A75-D0AF-EC4A-A545-98C8CC12AA9B}" type="slidenum">
               <a:rPr lang="pt-BR" smtClean="0"/>
+              <a:pPr/>
               <a:t>4</a:t>
             </a:fld>
             <a:endParaRPr lang="pt-BR"/>
@@ -1015,6 +1023,7 @@
           <a:p>
             <a:fld id="{49F26A75-D0AF-EC4A-A545-98C8CC12AA9B}" type="slidenum">
               <a:rPr lang="pt-BR" smtClean="0"/>
+              <a:pPr/>
               <a:t>5</a:t>
             </a:fld>
             <a:endParaRPr lang="pt-BR"/>
@@ -1025,6 +1034,137 @@
     <p:extLst>
       <p:ext uri="{BB962C8B-B14F-4D97-AF65-F5344CB8AC3E}">
         <p14:creationId xmlns:p14="http://schemas.microsoft.com/office/powerpoint/2010/main" val="2847188799"/>
+      </p:ext>
+    </p:extLst>
+  </p:cSld>
+  <p:clrMapOvr>
+    <a:masterClrMapping/>
+  </p:clrMapOvr>
+</p:notes>
+</file>
+
+<file path=ppt/notesSlides/notesSlide5.xml><?xml version="1.0" encoding="utf-8"?>
+<p:notes xmlns:a="http://schemas.openxmlformats.org/drawingml/2006/main" xmlns:r="http://schemas.openxmlformats.org/officeDocument/2006/relationships" xmlns:p="http://schemas.openxmlformats.org/presentationml/2006/main">
+  <p:cSld>
+    <p:spTree>
+      <p:nvGrpSpPr>
+        <p:cNvPr id="1" name=""/>
+        <p:cNvGrpSpPr/>
+        <p:nvPr/>
+      </p:nvGrpSpPr>
+      <p:grpSpPr>
+        <a:xfrm>
+          <a:off x="0" y="0"/>
+          <a:ext cx="0" cy="0"/>
+          <a:chOff x="0" y="0"/>
+          <a:chExt cx="0" cy="0"/>
+        </a:xfrm>
+      </p:grpSpPr>
+      <p:sp>
+        <p:nvSpPr>
+          <p:cNvPr id="2" name="Slide Image Placeholder 1"/>
+          <p:cNvSpPr>
+            <a:spLocks noGrp="1" noRot="1" noChangeAspect="1"/>
+          </p:cNvSpPr>
+          <p:nvPr>
+            <p:ph type="sldImg"/>
+          </p:nvPr>
+        </p:nvSpPr>
+        <p:spPr/>
+      </p:sp>
+      <p:sp>
+        <p:nvSpPr>
+          <p:cNvPr id="3" name="Notes Placeholder 2"/>
+          <p:cNvSpPr>
+            <a:spLocks noGrp="1"/>
+          </p:cNvSpPr>
+          <p:nvPr>
+            <p:ph type="body" idx="1"/>
+          </p:nvPr>
+        </p:nvSpPr>
+        <p:spPr/>
+        <p:txBody>
+          <a:bodyPr/>
+          <a:lstStyle/>
+          <a:p>
+            <a:r>
+              <a:rPr lang="pt-BR" dirty="0" smtClean="0"/>
+              <a:t>Devido a demanda do mercado de desenvolvimento de software</a:t>
+            </a:r>
+            <a:r>
+              <a:rPr lang="pt-BR" baseline="0" dirty="0" smtClean="0"/>
+              <a:t> por qualidade os testes </a:t>
+            </a:r>
+            <a:r>
+              <a:rPr lang="pt-BR" baseline="0" dirty="0" err="1" smtClean="0"/>
+              <a:t>estao</a:t>
+            </a:r>
+            <a:r>
+              <a:rPr lang="pt-BR" baseline="0" dirty="0" smtClean="0"/>
+              <a:t> sendo cada vez mais empregados no dia a dia.</a:t>
+            </a:r>
+          </a:p>
+          <a:p>
+            <a:r>
+              <a:rPr lang="pt-BR" baseline="0" dirty="0" smtClean="0"/>
+              <a:t>Com o desenvolvimento baseado em testes conseguimos um aumento na cobertura do </a:t>
+            </a:r>
+            <a:r>
+              <a:rPr lang="pt-BR" baseline="0" dirty="0" err="1" smtClean="0"/>
+              <a:t>codigo</a:t>
+            </a:r>
+            <a:r>
+              <a:rPr lang="pt-BR" baseline="0" dirty="0" smtClean="0"/>
+              <a:t>, o que resulta na </a:t>
+            </a:r>
+            <a:r>
+              <a:rPr lang="pt-BR" baseline="0" dirty="0" err="1" smtClean="0"/>
+              <a:t>reducao</a:t>
+            </a:r>
+            <a:r>
+              <a:rPr lang="pt-BR" baseline="0" dirty="0" smtClean="0"/>
+              <a:t> de defeitos no sistema e assim a qualidade do sistema aumenta e finalmente os custos </a:t>
+            </a:r>
+            <a:r>
+              <a:rPr lang="pt-BR" baseline="0" dirty="0" err="1" smtClean="0"/>
+              <a:t>sao</a:t>
+            </a:r>
+            <a:r>
+              <a:rPr lang="pt-BR" baseline="0" smtClean="0"/>
+              <a:t> reduzidos</a:t>
+            </a:r>
+            <a:endParaRPr lang="pt-BR" dirty="0"/>
+          </a:p>
+        </p:txBody>
+      </p:sp>
+      <p:sp>
+        <p:nvSpPr>
+          <p:cNvPr id="4" name="Slide Number Placeholder 3"/>
+          <p:cNvSpPr>
+            <a:spLocks noGrp="1"/>
+          </p:cNvSpPr>
+          <p:nvPr>
+            <p:ph type="sldNum" sz="quarter" idx="10"/>
+          </p:nvPr>
+        </p:nvSpPr>
+        <p:spPr/>
+        <p:txBody>
+          <a:bodyPr/>
+          <a:lstStyle/>
+          <a:p>
+            <a:fld id="{49F26A75-D0AF-EC4A-A545-98C8CC12AA9B}" type="slidenum">
+              <a:rPr lang="pt-BR" smtClean="0"/>
+              <a:pPr/>
+              <a:t>22</a:t>
+            </a:fld>
+            <a:endParaRPr lang="pt-BR"/>
+          </a:p>
+        </p:txBody>
+      </p:sp>
+    </p:spTree>
+    <p:extLst>
+      <p:ext uri="{BB962C8B-B14F-4D97-AF65-F5344CB8AC3E}">
+        <p14:creationId xmlns:p14="http://schemas.microsoft.com/office/powerpoint/2010/main" val="1650103921"/>
       </p:ext>
     </p:extLst>
   </p:cSld>
@@ -1215,7 +1355,8 @@
           <a:p>
             <a:fld id="{13F8C747-ED51-444E-8469-A24B0E223A0E}" type="datetimeFigureOut">
               <a:rPr lang="en-US" smtClean="0"/>
-              <a:t>11/17/11</a:t>
+              <a:pPr/>
+              <a:t>11/19/11</a:t>
             </a:fld>
             <a:endParaRPr lang="pt-BR"/>
           </a:p>
@@ -1257,6 +1398,7 @@
           <a:p>
             <a:fld id="{7A517B20-1085-0740-914B-D4C0D3F90991}" type="slidenum">
               <a:rPr lang="pt-BR" smtClean="0"/>
+              <a:pPr/>
               <a:t>‹#›</a:t>
             </a:fld>
             <a:endParaRPr lang="pt-BR"/>
@@ -1385,7 +1527,8 @@
           <a:p>
             <a:fld id="{13F8C747-ED51-444E-8469-A24B0E223A0E}" type="datetimeFigureOut">
               <a:rPr lang="en-US" smtClean="0"/>
-              <a:t>11/17/11</a:t>
+              <a:pPr/>
+              <a:t>11/19/11</a:t>
             </a:fld>
             <a:endParaRPr lang="pt-BR"/>
           </a:p>
@@ -1427,6 +1570,7 @@
           <a:p>
             <a:fld id="{7A517B20-1085-0740-914B-D4C0D3F90991}" type="slidenum">
               <a:rPr lang="pt-BR" smtClean="0"/>
+              <a:pPr/>
               <a:t>‹#›</a:t>
             </a:fld>
             <a:endParaRPr lang="pt-BR"/>
@@ -1565,7 +1709,8 @@
           <a:p>
             <a:fld id="{13F8C747-ED51-444E-8469-A24B0E223A0E}" type="datetimeFigureOut">
               <a:rPr lang="en-US" smtClean="0"/>
-              <a:t>11/17/11</a:t>
+              <a:pPr/>
+              <a:t>11/19/11</a:t>
             </a:fld>
             <a:endParaRPr lang="pt-BR"/>
           </a:p>
@@ -1607,6 +1752,7 @@
           <a:p>
             <a:fld id="{7A517B20-1085-0740-914B-D4C0D3F90991}" type="slidenum">
               <a:rPr lang="pt-BR" smtClean="0"/>
+              <a:pPr/>
               <a:t>‹#›</a:t>
             </a:fld>
             <a:endParaRPr lang="pt-BR"/>
@@ -1735,7 +1881,8 @@
           <a:p>
             <a:fld id="{13F8C747-ED51-444E-8469-A24B0E223A0E}" type="datetimeFigureOut">
               <a:rPr lang="en-US" smtClean="0"/>
-              <a:t>11/17/11</a:t>
+              <a:pPr/>
+              <a:t>11/19/11</a:t>
             </a:fld>
             <a:endParaRPr lang="pt-BR"/>
           </a:p>
@@ -1777,6 +1924,7 @@
           <a:p>
             <a:fld id="{7A517B20-1085-0740-914B-D4C0D3F90991}" type="slidenum">
               <a:rPr lang="pt-BR" smtClean="0"/>
+              <a:pPr/>
               <a:t>‹#›</a:t>
             </a:fld>
             <a:endParaRPr lang="pt-BR"/>
@@ -1981,7 +2129,8 @@
           <a:p>
             <a:fld id="{13F8C747-ED51-444E-8469-A24B0E223A0E}" type="datetimeFigureOut">
               <a:rPr lang="en-US" smtClean="0"/>
-              <a:t>11/17/11</a:t>
+              <a:pPr/>
+              <a:t>11/19/11</a:t>
             </a:fld>
             <a:endParaRPr lang="pt-BR"/>
           </a:p>
@@ -2023,6 +2172,7 @@
           <a:p>
             <a:fld id="{7A517B20-1085-0740-914B-D4C0D3F90991}" type="slidenum">
               <a:rPr lang="pt-BR" smtClean="0"/>
+              <a:pPr/>
               <a:t>‹#›</a:t>
             </a:fld>
             <a:endParaRPr lang="pt-BR"/>
@@ -2269,7 +2419,8 @@
           <a:p>
             <a:fld id="{13F8C747-ED51-444E-8469-A24B0E223A0E}" type="datetimeFigureOut">
               <a:rPr lang="en-US" smtClean="0"/>
-              <a:t>11/17/11</a:t>
+              <a:pPr/>
+              <a:t>11/19/11</a:t>
             </a:fld>
             <a:endParaRPr lang="pt-BR"/>
           </a:p>
@@ -2311,6 +2462,7 @@
           <a:p>
             <a:fld id="{7A517B20-1085-0740-914B-D4C0D3F90991}" type="slidenum">
               <a:rPr lang="pt-BR" smtClean="0"/>
+              <a:pPr/>
               <a:t>‹#›</a:t>
             </a:fld>
             <a:endParaRPr lang="pt-BR"/>
@@ -2691,7 +2843,8 @@
           <a:p>
             <a:fld id="{13F8C747-ED51-444E-8469-A24B0E223A0E}" type="datetimeFigureOut">
               <a:rPr lang="en-US" smtClean="0"/>
-              <a:t>11/17/11</a:t>
+              <a:pPr/>
+              <a:t>11/19/11</a:t>
             </a:fld>
             <a:endParaRPr lang="pt-BR"/>
           </a:p>
@@ -2733,6 +2886,7 @@
           <a:p>
             <a:fld id="{7A517B20-1085-0740-914B-D4C0D3F90991}" type="slidenum">
               <a:rPr lang="pt-BR" smtClean="0"/>
+              <a:pPr/>
               <a:t>‹#›</a:t>
             </a:fld>
             <a:endParaRPr lang="pt-BR"/>
@@ -2809,7 +2963,8 @@
           <a:p>
             <a:fld id="{13F8C747-ED51-444E-8469-A24B0E223A0E}" type="datetimeFigureOut">
               <a:rPr lang="en-US" smtClean="0"/>
-              <a:t>11/17/11</a:t>
+              <a:pPr/>
+              <a:t>11/19/11</a:t>
             </a:fld>
             <a:endParaRPr lang="pt-BR"/>
           </a:p>
@@ -2851,6 +3006,7 @@
           <a:p>
             <a:fld id="{7A517B20-1085-0740-914B-D4C0D3F90991}" type="slidenum">
               <a:rPr lang="pt-BR" smtClean="0"/>
+              <a:pPr/>
               <a:t>‹#›</a:t>
             </a:fld>
             <a:endParaRPr lang="pt-BR"/>
@@ -2904,7 +3060,8 @@
           <a:p>
             <a:fld id="{13F8C747-ED51-444E-8469-A24B0E223A0E}" type="datetimeFigureOut">
               <a:rPr lang="en-US" smtClean="0"/>
-              <a:t>11/17/11</a:t>
+              <a:pPr/>
+              <a:t>11/19/11</a:t>
             </a:fld>
             <a:endParaRPr lang="pt-BR"/>
           </a:p>
@@ -2946,6 +3103,7 @@
           <a:p>
             <a:fld id="{7A517B20-1085-0740-914B-D4C0D3F90991}" type="slidenum">
               <a:rPr lang="pt-BR" smtClean="0"/>
+              <a:pPr/>
               <a:t>‹#›</a:t>
             </a:fld>
             <a:endParaRPr lang="pt-BR"/>
@@ -3181,7 +3339,8 @@
           <a:p>
             <a:fld id="{13F8C747-ED51-444E-8469-A24B0E223A0E}" type="datetimeFigureOut">
               <a:rPr lang="en-US" smtClean="0"/>
-              <a:t>11/17/11</a:t>
+              <a:pPr/>
+              <a:t>11/19/11</a:t>
             </a:fld>
             <a:endParaRPr lang="pt-BR"/>
           </a:p>
@@ -3223,6 +3382,7 @@
           <a:p>
             <a:fld id="{7A517B20-1085-0740-914B-D4C0D3F90991}" type="slidenum">
               <a:rPr lang="pt-BR" smtClean="0"/>
+              <a:pPr/>
               <a:t>‹#›</a:t>
             </a:fld>
             <a:endParaRPr lang="pt-BR"/>
@@ -3434,7 +3594,8 @@
           <a:p>
             <a:fld id="{13F8C747-ED51-444E-8469-A24B0E223A0E}" type="datetimeFigureOut">
               <a:rPr lang="en-US" smtClean="0"/>
-              <a:t>11/17/11</a:t>
+              <a:pPr/>
+              <a:t>11/19/11</a:t>
             </a:fld>
             <a:endParaRPr lang="pt-BR"/>
           </a:p>
@@ -3476,6 +3637,7 @@
           <a:p>
             <a:fld id="{7A517B20-1085-0740-914B-D4C0D3F90991}" type="slidenum">
               <a:rPr lang="pt-BR" smtClean="0"/>
+              <a:pPr/>
               <a:t>‹#›</a:t>
             </a:fld>
             <a:endParaRPr lang="pt-BR"/>
@@ -3647,7 +3809,8 @@
           <a:p>
             <a:fld id="{13F8C747-ED51-444E-8469-A24B0E223A0E}" type="datetimeFigureOut">
               <a:rPr lang="en-US" smtClean="0"/>
-              <a:t>11/17/11</a:t>
+              <a:pPr/>
+              <a:t>11/19/11</a:t>
             </a:fld>
             <a:endParaRPr lang="pt-BR"/>
           </a:p>
@@ -3725,6 +3888,7 @@
           <a:p>
             <a:fld id="{7A517B20-1085-0740-914B-D4C0D3F90991}" type="slidenum">
               <a:rPr lang="pt-BR" smtClean="0"/>
+              <a:pPr/>
               <a:t>‹#›</a:t>
             </a:fld>
             <a:endParaRPr lang="pt-BR"/>
@@ -4106,91 +4270,40 @@
           <a:p>
             <a:r>
               <a:rPr lang="pt-BR" dirty="0" smtClean="0"/>
-              <a:t>Projeto Web</a:t>
+              <a:t>Sistema Web</a:t>
             </a:r>
             <a:endParaRPr lang="pt-BR" dirty="0"/>
           </a:p>
         </p:txBody>
       </p:sp>
-      <p:sp>
-        <p:nvSpPr>
-          <p:cNvPr id="3" name="Content Placeholder 2"/>
-          <p:cNvSpPr>
-            <a:spLocks noGrp="1"/>
-          </p:cNvSpPr>
-          <p:nvPr>
-            <p:ph idx="1"/>
-          </p:nvPr>
-        </p:nvSpPr>
-        <p:spPr/>
-        <p:txBody>
-          <a:bodyPr/>
-          <a:lstStyle/>
-          <a:p>
-            <a:r>
-              <a:rPr lang="pt-BR" dirty="0" smtClean="0"/>
-              <a:t>Desenvolvido utilizando </a:t>
-            </a:r>
-            <a:r>
-              <a:rPr lang="pt-BR" dirty="0" err="1" smtClean="0"/>
-              <a:t>Ruby</a:t>
-            </a:r>
-            <a:r>
-              <a:rPr lang="pt-BR" dirty="0" smtClean="0"/>
-              <a:t> </a:t>
-            </a:r>
-            <a:r>
-              <a:rPr lang="pt-BR" dirty="0" err="1" smtClean="0"/>
-              <a:t>On</a:t>
-            </a:r>
-            <a:r>
-              <a:rPr lang="pt-BR" dirty="0" smtClean="0"/>
-              <a:t> </a:t>
-            </a:r>
-            <a:r>
-              <a:rPr lang="pt-BR" dirty="0" err="1" smtClean="0"/>
-              <a:t>Rails</a:t>
-            </a:r>
-            <a:r>
-              <a:rPr lang="pt-BR" dirty="0" smtClean="0"/>
-              <a:t>.</a:t>
-            </a:r>
-          </a:p>
-          <a:p>
-            <a:r>
-              <a:rPr lang="pt-BR" dirty="0" smtClean="0"/>
-              <a:t>Foram criados testes de unidade e de integraç</a:t>
-            </a:r>
-            <a:r>
-              <a:rPr lang="pt-BR" dirty="0" smtClean="0"/>
-              <a:t>ão.</a:t>
-            </a:r>
-          </a:p>
-          <a:p>
-            <a:r>
-              <a:rPr lang="pt-BR" dirty="0" smtClean="0"/>
-              <a:t>Os testes foram criados utilizando </a:t>
-            </a:r>
-            <a:r>
-              <a:rPr lang="pt-BR" dirty="0" err="1" smtClean="0"/>
-              <a:t>R</a:t>
-            </a:r>
-            <a:r>
-              <a:rPr lang="en-US" dirty="0"/>
-              <a:t>S</a:t>
-            </a:r>
-            <a:r>
-              <a:rPr lang="pt-BR" dirty="0" smtClean="0"/>
-              <a:t>pec.</a:t>
-            </a:r>
-            <a:endParaRPr lang="pt-BR" dirty="0" smtClean="0"/>
-          </a:p>
-        </p:txBody>
-      </p:sp>
+      <p:pic>
+        <p:nvPicPr>
+          <p:cNvPr id="4" name="Picture 3"/>
+          <p:cNvPicPr>
+            <a:picLocks noChangeAspect="1"/>
+          </p:cNvPicPr>
+          <p:nvPr/>
+        </p:nvPicPr>
+        <p:blipFill>
+          <a:blip r:embed="rId2"/>
+          <a:stretch>
+            <a:fillRect/>
+          </a:stretch>
+        </p:blipFill>
+        <p:spPr>
+          <a:xfrm>
+            <a:off x="1362484" y="1417638"/>
+            <a:ext cx="6759928" cy="5329255"/>
+          </a:xfrm>
+          <a:prstGeom prst="rect">
+            <a:avLst/>
+          </a:prstGeom>
+        </p:spPr>
+      </p:pic>
     </p:spTree>
     <p:extLst>
       <p:ext uri="{BB962C8B-B14F-4D97-AF65-F5344CB8AC3E}">
-        <p14:creationId xmlns:p14="http://schemas.microsoft.com/office/powerpoint/2010/main" val="1418869883"/>
+        <p14:creationId xmlns:p14="http://schemas.microsoft.com/office/powerpoint/2010/main" val="662803273"/>
       </p:ext>
     </p:extLst>
   </p:cSld>
@@ -4241,11 +4354,462 @@
           <a:p>
             <a:r>
               <a:rPr lang="pt-BR" dirty="0" smtClean="0"/>
-              <a:t>Exemplo de c</a:t>
-            </a:r>
-            <a:r>
-              <a:rPr lang="pt-BR" dirty="0" smtClean="0"/>
-              <a:t>ódigo de teste</a:t>
+              <a:t>Sistema Web</a:t>
+            </a:r>
+            <a:endParaRPr lang="pt-BR" dirty="0"/>
+          </a:p>
+        </p:txBody>
+      </p:sp>
+      <p:sp>
+        <p:nvSpPr>
+          <p:cNvPr id="3" name="Content Placeholder 2"/>
+          <p:cNvSpPr>
+            <a:spLocks noGrp="1"/>
+          </p:cNvSpPr>
+          <p:nvPr>
+            <p:ph idx="1"/>
+          </p:nvPr>
+        </p:nvSpPr>
+        <p:spPr/>
+        <p:txBody>
+          <a:bodyPr/>
+          <a:lstStyle/>
+          <a:p>
+            <a:r>
+              <a:rPr lang="pt-BR" dirty="0" smtClean="0"/>
+              <a:t>Desenvolvido utilizando </a:t>
+            </a:r>
+            <a:r>
+              <a:rPr lang="pt-BR" dirty="0" err="1" smtClean="0"/>
+              <a:t>Ruby</a:t>
+            </a:r>
+            <a:r>
+              <a:rPr lang="pt-BR" dirty="0" smtClean="0"/>
+              <a:t> </a:t>
+            </a:r>
+            <a:r>
+              <a:rPr lang="pt-BR" dirty="0" err="1" smtClean="0"/>
+              <a:t>On</a:t>
+            </a:r>
+            <a:r>
+              <a:rPr lang="pt-BR" dirty="0" smtClean="0"/>
+              <a:t> </a:t>
+            </a:r>
+            <a:r>
+              <a:rPr lang="pt-BR" dirty="0" err="1" smtClean="0"/>
+              <a:t>Rails</a:t>
+            </a:r>
+            <a:r>
+              <a:rPr lang="pt-BR" dirty="0" smtClean="0"/>
+              <a:t>.</a:t>
+            </a:r>
+          </a:p>
+          <a:p>
+            <a:r>
+              <a:rPr lang="pt-BR" dirty="0" smtClean="0"/>
+              <a:t>Foram criados testes de unidade e de integração.</a:t>
+            </a:r>
+          </a:p>
+          <a:p>
+            <a:r>
+              <a:rPr lang="pt-BR" dirty="0" smtClean="0"/>
+              <a:t>Os testes foram criados utilizando </a:t>
+            </a:r>
+            <a:r>
+              <a:rPr lang="pt-BR" dirty="0" err="1" smtClean="0"/>
+              <a:t>R</a:t>
+            </a:r>
+            <a:r>
+              <a:rPr lang="en-US" dirty="0"/>
+              <a:t>S</a:t>
+            </a:r>
+            <a:r>
+              <a:rPr lang="pt-BR" dirty="0" smtClean="0"/>
+              <a:t>pec.</a:t>
+            </a:r>
+          </a:p>
+        </p:txBody>
+      </p:sp>
+    </p:spTree>
+    <p:extLst>
+      <p:ext uri="{BB962C8B-B14F-4D97-AF65-F5344CB8AC3E}">
+        <p14:creationId xmlns:p14="http://schemas.microsoft.com/office/powerpoint/2010/main" val="1418869883"/>
+      </p:ext>
+    </p:extLst>
+  </p:cSld>
+  <p:clrMapOvr>
+    <a:masterClrMapping/>
+  </p:clrMapOvr>
+  <p:timing>
+    <p:tnLst>
+      <p:par>
+        <p:cTn xmlns:p14="http://schemas.microsoft.com/office/powerpoint/2010/main" id="1" dur="indefinite" restart="never" nodeType="tmRoot"/>
+      </p:par>
+    </p:tnLst>
+  </p:timing>
+</p:sld>
+</file>
+
+<file path=ppt/slides/slide12.xml><?xml version="1.0" encoding="utf-8"?>
+<p:sld xmlns:a="http://schemas.openxmlformats.org/drawingml/2006/main" xmlns:r="http://schemas.openxmlformats.org/officeDocument/2006/relationships" xmlns:p="http://schemas.openxmlformats.org/presentationml/2006/main">
+  <p:cSld>
+    <p:spTree>
+      <p:nvGrpSpPr>
+        <p:cNvPr id="1" name=""/>
+        <p:cNvGrpSpPr/>
+        <p:nvPr/>
+      </p:nvGrpSpPr>
+      <p:grpSpPr>
+        <a:xfrm>
+          <a:off x="0" y="0"/>
+          <a:ext cx="0" cy="0"/>
+          <a:chOff x="0" y="0"/>
+          <a:chExt cx="0" cy="0"/>
+        </a:xfrm>
+      </p:grpSpPr>
+      <p:sp>
+        <p:nvSpPr>
+          <p:cNvPr id="2" name="Título 1"/>
+          <p:cNvSpPr>
+            <a:spLocks noGrp="1"/>
+          </p:cNvSpPr>
+          <p:nvPr>
+            <p:ph type="title"/>
+          </p:nvPr>
+        </p:nvSpPr>
+        <p:spPr/>
+        <p:txBody>
+          <a:bodyPr/>
+          <a:lstStyle/>
+          <a:p>
+            <a:r>
+              <a:rPr lang="pt-BR" dirty="0" smtClean="0"/>
+              <a:t>Diagrama </a:t>
+            </a:r>
+            <a:r>
+              <a:rPr lang="pt-BR" dirty="0" smtClean="0"/>
+              <a:t>de domínio</a:t>
+            </a:r>
+            <a:endParaRPr lang="pt-BR" dirty="0"/>
+          </a:p>
+        </p:txBody>
+      </p:sp>
+      <p:grpSp>
+        <p:nvGrpSpPr>
+          <p:cNvPr id="24" name="Group 23"/>
+          <p:cNvGrpSpPr/>
+          <p:nvPr/>
+        </p:nvGrpSpPr>
+        <p:grpSpPr>
+          <a:xfrm>
+            <a:off x="719722" y="3130575"/>
+            <a:ext cx="7754744" cy="1000528"/>
+            <a:chOff x="719722" y="2717666"/>
+            <a:chExt cx="7754744" cy="1000528"/>
+          </a:xfrm>
+        </p:grpSpPr>
+        <p:sp>
+          <p:nvSpPr>
+            <p:cNvPr id="5" name="Rounded Rectangle 4"/>
+            <p:cNvSpPr/>
+            <p:nvPr/>
+          </p:nvSpPr>
+          <p:spPr>
+            <a:xfrm>
+              <a:off x="3962139" y="2717666"/>
+              <a:ext cx="1318686" cy="914400"/>
+            </a:xfrm>
+            <a:prstGeom prst="roundRect">
+              <a:avLst/>
+            </a:prstGeom>
+          </p:spPr>
+          <p:style>
+            <a:lnRef idx="1">
+              <a:schemeClr val="accent1"/>
+            </a:lnRef>
+            <a:fillRef idx="3">
+              <a:schemeClr val="accent1"/>
+            </a:fillRef>
+            <a:effectRef idx="2">
+              <a:schemeClr val="accent1"/>
+            </a:effectRef>
+            <a:fontRef idx="minor">
+              <a:schemeClr val="lt1"/>
+            </a:fontRef>
+          </p:style>
+          <p:txBody>
+            <a:bodyPr rtlCol="0" anchor="ctr"/>
+            <a:lstStyle/>
+            <a:p>
+              <a:pPr algn="ctr"/>
+              <a:r>
+                <a:rPr lang="pt-BR" dirty="0" smtClean="0"/>
+                <a:t>Categoria</a:t>
+              </a:r>
+              <a:endParaRPr lang="pt-BR" dirty="0"/>
+            </a:p>
+          </p:txBody>
+        </p:sp>
+        <p:sp>
+          <p:nvSpPr>
+            <p:cNvPr id="6" name="Rounded Rectangle 5"/>
+            <p:cNvSpPr/>
+            <p:nvPr/>
+          </p:nvSpPr>
+          <p:spPr>
+            <a:xfrm>
+              <a:off x="7155780" y="2717666"/>
+              <a:ext cx="1318686" cy="914400"/>
+            </a:xfrm>
+            <a:prstGeom prst="roundRect">
+              <a:avLst/>
+            </a:prstGeom>
+          </p:spPr>
+          <p:style>
+            <a:lnRef idx="1">
+              <a:schemeClr val="accent1"/>
+            </a:lnRef>
+            <a:fillRef idx="3">
+              <a:schemeClr val="accent1"/>
+            </a:fillRef>
+            <a:effectRef idx="2">
+              <a:schemeClr val="accent1"/>
+            </a:effectRef>
+            <a:fontRef idx="minor">
+              <a:schemeClr val="lt1"/>
+            </a:fontRef>
+          </p:style>
+          <p:txBody>
+            <a:bodyPr rtlCol="0" anchor="ctr"/>
+            <a:lstStyle/>
+            <a:p>
+              <a:pPr algn="ctr"/>
+              <a:r>
+                <a:rPr lang="pt-BR" dirty="0" smtClean="0"/>
+                <a:t>Item</a:t>
+              </a:r>
+            </a:p>
+          </p:txBody>
+        </p:sp>
+        <p:sp>
+          <p:nvSpPr>
+            <p:cNvPr id="7" name="Rounded Rectangle 6"/>
+            <p:cNvSpPr/>
+            <p:nvPr/>
+          </p:nvSpPr>
+          <p:spPr>
+            <a:xfrm>
+              <a:off x="719722" y="2717666"/>
+              <a:ext cx="1318686" cy="914400"/>
+            </a:xfrm>
+            <a:prstGeom prst="roundRect">
+              <a:avLst/>
+            </a:prstGeom>
+          </p:spPr>
+          <p:style>
+            <a:lnRef idx="1">
+              <a:schemeClr val="accent1"/>
+            </a:lnRef>
+            <a:fillRef idx="3">
+              <a:schemeClr val="accent1"/>
+            </a:fillRef>
+            <a:effectRef idx="2">
+              <a:schemeClr val="accent1"/>
+            </a:effectRef>
+            <a:fontRef idx="minor">
+              <a:schemeClr val="lt1"/>
+            </a:fontRef>
+          </p:style>
+          <p:txBody>
+            <a:bodyPr rtlCol="0" anchor="ctr"/>
+            <a:lstStyle/>
+            <a:p>
+              <a:pPr algn="ctr"/>
+              <a:r>
+                <a:rPr lang="pt-BR" dirty="0" err="1" smtClean="0"/>
+                <a:t>User</a:t>
+              </a:r>
+              <a:endParaRPr lang="pt-BR" dirty="0" smtClean="0"/>
+            </a:p>
+          </p:txBody>
+        </p:sp>
+        <p:cxnSp>
+          <p:nvCxnSpPr>
+            <p:cNvPr id="9" name="Straight Connector 8"/>
+            <p:cNvCxnSpPr>
+              <a:stCxn id="7" idx="3"/>
+              <a:endCxn id="5" idx="1"/>
+            </p:cNvCxnSpPr>
+            <p:nvPr/>
+          </p:nvCxnSpPr>
+          <p:spPr>
+            <a:xfrm>
+              <a:off x="2038408" y="3174866"/>
+              <a:ext cx="1923731" cy="0"/>
+            </a:xfrm>
+            <a:prstGeom prst="line">
+              <a:avLst/>
+            </a:prstGeom>
+          </p:spPr>
+          <p:style>
+            <a:lnRef idx="2">
+              <a:schemeClr val="accent1"/>
+            </a:lnRef>
+            <a:fillRef idx="0">
+              <a:schemeClr val="accent1"/>
+            </a:fillRef>
+            <a:effectRef idx="1">
+              <a:schemeClr val="accent1"/>
+            </a:effectRef>
+            <a:fontRef idx="minor">
+              <a:schemeClr val="tx1"/>
+            </a:fontRef>
+          </p:style>
+        </p:cxnSp>
+        <p:cxnSp>
+          <p:nvCxnSpPr>
+            <p:cNvPr id="11" name="Straight Connector 10"/>
+            <p:cNvCxnSpPr>
+              <a:stCxn id="5" idx="3"/>
+              <a:endCxn id="6" idx="1"/>
+            </p:cNvCxnSpPr>
+            <p:nvPr/>
+          </p:nvCxnSpPr>
+          <p:spPr>
+            <a:xfrm>
+              <a:off x="5280825" y="3174866"/>
+              <a:ext cx="1874955" cy="0"/>
+            </a:xfrm>
+            <a:prstGeom prst="line">
+              <a:avLst/>
+            </a:prstGeom>
+          </p:spPr>
+          <p:style>
+            <a:lnRef idx="2">
+              <a:schemeClr val="accent1"/>
+            </a:lnRef>
+            <a:fillRef idx="0">
+              <a:schemeClr val="accent1"/>
+            </a:fillRef>
+            <a:effectRef idx="1">
+              <a:schemeClr val="accent1"/>
+            </a:effectRef>
+            <a:fontRef idx="minor">
+              <a:schemeClr val="tx1"/>
+            </a:fontRef>
+          </p:style>
+        </p:cxnSp>
+        <p:sp>
+          <p:nvSpPr>
+            <p:cNvPr id="21" name="TextBox 20"/>
+            <p:cNvSpPr txBox="1"/>
+            <p:nvPr/>
+          </p:nvSpPr>
+          <p:spPr>
+            <a:xfrm>
+              <a:off x="3544631" y="3348862"/>
+              <a:ext cx="299631" cy="369332"/>
+            </a:xfrm>
+            <a:prstGeom prst="rect">
+              <a:avLst/>
+            </a:prstGeom>
+            <a:noFill/>
+          </p:spPr>
+          <p:txBody>
+            <a:bodyPr wrap="none" rtlCol="0">
+              <a:spAutoFit/>
+            </a:bodyPr>
+            <a:lstStyle/>
+            <a:p>
+              <a:r>
+                <a:rPr lang="pt-BR" dirty="0" smtClean="0"/>
+                <a:t>*</a:t>
+              </a:r>
+              <a:endParaRPr lang="pt-BR" dirty="0"/>
+            </a:p>
+          </p:txBody>
+        </p:sp>
+        <p:sp>
+          <p:nvSpPr>
+            <p:cNvPr id="22" name="TextBox 21"/>
+            <p:cNvSpPr txBox="1"/>
+            <p:nvPr/>
+          </p:nvSpPr>
+          <p:spPr>
+            <a:xfrm>
+              <a:off x="6739792" y="3316596"/>
+              <a:ext cx="299631" cy="369332"/>
+            </a:xfrm>
+            <a:prstGeom prst="rect">
+              <a:avLst/>
+            </a:prstGeom>
+            <a:noFill/>
+          </p:spPr>
+          <p:txBody>
+            <a:bodyPr wrap="none" rtlCol="0">
+              <a:spAutoFit/>
+            </a:bodyPr>
+            <a:lstStyle/>
+            <a:p>
+              <a:r>
+                <a:rPr lang="pt-BR" dirty="0" smtClean="0"/>
+                <a:t>*</a:t>
+              </a:r>
+              <a:endParaRPr lang="pt-BR" dirty="0"/>
+            </a:p>
+          </p:txBody>
+        </p:sp>
+      </p:grpSp>
+    </p:spTree>
+  </p:cSld>
+  <p:clrMapOvr>
+    <a:masterClrMapping/>
+  </p:clrMapOvr>
+  <p:timing>
+    <p:tnLst>
+      <p:par>
+        <p:cTn xmlns:p14="http://schemas.microsoft.com/office/powerpoint/2010/main" id="1" dur="indefinite" restart="never" nodeType="tmRoot"/>
+      </p:par>
+    </p:tnLst>
+  </p:timing>
+</p:sld>
+</file>
+
+<file path=ppt/slides/slide13.xml><?xml version="1.0" encoding="utf-8"?>
+<p:sld xmlns:a="http://schemas.openxmlformats.org/drawingml/2006/main" xmlns:r="http://schemas.openxmlformats.org/officeDocument/2006/relationships" xmlns:p="http://schemas.openxmlformats.org/presentationml/2006/main">
+  <p:cSld>
+    <p:spTree>
+      <p:nvGrpSpPr>
+        <p:cNvPr id="1" name=""/>
+        <p:cNvGrpSpPr/>
+        <p:nvPr/>
+      </p:nvGrpSpPr>
+      <p:grpSpPr>
+        <a:xfrm>
+          <a:off x="0" y="0"/>
+          <a:ext cx="0" cy="0"/>
+          <a:chOff x="0" y="0"/>
+          <a:chExt cx="0" cy="0"/>
+        </a:xfrm>
+      </p:grpSpPr>
+      <p:sp>
+        <p:nvSpPr>
+          <p:cNvPr id="2" name="Title 1"/>
+          <p:cNvSpPr>
+            <a:spLocks noGrp="1"/>
+          </p:cNvSpPr>
+          <p:nvPr>
+            <p:ph type="title"/>
+          </p:nvPr>
+        </p:nvSpPr>
+        <p:spPr/>
+        <p:txBody>
+          <a:bodyPr/>
+          <a:lstStyle/>
+          <a:p>
+            <a:r>
+              <a:rPr lang="pt-BR" dirty="0" smtClean="0"/>
+              <a:t>Exemplo de código de teste</a:t>
             </a:r>
             <a:endParaRPr lang="pt-BR" dirty="0"/>
           </a:p>
@@ -4295,7 +4859,7 @@
 </p:sld>
 </file>
 
-<file path=ppt/slides/slide12.xml><?xml version="1.0" encoding="utf-8"?>
+<file path=ppt/slides/slide14.xml><?xml version="1.0" encoding="utf-8"?>
 <p:sld xmlns:a="http://schemas.openxmlformats.org/drawingml/2006/main" xmlns:r="http://schemas.openxmlformats.org/officeDocument/2006/relationships" xmlns:p="http://schemas.openxmlformats.org/presentationml/2006/main">
   <p:cSld>
     <p:spTree>
@@ -4329,11 +4893,7 @@
           <a:p>
             <a:r>
               <a:rPr lang="pt-BR" dirty="0" smtClean="0"/>
-              <a:t>Implementaç</a:t>
-            </a:r>
-            <a:r>
-              <a:rPr lang="pt-BR" dirty="0" smtClean="0"/>
-              <a:t>ão baseada no teste</a:t>
+              <a:t>Implementação baseada no teste</a:t>
             </a:r>
             <a:endParaRPr lang="pt-BR" dirty="0"/>
           </a:p>
@@ -4383,7 +4943,7 @@
 </p:sld>
 </file>
 
-<file path=ppt/slides/slide13.xml><?xml version="1.0" encoding="utf-8"?>
+<file path=ppt/slides/slide15.xml><?xml version="1.0" encoding="utf-8"?>
 <p:sld xmlns:a="http://schemas.openxmlformats.org/drawingml/2006/main" xmlns:r="http://schemas.openxmlformats.org/officeDocument/2006/relationships" xmlns:p="http://schemas.openxmlformats.org/presentationml/2006/main">
   <p:cSld>
     <p:spTree>
@@ -4417,7 +4977,7 @@
           <a:p>
             <a:r>
               <a:rPr lang="pt-BR" dirty="0" smtClean="0"/>
-              <a:t>Projeto Mobile</a:t>
+              <a:t>Sistema Mobile</a:t>
             </a:r>
             <a:endParaRPr lang="pt-BR" dirty="0"/>
           </a:p>
@@ -4467,7 +5027,7 @@
 </p:sld>
 </file>
 
-<file path=ppt/slides/slide14.xml><?xml version="1.0" encoding="utf-8"?>
+<file path=ppt/slides/slide16.xml><?xml version="1.0" encoding="utf-8"?>
 <p:sld xmlns:a="http://schemas.openxmlformats.org/drawingml/2006/main" xmlns:r="http://schemas.openxmlformats.org/officeDocument/2006/relationships" xmlns:p="http://schemas.openxmlformats.org/presentationml/2006/main">
   <p:cSld>
     <p:spTree>
@@ -4501,7 +5061,7 @@
           <a:p>
             <a:r>
               <a:rPr lang="pt-BR" dirty="0" smtClean="0"/>
-              <a:t>Projeto Mobile</a:t>
+              <a:t>Sistema Mobile</a:t>
             </a:r>
             <a:endParaRPr lang="pt-BR" dirty="0"/>
           </a:p>
@@ -4538,11 +5098,7 @@
           <a:p>
             <a:r>
               <a:rPr lang="pt-BR" dirty="0" smtClean="0"/>
-              <a:t>Foram criados apenas testes de integraç</a:t>
-            </a:r>
-            <a:r>
-              <a:rPr lang="pt-BR" dirty="0" smtClean="0"/>
-              <a:t>ão.</a:t>
+              <a:t>Foram criados apenas testes de integração.</a:t>
             </a:r>
           </a:p>
           <a:p>
@@ -4564,10 +5120,17 @@
   <p:clrMapOvr>
     <a:masterClrMapping/>
   </p:clrMapOvr>
+  <p:timing>
+    <p:tnLst>
+      <p:par>
+        <p:cTn xmlns:p14="http://schemas.microsoft.com/office/powerpoint/2010/main" id="1" dur="indefinite" restart="never" nodeType="tmRoot"/>
+      </p:par>
+    </p:tnLst>
+  </p:timing>
 </p:sld>
 </file>
 
-<file path=ppt/slides/slide15.xml><?xml version="1.0" encoding="utf-8"?>
+<file path=ppt/slides/slide17.xml><?xml version="1.0" encoding="utf-8"?>
 <p:sld xmlns:a="http://schemas.openxmlformats.org/drawingml/2006/main" xmlns:r="http://schemas.openxmlformats.org/officeDocument/2006/relationships" xmlns:p="http://schemas.openxmlformats.org/presentationml/2006/main">
   <p:cSld>
     <p:spTree>
@@ -4601,11 +5164,88 @@
           <a:p>
             <a:r>
               <a:rPr lang="pt-BR" dirty="0" smtClean="0"/>
-              <a:t>Exemplo de c</a:t>
-            </a:r>
-            <a:r>
-              <a:rPr lang="pt-BR" dirty="0" smtClean="0"/>
-              <a:t>ódigo de teste</a:t>
+              <a:t>Tela de Configuraç</a:t>
+            </a:r>
+            <a:r>
+              <a:rPr lang="pt-BR" dirty="0" smtClean="0"/>
+              <a:t>ão</a:t>
+            </a:r>
+            <a:endParaRPr lang="pt-BR" dirty="0"/>
+          </a:p>
+        </p:txBody>
+      </p:sp>
+      <p:pic>
+        <p:nvPicPr>
+          <p:cNvPr id="4" name="Picture 3"/>
+          <p:cNvPicPr>
+            <a:picLocks noChangeAspect="1"/>
+          </p:cNvPicPr>
+          <p:nvPr/>
+        </p:nvPicPr>
+        <p:blipFill>
+          <a:blip r:embed="rId2"/>
+          <a:stretch>
+            <a:fillRect/>
+          </a:stretch>
+        </p:blipFill>
+        <p:spPr>
+          <a:xfrm>
+            <a:off x="1236751" y="1582868"/>
+            <a:ext cx="6785074" cy="5019851"/>
+          </a:xfrm>
+          <a:prstGeom prst="rect">
+            <a:avLst/>
+          </a:prstGeom>
+        </p:spPr>
+      </p:pic>
+    </p:spTree>
+    <p:extLst>
+      <p:ext uri="{BB962C8B-B14F-4D97-AF65-F5344CB8AC3E}">
+        <p14:creationId xmlns:p14="http://schemas.microsoft.com/office/powerpoint/2010/main" val="2573498638"/>
+      </p:ext>
+    </p:extLst>
+  </p:cSld>
+  <p:clrMapOvr>
+    <a:masterClrMapping/>
+  </p:clrMapOvr>
+</p:sld>
+</file>
+
+<file path=ppt/slides/slide18.xml><?xml version="1.0" encoding="utf-8"?>
+<p:sld xmlns:a="http://schemas.openxmlformats.org/drawingml/2006/main" xmlns:r="http://schemas.openxmlformats.org/officeDocument/2006/relationships" xmlns:p="http://schemas.openxmlformats.org/presentationml/2006/main">
+  <p:cSld>
+    <p:spTree>
+      <p:nvGrpSpPr>
+        <p:cNvPr id="1" name=""/>
+        <p:cNvGrpSpPr/>
+        <p:nvPr/>
+      </p:nvGrpSpPr>
+      <p:grpSpPr>
+        <a:xfrm>
+          <a:off x="0" y="0"/>
+          <a:ext cx="0" cy="0"/>
+          <a:chOff x="0" y="0"/>
+          <a:chExt cx="0" cy="0"/>
+        </a:xfrm>
+      </p:grpSpPr>
+      <p:sp>
+        <p:nvSpPr>
+          <p:cNvPr id="2" name="Title 1"/>
+          <p:cNvSpPr>
+            <a:spLocks noGrp="1"/>
+          </p:cNvSpPr>
+          <p:nvPr>
+            <p:ph type="title"/>
+          </p:nvPr>
+        </p:nvSpPr>
+        <p:spPr/>
+        <p:txBody>
+          <a:bodyPr/>
+          <a:lstStyle/>
+          <a:p>
+            <a:r>
+              <a:rPr lang="pt-BR" dirty="0" smtClean="0"/>
+              <a:t>Exemplo de código de teste</a:t>
             </a:r>
             <a:endParaRPr lang="pt-BR" dirty="0"/>
           </a:p>
@@ -4645,10 +5285,17 @@
   <p:clrMapOvr>
     <a:masterClrMapping/>
   </p:clrMapOvr>
+  <p:timing>
+    <p:tnLst>
+      <p:par>
+        <p:cTn xmlns:p14="http://schemas.microsoft.com/office/powerpoint/2010/main" id="1" dur="indefinite" restart="never" nodeType="tmRoot"/>
+      </p:par>
+    </p:tnLst>
+  </p:timing>
 </p:sld>
 </file>
 
-<file path=ppt/slides/slide16.xml><?xml version="1.0" encoding="utf-8"?>
+<file path=ppt/slides/slide19.xml><?xml version="1.0" encoding="utf-8"?>
 <p:sld xmlns:a="http://schemas.openxmlformats.org/drawingml/2006/main" xmlns:r="http://schemas.openxmlformats.org/officeDocument/2006/relationships" xmlns:p="http://schemas.openxmlformats.org/presentationml/2006/main">
   <p:cSld>
     <p:spTree>
@@ -4705,11 +5352,7 @@
           <a:p>
             <a:r>
               <a:rPr lang="pt-BR" dirty="0" smtClean="0"/>
-              <a:t>A cobertura de testes mostra a porcentagem de c</a:t>
-            </a:r>
-            <a:r>
-              <a:rPr lang="pt-BR" dirty="0" smtClean="0"/>
-              <a:t>ódigo desenvolvido que é executada por uma rotina de teste.</a:t>
+              <a:t>A cobertura de testes mostra a porcentagem de código desenvolvido que é testado durante a execução de um conjunto de testes.</a:t>
             </a:r>
           </a:p>
           <a:p>
@@ -4727,7 +5370,7 @@
             </a:r>
             <a:r>
               <a:rPr lang="en-US" dirty="0" smtClean="0"/>
-              <a:t>2002), o </a:t>
+              <a:t>2002), um </a:t>
             </a:r>
             <a:r>
               <a:rPr lang="en-US" dirty="0" err="1" smtClean="0"/>
@@ -4735,7 +5378,15 @@
             </a:r>
             <a:r>
               <a:rPr lang="en-US" dirty="0" smtClean="0"/>
-              <a:t> da </a:t>
+              <a:t> </a:t>
+            </a:r>
+            <a:r>
+              <a:rPr lang="en-US" dirty="0" err="1" smtClean="0"/>
+              <a:t>na</a:t>
+            </a:r>
+            <a:r>
+              <a:rPr lang="en-US" dirty="0" smtClean="0"/>
+              <a:t> </a:t>
             </a:r>
             <a:r>
               <a:rPr lang="en-US" dirty="0" err="1" smtClean="0"/>
@@ -4783,7 +5434,7 @@
             </a:r>
             <a:r>
               <a:rPr lang="en-US" dirty="0" smtClean="0"/>
-              <a:t> no software.</a:t>
+              <a:t> do software.</a:t>
             </a:r>
             <a:endParaRPr lang="pt-BR" dirty="0"/>
           </a:p>
@@ -4799,10 +5450,17 @@
   <p:clrMapOvr>
     <a:masterClrMapping/>
   </p:clrMapOvr>
+  <p:timing>
+    <p:tnLst>
+      <p:par>
+        <p:cTn xmlns:p14="http://schemas.microsoft.com/office/powerpoint/2010/main" id="1" dur="indefinite" restart="never" nodeType="tmRoot"/>
+      </p:par>
+    </p:tnLst>
+  </p:timing>
 </p:sld>
 </file>
 
-<file path=ppt/slides/slide17.xml><?xml version="1.0" encoding="utf-8"?>
+<file path=ppt/slides/slide2.xml><?xml version="1.0" encoding="utf-8"?>
 <p:sld xmlns:a="http://schemas.openxmlformats.org/drawingml/2006/main" xmlns:r="http://schemas.openxmlformats.org/officeDocument/2006/relationships" xmlns:p="http://schemas.openxmlformats.org/presentationml/2006/main">
   <p:cSld>
     <p:spTree>
@@ -4831,14 +5489,133 @@
         </p:nvSpPr>
         <p:spPr/>
         <p:txBody>
-          <a:bodyPr/>
-          <a:lstStyle/>
-          <a:p>
-            <a:r>
-              <a:rPr lang="pt-BR" dirty="0" smtClean="0"/>
-              <a:t>Sistema Web</a:t>
+          <a:bodyPr>
+            <a:normAutofit/>
+          </a:bodyPr>
+          <a:lstStyle/>
+          <a:p>
+            <a:r>
+              <a:rPr lang="pt-BR" sz="3600" dirty="0" smtClean="0"/>
+              <a:t>Indústria de Desenvolvimento de Software</a:t>
+            </a:r>
+            <a:endParaRPr lang="pt-BR" sz="3600" dirty="0"/>
+          </a:p>
+        </p:txBody>
+      </p:sp>
+      <p:sp>
+        <p:nvSpPr>
+          <p:cNvPr id="3" name="Content Placeholder 2"/>
+          <p:cNvSpPr>
+            <a:spLocks noGrp="1"/>
+          </p:cNvSpPr>
+          <p:nvPr>
+            <p:ph idx="1"/>
+          </p:nvPr>
+        </p:nvSpPr>
+        <p:spPr/>
+        <p:txBody>
+          <a:bodyPr/>
+          <a:lstStyle/>
+          <a:p>
+            <a:r>
+              <a:rPr lang="pt-BR" dirty="0" smtClean="0"/>
+              <a:t>Movimentou cerca de 1,23 trilhões de dólares em 2008.</a:t>
+            </a:r>
+          </a:p>
+          <a:p>
+            <a:r>
+              <a:rPr lang="pt-BR" dirty="0" smtClean="0"/>
+              <a:t>Possui um crescimento de 3% ao ano.</a:t>
+            </a:r>
+          </a:p>
+          <a:p>
+            <a:r>
+              <a:rPr lang="pt-BR" dirty="0" smtClean="0"/>
+              <a:t>Grandes disputas entre as empresas.</a:t>
+            </a:r>
+          </a:p>
+          <a:p>
+            <a:r>
+              <a:rPr lang="pt-BR" dirty="0" smtClean="0"/>
+              <a:t>As vezes a qualidade é deixada de lado para priorizar a produtividade e ganhar mercado.</a:t>
+            </a:r>
+          </a:p>
+          <a:p>
+            <a:r>
+              <a:rPr lang="pt-BR" dirty="0" smtClean="0"/>
+              <a:t>Oportunidade de melhoria no processo de desenvolvimento de software.</a:t>
             </a:r>
             <a:endParaRPr lang="pt-BR" dirty="0"/>
+          </a:p>
+        </p:txBody>
+      </p:sp>
+    </p:spTree>
+    <p:extLst>
+      <p:ext uri="{BB962C8B-B14F-4D97-AF65-F5344CB8AC3E}">
+        <p14:creationId xmlns:p14="http://schemas.microsoft.com/office/powerpoint/2010/main" val="170927552"/>
+      </p:ext>
+    </p:extLst>
+  </p:cSld>
+  <p:clrMapOvr>
+    <a:masterClrMapping/>
+  </p:clrMapOvr>
+  <p:timing>
+    <p:tnLst>
+      <p:par>
+        <p:cTn xmlns:p14="http://schemas.microsoft.com/office/powerpoint/2010/main" id="1" dur="indefinite" restart="never" nodeType="tmRoot"/>
+      </p:par>
+    </p:tnLst>
+  </p:timing>
+</p:sld>
+</file>
+
+<file path=ppt/slides/slide20.xml><?xml version="1.0" encoding="utf-8"?>
+<p:sld xmlns:a="http://schemas.openxmlformats.org/drawingml/2006/main" xmlns:r="http://schemas.openxmlformats.org/officeDocument/2006/relationships" xmlns:p="http://schemas.openxmlformats.org/presentationml/2006/main">
+  <p:cSld>
+    <p:spTree>
+      <p:nvGrpSpPr>
+        <p:cNvPr id="1" name=""/>
+        <p:cNvGrpSpPr/>
+        <p:nvPr/>
+      </p:nvGrpSpPr>
+      <p:grpSpPr>
+        <a:xfrm>
+          <a:off x="0" y="0"/>
+          <a:ext cx="0" cy="0"/>
+          <a:chOff x="0" y="0"/>
+          <a:chExt cx="0" cy="0"/>
+        </a:xfrm>
+      </p:grpSpPr>
+      <p:sp>
+        <p:nvSpPr>
+          <p:cNvPr id="2" name="Title 1"/>
+          <p:cNvSpPr>
+            <a:spLocks noGrp="1"/>
+          </p:cNvSpPr>
+          <p:nvPr>
+            <p:ph type="title"/>
+          </p:nvPr>
+        </p:nvSpPr>
+        <p:spPr/>
+        <p:txBody>
+          <a:bodyPr>
+            <a:normAutofit/>
+          </a:bodyPr>
+          <a:lstStyle/>
+          <a:p>
+            <a:r>
+              <a:rPr lang="pt-BR" sz="3800" dirty="0" smtClean="0"/>
+              <a:t>Relat</a:t>
+            </a:r>
+            <a:r>
+              <a:rPr lang="pt-BR" sz="3800" dirty="0" smtClean="0"/>
+              <a:t>ório de Cobertura </a:t>
+            </a:r>
+            <a:r>
+              <a:rPr lang="pt-BR" sz="3800" dirty="0" smtClean="0"/>
+              <a:t>do Sistema Web</a:t>
+            </a:r>
+            <a:endParaRPr lang="pt-BR" sz="3800" dirty="0"/>
           </a:p>
         </p:txBody>
       </p:sp>
@@ -4876,10 +5653,17 @@
   <p:clrMapOvr>
     <a:masterClrMapping/>
   </p:clrMapOvr>
+  <p:timing>
+    <p:tnLst>
+      <p:par>
+        <p:cTn xmlns:p14="http://schemas.microsoft.com/office/powerpoint/2010/main" id="1" dur="indefinite" restart="never" nodeType="tmRoot"/>
+      </p:par>
+    </p:tnLst>
+  </p:timing>
 </p:sld>
 </file>
 
-<file path=ppt/slides/slide18.xml><?xml version="1.0" encoding="utf-8"?>
+<file path=ppt/slides/slide21.xml><?xml version="1.0" encoding="utf-8"?>
 <p:sld xmlns:a="http://schemas.openxmlformats.org/drawingml/2006/main" xmlns:r="http://schemas.openxmlformats.org/officeDocument/2006/relationships" xmlns:p="http://schemas.openxmlformats.org/presentationml/2006/main">
   <p:cSld>
     <p:spTree>
@@ -4908,14 +5692,20 @@
         </p:nvSpPr>
         <p:spPr/>
         <p:txBody>
-          <a:bodyPr/>
-          <a:lstStyle/>
-          <a:p>
-            <a:r>
-              <a:rPr lang="pt-BR" dirty="0" smtClean="0"/>
-              <a:t>Sistema Mobile</a:t>
-            </a:r>
-            <a:endParaRPr lang="pt-BR" dirty="0"/>
+          <a:bodyPr>
+            <a:noAutofit/>
+          </a:bodyPr>
+          <a:lstStyle/>
+          <a:p>
+            <a:r>
+              <a:rPr lang="pt-BR" sz="3700" dirty="0" smtClean="0"/>
+              <a:t>Relat</a:t>
+            </a:r>
+            <a:r>
+              <a:rPr lang="pt-BR" sz="3700" dirty="0" smtClean="0"/>
+              <a:t>ório de Cobertura do Sistema Mobile</a:t>
+            </a:r>
+            <a:endParaRPr lang="pt-BR" sz="3700" dirty="0"/>
           </a:p>
         </p:txBody>
       </p:sp>
@@ -4953,10 +5743,17 @@
   <p:clrMapOvr>
     <a:masterClrMapping/>
   </p:clrMapOvr>
+  <p:timing>
+    <p:tnLst>
+      <p:par>
+        <p:cTn xmlns:p14="http://schemas.microsoft.com/office/powerpoint/2010/main" id="1" dur="indefinite" restart="never" nodeType="tmRoot"/>
+      </p:par>
+    </p:tnLst>
+  </p:timing>
 </p:sld>
 </file>
 
-<file path=ppt/slides/slide19.xml><?xml version="1.0" encoding="utf-8"?>
+<file path=ppt/slides/slide22.xml><?xml version="1.0" encoding="utf-8"?>
 <p:sld xmlns:a="http://schemas.openxmlformats.org/drawingml/2006/main" xmlns:r="http://schemas.openxmlformats.org/officeDocument/2006/relationships" xmlns:p="http://schemas.openxmlformats.org/presentationml/2006/main">
   <p:cSld>
     <p:spTree>
@@ -4990,11 +5787,7 @@
           <a:p>
             <a:r>
               <a:rPr lang="pt-BR" dirty="0" smtClean="0"/>
-              <a:t>Conclus</a:t>
-            </a:r>
-            <a:r>
-              <a:rPr lang="pt-BR" dirty="0" smtClean="0"/>
-              <a:t>ão</a:t>
+              <a:t>Conclusão</a:t>
             </a:r>
             <a:endParaRPr lang="pt-BR" dirty="0"/>
           </a:p>
@@ -5120,11 +5913,7 @@
             <a:pPr algn="ctr"/>
             <a:r>
               <a:rPr lang="pt-BR" dirty="0" smtClean="0"/>
-              <a:t>Reduç</a:t>
-            </a:r>
-            <a:r>
-              <a:rPr lang="pt-BR" dirty="0" smtClean="0"/>
-              <a:t>ão de defeitos</a:t>
+              <a:t>Redução de defeitos</a:t>
             </a:r>
             <a:endParaRPr lang="pt-BR" dirty="0"/>
           </a:p>
@@ -5370,106 +6159,88 @@
           </a:p>
         </p:txBody>
       </p:sp>
+      <p:sp>
+        <p:nvSpPr>
+          <p:cNvPr id="16" name="Rounded Rectangle 15"/>
+          <p:cNvSpPr/>
+          <p:nvPr/>
+        </p:nvSpPr>
+        <p:spPr>
+          <a:xfrm>
+            <a:off x="3601024" y="1417638"/>
+            <a:ext cx="1948876" cy="1169460"/>
+          </a:xfrm>
+          <a:prstGeom prst="roundRect">
+            <a:avLst/>
+          </a:prstGeom>
+        </p:spPr>
+        <p:style>
+          <a:lnRef idx="1">
+            <a:schemeClr val="accent1"/>
+          </a:lnRef>
+          <a:fillRef idx="3">
+            <a:schemeClr val="accent1"/>
+          </a:fillRef>
+          <a:effectRef idx="2">
+            <a:schemeClr val="accent1"/>
+          </a:effectRef>
+          <a:fontRef idx="minor">
+            <a:schemeClr val="lt1"/>
+          </a:fontRef>
+        </p:style>
+        <p:txBody>
+          <a:bodyPr rtlCol="0" anchor="ctr"/>
+          <a:lstStyle/>
+          <a:p>
+            <a:pPr algn="ctr"/>
+            <a:r>
+              <a:rPr lang="pt-BR" dirty="0" smtClean="0"/>
+              <a:t>Redução de Custos</a:t>
+            </a:r>
+            <a:endParaRPr lang="pt-BR" dirty="0"/>
+          </a:p>
+        </p:txBody>
+      </p:sp>
+      <p:cxnSp>
+        <p:nvCxnSpPr>
+          <p:cNvPr id="8" name="Straight Arrow Connector 7"/>
+          <p:cNvCxnSpPr>
+            <a:stCxn id="7" idx="1"/>
+            <a:endCxn id="16" idx="3"/>
+          </p:cNvCxnSpPr>
+          <p:nvPr/>
+        </p:nvCxnSpPr>
+        <p:spPr>
+          <a:xfrm flipH="1">
+            <a:off x="5549900" y="2002368"/>
+            <a:ext cx="1188024" cy="0"/>
+          </a:xfrm>
+          <a:prstGeom prst="straightConnector1">
+            <a:avLst/>
+          </a:prstGeom>
+          <a:ln>
+            <a:tailEnd type="arrow"/>
+          </a:ln>
+        </p:spPr>
+        <p:style>
+          <a:lnRef idx="2">
+            <a:schemeClr val="accent1"/>
+          </a:lnRef>
+          <a:fillRef idx="0">
+            <a:schemeClr val="accent1"/>
+          </a:fillRef>
+          <a:effectRef idx="1">
+            <a:schemeClr val="accent1"/>
+          </a:effectRef>
+          <a:fontRef idx="minor">
+            <a:schemeClr val="tx1"/>
+          </a:fontRef>
+        </p:style>
+      </p:cxnSp>
     </p:spTree>
     <p:extLst>
       <p:ext uri="{BB962C8B-B14F-4D97-AF65-F5344CB8AC3E}">
         <p14:creationId xmlns:p14="http://schemas.microsoft.com/office/powerpoint/2010/main" val="3690645209"/>
-      </p:ext>
-    </p:extLst>
-  </p:cSld>
-  <p:clrMapOvr>
-    <a:masterClrMapping/>
-  </p:clrMapOvr>
-</p:sld>
-</file>
-
-<file path=ppt/slides/slide2.xml><?xml version="1.0" encoding="utf-8"?>
-<p:sld xmlns:a="http://schemas.openxmlformats.org/drawingml/2006/main" xmlns:r="http://schemas.openxmlformats.org/officeDocument/2006/relationships" xmlns:p="http://schemas.openxmlformats.org/presentationml/2006/main">
-  <p:cSld>
-    <p:spTree>
-      <p:nvGrpSpPr>
-        <p:cNvPr id="1" name=""/>
-        <p:cNvGrpSpPr/>
-        <p:nvPr/>
-      </p:nvGrpSpPr>
-      <p:grpSpPr>
-        <a:xfrm>
-          <a:off x="0" y="0"/>
-          <a:ext cx="0" cy="0"/>
-          <a:chOff x="0" y="0"/>
-          <a:chExt cx="0" cy="0"/>
-        </a:xfrm>
-      </p:grpSpPr>
-      <p:sp>
-        <p:nvSpPr>
-          <p:cNvPr id="2" name="Title 1"/>
-          <p:cNvSpPr>
-            <a:spLocks noGrp="1"/>
-          </p:cNvSpPr>
-          <p:nvPr>
-            <p:ph type="title"/>
-          </p:nvPr>
-        </p:nvSpPr>
-        <p:spPr/>
-        <p:txBody>
-          <a:bodyPr>
-            <a:normAutofit/>
-          </a:bodyPr>
-          <a:lstStyle/>
-          <a:p>
-            <a:r>
-              <a:rPr lang="pt-BR" sz="3600" dirty="0" smtClean="0"/>
-              <a:t>Indústria de Desenvolvimento de Software</a:t>
-            </a:r>
-            <a:endParaRPr lang="pt-BR" sz="3600" dirty="0"/>
-          </a:p>
-        </p:txBody>
-      </p:sp>
-      <p:sp>
-        <p:nvSpPr>
-          <p:cNvPr id="3" name="Content Placeholder 2"/>
-          <p:cNvSpPr>
-            <a:spLocks noGrp="1"/>
-          </p:cNvSpPr>
-          <p:nvPr>
-            <p:ph idx="1"/>
-          </p:nvPr>
-        </p:nvSpPr>
-        <p:spPr/>
-        <p:txBody>
-          <a:bodyPr/>
-          <a:lstStyle/>
-          <a:p>
-            <a:r>
-              <a:rPr lang="pt-BR" dirty="0" smtClean="0"/>
-              <a:t>Movimentou cerca de 1,23 trilhões de dólares em 2008.</a:t>
-            </a:r>
-          </a:p>
-          <a:p>
-            <a:r>
-              <a:rPr lang="pt-BR" dirty="0" smtClean="0"/>
-              <a:t>Possui um crescimento de 3% ao ano.</a:t>
-            </a:r>
-          </a:p>
-          <a:p>
-            <a:r>
-              <a:rPr lang="pt-BR" dirty="0" smtClean="0"/>
-              <a:t>Grandes disputas entre as empresas.</a:t>
-            </a:r>
-          </a:p>
-          <a:p>
-            <a:r>
-              <a:rPr lang="pt-BR" dirty="0" smtClean="0"/>
-              <a:t>As vezes a qualidade é deixada de lado para priorizar a produtividade e ganhar mercado.</a:t>
-            </a:r>
-            <a:endParaRPr lang="pt-BR" dirty="0"/>
-          </a:p>
-        </p:txBody>
-      </p:sp>
-    </p:spTree>
-    <p:extLst>
-      <p:ext uri="{BB962C8B-B14F-4D97-AF65-F5344CB8AC3E}">
-        <p14:creationId xmlns:p14="http://schemas.microsoft.com/office/powerpoint/2010/main" val="170927552"/>
       </p:ext>
     </p:extLst>
   </p:cSld>
@@ -5886,41 +6657,27 @@
           <a:p>
             <a:r>
               <a:rPr lang="pt-BR" dirty="0" smtClean="0"/>
-              <a:t>Feedback do cliente.</a:t>
-            </a:r>
-          </a:p>
-          <a:p>
-            <a:r>
-              <a:rPr lang="pt-BR" dirty="0" smtClean="0"/>
-              <a:t>Design simples.</a:t>
+              <a:t>Design </a:t>
+            </a:r>
+            <a:r>
+              <a:rPr lang="pt-BR" dirty="0" smtClean="0"/>
+              <a:t>simples</a:t>
+            </a:r>
+            <a:r>
+              <a:rPr lang="pt-BR" dirty="0" smtClean="0"/>
+              <a:t>.</a:t>
             </a:r>
           </a:p>
           <a:p>
             <a:r>
               <a:rPr lang="pt-BR" dirty="0"/>
-              <a:t>Test </a:t>
-            </a:r>
-            <a:r>
-              <a:rPr lang="pt-BR" dirty="0" err="1"/>
-              <a:t>Driven</a:t>
-            </a:r>
-            <a:r>
-              <a:rPr lang="pt-BR" dirty="0"/>
-              <a:t> </a:t>
-            </a:r>
-            <a:r>
-              <a:rPr lang="pt-BR" dirty="0" err="1"/>
-              <a:t>Development</a:t>
-            </a:r>
-            <a:r>
-              <a:rPr lang="pt-BR" dirty="0"/>
-              <a:t> (TDD)</a:t>
+              <a:t>Feedback do cliente</a:t>
             </a:r>
             <a:r>
               <a:rPr lang="pt-BR" dirty="0" smtClean="0"/>
               <a:t>.</a:t>
             </a:r>
-            <a:endParaRPr lang="pt-BR" dirty="0"/>
+            <a:endParaRPr lang="pt-BR" dirty="0" smtClean="0"/>
           </a:p>
         </p:txBody>
       </p:sp>
@@ -5945,6 +6702,96 @@
 </file>
 
 <file path=ppt/slides/slide6.xml><?xml version="1.0" encoding="utf-8"?>
+<p:sld xmlns:a="http://schemas.openxmlformats.org/drawingml/2006/main" xmlns:r="http://schemas.openxmlformats.org/officeDocument/2006/relationships" xmlns:p="http://schemas.openxmlformats.org/presentationml/2006/main">
+  <p:cSld>
+    <p:spTree>
+      <p:nvGrpSpPr>
+        <p:cNvPr id="1" name=""/>
+        <p:cNvGrpSpPr/>
+        <p:nvPr/>
+      </p:nvGrpSpPr>
+      <p:grpSpPr>
+        <a:xfrm>
+          <a:off x="0" y="0"/>
+          <a:ext cx="0" cy="0"/>
+          <a:chOff x="0" y="0"/>
+          <a:chExt cx="0" cy="0"/>
+        </a:xfrm>
+      </p:grpSpPr>
+      <p:sp>
+        <p:nvSpPr>
+          <p:cNvPr id="2" name="Title 1"/>
+          <p:cNvSpPr>
+            <a:spLocks noGrp="1"/>
+          </p:cNvSpPr>
+          <p:nvPr>
+            <p:ph type="title"/>
+          </p:nvPr>
+        </p:nvSpPr>
+        <p:spPr/>
+        <p:txBody>
+          <a:bodyPr/>
+          <a:lstStyle/>
+          <a:p>
+            <a:r>
+              <a:rPr lang="pt-BR" dirty="0" smtClean="0"/>
+              <a:t>Feedback</a:t>
+            </a:r>
+            <a:endParaRPr lang="pt-BR" dirty="0"/>
+          </a:p>
+        </p:txBody>
+      </p:sp>
+      <p:pic>
+        <p:nvPicPr>
+          <p:cNvPr id="4" name="Picture 3" descr="falta comunicacao software.jpg"/>
+          <p:cNvPicPr>
+            <a:picLocks noChangeAspect="1"/>
+          </p:cNvPicPr>
+          <p:nvPr/>
+        </p:nvPicPr>
+        <p:blipFill>
+          <a:blip r:embed="rId2">
+            <a:extLst>
+              <a:ext uri="{28A0092B-C50C-407E-A947-70E740481C1C}">
+                <a14:useLocalDpi xmlns:a14="http://schemas.microsoft.com/office/drawing/2010/main" val="0"/>
+              </a:ext>
+            </a:extLst>
+          </a:blip>
+          <a:stretch>
+            <a:fillRect/>
+          </a:stretch>
+        </p:blipFill>
+        <p:spPr>
+          <a:xfrm>
+            <a:off x="1117600" y="1239838"/>
+            <a:ext cx="6934200" cy="5200650"/>
+          </a:xfrm>
+          <a:prstGeom prst="rect">
+            <a:avLst/>
+          </a:prstGeom>
+        </p:spPr>
+      </p:pic>
+    </p:spTree>
+    <p:extLst>
+      <p:ext uri="{BB962C8B-B14F-4D97-AF65-F5344CB8AC3E}">
+        <p14:creationId xmlns:p14="http://schemas.microsoft.com/office/powerpoint/2010/main" val="3999134432"/>
+      </p:ext>
+    </p:extLst>
+  </p:cSld>
+  <p:clrMapOvr>
+    <a:masterClrMapping/>
+  </p:clrMapOvr>
+  <p:timing>
+    <p:tnLst>
+      <p:par>
+        <p:cTn xmlns:p14="http://schemas.microsoft.com/office/powerpoint/2010/main" id="1" dur="indefinite" restart="never" nodeType="tmRoot"/>
+      </p:par>
+    </p:tnLst>
+  </p:timing>
+</p:sld>
+</file>
+
+<file path=ppt/slides/slide7.xml><?xml version="1.0" encoding="utf-8"?>
 <p:sld xmlns:a="http://schemas.openxmlformats.org/drawingml/2006/main" xmlns:r="http://schemas.openxmlformats.org/officeDocument/2006/relationships" xmlns:p="http://schemas.openxmlformats.org/presentationml/2006/main">
   <p:cSld>
     <p:spTree>
@@ -6040,119 +6887,6 @@
 </p:sld>
 </file>
 
-<file path=ppt/slides/slide7.xml><?xml version="1.0" encoding="utf-8"?>
-<p:sld xmlns:a="http://schemas.openxmlformats.org/drawingml/2006/main" xmlns:r="http://schemas.openxmlformats.org/officeDocument/2006/relationships" xmlns:p="http://schemas.openxmlformats.org/presentationml/2006/main">
-  <p:cSld>
-    <p:spTree>
-      <p:nvGrpSpPr>
-        <p:cNvPr id="1" name=""/>
-        <p:cNvGrpSpPr/>
-        <p:nvPr/>
-      </p:nvGrpSpPr>
-      <p:grpSpPr>
-        <a:xfrm>
-          <a:off x="0" y="0"/>
-          <a:ext cx="0" cy="0"/>
-          <a:chOff x="0" y="0"/>
-          <a:chExt cx="0" cy="0"/>
-        </a:xfrm>
-      </p:grpSpPr>
-      <p:sp>
-        <p:nvSpPr>
-          <p:cNvPr id="2" name="Title 1"/>
-          <p:cNvSpPr>
-            <a:spLocks noGrp="1"/>
-          </p:cNvSpPr>
-          <p:nvPr>
-            <p:ph type="title"/>
-          </p:nvPr>
-        </p:nvSpPr>
-        <p:spPr/>
-        <p:txBody>
-          <a:bodyPr/>
-          <a:lstStyle/>
-          <a:p>
-            <a:r>
-              <a:rPr lang="pt-BR" dirty="0"/>
-              <a:t>Test </a:t>
-            </a:r>
-            <a:r>
-              <a:rPr lang="pt-BR" dirty="0" err="1"/>
-              <a:t>Driven</a:t>
-            </a:r>
-            <a:r>
-              <a:rPr lang="pt-BR" dirty="0"/>
-              <a:t> </a:t>
-            </a:r>
-            <a:r>
-              <a:rPr lang="pt-BR" dirty="0" err="1"/>
-              <a:t>Development</a:t>
-            </a:r>
-            <a:endParaRPr lang="pt-BR" dirty="0"/>
-          </a:p>
-        </p:txBody>
-      </p:sp>
-      <p:sp>
-        <p:nvSpPr>
-          <p:cNvPr id="3" name="Content Placeholder 2"/>
-          <p:cNvSpPr>
-            <a:spLocks noGrp="1"/>
-          </p:cNvSpPr>
-          <p:nvPr>
-            <p:ph idx="1"/>
-          </p:nvPr>
-        </p:nvSpPr>
-        <p:spPr/>
-        <p:txBody>
-          <a:bodyPr/>
-          <a:lstStyle/>
-          <a:p>
-            <a:r>
-              <a:rPr lang="pt-BR" dirty="0" smtClean="0"/>
-              <a:t>Evita a criação de código desnecessário.</a:t>
-            </a:r>
-          </a:p>
-          <a:p>
-            <a:r>
-              <a:rPr lang="pt-BR" dirty="0" smtClean="0"/>
-              <a:t>Aumenta o feedback do código para o desenvolvedor.</a:t>
-            </a:r>
-          </a:p>
-          <a:p>
-            <a:r>
-              <a:rPr lang="pt-BR" dirty="0" smtClean="0"/>
-              <a:t>Aumenta a segurança durante a manutenção do sistema.</a:t>
-            </a:r>
-          </a:p>
-          <a:p>
-            <a:r>
-              <a:rPr lang="pt-BR" dirty="0" smtClean="0"/>
-              <a:t>Execução de todos os testes criados é facilitada.</a:t>
-            </a:r>
-            <a:endParaRPr lang="pt-BR" dirty="0"/>
-          </a:p>
-        </p:txBody>
-      </p:sp>
-    </p:spTree>
-    <p:extLst>
-      <p:ext uri="{BB962C8B-B14F-4D97-AF65-F5344CB8AC3E}">
-        <p14:creationId xmlns:p14="http://schemas.microsoft.com/office/powerpoint/2010/main" val="2657189154"/>
-      </p:ext>
-    </p:extLst>
-  </p:cSld>
-  <p:clrMapOvr>
-    <a:masterClrMapping/>
-  </p:clrMapOvr>
-  <p:timing>
-    <p:tnLst>
-      <p:par>
-        <p:cTn xmlns:p14="http://schemas.microsoft.com/office/powerpoint/2010/main" id="1" dur="indefinite" restart="never" nodeType="tmRoot"/>
-      </p:par>
-    </p:tnLst>
-  </p:timing>
-</p:sld>
-</file>
-
 <file path=ppt/slides/slide8.xml><?xml version="1.0" encoding="utf-8"?>
 <p:sld xmlns:a="http://schemas.openxmlformats.org/drawingml/2006/main" xmlns:r="http://schemas.openxmlformats.org/officeDocument/2006/relationships" xmlns:p="http://schemas.openxmlformats.org/presentationml/2006/main">
   <p:cSld>
@@ -6186,40 +6920,28 @@
           <a:lstStyle/>
           <a:p>
             <a:r>
-              <a:rPr lang="pt-BR" dirty="0" smtClean="0"/>
-              <a:t>Estudo de caso</a:t>
+              <a:rPr lang="pt-BR" dirty="0"/>
+              <a:t>Test </a:t>
+            </a:r>
+            <a:r>
+              <a:rPr lang="pt-BR" dirty="0" err="1"/>
+              <a:t>Driven</a:t>
+            </a:r>
+            <a:r>
+              <a:rPr lang="pt-BR" dirty="0"/>
+              <a:t> </a:t>
+            </a:r>
+            <a:r>
+              <a:rPr lang="pt-BR" dirty="0" err="1"/>
+              <a:t>Development</a:t>
             </a:r>
             <a:endParaRPr lang="pt-BR" dirty="0"/>
           </a:p>
         </p:txBody>
       </p:sp>
-      <p:pic>
-        <p:nvPicPr>
-          <p:cNvPr id="9" name="Picture 8"/>
-          <p:cNvPicPr>
-            <a:picLocks noChangeAspect="1"/>
-          </p:cNvPicPr>
-          <p:nvPr/>
-        </p:nvPicPr>
-        <p:blipFill>
-          <a:blip r:embed="rId2"/>
-          <a:stretch>
-            <a:fillRect/>
-          </a:stretch>
-        </p:blipFill>
-        <p:spPr>
-          <a:xfrm>
-            <a:off x="1136162" y="1589128"/>
-            <a:ext cx="6778165" cy="1529432"/>
-          </a:xfrm>
-          <a:prstGeom prst="rect">
-            <a:avLst/>
-          </a:prstGeom>
-        </p:spPr>
-      </p:pic>
-      <p:sp>
-        <p:nvSpPr>
-          <p:cNvPr id="13" name="Content Placeholder 2"/>
+      <p:sp>
+        <p:nvSpPr>
+          <p:cNvPr id="3" name="Content Placeholder 2"/>
           <p:cNvSpPr>
             <a:spLocks noGrp="1"/>
           </p:cNvSpPr>
@@ -6227,40 +6949,49 @@
             <p:ph idx="1"/>
           </p:nvPr>
         </p:nvSpPr>
-        <p:spPr>
-          <a:xfrm>
-            <a:off x="457200" y="3344906"/>
-            <a:ext cx="8229600" cy="3080833"/>
-          </a:xfrm>
-        </p:spPr>
-        <p:txBody>
-          <a:bodyPr>
-            <a:normAutofit/>
-          </a:bodyPr>
-          <a:lstStyle/>
-          <a:p>
-            <a:r>
-              <a:rPr lang="pt-BR" dirty="0" smtClean="0"/>
-              <a:t>O usuário cadastra seus itens no sistema web e pode visualizá-los em seu dispositivo móvel, através do sistema mobile</a:t>
-            </a:r>
-            <a:r>
-              <a:rPr lang="pt-BR" dirty="0" smtClean="0"/>
-              <a:t>.</a:t>
-            </a:r>
-          </a:p>
-          <a:p>
-            <a:r>
-              <a:rPr lang="pt-BR" dirty="0" smtClean="0"/>
-              <a:t>Ambos os sistemas foram desenvolvidos utilizando TDD.</a:t>
-            </a:r>
-            <a:endParaRPr lang="pt-BR" dirty="0" smtClean="0"/>
+        <p:spPr/>
+        <p:txBody>
+          <a:bodyPr/>
+          <a:lstStyle/>
+          <a:p>
+            <a:r>
+              <a:rPr lang="pt-BR" dirty="0" smtClean="0"/>
+              <a:t>Evita a criação de código desnecessário.</a:t>
+            </a:r>
+          </a:p>
+          <a:p>
+            <a:r>
+              <a:rPr lang="pt-BR" dirty="0" smtClean="0"/>
+              <a:t>Aumenta o feedback do código para o desenvolvedor.</a:t>
+            </a:r>
+          </a:p>
+          <a:p>
+            <a:r>
+              <a:rPr lang="pt-BR" dirty="0" smtClean="0"/>
+              <a:t>Aumenta a segurança durante a manutenção do sistema.</a:t>
+            </a:r>
+          </a:p>
+          <a:p>
+            <a:r>
+              <a:rPr lang="pt-BR" dirty="0" smtClean="0"/>
+              <a:t>Facilita a </a:t>
+            </a:r>
+            <a:r>
+              <a:rPr lang="pt-BR" dirty="0"/>
+              <a:t>e</a:t>
+            </a:r>
+            <a:r>
+              <a:rPr lang="pt-BR" dirty="0" smtClean="0"/>
+              <a:t>xecução de todos os testes criados.</a:t>
+            </a:r>
+            <a:endParaRPr lang="pt-BR" dirty="0"/>
           </a:p>
         </p:txBody>
       </p:sp>
     </p:spTree>
     <p:extLst>
       <p:ext uri="{BB962C8B-B14F-4D97-AF65-F5344CB8AC3E}">
-        <p14:creationId xmlns:p14="http://schemas.microsoft.com/office/powerpoint/2010/main" val="110444247"/>
+        <p14:creationId xmlns:p14="http://schemas.microsoft.com/office/powerpoint/2010/main" val="2657189154"/>
       </p:ext>
     </p:extLst>
   </p:cSld>
@@ -6310,15 +7041,16 @@
           <a:lstStyle/>
           <a:p>
             <a:r>
-              <a:rPr lang="pt-BR" dirty="0"/>
-              <a:t>Projeto Web</a:t>
-            </a:r>
+              <a:rPr lang="pt-BR" dirty="0" smtClean="0"/>
+              <a:t>Estudo de caso</a:t>
+            </a:r>
+            <a:endParaRPr lang="pt-BR" dirty="0"/>
           </a:p>
         </p:txBody>
       </p:sp>
       <p:pic>
         <p:nvPicPr>
-          <p:cNvPr id="4" name="Picture 3"/>
+          <p:cNvPr id="9" name="Picture 8"/>
           <p:cNvPicPr>
             <a:picLocks noChangeAspect="1"/>
           </p:cNvPicPr>
@@ -6332,24 +7064,72 @@
         </p:blipFill>
         <p:spPr>
           <a:xfrm>
-            <a:off x="1362484" y="1417638"/>
-            <a:ext cx="6759928" cy="5329255"/>
+            <a:off x="1136162" y="1589128"/>
+            <a:ext cx="6778165" cy="1529432"/>
           </a:xfrm>
           <a:prstGeom prst="rect">
             <a:avLst/>
           </a:prstGeom>
         </p:spPr>
       </p:pic>
+      <p:sp>
+        <p:nvSpPr>
+          <p:cNvPr id="13" name="Content Placeholder 2"/>
+          <p:cNvSpPr>
+            <a:spLocks noGrp="1"/>
+          </p:cNvSpPr>
+          <p:nvPr>
+            <p:ph idx="1"/>
+          </p:nvPr>
+        </p:nvSpPr>
+        <p:spPr>
+          <a:xfrm>
+            <a:off x="457200" y="3344906"/>
+            <a:ext cx="8229600" cy="3080833"/>
+          </a:xfrm>
+        </p:spPr>
+        <p:txBody>
+          <a:bodyPr>
+            <a:normAutofit fontScale="92500"/>
+          </a:bodyPr>
+          <a:lstStyle/>
+          <a:p>
+            <a:r>
+              <a:rPr lang="pt-BR" dirty="0" smtClean="0"/>
+              <a:t>Sistema de Catálogo Digital para um Restaurante.</a:t>
+            </a:r>
+          </a:p>
+          <a:p>
+            <a:r>
+              <a:rPr lang="pt-BR" dirty="0" smtClean="0"/>
+              <a:t>O usuário cadastra seus itens no sistema web e pode visualizá-los em seu dispositivo móvel, através do sistema mobile.</a:t>
+            </a:r>
+          </a:p>
+          <a:p>
+            <a:r>
+              <a:rPr lang="pt-BR" dirty="0" smtClean="0"/>
+              <a:t>Ambos os sistemas foram desenvolvidos utilizando TDD.</a:t>
+            </a:r>
+          </a:p>
+        </p:txBody>
+      </p:sp>
     </p:spTree>
     <p:extLst>
       <p:ext uri="{BB962C8B-B14F-4D97-AF65-F5344CB8AC3E}">
-        <p14:creationId xmlns:p14="http://schemas.microsoft.com/office/powerpoint/2010/main" val="662803273"/>
+        <p14:creationId xmlns:p14="http://schemas.microsoft.com/office/powerpoint/2010/main" val="110444247"/>
       </p:ext>
     </p:extLst>
   </p:cSld>
   <p:clrMapOvr>
     <a:masterClrMapping/>
   </p:clrMapOvr>
+  <p:timing>
+    <p:tnLst>
+      <p:par>
+        <p:cTn xmlns:p14="http://schemas.microsoft.com/office/powerpoint/2010/main" id="1" dur="indefinite" restart="never" nodeType="tmRoot"/>
+      </p:par>
+    </p:tnLst>
+  </p:timing>
 </p:sld>
 </file>
 

--- a/apresentacao tcc.pptx
+++ b/apresentacao tcc.pptx
@@ -2,34 +2,35 @@
 <file path=ppt/presentation.xml><?xml version="1.0" encoding="utf-8"?>
 <p:presentation xmlns:a="http://schemas.openxmlformats.org/drawingml/2006/main" xmlns:r="http://schemas.openxmlformats.org/officeDocument/2006/relationships" xmlns:p="http://schemas.openxmlformats.org/presentationml/2006/main" saveSubsetFonts="1" autoCompressPictures="0">
   <p:sldMasterIdLst>
-    <p:sldMasterId id="2147483648" r:id="rId1"/>
+    <p:sldMasterId id="2147483660" r:id="rId1"/>
+    <p:sldMasterId id="2147483672" r:id="rId2"/>
   </p:sldMasterIdLst>
   <p:notesMasterIdLst>
-    <p:notesMasterId r:id="rId24"/>
+    <p:notesMasterId r:id="rId25"/>
   </p:notesMasterIdLst>
   <p:sldIdLst>
-    <p:sldId id="256" r:id="rId2"/>
-    <p:sldId id="257" r:id="rId3"/>
-    <p:sldId id="258" r:id="rId4"/>
-    <p:sldId id="260" r:id="rId5"/>
-    <p:sldId id="259" r:id="rId6"/>
-    <p:sldId id="278" r:id="rId7"/>
-    <p:sldId id="266" r:id="rId8"/>
-    <p:sldId id="267" r:id="rId9"/>
-    <p:sldId id="262" r:id="rId10"/>
-    <p:sldId id="270" r:id="rId11"/>
-    <p:sldId id="263" r:id="rId12"/>
-    <p:sldId id="277" r:id="rId13"/>
-    <p:sldId id="268" r:id="rId14"/>
-    <p:sldId id="269" r:id="rId15"/>
-    <p:sldId id="264" r:id="rId16"/>
-    <p:sldId id="271" r:id="rId17"/>
-    <p:sldId id="279" r:id="rId18"/>
-    <p:sldId id="272" r:id="rId19"/>
-    <p:sldId id="273" r:id="rId20"/>
-    <p:sldId id="274" r:id="rId21"/>
-    <p:sldId id="275" r:id="rId22"/>
-    <p:sldId id="276" r:id="rId23"/>
+    <p:sldId id="256" r:id="rId3"/>
+    <p:sldId id="257" r:id="rId4"/>
+    <p:sldId id="258" r:id="rId5"/>
+    <p:sldId id="260" r:id="rId6"/>
+    <p:sldId id="259" r:id="rId7"/>
+    <p:sldId id="278" r:id="rId8"/>
+    <p:sldId id="266" r:id="rId9"/>
+    <p:sldId id="267" r:id="rId10"/>
+    <p:sldId id="262" r:id="rId11"/>
+    <p:sldId id="270" r:id="rId12"/>
+    <p:sldId id="263" r:id="rId13"/>
+    <p:sldId id="277" r:id="rId14"/>
+    <p:sldId id="268" r:id="rId15"/>
+    <p:sldId id="269" r:id="rId16"/>
+    <p:sldId id="264" r:id="rId17"/>
+    <p:sldId id="271" r:id="rId18"/>
+    <p:sldId id="279" r:id="rId19"/>
+    <p:sldId id="272" r:id="rId20"/>
+    <p:sldId id="273" r:id="rId21"/>
+    <p:sldId id="274" r:id="rId22"/>
+    <p:sldId id="275" r:id="rId23"/>
+    <p:sldId id="276" r:id="rId24"/>
   </p:sldIdLst>
   <p:sldSz cx="9144000" cy="6858000" type="screen4x3"/>
   <p:notesSz cx="6858000" cy="9144000"/>
@@ -1176,7 +1177,7 @@
 
 <file path=ppt/slideLayouts/slideLayout1.xml><?xml version="1.0" encoding="utf-8"?>
 <p:sldLayout xmlns:a="http://schemas.openxmlformats.org/drawingml/2006/main" xmlns:r="http://schemas.openxmlformats.org/officeDocument/2006/relationships" xmlns:p="http://schemas.openxmlformats.org/presentationml/2006/main" type="title" preserve="1">
-  <p:cSld name="Title Slide">
+  <p:cSld name="Slide de título">
     <p:spTree>
       <p:nvGrpSpPr>
         <p:cNvPr id="1" name=""/>
@@ -1191,9 +1192,41 @@
           <a:chExt cx="0" cy="0"/>
         </a:xfrm>
       </p:grpSpPr>
-      <p:sp>
-        <p:nvSpPr>
-          <p:cNvPr id="2" name="Title 1"/>
+      <p:pic>
+        <p:nvPicPr>
+          <p:cNvPr id="4" name="Imagem 7" descr="ppt_etep_capa.jpg"/>
+          <p:cNvPicPr>
+            <a:picLocks noChangeAspect="1"/>
+          </p:cNvPicPr>
+          <p:nvPr/>
+        </p:nvPicPr>
+        <p:blipFill>
+          <a:blip r:embed="rId2" cstate="print"/>
+          <a:srcRect/>
+          <a:stretch>
+            <a:fillRect/>
+          </a:stretch>
+        </p:blipFill>
+        <p:spPr bwMode="auto">
+          <a:xfrm>
+            <a:off x="-12700" y="0"/>
+            <a:ext cx="9156700" cy="6858000"/>
+          </a:xfrm>
+          <a:prstGeom prst="rect">
+            <a:avLst/>
+          </a:prstGeom>
+          <a:noFill/>
+          <a:ln w="9525">
+            <a:noFill/>
+            <a:miter lim="800000"/>
+            <a:headEnd/>
+            <a:tailEnd/>
+          </a:ln>
+        </p:spPr>
+      </p:pic>
+      <p:sp>
+        <p:nvSpPr>
+          <p:cNvPr id="2" name="Título 1"/>
           <p:cNvSpPr>
             <a:spLocks noGrp="1"/>
           </p:cNvSpPr>
@@ -1203,25 +1236,33 @@
         </p:nvSpPr>
         <p:spPr>
           <a:xfrm>
-            <a:off x="685800" y="2130425"/>
+            <a:off x="214282" y="357166"/>
             <a:ext cx="7772400" cy="1470025"/>
           </a:xfrm>
         </p:spPr>
         <p:txBody>
           <a:bodyPr/>
-          <a:lstStyle/>
-          <a:p>
-            <a:r>
-              <a:rPr lang="en-US" smtClean="0"/>
-              <a:t>Click to edit Master title style</a:t>
-            </a:r>
-            <a:endParaRPr lang="pt-BR"/>
-          </a:p>
-        </p:txBody>
-      </p:sp>
-      <p:sp>
-        <p:nvSpPr>
-          <p:cNvPr id="3" name="Subtitle 2"/>
+          <a:lstStyle>
+            <a:lvl1pPr>
+              <a:defRPr>
+                <a:solidFill>
+                  <a:schemeClr val="bg1"/>
+                </a:solidFill>
+              </a:defRPr>
+            </a:lvl1pPr>
+          </a:lstStyle>
+          <a:p>
+            <a:r>
+              <a:rPr lang="pt-BR" smtClean="0"/>
+              <a:t>Clique para editar o estilo do título mestre</a:t>
+            </a:r>
+            <a:endParaRPr lang="pt-BR" dirty="0"/>
+          </a:p>
+        </p:txBody>
+      </p:sp>
+      <p:sp>
+        <p:nvSpPr>
+          <p:cNvPr id="3" name="Subtítulo 2"/>
           <p:cNvSpPr>
             <a:spLocks noGrp="1"/>
           </p:cNvSpPr>
@@ -1231,7 +1272,7 @@
         </p:nvSpPr>
         <p:spPr>
           <a:xfrm>
-            <a:off x="1371600" y="3886200"/>
+            <a:off x="214282" y="1928802"/>
             <a:ext cx="6400800" cy="1752600"/>
           </a:xfrm>
         </p:spPr>
@@ -1242,9 +1283,7 @@
               <a:buNone/>
               <a:defRPr>
                 <a:solidFill>
-                  <a:schemeClr val="tx1">
-                    <a:tint val="75000"/>
-                  </a:schemeClr>
+                  <a:schemeClr val="bg1"/>
                 </a:solidFill>
               </a:defRPr>
             </a:lvl1pPr>
@@ -1331,16 +1370,16 @@
           </a:lstStyle>
           <a:p>
             <a:r>
-              <a:rPr lang="en-US" smtClean="0"/>
-              <a:t>Click to edit Master subtitle style</a:t>
-            </a:r>
-            <a:endParaRPr lang="pt-BR"/>
-          </a:p>
-        </p:txBody>
-      </p:sp>
-      <p:sp>
-        <p:nvSpPr>
-          <p:cNvPr id="4" name="Date Placeholder 3"/>
+              <a:rPr lang="pt-BR" smtClean="0"/>
+              <a:t>Clique para editar o estilo do subtítulo mestre</a:t>
+            </a:r>
+            <a:endParaRPr lang="pt-BR" dirty="0"/>
+          </a:p>
+        </p:txBody>
+      </p:sp>
+      <p:sp>
+        <p:nvSpPr>
+          <p:cNvPr id="5" name="Espaço Reservado para Data 3"/>
           <p:cNvSpPr>
             <a:spLocks noGrp="1"/>
           </p:cNvSpPr>
@@ -1351,7 +1390,11 @@
         <p:spPr/>
         <p:txBody>
           <a:bodyPr/>
-          <a:lstStyle/>
+          <a:lstStyle>
+            <a:lvl1pPr>
+              <a:defRPr/>
+            </a:lvl1pPr>
+          </a:lstStyle>
           <a:p>
             <a:fld id="{13F8C747-ED51-444E-8469-A24B0E223A0E}" type="datetimeFigureOut">
               <a:rPr lang="en-US" smtClean="0"/>
@@ -1364,7 +1407,7 @@
       </p:sp>
       <p:sp>
         <p:nvSpPr>
-          <p:cNvPr id="5" name="Footer Placeholder 4"/>
+          <p:cNvPr id="6" name="Espaço Reservado para Rodapé 4"/>
           <p:cNvSpPr>
             <a:spLocks noGrp="1"/>
           </p:cNvSpPr>
@@ -1375,7 +1418,11 @@
         <p:spPr/>
         <p:txBody>
           <a:bodyPr/>
-          <a:lstStyle/>
+          <a:lstStyle>
+            <a:lvl1pPr>
+              <a:defRPr/>
+            </a:lvl1pPr>
+          </a:lstStyle>
           <a:p>
             <a:endParaRPr lang="pt-BR"/>
           </a:p>
@@ -1383,7 +1430,7 @@
       </p:sp>
       <p:sp>
         <p:nvSpPr>
-          <p:cNvPr id="6" name="Slide Number Placeholder 5"/>
+          <p:cNvPr id="7" name="Espaço Reservado para Número de Slide 5"/>
           <p:cNvSpPr>
             <a:spLocks noGrp="1"/>
           </p:cNvSpPr>
@@ -1394,7 +1441,11 @@
         <p:spPr/>
         <p:txBody>
           <a:bodyPr/>
-          <a:lstStyle/>
+          <a:lstStyle>
+            <a:lvl1pPr>
+              <a:defRPr/>
+            </a:lvl1pPr>
+          </a:lstStyle>
           <a:p>
             <a:fld id="{7A517B20-1085-0740-914B-D4C0D3F90991}" type="slidenum">
               <a:rPr lang="pt-BR" smtClean="0"/>
@@ -1406,11 +1457,6 @@
         </p:txBody>
       </p:sp>
     </p:spTree>
-    <p:extLst>
-      <p:ext uri="{BB962C8B-B14F-4D97-AF65-F5344CB8AC3E}">
-        <p14:creationId xmlns:p14="http://schemas.microsoft.com/office/powerpoint/2010/main" val="61236505"/>
-      </p:ext>
-    </p:extLst>
   </p:cSld>
   <p:clrMapOvr>
     <a:masterClrMapping/>
@@ -1420,7 +1466,7 @@
 
 <file path=ppt/slideLayouts/slideLayout10.xml><?xml version="1.0" encoding="utf-8"?>
 <p:sldLayout xmlns:a="http://schemas.openxmlformats.org/drawingml/2006/main" xmlns:r="http://schemas.openxmlformats.org/officeDocument/2006/relationships" xmlns:p="http://schemas.openxmlformats.org/presentationml/2006/main" type="vertTx" preserve="1">
-  <p:cSld name="Title and Vertical Text">
+  <p:cSld name="Título e texto vertical">
     <p:spTree>
       <p:nvGrpSpPr>
         <p:cNvPr id="1" name=""/>
@@ -1437,7 +1483,7 @@
       </p:grpSpPr>
       <p:sp>
         <p:nvSpPr>
-          <p:cNvPr id="2" name="Title 1"/>
+          <p:cNvPr id="2" name="Título 1"/>
           <p:cNvSpPr>
             <a:spLocks noGrp="1"/>
           </p:cNvSpPr>
@@ -1451,8 +1497,8 @@
           <a:lstStyle/>
           <a:p>
             <a:r>
-              <a:rPr lang="x-none" smtClean="0"/>
-              <a:t>Click to edit Master title style</a:t>
+              <a:rPr lang="pt-BR" smtClean="0"/>
+              <a:t>Clique para editar o estilo do título mestre</a:t>
             </a:r>
             <a:endParaRPr lang="pt-BR"/>
           </a:p>
@@ -1460,7 +1506,7 @@
       </p:sp>
       <p:sp>
         <p:nvSpPr>
-          <p:cNvPr id="3" name="Vertical Text Placeholder 2"/>
+          <p:cNvPr id="3" name="Espaço Reservado para Texto Vertical 2"/>
           <p:cNvSpPr>
             <a:spLocks noGrp="1"/>
           </p:cNvSpPr>
@@ -1475,36 +1521,36 @@
           <a:p>
             <a:pPr lvl="0"/>
             <a:r>
-              <a:rPr lang="x-none" smtClean="0"/>
-              <a:t>Click to edit Master text styles</a:t>
+              <a:rPr lang="pt-BR" smtClean="0"/>
+              <a:t>Clique para editar os estilos do texto mestre</a:t>
             </a:r>
           </a:p>
           <a:p>
             <a:pPr lvl="1"/>
             <a:r>
-              <a:rPr lang="x-none" smtClean="0"/>
-              <a:t>Second level</a:t>
+              <a:rPr lang="pt-BR" smtClean="0"/>
+              <a:t>Segundo nível</a:t>
             </a:r>
           </a:p>
           <a:p>
             <a:pPr lvl="2"/>
             <a:r>
-              <a:rPr lang="x-none" smtClean="0"/>
-              <a:t>Third level</a:t>
+              <a:rPr lang="pt-BR" smtClean="0"/>
+              <a:t>Terceiro nível</a:t>
             </a:r>
           </a:p>
           <a:p>
             <a:pPr lvl="3"/>
             <a:r>
-              <a:rPr lang="x-none" smtClean="0"/>
-              <a:t>Fourth level</a:t>
+              <a:rPr lang="pt-BR" smtClean="0"/>
+              <a:t>Quarto nível</a:t>
             </a:r>
           </a:p>
           <a:p>
             <a:pPr lvl="4"/>
             <a:r>
-              <a:rPr lang="x-none" smtClean="0"/>
-              <a:t>Fifth level</a:t>
+              <a:rPr lang="pt-BR" smtClean="0"/>
+              <a:t>Quinto nível</a:t>
             </a:r>
             <a:endParaRPr lang="pt-BR"/>
           </a:p>
@@ -1512,7 +1558,7 @@
       </p:sp>
       <p:sp>
         <p:nvSpPr>
-          <p:cNvPr id="4" name="Date Placeholder 3"/>
+          <p:cNvPr id="4" name="Espaço Reservado para Data 3"/>
           <p:cNvSpPr>
             <a:spLocks noGrp="1"/>
           </p:cNvSpPr>
@@ -1523,7 +1569,11 @@
         <p:spPr/>
         <p:txBody>
           <a:bodyPr/>
-          <a:lstStyle/>
+          <a:lstStyle>
+            <a:lvl1pPr>
+              <a:defRPr/>
+            </a:lvl1pPr>
+          </a:lstStyle>
           <a:p>
             <a:fld id="{13F8C747-ED51-444E-8469-A24B0E223A0E}" type="datetimeFigureOut">
               <a:rPr lang="en-US" smtClean="0"/>
@@ -1536,7 +1586,7 @@
       </p:sp>
       <p:sp>
         <p:nvSpPr>
-          <p:cNvPr id="5" name="Footer Placeholder 4"/>
+          <p:cNvPr id="5" name="Espaço Reservado para Rodapé 4"/>
           <p:cNvSpPr>
             <a:spLocks noGrp="1"/>
           </p:cNvSpPr>
@@ -1547,7 +1597,11 @@
         <p:spPr/>
         <p:txBody>
           <a:bodyPr/>
-          <a:lstStyle/>
+          <a:lstStyle>
+            <a:lvl1pPr>
+              <a:defRPr/>
+            </a:lvl1pPr>
+          </a:lstStyle>
           <a:p>
             <a:endParaRPr lang="pt-BR"/>
           </a:p>
@@ -1555,7 +1609,7 @@
       </p:sp>
       <p:sp>
         <p:nvSpPr>
-          <p:cNvPr id="6" name="Slide Number Placeholder 5"/>
+          <p:cNvPr id="6" name="Espaço Reservado para Número de Slide 5"/>
           <p:cNvSpPr>
             <a:spLocks noGrp="1"/>
           </p:cNvSpPr>
@@ -1566,7 +1620,11 @@
         <p:spPr/>
         <p:txBody>
           <a:bodyPr/>
-          <a:lstStyle/>
+          <a:lstStyle>
+            <a:lvl1pPr>
+              <a:defRPr/>
+            </a:lvl1pPr>
+          </a:lstStyle>
           <a:p>
             <a:fld id="{7A517B20-1085-0740-914B-D4C0D3F90991}" type="slidenum">
               <a:rPr lang="pt-BR" smtClean="0"/>
@@ -1578,11 +1636,6 @@
         </p:txBody>
       </p:sp>
     </p:spTree>
-    <p:extLst>
-      <p:ext uri="{BB962C8B-B14F-4D97-AF65-F5344CB8AC3E}">
-        <p14:creationId xmlns:p14="http://schemas.microsoft.com/office/powerpoint/2010/main" val="2351584974"/>
-      </p:ext>
-    </p:extLst>
   </p:cSld>
   <p:clrMapOvr>
     <a:masterClrMapping/>
@@ -1592,7 +1645,7 @@
 
 <file path=ppt/slideLayouts/slideLayout11.xml><?xml version="1.0" encoding="utf-8"?>
 <p:sldLayout xmlns:a="http://schemas.openxmlformats.org/drawingml/2006/main" xmlns:r="http://schemas.openxmlformats.org/officeDocument/2006/relationships" xmlns:p="http://schemas.openxmlformats.org/presentationml/2006/main" type="vertTitleAndTx" preserve="1">
-  <p:cSld name="Vertical Title and Text">
+  <p:cSld name="Título e texto verticais">
     <p:spTree>
       <p:nvGrpSpPr>
         <p:cNvPr id="1" name=""/>
@@ -1609,7 +1662,7 @@
       </p:grpSpPr>
       <p:sp>
         <p:nvSpPr>
-          <p:cNvPr id="2" name="Vertical Title 1"/>
+          <p:cNvPr id="2" name="Título Vertical 1"/>
           <p:cNvSpPr>
             <a:spLocks noGrp="1"/>
           </p:cNvSpPr>
@@ -1628,8 +1681,8 @@
           <a:lstStyle/>
           <a:p>
             <a:r>
-              <a:rPr lang="x-none" smtClean="0"/>
-              <a:t>Click to edit Master title style</a:t>
+              <a:rPr lang="pt-BR" smtClean="0"/>
+              <a:t>Clique para editar o estilo do título mestre</a:t>
             </a:r>
             <a:endParaRPr lang="pt-BR"/>
           </a:p>
@@ -1637,7 +1690,7 @@
       </p:sp>
       <p:sp>
         <p:nvSpPr>
-          <p:cNvPr id="3" name="Vertical Text Placeholder 2"/>
+          <p:cNvPr id="3" name="Espaço Reservado para Texto Vertical 2"/>
           <p:cNvSpPr>
             <a:spLocks noGrp="1"/>
           </p:cNvSpPr>
@@ -1657,36 +1710,36 @@
           <a:p>
             <a:pPr lvl="0"/>
             <a:r>
-              <a:rPr lang="x-none" smtClean="0"/>
-              <a:t>Click to edit Master text styles</a:t>
+              <a:rPr lang="pt-BR" smtClean="0"/>
+              <a:t>Clique para editar os estilos do texto mestre</a:t>
             </a:r>
           </a:p>
           <a:p>
             <a:pPr lvl="1"/>
             <a:r>
-              <a:rPr lang="x-none" smtClean="0"/>
-              <a:t>Second level</a:t>
+              <a:rPr lang="pt-BR" smtClean="0"/>
+              <a:t>Segundo nível</a:t>
             </a:r>
           </a:p>
           <a:p>
             <a:pPr lvl="2"/>
             <a:r>
-              <a:rPr lang="x-none" smtClean="0"/>
-              <a:t>Third level</a:t>
+              <a:rPr lang="pt-BR" smtClean="0"/>
+              <a:t>Terceiro nível</a:t>
             </a:r>
           </a:p>
           <a:p>
             <a:pPr lvl="3"/>
             <a:r>
-              <a:rPr lang="x-none" smtClean="0"/>
-              <a:t>Fourth level</a:t>
+              <a:rPr lang="pt-BR" smtClean="0"/>
+              <a:t>Quarto nível</a:t>
             </a:r>
           </a:p>
           <a:p>
             <a:pPr lvl="4"/>
             <a:r>
-              <a:rPr lang="x-none" smtClean="0"/>
-              <a:t>Fifth level</a:t>
+              <a:rPr lang="pt-BR" smtClean="0"/>
+              <a:t>Quinto nível</a:t>
             </a:r>
             <a:endParaRPr lang="pt-BR"/>
           </a:p>
@@ -1694,7 +1747,7 @@
       </p:sp>
       <p:sp>
         <p:nvSpPr>
-          <p:cNvPr id="4" name="Date Placeholder 3"/>
+          <p:cNvPr id="4" name="Espaço Reservado para Data 3"/>
           <p:cNvSpPr>
             <a:spLocks noGrp="1"/>
           </p:cNvSpPr>
@@ -1705,7 +1758,11 @@
         <p:spPr/>
         <p:txBody>
           <a:bodyPr/>
-          <a:lstStyle/>
+          <a:lstStyle>
+            <a:lvl1pPr>
+              <a:defRPr/>
+            </a:lvl1pPr>
+          </a:lstStyle>
           <a:p>
             <a:fld id="{13F8C747-ED51-444E-8469-A24B0E223A0E}" type="datetimeFigureOut">
               <a:rPr lang="en-US" smtClean="0"/>
@@ -1718,7 +1775,7 @@
       </p:sp>
       <p:sp>
         <p:nvSpPr>
-          <p:cNvPr id="5" name="Footer Placeholder 4"/>
+          <p:cNvPr id="5" name="Espaço Reservado para Rodapé 4"/>
           <p:cNvSpPr>
             <a:spLocks noGrp="1"/>
           </p:cNvSpPr>
@@ -1729,7 +1786,11 @@
         <p:spPr/>
         <p:txBody>
           <a:bodyPr/>
-          <a:lstStyle/>
+          <a:lstStyle>
+            <a:lvl1pPr>
+              <a:defRPr/>
+            </a:lvl1pPr>
+          </a:lstStyle>
           <a:p>
             <a:endParaRPr lang="pt-BR"/>
           </a:p>
@@ -1737,7 +1798,7 @@
       </p:sp>
       <p:sp>
         <p:nvSpPr>
-          <p:cNvPr id="6" name="Slide Number Placeholder 5"/>
+          <p:cNvPr id="6" name="Espaço Reservado para Número de Slide 5"/>
           <p:cNvSpPr>
             <a:spLocks noGrp="1"/>
           </p:cNvSpPr>
@@ -1748,7 +1809,11 @@
         <p:spPr/>
         <p:txBody>
           <a:bodyPr/>
-          <a:lstStyle/>
+          <a:lstStyle>
+            <a:lvl1pPr>
+              <a:defRPr/>
+            </a:lvl1pPr>
+          </a:lstStyle>
           <a:p>
             <a:fld id="{7A517B20-1085-0740-914B-D4C0D3F90991}" type="slidenum">
               <a:rPr lang="pt-BR" smtClean="0"/>
@@ -1760,11 +1825,6 @@
         </p:txBody>
       </p:sp>
     </p:spTree>
-    <p:extLst>
-      <p:ext uri="{BB962C8B-B14F-4D97-AF65-F5344CB8AC3E}">
-        <p14:creationId xmlns:p14="http://schemas.microsoft.com/office/powerpoint/2010/main" val="3245134407"/>
-      </p:ext>
-    </p:extLst>
   </p:cSld>
   <p:clrMapOvr>
     <a:masterClrMapping/>
@@ -1772,9 +1832,9 @@
 </p:sldLayout>
 </file>
 
-<file path=ppt/slideLayouts/slideLayout2.xml><?xml version="1.0" encoding="utf-8"?>
-<p:sldLayout xmlns:a="http://schemas.openxmlformats.org/drawingml/2006/main" xmlns:r="http://schemas.openxmlformats.org/officeDocument/2006/relationships" xmlns:p="http://schemas.openxmlformats.org/presentationml/2006/main" type="obj" preserve="1">
-  <p:cSld name="Title and Content">
+<file path=ppt/slideLayouts/slideLayout12.xml><?xml version="1.0" encoding="utf-8"?>
+<p:sldLayout xmlns:a="http://schemas.openxmlformats.org/drawingml/2006/main" xmlns:r="http://schemas.openxmlformats.org/officeDocument/2006/relationships" xmlns:p="http://schemas.openxmlformats.org/presentationml/2006/main" type="title" preserve="1">
+  <p:cSld name="Slide de título">
     <p:spTree>
       <p:nvGrpSpPr>
         <p:cNvPr id="1" name=""/>
@@ -1789,95 +1849,209 @@
           <a:chExt cx="0" cy="0"/>
         </a:xfrm>
       </p:grpSpPr>
-      <p:sp>
-        <p:nvSpPr>
-          <p:cNvPr id="2" name="Title 1"/>
-          <p:cNvSpPr>
-            <a:spLocks noGrp="1"/>
-          </p:cNvSpPr>
-          <p:nvPr>
-            <p:ph type="title"/>
+      <p:pic>
+        <p:nvPicPr>
+          <p:cNvPr id="4" name="Imagem 7" descr="ppt_etep_capa.jpg"/>
+          <p:cNvPicPr>
+            <a:picLocks noChangeAspect="1"/>
+          </p:cNvPicPr>
+          <p:nvPr/>
+        </p:nvPicPr>
+        <p:blipFill>
+          <a:blip r:embed="rId2" cstate="print"/>
+          <a:srcRect/>
+          <a:stretch>
+            <a:fillRect/>
+          </a:stretch>
+        </p:blipFill>
+        <p:spPr bwMode="auto">
+          <a:xfrm>
+            <a:off x="-12700" y="0"/>
+            <a:ext cx="9156700" cy="6858000"/>
+          </a:xfrm>
+          <a:prstGeom prst="rect">
+            <a:avLst/>
+          </a:prstGeom>
+          <a:noFill/>
+          <a:ln w="9525">
+            <a:noFill/>
+            <a:miter lim="800000"/>
+            <a:headEnd/>
+            <a:tailEnd/>
+          </a:ln>
+        </p:spPr>
+      </p:pic>
+      <p:sp>
+        <p:nvSpPr>
+          <p:cNvPr id="2" name="Título 1"/>
+          <p:cNvSpPr>
+            <a:spLocks noGrp="1"/>
+          </p:cNvSpPr>
+          <p:nvPr>
+            <p:ph type="ctrTitle"/>
+          </p:nvPr>
+        </p:nvSpPr>
+        <p:spPr>
+          <a:xfrm>
+            <a:off x="214282" y="357166"/>
+            <a:ext cx="7772400" cy="1470025"/>
+          </a:xfrm>
+        </p:spPr>
+        <p:txBody>
+          <a:bodyPr/>
+          <a:lstStyle>
+            <a:lvl1pPr>
+              <a:defRPr>
+                <a:solidFill>
+                  <a:schemeClr val="bg1"/>
+                </a:solidFill>
+              </a:defRPr>
+            </a:lvl1pPr>
+          </a:lstStyle>
+          <a:p>
+            <a:r>
+              <a:rPr lang="pt-BR" smtClean="0"/>
+              <a:t>Clique para editar o estilo do título mestre</a:t>
+            </a:r>
+            <a:endParaRPr lang="pt-BR" dirty="0"/>
+          </a:p>
+        </p:txBody>
+      </p:sp>
+      <p:sp>
+        <p:nvSpPr>
+          <p:cNvPr id="3" name="Subtítulo 2"/>
+          <p:cNvSpPr>
+            <a:spLocks noGrp="1"/>
+          </p:cNvSpPr>
+          <p:nvPr>
+            <p:ph type="subTitle" idx="1"/>
+          </p:nvPr>
+        </p:nvSpPr>
+        <p:spPr>
+          <a:xfrm>
+            <a:off x="214282" y="1928802"/>
+            <a:ext cx="6400800" cy="1752600"/>
+          </a:xfrm>
+        </p:spPr>
+        <p:txBody>
+          <a:bodyPr/>
+          <a:lstStyle>
+            <a:lvl1pPr marL="0" indent="0" algn="ctr">
+              <a:buNone/>
+              <a:defRPr>
+                <a:solidFill>
+                  <a:schemeClr val="bg1"/>
+                </a:solidFill>
+              </a:defRPr>
+            </a:lvl1pPr>
+            <a:lvl2pPr marL="457200" indent="0" algn="ctr">
+              <a:buNone/>
+              <a:defRPr>
+                <a:solidFill>
+                  <a:schemeClr val="tx1">
+                    <a:tint val="75000"/>
+                  </a:schemeClr>
+                </a:solidFill>
+              </a:defRPr>
+            </a:lvl2pPr>
+            <a:lvl3pPr marL="914400" indent="0" algn="ctr">
+              <a:buNone/>
+              <a:defRPr>
+                <a:solidFill>
+                  <a:schemeClr val="tx1">
+                    <a:tint val="75000"/>
+                  </a:schemeClr>
+                </a:solidFill>
+              </a:defRPr>
+            </a:lvl3pPr>
+            <a:lvl4pPr marL="1371600" indent="0" algn="ctr">
+              <a:buNone/>
+              <a:defRPr>
+                <a:solidFill>
+                  <a:schemeClr val="tx1">
+                    <a:tint val="75000"/>
+                  </a:schemeClr>
+                </a:solidFill>
+              </a:defRPr>
+            </a:lvl4pPr>
+            <a:lvl5pPr marL="1828800" indent="0" algn="ctr">
+              <a:buNone/>
+              <a:defRPr>
+                <a:solidFill>
+                  <a:schemeClr val="tx1">
+                    <a:tint val="75000"/>
+                  </a:schemeClr>
+                </a:solidFill>
+              </a:defRPr>
+            </a:lvl5pPr>
+            <a:lvl6pPr marL="2286000" indent="0" algn="ctr">
+              <a:buNone/>
+              <a:defRPr>
+                <a:solidFill>
+                  <a:schemeClr val="tx1">
+                    <a:tint val="75000"/>
+                  </a:schemeClr>
+                </a:solidFill>
+              </a:defRPr>
+            </a:lvl6pPr>
+            <a:lvl7pPr marL="2743200" indent="0" algn="ctr">
+              <a:buNone/>
+              <a:defRPr>
+                <a:solidFill>
+                  <a:schemeClr val="tx1">
+                    <a:tint val="75000"/>
+                  </a:schemeClr>
+                </a:solidFill>
+              </a:defRPr>
+            </a:lvl7pPr>
+            <a:lvl8pPr marL="3200400" indent="0" algn="ctr">
+              <a:buNone/>
+              <a:defRPr>
+                <a:solidFill>
+                  <a:schemeClr val="tx1">
+                    <a:tint val="75000"/>
+                  </a:schemeClr>
+                </a:solidFill>
+              </a:defRPr>
+            </a:lvl8pPr>
+            <a:lvl9pPr marL="3657600" indent="0" algn="ctr">
+              <a:buNone/>
+              <a:defRPr>
+                <a:solidFill>
+                  <a:schemeClr val="tx1">
+                    <a:tint val="75000"/>
+                  </a:schemeClr>
+                </a:solidFill>
+              </a:defRPr>
+            </a:lvl9pPr>
+          </a:lstStyle>
+          <a:p>
+            <a:r>
+              <a:rPr lang="pt-BR" smtClean="0"/>
+              <a:t>Clique para editar o estilo do subtítulo mestre</a:t>
+            </a:r>
+            <a:endParaRPr lang="pt-BR" dirty="0"/>
+          </a:p>
+        </p:txBody>
+      </p:sp>
+      <p:sp>
+        <p:nvSpPr>
+          <p:cNvPr id="5" name="Espaço Reservado para Data 3"/>
+          <p:cNvSpPr>
+            <a:spLocks noGrp="1"/>
+          </p:cNvSpPr>
+          <p:nvPr>
+            <p:ph type="dt" sz="half" idx="10"/>
           </p:nvPr>
         </p:nvSpPr>
         <p:spPr/>
         <p:txBody>
           <a:bodyPr/>
-          <a:lstStyle/>
-          <a:p>
-            <a:r>
-              <a:rPr lang="x-none" smtClean="0"/>
-              <a:t>Click to edit Master title style</a:t>
-            </a:r>
-            <a:endParaRPr lang="pt-BR"/>
-          </a:p>
-        </p:txBody>
-      </p:sp>
-      <p:sp>
-        <p:nvSpPr>
-          <p:cNvPr id="3" name="Content Placeholder 2"/>
-          <p:cNvSpPr>
-            <a:spLocks noGrp="1"/>
-          </p:cNvSpPr>
-          <p:nvPr>
-            <p:ph idx="1"/>
-          </p:nvPr>
-        </p:nvSpPr>
-        <p:spPr/>
-        <p:txBody>
-          <a:bodyPr/>
-          <a:lstStyle/>
-          <a:p>
-            <a:pPr lvl="0"/>
-            <a:r>
-              <a:rPr lang="x-none" smtClean="0"/>
-              <a:t>Click to edit Master text styles</a:t>
-            </a:r>
-          </a:p>
-          <a:p>
-            <a:pPr lvl="1"/>
-            <a:r>
-              <a:rPr lang="x-none" smtClean="0"/>
-              <a:t>Second level</a:t>
-            </a:r>
-          </a:p>
-          <a:p>
-            <a:pPr lvl="2"/>
-            <a:r>
-              <a:rPr lang="x-none" smtClean="0"/>
-              <a:t>Third level</a:t>
-            </a:r>
-          </a:p>
-          <a:p>
-            <a:pPr lvl="3"/>
-            <a:r>
-              <a:rPr lang="x-none" smtClean="0"/>
-              <a:t>Fourth level</a:t>
-            </a:r>
-          </a:p>
-          <a:p>
-            <a:pPr lvl="4"/>
-            <a:r>
-              <a:rPr lang="x-none" smtClean="0"/>
-              <a:t>Fifth level</a:t>
-            </a:r>
-            <a:endParaRPr lang="pt-BR"/>
-          </a:p>
-        </p:txBody>
-      </p:sp>
-      <p:sp>
-        <p:nvSpPr>
-          <p:cNvPr id="4" name="Date Placeholder 3"/>
-          <p:cNvSpPr>
-            <a:spLocks noGrp="1"/>
-          </p:cNvSpPr>
-          <p:nvPr>
-            <p:ph type="dt" sz="half" idx="10"/>
-          </p:nvPr>
-        </p:nvSpPr>
-        <p:spPr/>
-        <p:txBody>
-          <a:bodyPr/>
-          <a:lstStyle/>
+          <a:lstStyle>
+            <a:lvl1pPr>
+              <a:defRPr/>
+            </a:lvl1pPr>
+          </a:lstStyle>
           <a:p>
             <a:fld id="{13F8C747-ED51-444E-8469-A24B0E223A0E}" type="datetimeFigureOut">
               <a:rPr lang="en-US" smtClean="0"/>
@@ -1890,7 +2064,7 @@
       </p:sp>
       <p:sp>
         <p:nvSpPr>
-          <p:cNvPr id="5" name="Footer Placeholder 4"/>
+          <p:cNvPr id="6" name="Espaço Reservado para Rodapé 4"/>
           <p:cNvSpPr>
             <a:spLocks noGrp="1"/>
           </p:cNvSpPr>
@@ -1901,7 +2075,11 @@
         <p:spPr/>
         <p:txBody>
           <a:bodyPr/>
-          <a:lstStyle/>
+          <a:lstStyle>
+            <a:lvl1pPr>
+              <a:defRPr/>
+            </a:lvl1pPr>
+          </a:lstStyle>
           <a:p>
             <a:endParaRPr lang="pt-BR"/>
           </a:p>
@@ -1909,7 +2087,7 @@
       </p:sp>
       <p:sp>
         <p:nvSpPr>
-          <p:cNvPr id="6" name="Slide Number Placeholder 5"/>
+          <p:cNvPr id="7" name="Espaço Reservado para Número de Slide 5"/>
           <p:cNvSpPr>
             <a:spLocks noGrp="1"/>
           </p:cNvSpPr>
@@ -1920,7 +2098,11 @@
         <p:spPr/>
         <p:txBody>
           <a:bodyPr/>
-          <a:lstStyle/>
+          <a:lstStyle>
+            <a:lvl1pPr>
+              <a:defRPr/>
+            </a:lvl1pPr>
+          </a:lstStyle>
           <a:p>
             <a:fld id="{7A517B20-1085-0740-914B-D4C0D3F90991}" type="slidenum">
               <a:rPr lang="pt-BR" smtClean="0"/>
@@ -1932,11 +2114,6 @@
         </p:txBody>
       </p:sp>
     </p:spTree>
-    <p:extLst>
-      <p:ext uri="{BB962C8B-B14F-4D97-AF65-F5344CB8AC3E}">
-        <p14:creationId xmlns:p14="http://schemas.microsoft.com/office/powerpoint/2010/main" val="1531755254"/>
-      </p:ext>
-    </p:extLst>
   </p:cSld>
   <p:clrMapOvr>
     <a:masterClrMapping/>
@@ -1944,9 +2121,9 @@
 </p:sldLayout>
 </file>
 
-<file path=ppt/slideLayouts/slideLayout3.xml><?xml version="1.0" encoding="utf-8"?>
-<p:sldLayout xmlns:a="http://schemas.openxmlformats.org/drawingml/2006/main" xmlns:r="http://schemas.openxmlformats.org/officeDocument/2006/relationships" xmlns:p="http://schemas.openxmlformats.org/presentationml/2006/main" type="secHead" preserve="1">
-  <p:cSld name="Section Header">
+<file path=ppt/slideLayouts/slideLayout13.xml><?xml version="1.0" encoding="utf-8"?>
+<p:sldLayout xmlns:a="http://schemas.openxmlformats.org/drawingml/2006/main" xmlns:r="http://schemas.openxmlformats.org/officeDocument/2006/relationships" xmlns:p="http://schemas.openxmlformats.org/presentationml/2006/main" type="obj" preserve="1">
+  <p:cSld name="Título e conteúdo">
     <p:spTree>
       <p:nvGrpSpPr>
         <p:cNvPr id="1" name=""/>
@@ -1963,7 +2140,186 @@
       </p:grpSpPr>
       <p:sp>
         <p:nvSpPr>
-          <p:cNvPr id="2" name="Title 1"/>
+          <p:cNvPr id="2" name="Título 1"/>
+          <p:cNvSpPr>
+            <a:spLocks noGrp="1"/>
+          </p:cNvSpPr>
+          <p:nvPr>
+            <p:ph type="title"/>
+          </p:nvPr>
+        </p:nvSpPr>
+        <p:spPr/>
+        <p:txBody>
+          <a:bodyPr/>
+          <a:lstStyle/>
+          <a:p>
+            <a:r>
+              <a:rPr lang="pt-BR" smtClean="0"/>
+              <a:t>Clique para editar o estilo do título mestre</a:t>
+            </a:r>
+            <a:endParaRPr lang="pt-BR"/>
+          </a:p>
+        </p:txBody>
+      </p:sp>
+      <p:sp>
+        <p:nvSpPr>
+          <p:cNvPr id="3" name="Espaço Reservado para Conteúdo 2"/>
+          <p:cNvSpPr>
+            <a:spLocks noGrp="1"/>
+          </p:cNvSpPr>
+          <p:nvPr>
+            <p:ph idx="1"/>
+          </p:nvPr>
+        </p:nvSpPr>
+        <p:spPr/>
+        <p:txBody>
+          <a:bodyPr/>
+          <a:lstStyle/>
+          <a:p>
+            <a:pPr lvl="0"/>
+            <a:r>
+              <a:rPr lang="pt-BR" smtClean="0"/>
+              <a:t>Clique para editar os estilos do texto mestre</a:t>
+            </a:r>
+          </a:p>
+          <a:p>
+            <a:pPr lvl="1"/>
+            <a:r>
+              <a:rPr lang="pt-BR" smtClean="0"/>
+              <a:t>Segundo nível</a:t>
+            </a:r>
+          </a:p>
+          <a:p>
+            <a:pPr lvl="2"/>
+            <a:r>
+              <a:rPr lang="pt-BR" smtClean="0"/>
+              <a:t>Terceiro nível</a:t>
+            </a:r>
+          </a:p>
+          <a:p>
+            <a:pPr lvl="3"/>
+            <a:r>
+              <a:rPr lang="pt-BR" smtClean="0"/>
+              <a:t>Quarto nível</a:t>
+            </a:r>
+          </a:p>
+          <a:p>
+            <a:pPr lvl="4"/>
+            <a:r>
+              <a:rPr lang="pt-BR" smtClean="0"/>
+              <a:t>Quinto nível</a:t>
+            </a:r>
+            <a:endParaRPr lang="pt-BR"/>
+          </a:p>
+        </p:txBody>
+      </p:sp>
+      <p:sp>
+        <p:nvSpPr>
+          <p:cNvPr id="4" name="Espaço Reservado para Data 3"/>
+          <p:cNvSpPr>
+            <a:spLocks noGrp="1"/>
+          </p:cNvSpPr>
+          <p:nvPr>
+            <p:ph type="dt" sz="half" idx="10"/>
+          </p:nvPr>
+        </p:nvSpPr>
+        <p:spPr/>
+        <p:txBody>
+          <a:bodyPr/>
+          <a:lstStyle>
+            <a:lvl1pPr>
+              <a:defRPr/>
+            </a:lvl1pPr>
+          </a:lstStyle>
+          <a:p>
+            <a:fld id="{13F8C747-ED51-444E-8469-A24B0E223A0E}" type="datetimeFigureOut">
+              <a:rPr lang="en-US" smtClean="0"/>
+              <a:pPr/>
+              <a:t>11/19/11</a:t>
+            </a:fld>
+            <a:endParaRPr lang="pt-BR"/>
+          </a:p>
+        </p:txBody>
+      </p:sp>
+      <p:sp>
+        <p:nvSpPr>
+          <p:cNvPr id="5" name="Espaço Reservado para Rodapé 4"/>
+          <p:cNvSpPr>
+            <a:spLocks noGrp="1"/>
+          </p:cNvSpPr>
+          <p:nvPr>
+            <p:ph type="ftr" sz="quarter" idx="11"/>
+          </p:nvPr>
+        </p:nvSpPr>
+        <p:spPr/>
+        <p:txBody>
+          <a:bodyPr/>
+          <a:lstStyle>
+            <a:lvl1pPr>
+              <a:defRPr/>
+            </a:lvl1pPr>
+          </a:lstStyle>
+          <a:p>
+            <a:endParaRPr lang="pt-BR"/>
+          </a:p>
+        </p:txBody>
+      </p:sp>
+      <p:sp>
+        <p:nvSpPr>
+          <p:cNvPr id="6" name="Espaço Reservado para Número de Slide 5"/>
+          <p:cNvSpPr>
+            <a:spLocks noGrp="1"/>
+          </p:cNvSpPr>
+          <p:nvPr>
+            <p:ph type="sldNum" sz="quarter" idx="12"/>
+          </p:nvPr>
+        </p:nvSpPr>
+        <p:spPr/>
+        <p:txBody>
+          <a:bodyPr/>
+          <a:lstStyle>
+            <a:lvl1pPr>
+              <a:defRPr/>
+            </a:lvl1pPr>
+          </a:lstStyle>
+          <a:p>
+            <a:fld id="{7A517B20-1085-0740-914B-D4C0D3F90991}" type="slidenum">
+              <a:rPr lang="pt-BR" smtClean="0"/>
+              <a:pPr/>
+              <a:t>‹#›</a:t>
+            </a:fld>
+            <a:endParaRPr lang="pt-BR"/>
+          </a:p>
+        </p:txBody>
+      </p:sp>
+    </p:spTree>
+  </p:cSld>
+  <p:clrMapOvr>
+    <a:masterClrMapping/>
+  </p:clrMapOvr>
+</p:sldLayout>
+</file>
+
+<file path=ppt/slideLayouts/slideLayout14.xml><?xml version="1.0" encoding="utf-8"?>
+<p:sldLayout xmlns:a="http://schemas.openxmlformats.org/drawingml/2006/main" xmlns:r="http://schemas.openxmlformats.org/officeDocument/2006/relationships" xmlns:p="http://schemas.openxmlformats.org/presentationml/2006/main" type="secHead" preserve="1">
+  <p:cSld name="Cabeçalho da Seção">
+    <p:spTree>
+      <p:nvGrpSpPr>
+        <p:cNvPr id="1" name=""/>
+        <p:cNvGrpSpPr/>
+        <p:nvPr/>
+      </p:nvGrpSpPr>
+      <p:grpSpPr>
+        <a:xfrm>
+          <a:off x="0" y="0"/>
+          <a:ext cx="0" cy="0"/>
+          <a:chOff x="0" y="0"/>
+          <a:chExt cx="0" cy="0"/>
+        </a:xfrm>
+      </p:grpSpPr>
+      <p:sp>
+        <p:nvSpPr>
+          <p:cNvPr id="2" name="Título 1"/>
           <p:cNvSpPr>
             <a:spLocks noGrp="1"/>
           </p:cNvSpPr>
@@ -1986,8 +2342,8 @@
           </a:lstStyle>
           <a:p>
             <a:r>
-              <a:rPr lang="x-none" smtClean="0"/>
-              <a:t>Click to edit Master title style</a:t>
+              <a:rPr lang="pt-BR" smtClean="0"/>
+              <a:t>Clique para editar o estilo do título mestre</a:t>
             </a:r>
             <a:endParaRPr lang="pt-BR"/>
           </a:p>
@@ -1995,7 +2351,7 @@
       </p:sp>
       <p:sp>
         <p:nvSpPr>
-          <p:cNvPr id="3" name="Text Placeholder 2"/>
+          <p:cNvPr id="3" name="Espaço Reservado para Texto 2"/>
           <p:cNvSpPr>
             <a:spLocks noGrp="1"/>
           </p:cNvSpPr>
@@ -2106,15 +2462,15 @@
           <a:p>
             <a:pPr lvl="0"/>
             <a:r>
-              <a:rPr lang="x-none" smtClean="0"/>
-              <a:t>Click to edit Master text styles</a:t>
-            </a:r>
-          </a:p>
-        </p:txBody>
-      </p:sp>
-      <p:sp>
-        <p:nvSpPr>
-          <p:cNvPr id="4" name="Date Placeholder 3"/>
+              <a:rPr lang="pt-BR" smtClean="0"/>
+              <a:t>Clique para editar os estilos do texto mestre</a:t>
+            </a:r>
+          </a:p>
+        </p:txBody>
+      </p:sp>
+      <p:sp>
+        <p:nvSpPr>
+          <p:cNvPr id="4" name="Espaço Reservado para Data 3"/>
           <p:cNvSpPr>
             <a:spLocks noGrp="1"/>
           </p:cNvSpPr>
@@ -2125,7 +2481,11 @@
         <p:spPr/>
         <p:txBody>
           <a:bodyPr/>
-          <a:lstStyle/>
+          <a:lstStyle>
+            <a:lvl1pPr>
+              <a:defRPr/>
+            </a:lvl1pPr>
+          </a:lstStyle>
           <a:p>
             <a:fld id="{13F8C747-ED51-444E-8469-A24B0E223A0E}" type="datetimeFigureOut">
               <a:rPr lang="en-US" smtClean="0"/>
@@ -2138,7 +2498,7 @@
       </p:sp>
       <p:sp>
         <p:nvSpPr>
-          <p:cNvPr id="5" name="Footer Placeholder 4"/>
+          <p:cNvPr id="5" name="Espaço Reservado para Rodapé 4"/>
           <p:cNvSpPr>
             <a:spLocks noGrp="1"/>
           </p:cNvSpPr>
@@ -2149,7 +2509,11 @@
         <p:spPr/>
         <p:txBody>
           <a:bodyPr/>
-          <a:lstStyle/>
+          <a:lstStyle>
+            <a:lvl1pPr>
+              <a:defRPr/>
+            </a:lvl1pPr>
+          </a:lstStyle>
           <a:p>
             <a:endParaRPr lang="pt-BR"/>
           </a:p>
@@ -2157,7 +2521,7 @@
       </p:sp>
       <p:sp>
         <p:nvSpPr>
-          <p:cNvPr id="6" name="Slide Number Placeholder 5"/>
+          <p:cNvPr id="6" name="Espaço Reservado para Número de Slide 5"/>
           <p:cNvSpPr>
             <a:spLocks noGrp="1"/>
           </p:cNvSpPr>
@@ -2168,7 +2532,11 @@
         <p:spPr/>
         <p:txBody>
           <a:bodyPr/>
-          <a:lstStyle/>
+          <a:lstStyle>
+            <a:lvl1pPr>
+              <a:defRPr/>
+            </a:lvl1pPr>
+          </a:lstStyle>
           <a:p>
             <a:fld id="{7A517B20-1085-0740-914B-D4C0D3F90991}" type="slidenum">
               <a:rPr lang="pt-BR" smtClean="0"/>
@@ -2180,11 +2548,6 @@
         </p:txBody>
       </p:sp>
     </p:spTree>
-    <p:extLst>
-      <p:ext uri="{BB962C8B-B14F-4D97-AF65-F5344CB8AC3E}">
-        <p14:creationId xmlns:p14="http://schemas.microsoft.com/office/powerpoint/2010/main" val="3659341274"/>
-      </p:ext>
-    </p:extLst>
   </p:cSld>
   <p:clrMapOvr>
     <a:masterClrMapping/>
@@ -2192,9 +2555,9 @@
 </p:sldLayout>
 </file>
 
-<file path=ppt/slideLayouts/slideLayout4.xml><?xml version="1.0" encoding="utf-8"?>
+<file path=ppt/slideLayouts/slideLayout15.xml><?xml version="1.0" encoding="utf-8"?>
 <p:sldLayout xmlns:a="http://schemas.openxmlformats.org/drawingml/2006/main" xmlns:r="http://schemas.openxmlformats.org/officeDocument/2006/relationships" xmlns:p="http://schemas.openxmlformats.org/presentationml/2006/main" type="twoObj" preserve="1">
-  <p:cSld name="Two Content">
+  <p:cSld name="Duas Partes de Conteúdo">
     <p:spTree>
       <p:nvGrpSpPr>
         <p:cNvPr id="1" name=""/>
@@ -2211,7 +2574,7 @@
       </p:grpSpPr>
       <p:sp>
         <p:nvSpPr>
-          <p:cNvPr id="2" name="Title 1"/>
+          <p:cNvPr id="2" name="Título 1"/>
           <p:cNvSpPr>
             <a:spLocks noGrp="1"/>
           </p:cNvSpPr>
@@ -2225,8 +2588,8 @@
           <a:lstStyle/>
           <a:p>
             <a:r>
-              <a:rPr lang="x-none" smtClean="0"/>
-              <a:t>Click to edit Master title style</a:t>
+              <a:rPr lang="pt-BR" smtClean="0"/>
+              <a:t>Clique para editar o estilo do título mestre</a:t>
             </a:r>
             <a:endParaRPr lang="pt-BR"/>
           </a:p>
@@ -2234,7 +2597,7 @@
       </p:sp>
       <p:sp>
         <p:nvSpPr>
-          <p:cNvPr id="3" name="Content Placeholder 2"/>
+          <p:cNvPr id="3" name="Espaço Reservado para Conteúdo 2"/>
           <p:cNvSpPr>
             <a:spLocks noGrp="1"/>
           </p:cNvSpPr>
@@ -2282,36 +2645,36 @@
           <a:p>
             <a:pPr lvl="0"/>
             <a:r>
-              <a:rPr lang="x-none" smtClean="0"/>
-              <a:t>Click to edit Master text styles</a:t>
+              <a:rPr lang="pt-BR" smtClean="0"/>
+              <a:t>Clique para editar os estilos do texto mestre</a:t>
             </a:r>
           </a:p>
           <a:p>
             <a:pPr lvl="1"/>
             <a:r>
-              <a:rPr lang="x-none" smtClean="0"/>
-              <a:t>Second level</a:t>
+              <a:rPr lang="pt-BR" smtClean="0"/>
+              <a:t>Segundo nível</a:t>
             </a:r>
           </a:p>
           <a:p>
             <a:pPr lvl="2"/>
             <a:r>
-              <a:rPr lang="x-none" smtClean="0"/>
-              <a:t>Third level</a:t>
+              <a:rPr lang="pt-BR" smtClean="0"/>
+              <a:t>Terceiro nível</a:t>
             </a:r>
           </a:p>
           <a:p>
             <a:pPr lvl="3"/>
             <a:r>
-              <a:rPr lang="x-none" smtClean="0"/>
-              <a:t>Fourth level</a:t>
+              <a:rPr lang="pt-BR" smtClean="0"/>
+              <a:t>Quarto nível</a:t>
             </a:r>
           </a:p>
           <a:p>
             <a:pPr lvl="4"/>
             <a:r>
-              <a:rPr lang="x-none" smtClean="0"/>
-              <a:t>Fifth level</a:t>
+              <a:rPr lang="pt-BR" smtClean="0"/>
+              <a:t>Quinto nível</a:t>
             </a:r>
             <a:endParaRPr lang="pt-BR"/>
           </a:p>
@@ -2319,7 +2682,7 @@
       </p:sp>
       <p:sp>
         <p:nvSpPr>
-          <p:cNvPr id="4" name="Content Placeholder 3"/>
+          <p:cNvPr id="4" name="Espaço Reservado para Conteúdo 3"/>
           <p:cNvSpPr>
             <a:spLocks noGrp="1"/>
           </p:cNvSpPr>
@@ -2367,36 +2730,36 @@
           <a:p>
             <a:pPr lvl="0"/>
             <a:r>
-              <a:rPr lang="x-none" smtClean="0"/>
-              <a:t>Click to edit Master text styles</a:t>
+              <a:rPr lang="pt-BR" smtClean="0"/>
+              <a:t>Clique para editar os estilos do texto mestre</a:t>
             </a:r>
           </a:p>
           <a:p>
             <a:pPr lvl="1"/>
             <a:r>
-              <a:rPr lang="x-none" smtClean="0"/>
-              <a:t>Second level</a:t>
+              <a:rPr lang="pt-BR" smtClean="0"/>
+              <a:t>Segundo nível</a:t>
             </a:r>
           </a:p>
           <a:p>
             <a:pPr lvl="2"/>
             <a:r>
-              <a:rPr lang="x-none" smtClean="0"/>
-              <a:t>Third level</a:t>
+              <a:rPr lang="pt-BR" smtClean="0"/>
+              <a:t>Terceiro nível</a:t>
             </a:r>
           </a:p>
           <a:p>
             <a:pPr lvl="3"/>
             <a:r>
-              <a:rPr lang="x-none" smtClean="0"/>
-              <a:t>Fourth level</a:t>
+              <a:rPr lang="pt-BR" smtClean="0"/>
+              <a:t>Quarto nível</a:t>
             </a:r>
           </a:p>
           <a:p>
             <a:pPr lvl="4"/>
             <a:r>
-              <a:rPr lang="x-none" smtClean="0"/>
-              <a:t>Fifth level</a:t>
+              <a:rPr lang="pt-BR" smtClean="0"/>
+              <a:t>Quinto nível</a:t>
             </a:r>
             <a:endParaRPr lang="pt-BR"/>
           </a:p>
@@ -2404,7 +2767,7 @@
       </p:sp>
       <p:sp>
         <p:nvSpPr>
-          <p:cNvPr id="5" name="Date Placeholder 4"/>
+          <p:cNvPr id="5" name="Espaço Reservado para Data 3"/>
           <p:cNvSpPr>
             <a:spLocks noGrp="1"/>
           </p:cNvSpPr>
@@ -2415,7 +2778,11 @@
         <p:spPr/>
         <p:txBody>
           <a:bodyPr/>
-          <a:lstStyle/>
+          <a:lstStyle>
+            <a:lvl1pPr>
+              <a:defRPr/>
+            </a:lvl1pPr>
+          </a:lstStyle>
           <a:p>
             <a:fld id="{13F8C747-ED51-444E-8469-A24B0E223A0E}" type="datetimeFigureOut">
               <a:rPr lang="en-US" smtClean="0"/>
@@ -2428,7 +2795,7 @@
       </p:sp>
       <p:sp>
         <p:nvSpPr>
-          <p:cNvPr id="6" name="Footer Placeholder 5"/>
+          <p:cNvPr id="6" name="Espaço Reservado para Rodapé 4"/>
           <p:cNvSpPr>
             <a:spLocks noGrp="1"/>
           </p:cNvSpPr>
@@ -2439,7 +2806,11 @@
         <p:spPr/>
         <p:txBody>
           <a:bodyPr/>
-          <a:lstStyle/>
+          <a:lstStyle>
+            <a:lvl1pPr>
+              <a:defRPr/>
+            </a:lvl1pPr>
+          </a:lstStyle>
           <a:p>
             <a:endParaRPr lang="pt-BR"/>
           </a:p>
@@ -2447,7 +2818,7 @@
       </p:sp>
       <p:sp>
         <p:nvSpPr>
-          <p:cNvPr id="7" name="Slide Number Placeholder 6"/>
+          <p:cNvPr id="7" name="Espaço Reservado para Número de Slide 5"/>
           <p:cNvSpPr>
             <a:spLocks noGrp="1"/>
           </p:cNvSpPr>
@@ -2458,7 +2829,11 @@
         <p:spPr/>
         <p:txBody>
           <a:bodyPr/>
-          <a:lstStyle/>
+          <a:lstStyle>
+            <a:lvl1pPr>
+              <a:defRPr/>
+            </a:lvl1pPr>
+          </a:lstStyle>
           <a:p>
             <a:fld id="{7A517B20-1085-0740-914B-D4C0D3F90991}" type="slidenum">
               <a:rPr lang="pt-BR" smtClean="0"/>
@@ -2470,11 +2845,6 @@
         </p:txBody>
       </p:sp>
     </p:spTree>
-    <p:extLst>
-      <p:ext uri="{BB962C8B-B14F-4D97-AF65-F5344CB8AC3E}">
-        <p14:creationId xmlns:p14="http://schemas.microsoft.com/office/powerpoint/2010/main" val="1202184485"/>
-      </p:ext>
-    </p:extLst>
   </p:cSld>
   <p:clrMapOvr>
     <a:masterClrMapping/>
@@ -2482,9 +2852,9 @@
 </p:sldLayout>
 </file>
 
-<file path=ppt/slideLayouts/slideLayout5.xml><?xml version="1.0" encoding="utf-8"?>
+<file path=ppt/slideLayouts/slideLayout16.xml><?xml version="1.0" encoding="utf-8"?>
 <p:sldLayout xmlns:a="http://schemas.openxmlformats.org/drawingml/2006/main" xmlns:r="http://schemas.openxmlformats.org/officeDocument/2006/relationships" xmlns:p="http://schemas.openxmlformats.org/presentationml/2006/main" type="twoTxTwoObj" preserve="1">
-  <p:cSld name="Comparison">
+  <p:cSld name="Comparação">
     <p:spTree>
       <p:nvGrpSpPr>
         <p:cNvPr id="1" name=""/>
@@ -2501,7 +2871,7 @@
       </p:grpSpPr>
       <p:sp>
         <p:nvSpPr>
-          <p:cNvPr id="2" name="Title 1"/>
+          <p:cNvPr id="2" name="Título 1"/>
           <p:cNvSpPr>
             <a:spLocks noGrp="1"/>
           </p:cNvSpPr>
@@ -2519,8 +2889,8 @@
           </a:lstStyle>
           <a:p>
             <a:r>
-              <a:rPr lang="x-none" smtClean="0"/>
-              <a:t>Click to edit Master title style</a:t>
+              <a:rPr lang="pt-BR" smtClean="0"/>
+              <a:t>Clique para editar o estilo do título mestre</a:t>
             </a:r>
             <a:endParaRPr lang="pt-BR"/>
           </a:p>
@@ -2528,7 +2898,7 @@
       </p:sp>
       <p:sp>
         <p:nvSpPr>
-          <p:cNvPr id="3" name="Text Placeholder 2"/>
+          <p:cNvPr id="3" name="Espaço Reservado para Texto 2"/>
           <p:cNvSpPr>
             <a:spLocks noGrp="1"/>
           </p:cNvSpPr>
@@ -2585,15 +2955,15 @@
           <a:p>
             <a:pPr lvl="0"/>
             <a:r>
-              <a:rPr lang="x-none" smtClean="0"/>
-              <a:t>Click to edit Master text styles</a:t>
-            </a:r>
-          </a:p>
-        </p:txBody>
-      </p:sp>
-      <p:sp>
-        <p:nvSpPr>
-          <p:cNvPr id="4" name="Content Placeholder 3"/>
+              <a:rPr lang="pt-BR" smtClean="0"/>
+              <a:t>Clique para editar os estilos do texto mestre</a:t>
+            </a:r>
+          </a:p>
+        </p:txBody>
+      </p:sp>
+      <p:sp>
+        <p:nvSpPr>
+          <p:cNvPr id="4" name="Espaço Reservado para Conteúdo 3"/>
           <p:cNvSpPr>
             <a:spLocks noGrp="1"/>
           </p:cNvSpPr>
@@ -2641,36 +3011,36 @@
           <a:p>
             <a:pPr lvl="0"/>
             <a:r>
-              <a:rPr lang="x-none" smtClean="0"/>
-              <a:t>Click to edit Master text styles</a:t>
+              <a:rPr lang="pt-BR" smtClean="0"/>
+              <a:t>Clique para editar os estilos do texto mestre</a:t>
             </a:r>
           </a:p>
           <a:p>
             <a:pPr lvl="1"/>
             <a:r>
-              <a:rPr lang="x-none" smtClean="0"/>
-              <a:t>Second level</a:t>
+              <a:rPr lang="pt-BR" smtClean="0"/>
+              <a:t>Segundo nível</a:t>
             </a:r>
           </a:p>
           <a:p>
             <a:pPr lvl="2"/>
             <a:r>
-              <a:rPr lang="x-none" smtClean="0"/>
-              <a:t>Third level</a:t>
+              <a:rPr lang="pt-BR" smtClean="0"/>
+              <a:t>Terceiro nível</a:t>
             </a:r>
           </a:p>
           <a:p>
             <a:pPr lvl="3"/>
             <a:r>
-              <a:rPr lang="x-none" smtClean="0"/>
-              <a:t>Fourth level</a:t>
+              <a:rPr lang="pt-BR" smtClean="0"/>
+              <a:t>Quarto nível</a:t>
             </a:r>
           </a:p>
           <a:p>
             <a:pPr lvl="4"/>
             <a:r>
-              <a:rPr lang="x-none" smtClean="0"/>
-              <a:t>Fifth level</a:t>
+              <a:rPr lang="pt-BR" smtClean="0"/>
+              <a:t>Quinto nível</a:t>
             </a:r>
             <a:endParaRPr lang="pt-BR"/>
           </a:p>
@@ -2678,7 +3048,7 @@
       </p:sp>
       <p:sp>
         <p:nvSpPr>
-          <p:cNvPr id="5" name="Text Placeholder 4"/>
+          <p:cNvPr id="5" name="Espaço Reservado para Texto 4"/>
           <p:cNvSpPr>
             <a:spLocks noGrp="1"/>
           </p:cNvSpPr>
@@ -2735,15 +3105,15 @@
           <a:p>
             <a:pPr lvl="0"/>
             <a:r>
-              <a:rPr lang="x-none" smtClean="0"/>
-              <a:t>Click to edit Master text styles</a:t>
-            </a:r>
-          </a:p>
-        </p:txBody>
-      </p:sp>
-      <p:sp>
-        <p:nvSpPr>
-          <p:cNvPr id="6" name="Content Placeholder 5"/>
+              <a:rPr lang="pt-BR" smtClean="0"/>
+              <a:t>Clique para editar os estilos do texto mestre</a:t>
+            </a:r>
+          </a:p>
+        </p:txBody>
+      </p:sp>
+      <p:sp>
+        <p:nvSpPr>
+          <p:cNvPr id="6" name="Espaço Reservado para Conteúdo 5"/>
           <p:cNvSpPr>
             <a:spLocks noGrp="1"/>
           </p:cNvSpPr>
@@ -2791,36 +3161,36 @@
           <a:p>
             <a:pPr lvl="0"/>
             <a:r>
-              <a:rPr lang="x-none" smtClean="0"/>
-              <a:t>Click to edit Master text styles</a:t>
+              <a:rPr lang="pt-BR" smtClean="0"/>
+              <a:t>Clique para editar os estilos do texto mestre</a:t>
             </a:r>
           </a:p>
           <a:p>
             <a:pPr lvl="1"/>
             <a:r>
-              <a:rPr lang="x-none" smtClean="0"/>
-              <a:t>Second level</a:t>
+              <a:rPr lang="pt-BR" smtClean="0"/>
+              <a:t>Segundo nível</a:t>
             </a:r>
           </a:p>
           <a:p>
             <a:pPr lvl="2"/>
             <a:r>
-              <a:rPr lang="x-none" smtClean="0"/>
-              <a:t>Third level</a:t>
+              <a:rPr lang="pt-BR" smtClean="0"/>
+              <a:t>Terceiro nível</a:t>
             </a:r>
           </a:p>
           <a:p>
             <a:pPr lvl="3"/>
             <a:r>
-              <a:rPr lang="x-none" smtClean="0"/>
-              <a:t>Fourth level</a:t>
+              <a:rPr lang="pt-BR" smtClean="0"/>
+              <a:t>Quarto nível</a:t>
             </a:r>
           </a:p>
           <a:p>
             <a:pPr lvl="4"/>
             <a:r>
-              <a:rPr lang="x-none" smtClean="0"/>
-              <a:t>Fifth level</a:t>
+              <a:rPr lang="pt-BR" smtClean="0"/>
+              <a:t>Quinto nível</a:t>
             </a:r>
             <a:endParaRPr lang="pt-BR"/>
           </a:p>
@@ -2828,7 +3198,7 @@
       </p:sp>
       <p:sp>
         <p:nvSpPr>
-          <p:cNvPr id="7" name="Date Placeholder 6"/>
+          <p:cNvPr id="7" name="Espaço Reservado para Data 3"/>
           <p:cNvSpPr>
             <a:spLocks noGrp="1"/>
           </p:cNvSpPr>
@@ -2839,7 +3209,11 @@
         <p:spPr/>
         <p:txBody>
           <a:bodyPr/>
-          <a:lstStyle/>
+          <a:lstStyle>
+            <a:lvl1pPr>
+              <a:defRPr/>
+            </a:lvl1pPr>
+          </a:lstStyle>
           <a:p>
             <a:fld id="{13F8C747-ED51-444E-8469-A24B0E223A0E}" type="datetimeFigureOut">
               <a:rPr lang="en-US" smtClean="0"/>
@@ -2852,7 +3226,7 @@
       </p:sp>
       <p:sp>
         <p:nvSpPr>
-          <p:cNvPr id="8" name="Footer Placeholder 7"/>
+          <p:cNvPr id="8" name="Espaço Reservado para Rodapé 4"/>
           <p:cNvSpPr>
             <a:spLocks noGrp="1"/>
           </p:cNvSpPr>
@@ -2863,7 +3237,11 @@
         <p:spPr/>
         <p:txBody>
           <a:bodyPr/>
-          <a:lstStyle/>
+          <a:lstStyle>
+            <a:lvl1pPr>
+              <a:defRPr/>
+            </a:lvl1pPr>
+          </a:lstStyle>
           <a:p>
             <a:endParaRPr lang="pt-BR"/>
           </a:p>
@@ -2871,7 +3249,7 @@
       </p:sp>
       <p:sp>
         <p:nvSpPr>
-          <p:cNvPr id="9" name="Slide Number Placeholder 8"/>
+          <p:cNvPr id="9" name="Espaço Reservado para Número de Slide 5"/>
           <p:cNvSpPr>
             <a:spLocks noGrp="1"/>
           </p:cNvSpPr>
@@ -2882,7 +3260,11 @@
         <p:spPr/>
         <p:txBody>
           <a:bodyPr/>
-          <a:lstStyle/>
+          <a:lstStyle>
+            <a:lvl1pPr>
+              <a:defRPr/>
+            </a:lvl1pPr>
+          </a:lstStyle>
           <a:p>
             <a:fld id="{7A517B20-1085-0740-914B-D4C0D3F90991}" type="slidenum">
               <a:rPr lang="pt-BR" smtClean="0"/>
@@ -2894,11 +3276,6 @@
         </p:txBody>
       </p:sp>
     </p:spTree>
-    <p:extLst>
-      <p:ext uri="{BB962C8B-B14F-4D97-AF65-F5344CB8AC3E}">
-        <p14:creationId xmlns:p14="http://schemas.microsoft.com/office/powerpoint/2010/main" val="3854828520"/>
-      </p:ext>
-    </p:extLst>
   </p:cSld>
   <p:clrMapOvr>
     <a:masterClrMapping/>
@@ -2906,9 +3283,9 @@
 </p:sldLayout>
 </file>
 
-<file path=ppt/slideLayouts/slideLayout6.xml><?xml version="1.0" encoding="utf-8"?>
+<file path=ppt/slideLayouts/slideLayout17.xml><?xml version="1.0" encoding="utf-8"?>
 <p:sldLayout xmlns:a="http://schemas.openxmlformats.org/drawingml/2006/main" xmlns:r="http://schemas.openxmlformats.org/officeDocument/2006/relationships" xmlns:p="http://schemas.openxmlformats.org/presentationml/2006/main" type="titleOnly" preserve="1">
-  <p:cSld name="Title Only">
+  <p:cSld name="Somente título">
     <p:spTree>
       <p:nvGrpSpPr>
         <p:cNvPr id="1" name=""/>
@@ -2925,7 +3302,7 @@
       </p:grpSpPr>
       <p:sp>
         <p:nvSpPr>
-          <p:cNvPr id="2" name="Title 1"/>
+          <p:cNvPr id="2" name="Título 1"/>
           <p:cNvSpPr>
             <a:spLocks noGrp="1"/>
           </p:cNvSpPr>
@@ -2939,8 +3316,8 @@
           <a:lstStyle/>
           <a:p>
             <a:r>
-              <a:rPr lang="x-none" smtClean="0"/>
-              <a:t>Click to edit Master title style</a:t>
+              <a:rPr lang="pt-BR" smtClean="0"/>
+              <a:t>Clique para editar o estilo do título mestre</a:t>
             </a:r>
             <a:endParaRPr lang="pt-BR"/>
           </a:p>
@@ -2948,7 +3325,7 @@
       </p:sp>
       <p:sp>
         <p:nvSpPr>
-          <p:cNvPr id="3" name="Date Placeholder 2"/>
+          <p:cNvPr id="3" name="Espaço Reservado para Data 3"/>
           <p:cNvSpPr>
             <a:spLocks noGrp="1"/>
           </p:cNvSpPr>
@@ -2959,7 +3336,11 @@
         <p:spPr/>
         <p:txBody>
           <a:bodyPr/>
-          <a:lstStyle/>
+          <a:lstStyle>
+            <a:lvl1pPr>
+              <a:defRPr/>
+            </a:lvl1pPr>
+          </a:lstStyle>
           <a:p>
             <a:fld id="{13F8C747-ED51-444E-8469-A24B0E223A0E}" type="datetimeFigureOut">
               <a:rPr lang="en-US" smtClean="0"/>
@@ -2972,7 +3353,7 @@
       </p:sp>
       <p:sp>
         <p:nvSpPr>
-          <p:cNvPr id="4" name="Footer Placeholder 3"/>
+          <p:cNvPr id="4" name="Espaço Reservado para Rodapé 4"/>
           <p:cNvSpPr>
             <a:spLocks noGrp="1"/>
           </p:cNvSpPr>
@@ -2983,7 +3364,11 @@
         <p:spPr/>
         <p:txBody>
           <a:bodyPr/>
-          <a:lstStyle/>
+          <a:lstStyle>
+            <a:lvl1pPr>
+              <a:defRPr/>
+            </a:lvl1pPr>
+          </a:lstStyle>
           <a:p>
             <a:endParaRPr lang="pt-BR"/>
           </a:p>
@@ -2991,7 +3376,7 @@
       </p:sp>
       <p:sp>
         <p:nvSpPr>
-          <p:cNvPr id="5" name="Slide Number Placeholder 4"/>
+          <p:cNvPr id="5" name="Espaço Reservado para Número de Slide 5"/>
           <p:cNvSpPr>
             <a:spLocks noGrp="1"/>
           </p:cNvSpPr>
@@ -3002,7 +3387,11 @@
         <p:spPr/>
         <p:txBody>
           <a:bodyPr/>
-          <a:lstStyle/>
+          <a:lstStyle>
+            <a:lvl1pPr>
+              <a:defRPr/>
+            </a:lvl1pPr>
+          </a:lstStyle>
           <a:p>
             <a:fld id="{7A517B20-1085-0740-914B-D4C0D3F90991}" type="slidenum">
               <a:rPr lang="pt-BR" smtClean="0"/>
@@ -3014,11 +3403,6 @@
         </p:txBody>
       </p:sp>
     </p:spTree>
-    <p:extLst>
-      <p:ext uri="{BB962C8B-B14F-4D97-AF65-F5344CB8AC3E}">
-        <p14:creationId xmlns:p14="http://schemas.microsoft.com/office/powerpoint/2010/main" val="3159242835"/>
-      </p:ext>
-    </p:extLst>
   </p:cSld>
   <p:clrMapOvr>
     <a:masterClrMapping/>
@@ -3026,9 +3410,9 @@
 </p:sldLayout>
 </file>
 
-<file path=ppt/slideLayouts/slideLayout7.xml><?xml version="1.0" encoding="utf-8"?>
+<file path=ppt/slideLayouts/slideLayout18.xml><?xml version="1.0" encoding="utf-8"?>
 <p:sldLayout xmlns:a="http://schemas.openxmlformats.org/drawingml/2006/main" xmlns:r="http://schemas.openxmlformats.org/officeDocument/2006/relationships" xmlns:p="http://schemas.openxmlformats.org/presentationml/2006/main" type="blank" preserve="1">
-  <p:cSld name="Blank">
+  <p:cSld name="Em branco">
     <p:spTree>
       <p:nvGrpSpPr>
         <p:cNvPr id="1" name=""/>
@@ -3045,7 +3429,7 @@
       </p:grpSpPr>
       <p:sp>
         <p:nvSpPr>
-          <p:cNvPr id="2" name="Date Placeholder 1"/>
+          <p:cNvPr id="2" name="Espaço Reservado para Data 3"/>
           <p:cNvSpPr>
             <a:spLocks noGrp="1"/>
           </p:cNvSpPr>
@@ -3056,7 +3440,11 @@
         <p:spPr/>
         <p:txBody>
           <a:bodyPr/>
-          <a:lstStyle/>
+          <a:lstStyle>
+            <a:lvl1pPr>
+              <a:defRPr/>
+            </a:lvl1pPr>
+          </a:lstStyle>
           <a:p>
             <a:fld id="{13F8C747-ED51-444E-8469-A24B0E223A0E}" type="datetimeFigureOut">
               <a:rPr lang="en-US" smtClean="0"/>
@@ -3069,7 +3457,7 @@
       </p:sp>
       <p:sp>
         <p:nvSpPr>
-          <p:cNvPr id="3" name="Footer Placeholder 2"/>
+          <p:cNvPr id="3" name="Espaço Reservado para Rodapé 4"/>
           <p:cNvSpPr>
             <a:spLocks noGrp="1"/>
           </p:cNvSpPr>
@@ -3080,7 +3468,11 @@
         <p:spPr/>
         <p:txBody>
           <a:bodyPr/>
-          <a:lstStyle/>
+          <a:lstStyle>
+            <a:lvl1pPr>
+              <a:defRPr/>
+            </a:lvl1pPr>
+          </a:lstStyle>
           <a:p>
             <a:endParaRPr lang="pt-BR"/>
           </a:p>
@@ -3088,7 +3480,7 @@
       </p:sp>
       <p:sp>
         <p:nvSpPr>
-          <p:cNvPr id="4" name="Slide Number Placeholder 3"/>
+          <p:cNvPr id="4" name="Espaço Reservado para Número de Slide 5"/>
           <p:cNvSpPr>
             <a:spLocks noGrp="1"/>
           </p:cNvSpPr>
@@ -3099,7 +3491,11 @@
         <p:spPr/>
         <p:txBody>
           <a:bodyPr/>
-          <a:lstStyle/>
+          <a:lstStyle>
+            <a:lvl1pPr>
+              <a:defRPr/>
+            </a:lvl1pPr>
+          </a:lstStyle>
           <a:p>
             <a:fld id="{7A517B20-1085-0740-914B-D4C0D3F90991}" type="slidenum">
               <a:rPr lang="pt-BR" smtClean="0"/>
@@ -3111,11 +3507,6 @@
         </p:txBody>
       </p:sp>
     </p:spTree>
-    <p:extLst>
-      <p:ext uri="{BB962C8B-B14F-4D97-AF65-F5344CB8AC3E}">
-        <p14:creationId xmlns:p14="http://schemas.microsoft.com/office/powerpoint/2010/main" val="2916881542"/>
-      </p:ext>
-    </p:extLst>
   </p:cSld>
   <p:clrMapOvr>
     <a:masterClrMapping/>
@@ -3123,9 +3514,9 @@
 </p:sldLayout>
 </file>
 
-<file path=ppt/slideLayouts/slideLayout8.xml><?xml version="1.0" encoding="utf-8"?>
+<file path=ppt/slideLayouts/slideLayout19.xml><?xml version="1.0" encoding="utf-8"?>
 <p:sldLayout xmlns:a="http://schemas.openxmlformats.org/drawingml/2006/main" xmlns:r="http://schemas.openxmlformats.org/officeDocument/2006/relationships" xmlns:p="http://schemas.openxmlformats.org/presentationml/2006/main" type="objTx" preserve="1">
-  <p:cSld name="Content with Caption">
+  <p:cSld name="Conteúdo com Legenda">
     <p:spTree>
       <p:nvGrpSpPr>
         <p:cNvPr id="1" name=""/>
@@ -3142,7 +3533,7 @@
       </p:grpSpPr>
       <p:sp>
         <p:nvSpPr>
-          <p:cNvPr id="2" name="Title 1"/>
+          <p:cNvPr id="2" name="Título 1"/>
           <p:cNvSpPr>
             <a:spLocks noGrp="1"/>
           </p:cNvSpPr>
@@ -3165,8 +3556,8 @@
           </a:lstStyle>
           <a:p>
             <a:r>
-              <a:rPr lang="x-none" smtClean="0"/>
-              <a:t>Click to edit Master title style</a:t>
+              <a:rPr lang="pt-BR" smtClean="0"/>
+              <a:t>Clique para editar o estilo do título mestre</a:t>
             </a:r>
             <a:endParaRPr lang="pt-BR"/>
           </a:p>
@@ -3174,7 +3565,7 @@
       </p:sp>
       <p:sp>
         <p:nvSpPr>
-          <p:cNvPr id="3" name="Content Placeholder 2"/>
+          <p:cNvPr id="3" name="Espaço Reservado para Conteúdo 2"/>
           <p:cNvSpPr>
             <a:spLocks noGrp="1"/>
           </p:cNvSpPr>
@@ -3222,36 +3613,36 @@
           <a:p>
             <a:pPr lvl="0"/>
             <a:r>
-              <a:rPr lang="x-none" smtClean="0"/>
-              <a:t>Click to edit Master text styles</a:t>
+              <a:rPr lang="pt-BR" smtClean="0"/>
+              <a:t>Clique para editar os estilos do texto mestre</a:t>
             </a:r>
           </a:p>
           <a:p>
             <a:pPr lvl="1"/>
             <a:r>
-              <a:rPr lang="x-none" smtClean="0"/>
-              <a:t>Second level</a:t>
+              <a:rPr lang="pt-BR" smtClean="0"/>
+              <a:t>Segundo nível</a:t>
             </a:r>
           </a:p>
           <a:p>
             <a:pPr lvl="2"/>
             <a:r>
-              <a:rPr lang="x-none" smtClean="0"/>
-              <a:t>Third level</a:t>
+              <a:rPr lang="pt-BR" smtClean="0"/>
+              <a:t>Terceiro nível</a:t>
             </a:r>
           </a:p>
           <a:p>
             <a:pPr lvl="3"/>
             <a:r>
-              <a:rPr lang="x-none" smtClean="0"/>
-              <a:t>Fourth level</a:t>
+              <a:rPr lang="pt-BR" smtClean="0"/>
+              <a:t>Quarto nível</a:t>
             </a:r>
           </a:p>
           <a:p>
             <a:pPr lvl="4"/>
             <a:r>
-              <a:rPr lang="x-none" smtClean="0"/>
-              <a:t>Fifth level</a:t>
+              <a:rPr lang="pt-BR" smtClean="0"/>
+              <a:t>Quinto nível</a:t>
             </a:r>
             <a:endParaRPr lang="pt-BR"/>
           </a:p>
@@ -3259,7 +3650,7 @@
       </p:sp>
       <p:sp>
         <p:nvSpPr>
-          <p:cNvPr id="4" name="Text Placeholder 3"/>
+          <p:cNvPr id="4" name="Espaço Reservado para Texto 3"/>
           <p:cNvSpPr>
             <a:spLocks noGrp="1"/>
           </p:cNvSpPr>
@@ -3316,15 +3707,15 @@
           <a:p>
             <a:pPr lvl="0"/>
             <a:r>
-              <a:rPr lang="x-none" smtClean="0"/>
-              <a:t>Click to edit Master text styles</a:t>
-            </a:r>
-          </a:p>
-        </p:txBody>
-      </p:sp>
-      <p:sp>
-        <p:nvSpPr>
-          <p:cNvPr id="5" name="Date Placeholder 4"/>
+              <a:rPr lang="pt-BR" smtClean="0"/>
+              <a:t>Clique para editar os estilos do texto mestre</a:t>
+            </a:r>
+          </a:p>
+        </p:txBody>
+      </p:sp>
+      <p:sp>
+        <p:nvSpPr>
+          <p:cNvPr id="5" name="Espaço Reservado para Data 3"/>
           <p:cNvSpPr>
             <a:spLocks noGrp="1"/>
           </p:cNvSpPr>
@@ -3335,7 +3726,11 @@
         <p:spPr/>
         <p:txBody>
           <a:bodyPr/>
-          <a:lstStyle/>
+          <a:lstStyle>
+            <a:lvl1pPr>
+              <a:defRPr/>
+            </a:lvl1pPr>
+          </a:lstStyle>
           <a:p>
             <a:fld id="{13F8C747-ED51-444E-8469-A24B0E223A0E}" type="datetimeFigureOut">
               <a:rPr lang="en-US" smtClean="0"/>
@@ -3348,7 +3743,7 @@
       </p:sp>
       <p:sp>
         <p:nvSpPr>
-          <p:cNvPr id="6" name="Footer Placeholder 5"/>
+          <p:cNvPr id="6" name="Espaço Reservado para Rodapé 4"/>
           <p:cNvSpPr>
             <a:spLocks noGrp="1"/>
           </p:cNvSpPr>
@@ -3359,7 +3754,11 @@
         <p:spPr/>
         <p:txBody>
           <a:bodyPr/>
-          <a:lstStyle/>
+          <a:lstStyle>
+            <a:lvl1pPr>
+              <a:defRPr/>
+            </a:lvl1pPr>
+          </a:lstStyle>
           <a:p>
             <a:endParaRPr lang="pt-BR"/>
           </a:p>
@@ -3367,7 +3766,7 @@
       </p:sp>
       <p:sp>
         <p:nvSpPr>
-          <p:cNvPr id="7" name="Slide Number Placeholder 6"/>
+          <p:cNvPr id="7" name="Espaço Reservado para Número de Slide 5"/>
           <p:cNvSpPr>
             <a:spLocks noGrp="1"/>
           </p:cNvSpPr>
@@ -3378,7 +3777,11 @@
         <p:spPr/>
         <p:txBody>
           <a:bodyPr/>
-          <a:lstStyle/>
+          <a:lstStyle>
+            <a:lvl1pPr>
+              <a:defRPr/>
+            </a:lvl1pPr>
+          </a:lstStyle>
           <a:p>
             <a:fld id="{7A517B20-1085-0740-914B-D4C0D3F90991}" type="slidenum">
               <a:rPr lang="pt-BR" smtClean="0"/>
@@ -3390,11 +3793,6 @@
         </p:txBody>
       </p:sp>
     </p:spTree>
-    <p:extLst>
-      <p:ext uri="{BB962C8B-B14F-4D97-AF65-F5344CB8AC3E}">
-        <p14:creationId xmlns:p14="http://schemas.microsoft.com/office/powerpoint/2010/main" val="3825735961"/>
-      </p:ext>
-    </p:extLst>
   </p:cSld>
   <p:clrMapOvr>
     <a:masterClrMapping/>
@@ -3402,9 +3800,9 @@
 </p:sldLayout>
 </file>
 
-<file path=ppt/slideLayouts/slideLayout9.xml><?xml version="1.0" encoding="utf-8"?>
-<p:sldLayout xmlns:a="http://schemas.openxmlformats.org/drawingml/2006/main" xmlns:r="http://schemas.openxmlformats.org/officeDocument/2006/relationships" xmlns:p="http://schemas.openxmlformats.org/presentationml/2006/main" type="picTx" preserve="1">
-  <p:cSld name="Picture with Caption">
+<file path=ppt/slideLayouts/slideLayout2.xml><?xml version="1.0" encoding="utf-8"?>
+<p:sldLayout xmlns:a="http://schemas.openxmlformats.org/drawingml/2006/main" xmlns:r="http://schemas.openxmlformats.org/officeDocument/2006/relationships" xmlns:p="http://schemas.openxmlformats.org/presentationml/2006/main" type="obj" preserve="1">
+  <p:cSld name="Título e conteúdo">
     <p:spTree>
       <p:nvGrpSpPr>
         <p:cNvPr id="1" name=""/>
@@ -3421,7 +3819,186 @@
       </p:grpSpPr>
       <p:sp>
         <p:nvSpPr>
-          <p:cNvPr id="2" name="Title 1"/>
+          <p:cNvPr id="2" name="Título 1"/>
+          <p:cNvSpPr>
+            <a:spLocks noGrp="1"/>
+          </p:cNvSpPr>
+          <p:nvPr>
+            <p:ph type="title"/>
+          </p:nvPr>
+        </p:nvSpPr>
+        <p:spPr/>
+        <p:txBody>
+          <a:bodyPr/>
+          <a:lstStyle/>
+          <a:p>
+            <a:r>
+              <a:rPr lang="pt-BR" smtClean="0"/>
+              <a:t>Clique para editar o estilo do título mestre</a:t>
+            </a:r>
+            <a:endParaRPr lang="pt-BR"/>
+          </a:p>
+        </p:txBody>
+      </p:sp>
+      <p:sp>
+        <p:nvSpPr>
+          <p:cNvPr id="3" name="Espaço Reservado para Conteúdo 2"/>
+          <p:cNvSpPr>
+            <a:spLocks noGrp="1"/>
+          </p:cNvSpPr>
+          <p:nvPr>
+            <p:ph idx="1"/>
+          </p:nvPr>
+        </p:nvSpPr>
+        <p:spPr/>
+        <p:txBody>
+          <a:bodyPr/>
+          <a:lstStyle/>
+          <a:p>
+            <a:pPr lvl="0"/>
+            <a:r>
+              <a:rPr lang="pt-BR" smtClean="0"/>
+              <a:t>Clique para editar os estilos do texto mestre</a:t>
+            </a:r>
+          </a:p>
+          <a:p>
+            <a:pPr lvl="1"/>
+            <a:r>
+              <a:rPr lang="pt-BR" smtClean="0"/>
+              <a:t>Segundo nível</a:t>
+            </a:r>
+          </a:p>
+          <a:p>
+            <a:pPr lvl="2"/>
+            <a:r>
+              <a:rPr lang="pt-BR" smtClean="0"/>
+              <a:t>Terceiro nível</a:t>
+            </a:r>
+          </a:p>
+          <a:p>
+            <a:pPr lvl="3"/>
+            <a:r>
+              <a:rPr lang="pt-BR" smtClean="0"/>
+              <a:t>Quarto nível</a:t>
+            </a:r>
+          </a:p>
+          <a:p>
+            <a:pPr lvl="4"/>
+            <a:r>
+              <a:rPr lang="pt-BR" smtClean="0"/>
+              <a:t>Quinto nível</a:t>
+            </a:r>
+            <a:endParaRPr lang="pt-BR"/>
+          </a:p>
+        </p:txBody>
+      </p:sp>
+      <p:sp>
+        <p:nvSpPr>
+          <p:cNvPr id="4" name="Espaço Reservado para Data 3"/>
+          <p:cNvSpPr>
+            <a:spLocks noGrp="1"/>
+          </p:cNvSpPr>
+          <p:nvPr>
+            <p:ph type="dt" sz="half" idx="10"/>
+          </p:nvPr>
+        </p:nvSpPr>
+        <p:spPr/>
+        <p:txBody>
+          <a:bodyPr/>
+          <a:lstStyle>
+            <a:lvl1pPr>
+              <a:defRPr/>
+            </a:lvl1pPr>
+          </a:lstStyle>
+          <a:p>
+            <a:fld id="{13F8C747-ED51-444E-8469-A24B0E223A0E}" type="datetimeFigureOut">
+              <a:rPr lang="en-US" smtClean="0"/>
+              <a:pPr/>
+              <a:t>11/19/11</a:t>
+            </a:fld>
+            <a:endParaRPr lang="pt-BR"/>
+          </a:p>
+        </p:txBody>
+      </p:sp>
+      <p:sp>
+        <p:nvSpPr>
+          <p:cNvPr id="5" name="Espaço Reservado para Rodapé 4"/>
+          <p:cNvSpPr>
+            <a:spLocks noGrp="1"/>
+          </p:cNvSpPr>
+          <p:nvPr>
+            <p:ph type="ftr" sz="quarter" idx="11"/>
+          </p:nvPr>
+        </p:nvSpPr>
+        <p:spPr/>
+        <p:txBody>
+          <a:bodyPr/>
+          <a:lstStyle>
+            <a:lvl1pPr>
+              <a:defRPr/>
+            </a:lvl1pPr>
+          </a:lstStyle>
+          <a:p>
+            <a:endParaRPr lang="pt-BR"/>
+          </a:p>
+        </p:txBody>
+      </p:sp>
+      <p:sp>
+        <p:nvSpPr>
+          <p:cNvPr id="6" name="Espaço Reservado para Número de Slide 5"/>
+          <p:cNvSpPr>
+            <a:spLocks noGrp="1"/>
+          </p:cNvSpPr>
+          <p:nvPr>
+            <p:ph type="sldNum" sz="quarter" idx="12"/>
+          </p:nvPr>
+        </p:nvSpPr>
+        <p:spPr/>
+        <p:txBody>
+          <a:bodyPr/>
+          <a:lstStyle>
+            <a:lvl1pPr>
+              <a:defRPr/>
+            </a:lvl1pPr>
+          </a:lstStyle>
+          <a:p>
+            <a:fld id="{7A517B20-1085-0740-914B-D4C0D3F90991}" type="slidenum">
+              <a:rPr lang="pt-BR" smtClean="0"/>
+              <a:pPr/>
+              <a:t>‹#›</a:t>
+            </a:fld>
+            <a:endParaRPr lang="pt-BR"/>
+          </a:p>
+        </p:txBody>
+      </p:sp>
+    </p:spTree>
+  </p:cSld>
+  <p:clrMapOvr>
+    <a:masterClrMapping/>
+  </p:clrMapOvr>
+</p:sldLayout>
+</file>
+
+<file path=ppt/slideLayouts/slideLayout20.xml><?xml version="1.0" encoding="utf-8"?>
+<p:sldLayout xmlns:a="http://schemas.openxmlformats.org/drawingml/2006/main" xmlns:r="http://schemas.openxmlformats.org/officeDocument/2006/relationships" xmlns:p="http://schemas.openxmlformats.org/presentationml/2006/main" type="picTx" preserve="1">
+  <p:cSld name="Imagem com Legenda">
+    <p:spTree>
+      <p:nvGrpSpPr>
+        <p:cNvPr id="1" name=""/>
+        <p:cNvGrpSpPr/>
+        <p:nvPr/>
+      </p:nvGrpSpPr>
+      <p:grpSpPr>
+        <a:xfrm>
+          <a:off x="0" y="0"/>
+          <a:ext cx="0" cy="0"/>
+          <a:chOff x="0" y="0"/>
+          <a:chExt cx="0" cy="0"/>
+        </a:xfrm>
+      </p:grpSpPr>
+      <p:sp>
+        <p:nvSpPr>
+          <p:cNvPr id="2" name="Título 1"/>
           <p:cNvSpPr>
             <a:spLocks noGrp="1"/>
           </p:cNvSpPr>
@@ -3444,8 +4021,8 @@
           </a:lstStyle>
           <a:p>
             <a:r>
-              <a:rPr lang="x-none" smtClean="0"/>
-              <a:t>Click to edit Master title style</a:t>
+              <a:rPr lang="pt-BR" smtClean="0"/>
+              <a:t>Clique para editar o estilo do título mestre</a:t>
             </a:r>
             <a:endParaRPr lang="pt-BR"/>
           </a:p>
@@ -3453,7 +4030,7 @@
       </p:sp>
       <p:sp>
         <p:nvSpPr>
-          <p:cNvPr id="3" name="Picture Placeholder 2"/>
+          <p:cNvPr id="3" name="Espaço Reservado para Imagem 2"/>
           <p:cNvSpPr>
             <a:spLocks noGrp="1"/>
           </p:cNvSpPr>
@@ -3468,7 +4045,9 @@
           </a:xfrm>
         </p:spPr>
         <p:txBody>
-          <a:bodyPr/>
+          <a:bodyPr rtlCol="0">
+            <a:normAutofit/>
+          </a:bodyPr>
           <a:lstStyle>
             <a:lvl1pPr marL="0" indent="0">
               <a:buNone/>
@@ -3508,13 +4087,17 @@
             </a:lvl9pPr>
           </a:lstStyle>
           <a:p>
-            <a:endParaRPr lang="pt-BR"/>
-          </a:p>
-        </p:txBody>
-      </p:sp>
-      <p:sp>
-        <p:nvSpPr>
-          <p:cNvPr id="4" name="Text Placeholder 3"/>
+            <a:pPr lvl="0"/>
+            <a:r>
+              <a:rPr lang="pt-BR" noProof="0" smtClean="0"/>
+              <a:t>Clique no ícone para adicionar uma imagem</a:t>
+            </a:r>
+          </a:p>
+        </p:txBody>
+      </p:sp>
+      <p:sp>
+        <p:nvSpPr>
+          <p:cNvPr id="4" name="Espaço Reservado para Texto 3"/>
           <p:cNvSpPr>
             <a:spLocks noGrp="1"/>
           </p:cNvSpPr>
@@ -3571,15 +4154,15 @@
           <a:p>
             <a:pPr lvl="0"/>
             <a:r>
-              <a:rPr lang="x-none" smtClean="0"/>
-              <a:t>Click to edit Master text styles</a:t>
-            </a:r>
-          </a:p>
-        </p:txBody>
-      </p:sp>
-      <p:sp>
-        <p:nvSpPr>
-          <p:cNvPr id="5" name="Date Placeholder 4"/>
+              <a:rPr lang="pt-BR" smtClean="0"/>
+              <a:t>Clique para editar os estilos do texto mestre</a:t>
+            </a:r>
+          </a:p>
+        </p:txBody>
+      </p:sp>
+      <p:sp>
+        <p:nvSpPr>
+          <p:cNvPr id="5" name="Espaço Reservado para Data 3"/>
           <p:cNvSpPr>
             <a:spLocks noGrp="1"/>
           </p:cNvSpPr>
@@ -3590,7 +4173,11 @@
         <p:spPr/>
         <p:txBody>
           <a:bodyPr/>
-          <a:lstStyle/>
+          <a:lstStyle>
+            <a:lvl1pPr>
+              <a:defRPr/>
+            </a:lvl1pPr>
+          </a:lstStyle>
           <a:p>
             <a:fld id="{13F8C747-ED51-444E-8469-A24B0E223A0E}" type="datetimeFigureOut">
               <a:rPr lang="en-US" smtClean="0"/>
@@ -3603,7 +4190,7 @@
       </p:sp>
       <p:sp>
         <p:nvSpPr>
-          <p:cNvPr id="6" name="Footer Placeholder 5"/>
+          <p:cNvPr id="6" name="Espaço Reservado para Rodapé 4"/>
           <p:cNvSpPr>
             <a:spLocks noGrp="1"/>
           </p:cNvSpPr>
@@ -3614,7 +4201,11 @@
         <p:spPr/>
         <p:txBody>
           <a:bodyPr/>
-          <a:lstStyle/>
+          <a:lstStyle>
+            <a:lvl1pPr>
+              <a:defRPr/>
+            </a:lvl1pPr>
+          </a:lstStyle>
           <a:p>
             <a:endParaRPr lang="pt-BR"/>
           </a:p>
@@ -3622,7 +4213,7 @@
       </p:sp>
       <p:sp>
         <p:nvSpPr>
-          <p:cNvPr id="7" name="Slide Number Placeholder 6"/>
+          <p:cNvPr id="7" name="Espaço Reservado para Número de Slide 5"/>
           <p:cNvSpPr>
             <a:spLocks noGrp="1"/>
           </p:cNvSpPr>
@@ -3633,7 +4224,11 @@
         <p:spPr/>
         <p:txBody>
           <a:bodyPr/>
-          <a:lstStyle/>
+          <a:lstStyle>
+            <a:lvl1pPr>
+              <a:defRPr/>
+            </a:lvl1pPr>
+          </a:lstStyle>
           <a:p>
             <a:fld id="{7A517B20-1085-0740-914B-D4C0D3F90991}" type="slidenum">
               <a:rPr lang="pt-BR" smtClean="0"/>
@@ -3645,11 +4240,2142 @@
         </p:txBody>
       </p:sp>
     </p:spTree>
-    <p:extLst>
-      <p:ext uri="{BB962C8B-B14F-4D97-AF65-F5344CB8AC3E}">
-        <p14:creationId xmlns:p14="http://schemas.microsoft.com/office/powerpoint/2010/main" val="1536875921"/>
-      </p:ext>
-    </p:extLst>
+  </p:cSld>
+  <p:clrMapOvr>
+    <a:masterClrMapping/>
+  </p:clrMapOvr>
+</p:sldLayout>
+</file>
+
+<file path=ppt/slideLayouts/slideLayout21.xml><?xml version="1.0" encoding="utf-8"?>
+<p:sldLayout xmlns:a="http://schemas.openxmlformats.org/drawingml/2006/main" xmlns:r="http://schemas.openxmlformats.org/officeDocument/2006/relationships" xmlns:p="http://schemas.openxmlformats.org/presentationml/2006/main" type="vertTx" preserve="1">
+  <p:cSld name="Título e texto vertical">
+    <p:spTree>
+      <p:nvGrpSpPr>
+        <p:cNvPr id="1" name=""/>
+        <p:cNvGrpSpPr/>
+        <p:nvPr/>
+      </p:nvGrpSpPr>
+      <p:grpSpPr>
+        <a:xfrm>
+          <a:off x="0" y="0"/>
+          <a:ext cx="0" cy="0"/>
+          <a:chOff x="0" y="0"/>
+          <a:chExt cx="0" cy="0"/>
+        </a:xfrm>
+      </p:grpSpPr>
+      <p:sp>
+        <p:nvSpPr>
+          <p:cNvPr id="2" name="Título 1"/>
+          <p:cNvSpPr>
+            <a:spLocks noGrp="1"/>
+          </p:cNvSpPr>
+          <p:nvPr>
+            <p:ph type="title"/>
+          </p:nvPr>
+        </p:nvSpPr>
+        <p:spPr/>
+        <p:txBody>
+          <a:bodyPr/>
+          <a:lstStyle/>
+          <a:p>
+            <a:r>
+              <a:rPr lang="pt-BR" smtClean="0"/>
+              <a:t>Clique para editar o estilo do título mestre</a:t>
+            </a:r>
+            <a:endParaRPr lang="pt-BR"/>
+          </a:p>
+        </p:txBody>
+      </p:sp>
+      <p:sp>
+        <p:nvSpPr>
+          <p:cNvPr id="3" name="Espaço Reservado para Texto Vertical 2"/>
+          <p:cNvSpPr>
+            <a:spLocks noGrp="1"/>
+          </p:cNvSpPr>
+          <p:nvPr>
+            <p:ph type="body" orient="vert" idx="1"/>
+          </p:nvPr>
+        </p:nvSpPr>
+        <p:spPr/>
+        <p:txBody>
+          <a:bodyPr vert="eaVert"/>
+          <a:lstStyle/>
+          <a:p>
+            <a:pPr lvl="0"/>
+            <a:r>
+              <a:rPr lang="pt-BR" smtClean="0"/>
+              <a:t>Clique para editar os estilos do texto mestre</a:t>
+            </a:r>
+          </a:p>
+          <a:p>
+            <a:pPr lvl="1"/>
+            <a:r>
+              <a:rPr lang="pt-BR" smtClean="0"/>
+              <a:t>Segundo nível</a:t>
+            </a:r>
+          </a:p>
+          <a:p>
+            <a:pPr lvl="2"/>
+            <a:r>
+              <a:rPr lang="pt-BR" smtClean="0"/>
+              <a:t>Terceiro nível</a:t>
+            </a:r>
+          </a:p>
+          <a:p>
+            <a:pPr lvl="3"/>
+            <a:r>
+              <a:rPr lang="pt-BR" smtClean="0"/>
+              <a:t>Quarto nível</a:t>
+            </a:r>
+          </a:p>
+          <a:p>
+            <a:pPr lvl="4"/>
+            <a:r>
+              <a:rPr lang="pt-BR" smtClean="0"/>
+              <a:t>Quinto nível</a:t>
+            </a:r>
+            <a:endParaRPr lang="pt-BR"/>
+          </a:p>
+        </p:txBody>
+      </p:sp>
+      <p:sp>
+        <p:nvSpPr>
+          <p:cNvPr id="4" name="Espaço Reservado para Data 3"/>
+          <p:cNvSpPr>
+            <a:spLocks noGrp="1"/>
+          </p:cNvSpPr>
+          <p:nvPr>
+            <p:ph type="dt" sz="half" idx="10"/>
+          </p:nvPr>
+        </p:nvSpPr>
+        <p:spPr/>
+        <p:txBody>
+          <a:bodyPr/>
+          <a:lstStyle>
+            <a:lvl1pPr>
+              <a:defRPr/>
+            </a:lvl1pPr>
+          </a:lstStyle>
+          <a:p>
+            <a:fld id="{13F8C747-ED51-444E-8469-A24B0E223A0E}" type="datetimeFigureOut">
+              <a:rPr lang="en-US" smtClean="0"/>
+              <a:pPr/>
+              <a:t>11/19/11</a:t>
+            </a:fld>
+            <a:endParaRPr lang="pt-BR"/>
+          </a:p>
+        </p:txBody>
+      </p:sp>
+      <p:sp>
+        <p:nvSpPr>
+          <p:cNvPr id="5" name="Espaço Reservado para Rodapé 4"/>
+          <p:cNvSpPr>
+            <a:spLocks noGrp="1"/>
+          </p:cNvSpPr>
+          <p:nvPr>
+            <p:ph type="ftr" sz="quarter" idx="11"/>
+          </p:nvPr>
+        </p:nvSpPr>
+        <p:spPr/>
+        <p:txBody>
+          <a:bodyPr/>
+          <a:lstStyle>
+            <a:lvl1pPr>
+              <a:defRPr/>
+            </a:lvl1pPr>
+          </a:lstStyle>
+          <a:p>
+            <a:endParaRPr lang="pt-BR"/>
+          </a:p>
+        </p:txBody>
+      </p:sp>
+      <p:sp>
+        <p:nvSpPr>
+          <p:cNvPr id="6" name="Espaço Reservado para Número de Slide 5"/>
+          <p:cNvSpPr>
+            <a:spLocks noGrp="1"/>
+          </p:cNvSpPr>
+          <p:nvPr>
+            <p:ph type="sldNum" sz="quarter" idx="12"/>
+          </p:nvPr>
+        </p:nvSpPr>
+        <p:spPr/>
+        <p:txBody>
+          <a:bodyPr/>
+          <a:lstStyle>
+            <a:lvl1pPr>
+              <a:defRPr/>
+            </a:lvl1pPr>
+          </a:lstStyle>
+          <a:p>
+            <a:fld id="{7A517B20-1085-0740-914B-D4C0D3F90991}" type="slidenum">
+              <a:rPr lang="pt-BR" smtClean="0"/>
+              <a:pPr/>
+              <a:t>‹#›</a:t>
+            </a:fld>
+            <a:endParaRPr lang="pt-BR"/>
+          </a:p>
+        </p:txBody>
+      </p:sp>
+    </p:spTree>
+  </p:cSld>
+  <p:clrMapOvr>
+    <a:masterClrMapping/>
+  </p:clrMapOvr>
+</p:sldLayout>
+</file>
+
+<file path=ppt/slideLayouts/slideLayout22.xml><?xml version="1.0" encoding="utf-8"?>
+<p:sldLayout xmlns:a="http://schemas.openxmlformats.org/drawingml/2006/main" xmlns:r="http://schemas.openxmlformats.org/officeDocument/2006/relationships" xmlns:p="http://schemas.openxmlformats.org/presentationml/2006/main" type="vertTitleAndTx" preserve="1">
+  <p:cSld name="Título e texto verticais">
+    <p:spTree>
+      <p:nvGrpSpPr>
+        <p:cNvPr id="1" name=""/>
+        <p:cNvGrpSpPr/>
+        <p:nvPr/>
+      </p:nvGrpSpPr>
+      <p:grpSpPr>
+        <a:xfrm>
+          <a:off x="0" y="0"/>
+          <a:ext cx="0" cy="0"/>
+          <a:chOff x="0" y="0"/>
+          <a:chExt cx="0" cy="0"/>
+        </a:xfrm>
+      </p:grpSpPr>
+      <p:sp>
+        <p:nvSpPr>
+          <p:cNvPr id="2" name="Título Vertical 1"/>
+          <p:cNvSpPr>
+            <a:spLocks noGrp="1"/>
+          </p:cNvSpPr>
+          <p:nvPr>
+            <p:ph type="title" orient="vert"/>
+          </p:nvPr>
+        </p:nvSpPr>
+        <p:spPr>
+          <a:xfrm>
+            <a:off x="6629400" y="274638"/>
+            <a:ext cx="2057400" cy="5851525"/>
+          </a:xfrm>
+        </p:spPr>
+        <p:txBody>
+          <a:bodyPr vert="eaVert"/>
+          <a:lstStyle/>
+          <a:p>
+            <a:r>
+              <a:rPr lang="pt-BR" smtClean="0"/>
+              <a:t>Clique para editar o estilo do título mestre</a:t>
+            </a:r>
+            <a:endParaRPr lang="pt-BR"/>
+          </a:p>
+        </p:txBody>
+      </p:sp>
+      <p:sp>
+        <p:nvSpPr>
+          <p:cNvPr id="3" name="Espaço Reservado para Texto Vertical 2"/>
+          <p:cNvSpPr>
+            <a:spLocks noGrp="1"/>
+          </p:cNvSpPr>
+          <p:nvPr>
+            <p:ph type="body" orient="vert" idx="1"/>
+          </p:nvPr>
+        </p:nvSpPr>
+        <p:spPr>
+          <a:xfrm>
+            <a:off x="457200" y="274638"/>
+            <a:ext cx="6019800" cy="5851525"/>
+          </a:xfrm>
+        </p:spPr>
+        <p:txBody>
+          <a:bodyPr vert="eaVert"/>
+          <a:lstStyle/>
+          <a:p>
+            <a:pPr lvl="0"/>
+            <a:r>
+              <a:rPr lang="pt-BR" smtClean="0"/>
+              <a:t>Clique para editar os estilos do texto mestre</a:t>
+            </a:r>
+          </a:p>
+          <a:p>
+            <a:pPr lvl="1"/>
+            <a:r>
+              <a:rPr lang="pt-BR" smtClean="0"/>
+              <a:t>Segundo nível</a:t>
+            </a:r>
+          </a:p>
+          <a:p>
+            <a:pPr lvl="2"/>
+            <a:r>
+              <a:rPr lang="pt-BR" smtClean="0"/>
+              <a:t>Terceiro nível</a:t>
+            </a:r>
+          </a:p>
+          <a:p>
+            <a:pPr lvl="3"/>
+            <a:r>
+              <a:rPr lang="pt-BR" smtClean="0"/>
+              <a:t>Quarto nível</a:t>
+            </a:r>
+          </a:p>
+          <a:p>
+            <a:pPr lvl="4"/>
+            <a:r>
+              <a:rPr lang="pt-BR" smtClean="0"/>
+              <a:t>Quinto nível</a:t>
+            </a:r>
+            <a:endParaRPr lang="pt-BR"/>
+          </a:p>
+        </p:txBody>
+      </p:sp>
+      <p:sp>
+        <p:nvSpPr>
+          <p:cNvPr id="4" name="Espaço Reservado para Data 3"/>
+          <p:cNvSpPr>
+            <a:spLocks noGrp="1"/>
+          </p:cNvSpPr>
+          <p:nvPr>
+            <p:ph type="dt" sz="half" idx="10"/>
+          </p:nvPr>
+        </p:nvSpPr>
+        <p:spPr/>
+        <p:txBody>
+          <a:bodyPr/>
+          <a:lstStyle>
+            <a:lvl1pPr>
+              <a:defRPr/>
+            </a:lvl1pPr>
+          </a:lstStyle>
+          <a:p>
+            <a:fld id="{13F8C747-ED51-444E-8469-A24B0E223A0E}" type="datetimeFigureOut">
+              <a:rPr lang="en-US" smtClean="0"/>
+              <a:pPr/>
+              <a:t>11/19/11</a:t>
+            </a:fld>
+            <a:endParaRPr lang="pt-BR"/>
+          </a:p>
+        </p:txBody>
+      </p:sp>
+      <p:sp>
+        <p:nvSpPr>
+          <p:cNvPr id="5" name="Espaço Reservado para Rodapé 4"/>
+          <p:cNvSpPr>
+            <a:spLocks noGrp="1"/>
+          </p:cNvSpPr>
+          <p:nvPr>
+            <p:ph type="ftr" sz="quarter" idx="11"/>
+          </p:nvPr>
+        </p:nvSpPr>
+        <p:spPr/>
+        <p:txBody>
+          <a:bodyPr/>
+          <a:lstStyle>
+            <a:lvl1pPr>
+              <a:defRPr/>
+            </a:lvl1pPr>
+          </a:lstStyle>
+          <a:p>
+            <a:endParaRPr lang="pt-BR"/>
+          </a:p>
+        </p:txBody>
+      </p:sp>
+      <p:sp>
+        <p:nvSpPr>
+          <p:cNvPr id="6" name="Espaço Reservado para Número de Slide 5"/>
+          <p:cNvSpPr>
+            <a:spLocks noGrp="1"/>
+          </p:cNvSpPr>
+          <p:nvPr>
+            <p:ph type="sldNum" sz="quarter" idx="12"/>
+          </p:nvPr>
+        </p:nvSpPr>
+        <p:spPr/>
+        <p:txBody>
+          <a:bodyPr/>
+          <a:lstStyle>
+            <a:lvl1pPr>
+              <a:defRPr/>
+            </a:lvl1pPr>
+          </a:lstStyle>
+          <a:p>
+            <a:fld id="{7A517B20-1085-0740-914B-D4C0D3F90991}" type="slidenum">
+              <a:rPr lang="pt-BR" smtClean="0"/>
+              <a:pPr/>
+              <a:t>‹#›</a:t>
+            </a:fld>
+            <a:endParaRPr lang="pt-BR"/>
+          </a:p>
+        </p:txBody>
+      </p:sp>
+    </p:spTree>
+  </p:cSld>
+  <p:clrMapOvr>
+    <a:masterClrMapping/>
+  </p:clrMapOvr>
+</p:sldLayout>
+</file>
+
+<file path=ppt/slideLayouts/slideLayout3.xml><?xml version="1.0" encoding="utf-8"?>
+<p:sldLayout xmlns:a="http://schemas.openxmlformats.org/drawingml/2006/main" xmlns:r="http://schemas.openxmlformats.org/officeDocument/2006/relationships" xmlns:p="http://schemas.openxmlformats.org/presentationml/2006/main" type="secHead" preserve="1">
+  <p:cSld name="Cabeçalho da Seção">
+    <p:spTree>
+      <p:nvGrpSpPr>
+        <p:cNvPr id="1" name=""/>
+        <p:cNvGrpSpPr/>
+        <p:nvPr/>
+      </p:nvGrpSpPr>
+      <p:grpSpPr>
+        <a:xfrm>
+          <a:off x="0" y="0"/>
+          <a:ext cx="0" cy="0"/>
+          <a:chOff x="0" y="0"/>
+          <a:chExt cx="0" cy="0"/>
+        </a:xfrm>
+      </p:grpSpPr>
+      <p:sp>
+        <p:nvSpPr>
+          <p:cNvPr id="2" name="Título 1"/>
+          <p:cNvSpPr>
+            <a:spLocks noGrp="1"/>
+          </p:cNvSpPr>
+          <p:nvPr>
+            <p:ph type="title"/>
+          </p:nvPr>
+        </p:nvSpPr>
+        <p:spPr>
+          <a:xfrm>
+            <a:off x="722313" y="4406900"/>
+            <a:ext cx="7772400" cy="1362075"/>
+          </a:xfrm>
+        </p:spPr>
+        <p:txBody>
+          <a:bodyPr anchor="t"/>
+          <a:lstStyle>
+            <a:lvl1pPr algn="l">
+              <a:defRPr sz="4000" b="1" cap="all"/>
+            </a:lvl1pPr>
+          </a:lstStyle>
+          <a:p>
+            <a:r>
+              <a:rPr lang="pt-BR" smtClean="0"/>
+              <a:t>Clique para editar o estilo do título mestre</a:t>
+            </a:r>
+            <a:endParaRPr lang="pt-BR"/>
+          </a:p>
+        </p:txBody>
+      </p:sp>
+      <p:sp>
+        <p:nvSpPr>
+          <p:cNvPr id="3" name="Espaço Reservado para Texto 2"/>
+          <p:cNvSpPr>
+            <a:spLocks noGrp="1"/>
+          </p:cNvSpPr>
+          <p:nvPr>
+            <p:ph type="body" idx="1"/>
+          </p:nvPr>
+        </p:nvSpPr>
+        <p:spPr>
+          <a:xfrm>
+            <a:off x="722313" y="2906713"/>
+            <a:ext cx="7772400" cy="1500187"/>
+          </a:xfrm>
+        </p:spPr>
+        <p:txBody>
+          <a:bodyPr anchor="b"/>
+          <a:lstStyle>
+            <a:lvl1pPr marL="0" indent="0">
+              <a:buNone/>
+              <a:defRPr sz="2000">
+                <a:solidFill>
+                  <a:schemeClr val="tx1">
+                    <a:tint val="75000"/>
+                  </a:schemeClr>
+                </a:solidFill>
+              </a:defRPr>
+            </a:lvl1pPr>
+            <a:lvl2pPr marL="457200" indent="0">
+              <a:buNone/>
+              <a:defRPr sz="1800">
+                <a:solidFill>
+                  <a:schemeClr val="tx1">
+                    <a:tint val="75000"/>
+                  </a:schemeClr>
+                </a:solidFill>
+              </a:defRPr>
+            </a:lvl2pPr>
+            <a:lvl3pPr marL="914400" indent="0">
+              <a:buNone/>
+              <a:defRPr sz="1600">
+                <a:solidFill>
+                  <a:schemeClr val="tx1">
+                    <a:tint val="75000"/>
+                  </a:schemeClr>
+                </a:solidFill>
+              </a:defRPr>
+            </a:lvl3pPr>
+            <a:lvl4pPr marL="1371600" indent="0">
+              <a:buNone/>
+              <a:defRPr sz="1400">
+                <a:solidFill>
+                  <a:schemeClr val="tx1">
+                    <a:tint val="75000"/>
+                  </a:schemeClr>
+                </a:solidFill>
+              </a:defRPr>
+            </a:lvl4pPr>
+            <a:lvl5pPr marL="1828800" indent="0">
+              <a:buNone/>
+              <a:defRPr sz="1400">
+                <a:solidFill>
+                  <a:schemeClr val="tx1">
+                    <a:tint val="75000"/>
+                  </a:schemeClr>
+                </a:solidFill>
+              </a:defRPr>
+            </a:lvl5pPr>
+            <a:lvl6pPr marL="2286000" indent="0">
+              <a:buNone/>
+              <a:defRPr sz="1400">
+                <a:solidFill>
+                  <a:schemeClr val="tx1">
+                    <a:tint val="75000"/>
+                  </a:schemeClr>
+                </a:solidFill>
+              </a:defRPr>
+            </a:lvl6pPr>
+            <a:lvl7pPr marL="2743200" indent="0">
+              <a:buNone/>
+              <a:defRPr sz="1400">
+                <a:solidFill>
+                  <a:schemeClr val="tx1">
+                    <a:tint val="75000"/>
+                  </a:schemeClr>
+                </a:solidFill>
+              </a:defRPr>
+            </a:lvl7pPr>
+            <a:lvl8pPr marL="3200400" indent="0">
+              <a:buNone/>
+              <a:defRPr sz="1400">
+                <a:solidFill>
+                  <a:schemeClr val="tx1">
+                    <a:tint val="75000"/>
+                  </a:schemeClr>
+                </a:solidFill>
+              </a:defRPr>
+            </a:lvl8pPr>
+            <a:lvl9pPr marL="3657600" indent="0">
+              <a:buNone/>
+              <a:defRPr sz="1400">
+                <a:solidFill>
+                  <a:schemeClr val="tx1">
+                    <a:tint val="75000"/>
+                  </a:schemeClr>
+                </a:solidFill>
+              </a:defRPr>
+            </a:lvl9pPr>
+          </a:lstStyle>
+          <a:p>
+            <a:pPr lvl="0"/>
+            <a:r>
+              <a:rPr lang="pt-BR" smtClean="0"/>
+              <a:t>Clique para editar os estilos do texto mestre</a:t>
+            </a:r>
+          </a:p>
+        </p:txBody>
+      </p:sp>
+      <p:sp>
+        <p:nvSpPr>
+          <p:cNvPr id="4" name="Espaço Reservado para Data 3"/>
+          <p:cNvSpPr>
+            <a:spLocks noGrp="1"/>
+          </p:cNvSpPr>
+          <p:nvPr>
+            <p:ph type="dt" sz="half" idx="10"/>
+          </p:nvPr>
+        </p:nvSpPr>
+        <p:spPr/>
+        <p:txBody>
+          <a:bodyPr/>
+          <a:lstStyle>
+            <a:lvl1pPr>
+              <a:defRPr/>
+            </a:lvl1pPr>
+          </a:lstStyle>
+          <a:p>
+            <a:fld id="{13F8C747-ED51-444E-8469-A24B0E223A0E}" type="datetimeFigureOut">
+              <a:rPr lang="en-US" smtClean="0"/>
+              <a:pPr/>
+              <a:t>11/19/11</a:t>
+            </a:fld>
+            <a:endParaRPr lang="pt-BR"/>
+          </a:p>
+        </p:txBody>
+      </p:sp>
+      <p:sp>
+        <p:nvSpPr>
+          <p:cNvPr id="5" name="Espaço Reservado para Rodapé 4"/>
+          <p:cNvSpPr>
+            <a:spLocks noGrp="1"/>
+          </p:cNvSpPr>
+          <p:nvPr>
+            <p:ph type="ftr" sz="quarter" idx="11"/>
+          </p:nvPr>
+        </p:nvSpPr>
+        <p:spPr/>
+        <p:txBody>
+          <a:bodyPr/>
+          <a:lstStyle>
+            <a:lvl1pPr>
+              <a:defRPr/>
+            </a:lvl1pPr>
+          </a:lstStyle>
+          <a:p>
+            <a:endParaRPr lang="pt-BR"/>
+          </a:p>
+        </p:txBody>
+      </p:sp>
+      <p:sp>
+        <p:nvSpPr>
+          <p:cNvPr id="6" name="Espaço Reservado para Número de Slide 5"/>
+          <p:cNvSpPr>
+            <a:spLocks noGrp="1"/>
+          </p:cNvSpPr>
+          <p:nvPr>
+            <p:ph type="sldNum" sz="quarter" idx="12"/>
+          </p:nvPr>
+        </p:nvSpPr>
+        <p:spPr/>
+        <p:txBody>
+          <a:bodyPr/>
+          <a:lstStyle>
+            <a:lvl1pPr>
+              <a:defRPr/>
+            </a:lvl1pPr>
+          </a:lstStyle>
+          <a:p>
+            <a:fld id="{7A517B20-1085-0740-914B-D4C0D3F90991}" type="slidenum">
+              <a:rPr lang="pt-BR" smtClean="0"/>
+              <a:pPr/>
+              <a:t>‹#›</a:t>
+            </a:fld>
+            <a:endParaRPr lang="pt-BR"/>
+          </a:p>
+        </p:txBody>
+      </p:sp>
+    </p:spTree>
+  </p:cSld>
+  <p:clrMapOvr>
+    <a:masterClrMapping/>
+  </p:clrMapOvr>
+</p:sldLayout>
+</file>
+
+<file path=ppt/slideLayouts/slideLayout4.xml><?xml version="1.0" encoding="utf-8"?>
+<p:sldLayout xmlns:a="http://schemas.openxmlformats.org/drawingml/2006/main" xmlns:r="http://schemas.openxmlformats.org/officeDocument/2006/relationships" xmlns:p="http://schemas.openxmlformats.org/presentationml/2006/main" type="twoObj" preserve="1">
+  <p:cSld name="Duas Partes de Conteúdo">
+    <p:spTree>
+      <p:nvGrpSpPr>
+        <p:cNvPr id="1" name=""/>
+        <p:cNvGrpSpPr/>
+        <p:nvPr/>
+      </p:nvGrpSpPr>
+      <p:grpSpPr>
+        <a:xfrm>
+          <a:off x="0" y="0"/>
+          <a:ext cx="0" cy="0"/>
+          <a:chOff x="0" y="0"/>
+          <a:chExt cx="0" cy="0"/>
+        </a:xfrm>
+      </p:grpSpPr>
+      <p:sp>
+        <p:nvSpPr>
+          <p:cNvPr id="2" name="Título 1"/>
+          <p:cNvSpPr>
+            <a:spLocks noGrp="1"/>
+          </p:cNvSpPr>
+          <p:nvPr>
+            <p:ph type="title"/>
+          </p:nvPr>
+        </p:nvSpPr>
+        <p:spPr/>
+        <p:txBody>
+          <a:bodyPr/>
+          <a:lstStyle/>
+          <a:p>
+            <a:r>
+              <a:rPr lang="pt-BR" smtClean="0"/>
+              <a:t>Clique para editar o estilo do título mestre</a:t>
+            </a:r>
+            <a:endParaRPr lang="pt-BR"/>
+          </a:p>
+        </p:txBody>
+      </p:sp>
+      <p:sp>
+        <p:nvSpPr>
+          <p:cNvPr id="3" name="Espaço Reservado para Conteúdo 2"/>
+          <p:cNvSpPr>
+            <a:spLocks noGrp="1"/>
+          </p:cNvSpPr>
+          <p:nvPr>
+            <p:ph sz="half" idx="1"/>
+          </p:nvPr>
+        </p:nvSpPr>
+        <p:spPr>
+          <a:xfrm>
+            <a:off x="457200" y="1600200"/>
+            <a:ext cx="4038600" cy="4525963"/>
+          </a:xfrm>
+        </p:spPr>
+        <p:txBody>
+          <a:bodyPr/>
+          <a:lstStyle>
+            <a:lvl1pPr>
+              <a:defRPr sz="2800"/>
+            </a:lvl1pPr>
+            <a:lvl2pPr>
+              <a:defRPr sz="2400"/>
+            </a:lvl2pPr>
+            <a:lvl3pPr>
+              <a:defRPr sz="2000"/>
+            </a:lvl3pPr>
+            <a:lvl4pPr>
+              <a:defRPr sz="1800"/>
+            </a:lvl4pPr>
+            <a:lvl5pPr>
+              <a:defRPr sz="1800"/>
+            </a:lvl5pPr>
+            <a:lvl6pPr>
+              <a:defRPr sz="1800"/>
+            </a:lvl6pPr>
+            <a:lvl7pPr>
+              <a:defRPr sz="1800"/>
+            </a:lvl7pPr>
+            <a:lvl8pPr>
+              <a:defRPr sz="1800"/>
+            </a:lvl8pPr>
+            <a:lvl9pPr>
+              <a:defRPr sz="1800"/>
+            </a:lvl9pPr>
+          </a:lstStyle>
+          <a:p>
+            <a:pPr lvl="0"/>
+            <a:r>
+              <a:rPr lang="pt-BR" smtClean="0"/>
+              <a:t>Clique para editar os estilos do texto mestre</a:t>
+            </a:r>
+          </a:p>
+          <a:p>
+            <a:pPr lvl="1"/>
+            <a:r>
+              <a:rPr lang="pt-BR" smtClean="0"/>
+              <a:t>Segundo nível</a:t>
+            </a:r>
+          </a:p>
+          <a:p>
+            <a:pPr lvl="2"/>
+            <a:r>
+              <a:rPr lang="pt-BR" smtClean="0"/>
+              <a:t>Terceiro nível</a:t>
+            </a:r>
+          </a:p>
+          <a:p>
+            <a:pPr lvl="3"/>
+            <a:r>
+              <a:rPr lang="pt-BR" smtClean="0"/>
+              <a:t>Quarto nível</a:t>
+            </a:r>
+          </a:p>
+          <a:p>
+            <a:pPr lvl="4"/>
+            <a:r>
+              <a:rPr lang="pt-BR" smtClean="0"/>
+              <a:t>Quinto nível</a:t>
+            </a:r>
+            <a:endParaRPr lang="pt-BR"/>
+          </a:p>
+        </p:txBody>
+      </p:sp>
+      <p:sp>
+        <p:nvSpPr>
+          <p:cNvPr id="4" name="Espaço Reservado para Conteúdo 3"/>
+          <p:cNvSpPr>
+            <a:spLocks noGrp="1"/>
+          </p:cNvSpPr>
+          <p:nvPr>
+            <p:ph sz="half" idx="2"/>
+          </p:nvPr>
+        </p:nvSpPr>
+        <p:spPr>
+          <a:xfrm>
+            <a:off x="4648200" y="1600200"/>
+            <a:ext cx="4038600" cy="4525963"/>
+          </a:xfrm>
+        </p:spPr>
+        <p:txBody>
+          <a:bodyPr/>
+          <a:lstStyle>
+            <a:lvl1pPr>
+              <a:defRPr sz="2800"/>
+            </a:lvl1pPr>
+            <a:lvl2pPr>
+              <a:defRPr sz="2400"/>
+            </a:lvl2pPr>
+            <a:lvl3pPr>
+              <a:defRPr sz="2000"/>
+            </a:lvl3pPr>
+            <a:lvl4pPr>
+              <a:defRPr sz="1800"/>
+            </a:lvl4pPr>
+            <a:lvl5pPr>
+              <a:defRPr sz="1800"/>
+            </a:lvl5pPr>
+            <a:lvl6pPr>
+              <a:defRPr sz="1800"/>
+            </a:lvl6pPr>
+            <a:lvl7pPr>
+              <a:defRPr sz="1800"/>
+            </a:lvl7pPr>
+            <a:lvl8pPr>
+              <a:defRPr sz="1800"/>
+            </a:lvl8pPr>
+            <a:lvl9pPr>
+              <a:defRPr sz="1800"/>
+            </a:lvl9pPr>
+          </a:lstStyle>
+          <a:p>
+            <a:pPr lvl="0"/>
+            <a:r>
+              <a:rPr lang="pt-BR" smtClean="0"/>
+              <a:t>Clique para editar os estilos do texto mestre</a:t>
+            </a:r>
+          </a:p>
+          <a:p>
+            <a:pPr lvl="1"/>
+            <a:r>
+              <a:rPr lang="pt-BR" smtClean="0"/>
+              <a:t>Segundo nível</a:t>
+            </a:r>
+          </a:p>
+          <a:p>
+            <a:pPr lvl="2"/>
+            <a:r>
+              <a:rPr lang="pt-BR" smtClean="0"/>
+              <a:t>Terceiro nível</a:t>
+            </a:r>
+          </a:p>
+          <a:p>
+            <a:pPr lvl="3"/>
+            <a:r>
+              <a:rPr lang="pt-BR" smtClean="0"/>
+              <a:t>Quarto nível</a:t>
+            </a:r>
+          </a:p>
+          <a:p>
+            <a:pPr lvl="4"/>
+            <a:r>
+              <a:rPr lang="pt-BR" smtClean="0"/>
+              <a:t>Quinto nível</a:t>
+            </a:r>
+            <a:endParaRPr lang="pt-BR"/>
+          </a:p>
+        </p:txBody>
+      </p:sp>
+      <p:sp>
+        <p:nvSpPr>
+          <p:cNvPr id="5" name="Espaço Reservado para Data 3"/>
+          <p:cNvSpPr>
+            <a:spLocks noGrp="1"/>
+          </p:cNvSpPr>
+          <p:nvPr>
+            <p:ph type="dt" sz="half" idx="10"/>
+          </p:nvPr>
+        </p:nvSpPr>
+        <p:spPr/>
+        <p:txBody>
+          <a:bodyPr/>
+          <a:lstStyle>
+            <a:lvl1pPr>
+              <a:defRPr/>
+            </a:lvl1pPr>
+          </a:lstStyle>
+          <a:p>
+            <a:fld id="{13F8C747-ED51-444E-8469-A24B0E223A0E}" type="datetimeFigureOut">
+              <a:rPr lang="en-US" smtClean="0"/>
+              <a:pPr/>
+              <a:t>11/19/11</a:t>
+            </a:fld>
+            <a:endParaRPr lang="pt-BR"/>
+          </a:p>
+        </p:txBody>
+      </p:sp>
+      <p:sp>
+        <p:nvSpPr>
+          <p:cNvPr id="6" name="Espaço Reservado para Rodapé 4"/>
+          <p:cNvSpPr>
+            <a:spLocks noGrp="1"/>
+          </p:cNvSpPr>
+          <p:nvPr>
+            <p:ph type="ftr" sz="quarter" idx="11"/>
+          </p:nvPr>
+        </p:nvSpPr>
+        <p:spPr/>
+        <p:txBody>
+          <a:bodyPr/>
+          <a:lstStyle>
+            <a:lvl1pPr>
+              <a:defRPr/>
+            </a:lvl1pPr>
+          </a:lstStyle>
+          <a:p>
+            <a:endParaRPr lang="pt-BR"/>
+          </a:p>
+        </p:txBody>
+      </p:sp>
+      <p:sp>
+        <p:nvSpPr>
+          <p:cNvPr id="7" name="Espaço Reservado para Número de Slide 5"/>
+          <p:cNvSpPr>
+            <a:spLocks noGrp="1"/>
+          </p:cNvSpPr>
+          <p:nvPr>
+            <p:ph type="sldNum" sz="quarter" idx="12"/>
+          </p:nvPr>
+        </p:nvSpPr>
+        <p:spPr/>
+        <p:txBody>
+          <a:bodyPr/>
+          <a:lstStyle>
+            <a:lvl1pPr>
+              <a:defRPr/>
+            </a:lvl1pPr>
+          </a:lstStyle>
+          <a:p>
+            <a:fld id="{7A517B20-1085-0740-914B-D4C0D3F90991}" type="slidenum">
+              <a:rPr lang="pt-BR" smtClean="0"/>
+              <a:pPr/>
+              <a:t>‹#›</a:t>
+            </a:fld>
+            <a:endParaRPr lang="pt-BR"/>
+          </a:p>
+        </p:txBody>
+      </p:sp>
+    </p:spTree>
+  </p:cSld>
+  <p:clrMapOvr>
+    <a:masterClrMapping/>
+  </p:clrMapOvr>
+</p:sldLayout>
+</file>
+
+<file path=ppt/slideLayouts/slideLayout5.xml><?xml version="1.0" encoding="utf-8"?>
+<p:sldLayout xmlns:a="http://schemas.openxmlformats.org/drawingml/2006/main" xmlns:r="http://schemas.openxmlformats.org/officeDocument/2006/relationships" xmlns:p="http://schemas.openxmlformats.org/presentationml/2006/main" type="twoTxTwoObj" preserve="1">
+  <p:cSld name="Comparação">
+    <p:spTree>
+      <p:nvGrpSpPr>
+        <p:cNvPr id="1" name=""/>
+        <p:cNvGrpSpPr/>
+        <p:nvPr/>
+      </p:nvGrpSpPr>
+      <p:grpSpPr>
+        <a:xfrm>
+          <a:off x="0" y="0"/>
+          <a:ext cx="0" cy="0"/>
+          <a:chOff x="0" y="0"/>
+          <a:chExt cx="0" cy="0"/>
+        </a:xfrm>
+      </p:grpSpPr>
+      <p:sp>
+        <p:nvSpPr>
+          <p:cNvPr id="2" name="Título 1"/>
+          <p:cNvSpPr>
+            <a:spLocks noGrp="1"/>
+          </p:cNvSpPr>
+          <p:nvPr>
+            <p:ph type="title"/>
+          </p:nvPr>
+        </p:nvSpPr>
+        <p:spPr/>
+        <p:txBody>
+          <a:bodyPr/>
+          <a:lstStyle>
+            <a:lvl1pPr>
+              <a:defRPr/>
+            </a:lvl1pPr>
+          </a:lstStyle>
+          <a:p>
+            <a:r>
+              <a:rPr lang="pt-BR" smtClean="0"/>
+              <a:t>Clique para editar o estilo do título mestre</a:t>
+            </a:r>
+            <a:endParaRPr lang="pt-BR"/>
+          </a:p>
+        </p:txBody>
+      </p:sp>
+      <p:sp>
+        <p:nvSpPr>
+          <p:cNvPr id="3" name="Espaço Reservado para Texto 2"/>
+          <p:cNvSpPr>
+            <a:spLocks noGrp="1"/>
+          </p:cNvSpPr>
+          <p:nvPr>
+            <p:ph type="body" idx="1"/>
+          </p:nvPr>
+        </p:nvSpPr>
+        <p:spPr>
+          <a:xfrm>
+            <a:off x="457200" y="1535113"/>
+            <a:ext cx="4040188" cy="639762"/>
+          </a:xfrm>
+        </p:spPr>
+        <p:txBody>
+          <a:bodyPr anchor="b"/>
+          <a:lstStyle>
+            <a:lvl1pPr marL="0" indent="0">
+              <a:buNone/>
+              <a:defRPr sz="2400" b="1"/>
+            </a:lvl1pPr>
+            <a:lvl2pPr marL="457200" indent="0">
+              <a:buNone/>
+              <a:defRPr sz="2000" b="1"/>
+            </a:lvl2pPr>
+            <a:lvl3pPr marL="914400" indent="0">
+              <a:buNone/>
+              <a:defRPr sz="1800" b="1"/>
+            </a:lvl3pPr>
+            <a:lvl4pPr marL="1371600" indent="0">
+              <a:buNone/>
+              <a:defRPr sz="1600" b="1"/>
+            </a:lvl4pPr>
+            <a:lvl5pPr marL="1828800" indent="0">
+              <a:buNone/>
+              <a:defRPr sz="1600" b="1"/>
+            </a:lvl5pPr>
+            <a:lvl6pPr marL="2286000" indent="0">
+              <a:buNone/>
+              <a:defRPr sz="1600" b="1"/>
+            </a:lvl6pPr>
+            <a:lvl7pPr marL="2743200" indent="0">
+              <a:buNone/>
+              <a:defRPr sz="1600" b="1"/>
+            </a:lvl7pPr>
+            <a:lvl8pPr marL="3200400" indent="0">
+              <a:buNone/>
+              <a:defRPr sz="1600" b="1"/>
+            </a:lvl8pPr>
+            <a:lvl9pPr marL="3657600" indent="0">
+              <a:buNone/>
+              <a:defRPr sz="1600" b="1"/>
+            </a:lvl9pPr>
+          </a:lstStyle>
+          <a:p>
+            <a:pPr lvl="0"/>
+            <a:r>
+              <a:rPr lang="pt-BR" smtClean="0"/>
+              <a:t>Clique para editar os estilos do texto mestre</a:t>
+            </a:r>
+          </a:p>
+        </p:txBody>
+      </p:sp>
+      <p:sp>
+        <p:nvSpPr>
+          <p:cNvPr id="4" name="Espaço Reservado para Conteúdo 3"/>
+          <p:cNvSpPr>
+            <a:spLocks noGrp="1"/>
+          </p:cNvSpPr>
+          <p:nvPr>
+            <p:ph sz="half" idx="2"/>
+          </p:nvPr>
+        </p:nvSpPr>
+        <p:spPr>
+          <a:xfrm>
+            <a:off x="457200" y="2174875"/>
+            <a:ext cx="4040188" cy="3951288"/>
+          </a:xfrm>
+        </p:spPr>
+        <p:txBody>
+          <a:bodyPr/>
+          <a:lstStyle>
+            <a:lvl1pPr>
+              <a:defRPr sz="2400"/>
+            </a:lvl1pPr>
+            <a:lvl2pPr>
+              <a:defRPr sz="2000"/>
+            </a:lvl2pPr>
+            <a:lvl3pPr>
+              <a:defRPr sz="1800"/>
+            </a:lvl3pPr>
+            <a:lvl4pPr>
+              <a:defRPr sz="1600"/>
+            </a:lvl4pPr>
+            <a:lvl5pPr>
+              <a:defRPr sz="1600"/>
+            </a:lvl5pPr>
+            <a:lvl6pPr>
+              <a:defRPr sz="1600"/>
+            </a:lvl6pPr>
+            <a:lvl7pPr>
+              <a:defRPr sz="1600"/>
+            </a:lvl7pPr>
+            <a:lvl8pPr>
+              <a:defRPr sz="1600"/>
+            </a:lvl8pPr>
+            <a:lvl9pPr>
+              <a:defRPr sz="1600"/>
+            </a:lvl9pPr>
+          </a:lstStyle>
+          <a:p>
+            <a:pPr lvl="0"/>
+            <a:r>
+              <a:rPr lang="pt-BR" smtClean="0"/>
+              <a:t>Clique para editar os estilos do texto mestre</a:t>
+            </a:r>
+          </a:p>
+          <a:p>
+            <a:pPr lvl="1"/>
+            <a:r>
+              <a:rPr lang="pt-BR" smtClean="0"/>
+              <a:t>Segundo nível</a:t>
+            </a:r>
+          </a:p>
+          <a:p>
+            <a:pPr lvl="2"/>
+            <a:r>
+              <a:rPr lang="pt-BR" smtClean="0"/>
+              <a:t>Terceiro nível</a:t>
+            </a:r>
+          </a:p>
+          <a:p>
+            <a:pPr lvl="3"/>
+            <a:r>
+              <a:rPr lang="pt-BR" smtClean="0"/>
+              <a:t>Quarto nível</a:t>
+            </a:r>
+          </a:p>
+          <a:p>
+            <a:pPr lvl="4"/>
+            <a:r>
+              <a:rPr lang="pt-BR" smtClean="0"/>
+              <a:t>Quinto nível</a:t>
+            </a:r>
+            <a:endParaRPr lang="pt-BR"/>
+          </a:p>
+        </p:txBody>
+      </p:sp>
+      <p:sp>
+        <p:nvSpPr>
+          <p:cNvPr id="5" name="Espaço Reservado para Texto 4"/>
+          <p:cNvSpPr>
+            <a:spLocks noGrp="1"/>
+          </p:cNvSpPr>
+          <p:nvPr>
+            <p:ph type="body" sz="quarter" idx="3"/>
+          </p:nvPr>
+        </p:nvSpPr>
+        <p:spPr>
+          <a:xfrm>
+            <a:off x="4645025" y="1535113"/>
+            <a:ext cx="4041775" cy="639762"/>
+          </a:xfrm>
+        </p:spPr>
+        <p:txBody>
+          <a:bodyPr anchor="b"/>
+          <a:lstStyle>
+            <a:lvl1pPr marL="0" indent="0">
+              <a:buNone/>
+              <a:defRPr sz="2400" b="1"/>
+            </a:lvl1pPr>
+            <a:lvl2pPr marL="457200" indent="0">
+              <a:buNone/>
+              <a:defRPr sz="2000" b="1"/>
+            </a:lvl2pPr>
+            <a:lvl3pPr marL="914400" indent="0">
+              <a:buNone/>
+              <a:defRPr sz="1800" b="1"/>
+            </a:lvl3pPr>
+            <a:lvl4pPr marL="1371600" indent="0">
+              <a:buNone/>
+              <a:defRPr sz="1600" b="1"/>
+            </a:lvl4pPr>
+            <a:lvl5pPr marL="1828800" indent="0">
+              <a:buNone/>
+              <a:defRPr sz="1600" b="1"/>
+            </a:lvl5pPr>
+            <a:lvl6pPr marL="2286000" indent="0">
+              <a:buNone/>
+              <a:defRPr sz="1600" b="1"/>
+            </a:lvl6pPr>
+            <a:lvl7pPr marL="2743200" indent="0">
+              <a:buNone/>
+              <a:defRPr sz="1600" b="1"/>
+            </a:lvl7pPr>
+            <a:lvl8pPr marL="3200400" indent="0">
+              <a:buNone/>
+              <a:defRPr sz="1600" b="1"/>
+            </a:lvl8pPr>
+            <a:lvl9pPr marL="3657600" indent="0">
+              <a:buNone/>
+              <a:defRPr sz="1600" b="1"/>
+            </a:lvl9pPr>
+          </a:lstStyle>
+          <a:p>
+            <a:pPr lvl="0"/>
+            <a:r>
+              <a:rPr lang="pt-BR" smtClean="0"/>
+              <a:t>Clique para editar os estilos do texto mestre</a:t>
+            </a:r>
+          </a:p>
+        </p:txBody>
+      </p:sp>
+      <p:sp>
+        <p:nvSpPr>
+          <p:cNvPr id="6" name="Espaço Reservado para Conteúdo 5"/>
+          <p:cNvSpPr>
+            <a:spLocks noGrp="1"/>
+          </p:cNvSpPr>
+          <p:nvPr>
+            <p:ph sz="quarter" idx="4"/>
+          </p:nvPr>
+        </p:nvSpPr>
+        <p:spPr>
+          <a:xfrm>
+            <a:off x="4645025" y="2174875"/>
+            <a:ext cx="4041775" cy="3951288"/>
+          </a:xfrm>
+        </p:spPr>
+        <p:txBody>
+          <a:bodyPr/>
+          <a:lstStyle>
+            <a:lvl1pPr>
+              <a:defRPr sz="2400"/>
+            </a:lvl1pPr>
+            <a:lvl2pPr>
+              <a:defRPr sz="2000"/>
+            </a:lvl2pPr>
+            <a:lvl3pPr>
+              <a:defRPr sz="1800"/>
+            </a:lvl3pPr>
+            <a:lvl4pPr>
+              <a:defRPr sz="1600"/>
+            </a:lvl4pPr>
+            <a:lvl5pPr>
+              <a:defRPr sz="1600"/>
+            </a:lvl5pPr>
+            <a:lvl6pPr>
+              <a:defRPr sz="1600"/>
+            </a:lvl6pPr>
+            <a:lvl7pPr>
+              <a:defRPr sz="1600"/>
+            </a:lvl7pPr>
+            <a:lvl8pPr>
+              <a:defRPr sz="1600"/>
+            </a:lvl8pPr>
+            <a:lvl9pPr>
+              <a:defRPr sz="1600"/>
+            </a:lvl9pPr>
+          </a:lstStyle>
+          <a:p>
+            <a:pPr lvl="0"/>
+            <a:r>
+              <a:rPr lang="pt-BR" smtClean="0"/>
+              <a:t>Clique para editar os estilos do texto mestre</a:t>
+            </a:r>
+          </a:p>
+          <a:p>
+            <a:pPr lvl="1"/>
+            <a:r>
+              <a:rPr lang="pt-BR" smtClean="0"/>
+              <a:t>Segundo nível</a:t>
+            </a:r>
+          </a:p>
+          <a:p>
+            <a:pPr lvl="2"/>
+            <a:r>
+              <a:rPr lang="pt-BR" smtClean="0"/>
+              <a:t>Terceiro nível</a:t>
+            </a:r>
+          </a:p>
+          <a:p>
+            <a:pPr lvl="3"/>
+            <a:r>
+              <a:rPr lang="pt-BR" smtClean="0"/>
+              <a:t>Quarto nível</a:t>
+            </a:r>
+          </a:p>
+          <a:p>
+            <a:pPr lvl="4"/>
+            <a:r>
+              <a:rPr lang="pt-BR" smtClean="0"/>
+              <a:t>Quinto nível</a:t>
+            </a:r>
+            <a:endParaRPr lang="pt-BR"/>
+          </a:p>
+        </p:txBody>
+      </p:sp>
+      <p:sp>
+        <p:nvSpPr>
+          <p:cNvPr id="7" name="Espaço Reservado para Data 3"/>
+          <p:cNvSpPr>
+            <a:spLocks noGrp="1"/>
+          </p:cNvSpPr>
+          <p:nvPr>
+            <p:ph type="dt" sz="half" idx="10"/>
+          </p:nvPr>
+        </p:nvSpPr>
+        <p:spPr/>
+        <p:txBody>
+          <a:bodyPr/>
+          <a:lstStyle>
+            <a:lvl1pPr>
+              <a:defRPr/>
+            </a:lvl1pPr>
+          </a:lstStyle>
+          <a:p>
+            <a:fld id="{13F8C747-ED51-444E-8469-A24B0E223A0E}" type="datetimeFigureOut">
+              <a:rPr lang="en-US" smtClean="0"/>
+              <a:pPr/>
+              <a:t>11/19/11</a:t>
+            </a:fld>
+            <a:endParaRPr lang="pt-BR"/>
+          </a:p>
+        </p:txBody>
+      </p:sp>
+      <p:sp>
+        <p:nvSpPr>
+          <p:cNvPr id="8" name="Espaço Reservado para Rodapé 4"/>
+          <p:cNvSpPr>
+            <a:spLocks noGrp="1"/>
+          </p:cNvSpPr>
+          <p:nvPr>
+            <p:ph type="ftr" sz="quarter" idx="11"/>
+          </p:nvPr>
+        </p:nvSpPr>
+        <p:spPr/>
+        <p:txBody>
+          <a:bodyPr/>
+          <a:lstStyle>
+            <a:lvl1pPr>
+              <a:defRPr/>
+            </a:lvl1pPr>
+          </a:lstStyle>
+          <a:p>
+            <a:endParaRPr lang="pt-BR"/>
+          </a:p>
+        </p:txBody>
+      </p:sp>
+      <p:sp>
+        <p:nvSpPr>
+          <p:cNvPr id="9" name="Espaço Reservado para Número de Slide 5"/>
+          <p:cNvSpPr>
+            <a:spLocks noGrp="1"/>
+          </p:cNvSpPr>
+          <p:nvPr>
+            <p:ph type="sldNum" sz="quarter" idx="12"/>
+          </p:nvPr>
+        </p:nvSpPr>
+        <p:spPr/>
+        <p:txBody>
+          <a:bodyPr/>
+          <a:lstStyle>
+            <a:lvl1pPr>
+              <a:defRPr/>
+            </a:lvl1pPr>
+          </a:lstStyle>
+          <a:p>
+            <a:fld id="{7A517B20-1085-0740-914B-D4C0D3F90991}" type="slidenum">
+              <a:rPr lang="pt-BR" smtClean="0"/>
+              <a:pPr/>
+              <a:t>‹#›</a:t>
+            </a:fld>
+            <a:endParaRPr lang="pt-BR"/>
+          </a:p>
+        </p:txBody>
+      </p:sp>
+    </p:spTree>
+  </p:cSld>
+  <p:clrMapOvr>
+    <a:masterClrMapping/>
+  </p:clrMapOvr>
+</p:sldLayout>
+</file>
+
+<file path=ppt/slideLayouts/slideLayout6.xml><?xml version="1.0" encoding="utf-8"?>
+<p:sldLayout xmlns:a="http://schemas.openxmlformats.org/drawingml/2006/main" xmlns:r="http://schemas.openxmlformats.org/officeDocument/2006/relationships" xmlns:p="http://schemas.openxmlformats.org/presentationml/2006/main" type="titleOnly" preserve="1">
+  <p:cSld name="Somente título">
+    <p:spTree>
+      <p:nvGrpSpPr>
+        <p:cNvPr id="1" name=""/>
+        <p:cNvGrpSpPr/>
+        <p:nvPr/>
+      </p:nvGrpSpPr>
+      <p:grpSpPr>
+        <a:xfrm>
+          <a:off x="0" y="0"/>
+          <a:ext cx="0" cy="0"/>
+          <a:chOff x="0" y="0"/>
+          <a:chExt cx="0" cy="0"/>
+        </a:xfrm>
+      </p:grpSpPr>
+      <p:sp>
+        <p:nvSpPr>
+          <p:cNvPr id="2" name="Título 1"/>
+          <p:cNvSpPr>
+            <a:spLocks noGrp="1"/>
+          </p:cNvSpPr>
+          <p:nvPr>
+            <p:ph type="title"/>
+          </p:nvPr>
+        </p:nvSpPr>
+        <p:spPr/>
+        <p:txBody>
+          <a:bodyPr/>
+          <a:lstStyle/>
+          <a:p>
+            <a:r>
+              <a:rPr lang="pt-BR" smtClean="0"/>
+              <a:t>Clique para editar o estilo do título mestre</a:t>
+            </a:r>
+            <a:endParaRPr lang="pt-BR"/>
+          </a:p>
+        </p:txBody>
+      </p:sp>
+      <p:sp>
+        <p:nvSpPr>
+          <p:cNvPr id="3" name="Espaço Reservado para Data 3"/>
+          <p:cNvSpPr>
+            <a:spLocks noGrp="1"/>
+          </p:cNvSpPr>
+          <p:nvPr>
+            <p:ph type="dt" sz="half" idx="10"/>
+          </p:nvPr>
+        </p:nvSpPr>
+        <p:spPr/>
+        <p:txBody>
+          <a:bodyPr/>
+          <a:lstStyle>
+            <a:lvl1pPr>
+              <a:defRPr/>
+            </a:lvl1pPr>
+          </a:lstStyle>
+          <a:p>
+            <a:fld id="{13F8C747-ED51-444E-8469-A24B0E223A0E}" type="datetimeFigureOut">
+              <a:rPr lang="en-US" smtClean="0"/>
+              <a:pPr/>
+              <a:t>11/19/11</a:t>
+            </a:fld>
+            <a:endParaRPr lang="pt-BR"/>
+          </a:p>
+        </p:txBody>
+      </p:sp>
+      <p:sp>
+        <p:nvSpPr>
+          <p:cNvPr id="4" name="Espaço Reservado para Rodapé 4"/>
+          <p:cNvSpPr>
+            <a:spLocks noGrp="1"/>
+          </p:cNvSpPr>
+          <p:nvPr>
+            <p:ph type="ftr" sz="quarter" idx="11"/>
+          </p:nvPr>
+        </p:nvSpPr>
+        <p:spPr/>
+        <p:txBody>
+          <a:bodyPr/>
+          <a:lstStyle>
+            <a:lvl1pPr>
+              <a:defRPr/>
+            </a:lvl1pPr>
+          </a:lstStyle>
+          <a:p>
+            <a:endParaRPr lang="pt-BR"/>
+          </a:p>
+        </p:txBody>
+      </p:sp>
+      <p:sp>
+        <p:nvSpPr>
+          <p:cNvPr id="5" name="Espaço Reservado para Número de Slide 5"/>
+          <p:cNvSpPr>
+            <a:spLocks noGrp="1"/>
+          </p:cNvSpPr>
+          <p:nvPr>
+            <p:ph type="sldNum" sz="quarter" idx="12"/>
+          </p:nvPr>
+        </p:nvSpPr>
+        <p:spPr/>
+        <p:txBody>
+          <a:bodyPr/>
+          <a:lstStyle>
+            <a:lvl1pPr>
+              <a:defRPr/>
+            </a:lvl1pPr>
+          </a:lstStyle>
+          <a:p>
+            <a:fld id="{7A517B20-1085-0740-914B-D4C0D3F90991}" type="slidenum">
+              <a:rPr lang="pt-BR" smtClean="0"/>
+              <a:pPr/>
+              <a:t>‹#›</a:t>
+            </a:fld>
+            <a:endParaRPr lang="pt-BR"/>
+          </a:p>
+        </p:txBody>
+      </p:sp>
+    </p:spTree>
+  </p:cSld>
+  <p:clrMapOvr>
+    <a:masterClrMapping/>
+  </p:clrMapOvr>
+</p:sldLayout>
+</file>
+
+<file path=ppt/slideLayouts/slideLayout7.xml><?xml version="1.0" encoding="utf-8"?>
+<p:sldLayout xmlns:a="http://schemas.openxmlformats.org/drawingml/2006/main" xmlns:r="http://schemas.openxmlformats.org/officeDocument/2006/relationships" xmlns:p="http://schemas.openxmlformats.org/presentationml/2006/main" type="blank" preserve="1">
+  <p:cSld name="Em branco">
+    <p:spTree>
+      <p:nvGrpSpPr>
+        <p:cNvPr id="1" name=""/>
+        <p:cNvGrpSpPr/>
+        <p:nvPr/>
+      </p:nvGrpSpPr>
+      <p:grpSpPr>
+        <a:xfrm>
+          <a:off x="0" y="0"/>
+          <a:ext cx="0" cy="0"/>
+          <a:chOff x="0" y="0"/>
+          <a:chExt cx="0" cy="0"/>
+        </a:xfrm>
+      </p:grpSpPr>
+      <p:sp>
+        <p:nvSpPr>
+          <p:cNvPr id="2" name="Espaço Reservado para Data 3"/>
+          <p:cNvSpPr>
+            <a:spLocks noGrp="1"/>
+          </p:cNvSpPr>
+          <p:nvPr>
+            <p:ph type="dt" sz="half" idx="10"/>
+          </p:nvPr>
+        </p:nvSpPr>
+        <p:spPr/>
+        <p:txBody>
+          <a:bodyPr/>
+          <a:lstStyle>
+            <a:lvl1pPr>
+              <a:defRPr/>
+            </a:lvl1pPr>
+          </a:lstStyle>
+          <a:p>
+            <a:fld id="{13F8C747-ED51-444E-8469-A24B0E223A0E}" type="datetimeFigureOut">
+              <a:rPr lang="en-US" smtClean="0"/>
+              <a:pPr/>
+              <a:t>11/19/11</a:t>
+            </a:fld>
+            <a:endParaRPr lang="pt-BR"/>
+          </a:p>
+        </p:txBody>
+      </p:sp>
+      <p:sp>
+        <p:nvSpPr>
+          <p:cNvPr id="3" name="Espaço Reservado para Rodapé 4"/>
+          <p:cNvSpPr>
+            <a:spLocks noGrp="1"/>
+          </p:cNvSpPr>
+          <p:nvPr>
+            <p:ph type="ftr" sz="quarter" idx="11"/>
+          </p:nvPr>
+        </p:nvSpPr>
+        <p:spPr/>
+        <p:txBody>
+          <a:bodyPr/>
+          <a:lstStyle>
+            <a:lvl1pPr>
+              <a:defRPr/>
+            </a:lvl1pPr>
+          </a:lstStyle>
+          <a:p>
+            <a:endParaRPr lang="pt-BR"/>
+          </a:p>
+        </p:txBody>
+      </p:sp>
+      <p:sp>
+        <p:nvSpPr>
+          <p:cNvPr id="4" name="Espaço Reservado para Número de Slide 5"/>
+          <p:cNvSpPr>
+            <a:spLocks noGrp="1"/>
+          </p:cNvSpPr>
+          <p:nvPr>
+            <p:ph type="sldNum" sz="quarter" idx="12"/>
+          </p:nvPr>
+        </p:nvSpPr>
+        <p:spPr/>
+        <p:txBody>
+          <a:bodyPr/>
+          <a:lstStyle>
+            <a:lvl1pPr>
+              <a:defRPr/>
+            </a:lvl1pPr>
+          </a:lstStyle>
+          <a:p>
+            <a:fld id="{7A517B20-1085-0740-914B-D4C0D3F90991}" type="slidenum">
+              <a:rPr lang="pt-BR" smtClean="0"/>
+              <a:pPr/>
+              <a:t>‹#›</a:t>
+            </a:fld>
+            <a:endParaRPr lang="pt-BR"/>
+          </a:p>
+        </p:txBody>
+      </p:sp>
+    </p:spTree>
+  </p:cSld>
+  <p:clrMapOvr>
+    <a:masterClrMapping/>
+  </p:clrMapOvr>
+</p:sldLayout>
+</file>
+
+<file path=ppt/slideLayouts/slideLayout8.xml><?xml version="1.0" encoding="utf-8"?>
+<p:sldLayout xmlns:a="http://schemas.openxmlformats.org/drawingml/2006/main" xmlns:r="http://schemas.openxmlformats.org/officeDocument/2006/relationships" xmlns:p="http://schemas.openxmlformats.org/presentationml/2006/main" type="objTx" preserve="1">
+  <p:cSld name="Conteúdo com Legenda">
+    <p:spTree>
+      <p:nvGrpSpPr>
+        <p:cNvPr id="1" name=""/>
+        <p:cNvGrpSpPr/>
+        <p:nvPr/>
+      </p:nvGrpSpPr>
+      <p:grpSpPr>
+        <a:xfrm>
+          <a:off x="0" y="0"/>
+          <a:ext cx="0" cy="0"/>
+          <a:chOff x="0" y="0"/>
+          <a:chExt cx="0" cy="0"/>
+        </a:xfrm>
+      </p:grpSpPr>
+      <p:sp>
+        <p:nvSpPr>
+          <p:cNvPr id="2" name="Título 1"/>
+          <p:cNvSpPr>
+            <a:spLocks noGrp="1"/>
+          </p:cNvSpPr>
+          <p:nvPr>
+            <p:ph type="title"/>
+          </p:nvPr>
+        </p:nvSpPr>
+        <p:spPr>
+          <a:xfrm>
+            <a:off x="457200" y="273050"/>
+            <a:ext cx="3008313" cy="1162050"/>
+          </a:xfrm>
+        </p:spPr>
+        <p:txBody>
+          <a:bodyPr anchor="b"/>
+          <a:lstStyle>
+            <a:lvl1pPr algn="l">
+              <a:defRPr sz="2000" b="1"/>
+            </a:lvl1pPr>
+          </a:lstStyle>
+          <a:p>
+            <a:r>
+              <a:rPr lang="pt-BR" smtClean="0"/>
+              <a:t>Clique para editar o estilo do título mestre</a:t>
+            </a:r>
+            <a:endParaRPr lang="pt-BR"/>
+          </a:p>
+        </p:txBody>
+      </p:sp>
+      <p:sp>
+        <p:nvSpPr>
+          <p:cNvPr id="3" name="Espaço Reservado para Conteúdo 2"/>
+          <p:cNvSpPr>
+            <a:spLocks noGrp="1"/>
+          </p:cNvSpPr>
+          <p:nvPr>
+            <p:ph idx="1"/>
+          </p:nvPr>
+        </p:nvSpPr>
+        <p:spPr>
+          <a:xfrm>
+            <a:off x="3575050" y="273050"/>
+            <a:ext cx="5111750" cy="5853113"/>
+          </a:xfrm>
+        </p:spPr>
+        <p:txBody>
+          <a:bodyPr/>
+          <a:lstStyle>
+            <a:lvl1pPr>
+              <a:defRPr sz="3200"/>
+            </a:lvl1pPr>
+            <a:lvl2pPr>
+              <a:defRPr sz="2800"/>
+            </a:lvl2pPr>
+            <a:lvl3pPr>
+              <a:defRPr sz="2400"/>
+            </a:lvl3pPr>
+            <a:lvl4pPr>
+              <a:defRPr sz="2000"/>
+            </a:lvl4pPr>
+            <a:lvl5pPr>
+              <a:defRPr sz="2000"/>
+            </a:lvl5pPr>
+            <a:lvl6pPr>
+              <a:defRPr sz="2000"/>
+            </a:lvl6pPr>
+            <a:lvl7pPr>
+              <a:defRPr sz="2000"/>
+            </a:lvl7pPr>
+            <a:lvl8pPr>
+              <a:defRPr sz="2000"/>
+            </a:lvl8pPr>
+            <a:lvl9pPr>
+              <a:defRPr sz="2000"/>
+            </a:lvl9pPr>
+          </a:lstStyle>
+          <a:p>
+            <a:pPr lvl="0"/>
+            <a:r>
+              <a:rPr lang="pt-BR" smtClean="0"/>
+              <a:t>Clique para editar os estilos do texto mestre</a:t>
+            </a:r>
+          </a:p>
+          <a:p>
+            <a:pPr lvl="1"/>
+            <a:r>
+              <a:rPr lang="pt-BR" smtClean="0"/>
+              <a:t>Segundo nível</a:t>
+            </a:r>
+          </a:p>
+          <a:p>
+            <a:pPr lvl="2"/>
+            <a:r>
+              <a:rPr lang="pt-BR" smtClean="0"/>
+              <a:t>Terceiro nível</a:t>
+            </a:r>
+          </a:p>
+          <a:p>
+            <a:pPr lvl="3"/>
+            <a:r>
+              <a:rPr lang="pt-BR" smtClean="0"/>
+              <a:t>Quarto nível</a:t>
+            </a:r>
+          </a:p>
+          <a:p>
+            <a:pPr lvl="4"/>
+            <a:r>
+              <a:rPr lang="pt-BR" smtClean="0"/>
+              <a:t>Quinto nível</a:t>
+            </a:r>
+            <a:endParaRPr lang="pt-BR"/>
+          </a:p>
+        </p:txBody>
+      </p:sp>
+      <p:sp>
+        <p:nvSpPr>
+          <p:cNvPr id="4" name="Espaço Reservado para Texto 3"/>
+          <p:cNvSpPr>
+            <a:spLocks noGrp="1"/>
+          </p:cNvSpPr>
+          <p:nvPr>
+            <p:ph type="body" sz="half" idx="2"/>
+          </p:nvPr>
+        </p:nvSpPr>
+        <p:spPr>
+          <a:xfrm>
+            <a:off x="457200" y="1435100"/>
+            <a:ext cx="3008313" cy="4691063"/>
+          </a:xfrm>
+        </p:spPr>
+        <p:txBody>
+          <a:bodyPr/>
+          <a:lstStyle>
+            <a:lvl1pPr marL="0" indent="0">
+              <a:buNone/>
+              <a:defRPr sz="1400"/>
+            </a:lvl1pPr>
+            <a:lvl2pPr marL="457200" indent="0">
+              <a:buNone/>
+              <a:defRPr sz="1200"/>
+            </a:lvl2pPr>
+            <a:lvl3pPr marL="914400" indent="0">
+              <a:buNone/>
+              <a:defRPr sz="1000"/>
+            </a:lvl3pPr>
+            <a:lvl4pPr marL="1371600" indent="0">
+              <a:buNone/>
+              <a:defRPr sz="900"/>
+            </a:lvl4pPr>
+            <a:lvl5pPr marL="1828800" indent="0">
+              <a:buNone/>
+              <a:defRPr sz="900"/>
+            </a:lvl5pPr>
+            <a:lvl6pPr marL="2286000" indent="0">
+              <a:buNone/>
+              <a:defRPr sz="900"/>
+            </a:lvl6pPr>
+            <a:lvl7pPr marL="2743200" indent="0">
+              <a:buNone/>
+              <a:defRPr sz="900"/>
+            </a:lvl7pPr>
+            <a:lvl8pPr marL="3200400" indent="0">
+              <a:buNone/>
+              <a:defRPr sz="900"/>
+            </a:lvl8pPr>
+            <a:lvl9pPr marL="3657600" indent="0">
+              <a:buNone/>
+              <a:defRPr sz="900"/>
+            </a:lvl9pPr>
+          </a:lstStyle>
+          <a:p>
+            <a:pPr lvl="0"/>
+            <a:r>
+              <a:rPr lang="pt-BR" smtClean="0"/>
+              <a:t>Clique para editar os estilos do texto mestre</a:t>
+            </a:r>
+          </a:p>
+        </p:txBody>
+      </p:sp>
+      <p:sp>
+        <p:nvSpPr>
+          <p:cNvPr id="5" name="Espaço Reservado para Data 3"/>
+          <p:cNvSpPr>
+            <a:spLocks noGrp="1"/>
+          </p:cNvSpPr>
+          <p:nvPr>
+            <p:ph type="dt" sz="half" idx="10"/>
+          </p:nvPr>
+        </p:nvSpPr>
+        <p:spPr/>
+        <p:txBody>
+          <a:bodyPr/>
+          <a:lstStyle>
+            <a:lvl1pPr>
+              <a:defRPr/>
+            </a:lvl1pPr>
+          </a:lstStyle>
+          <a:p>
+            <a:fld id="{13F8C747-ED51-444E-8469-A24B0E223A0E}" type="datetimeFigureOut">
+              <a:rPr lang="en-US" smtClean="0"/>
+              <a:pPr/>
+              <a:t>11/19/11</a:t>
+            </a:fld>
+            <a:endParaRPr lang="pt-BR"/>
+          </a:p>
+        </p:txBody>
+      </p:sp>
+      <p:sp>
+        <p:nvSpPr>
+          <p:cNvPr id="6" name="Espaço Reservado para Rodapé 4"/>
+          <p:cNvSpPr>
+            <a:spLocks noGrp="1"/>
+          </p:cNvSpPr>
+          <p:nvPr>
+            <p:ph type="ftr" sz="quarter" idx="11"/>
+          </p:nvPr>
+        </p:nvSpPr>
+        <p:spPr/>
+        <p:txBody>
+          <a:bodyPr/>
+          <a:lstStyle>
+            <a:lvl1pPr>
+              <a:defRPr/>
+            </a:lvl1pPr>
+          </a:lstStyle>
+          <a:p>
+            <a:endParaRPr lang="pt-BR"/>
+          </a:p>
+        </p:txBody>
+      </p:sp>
+      <p:sp>
+        <p:nvSpPr>
+          <p:cNvPr id="7" name="Espaço Reservado para Número de Slide 5"/>
+          <p:cNvSpPr>
+            <a:spLocks noGrp="1"/>
+          </p:cNvSpPr>
+          <p:nvPr>
+            <p:ph type="sldNum" sz="quarter" idx="12"/>
+          </p:nvPr>
+        </p:nvSpPr>
+        <p:spPr/>
+        <p:txBody>
+          <a:bodyPr/>
+          <a:lstStyle>
+            <a:lvl1pPr>
+              <a:defRPr/>
+            </a:lvl1pPr>
+          </a:lstStyle>
+          <a:p>
+            <a:fld id="{7A517B20-1085-0740-914B-D4C0D3F90991}" type="slidenum">
+              <a:rPr lang="pt-BR" smtClean="0"/>
+              <a:pPr/>
+              <a:t>‹#›</a:t>
+            </a:fld>
+            <a:endParaRPr lang="pt-BR"/>
+          </a:p>
+        </p:txBody>
+      </p:sp>
+    </p:spTree>
+  </p:cSld>
+  <p:clrMapOvr>
+    <a:masterClrMapping/>
+  </p:clrMapOvr>
+</p:sldLayout>
+</file>
+
+<file path=ppt/slideLayouts/slideLayout9.xml><?xml version="1.0" encoding="utf-8"?>
+<p:sldLayout xmlns:a="http://schemas.openxmlformats.org/drawingml/2006/main" xmlns:r="http://schemas.openxmlformats.org/officeDocument/2006/relationships" xmlns:p="http://schemas.openxmlformats.org/presentationml/2006/main" type="picTx" preserve="1">
+  <p:cSld name="Imagem com Legenda">
+    <p:spTree>
+      <p:nvGrpSpPr>
+        <p:cNvPr id="1" name=""/>
+        <p:cNvGrpSpPr/>
+        <p:nvPr/>
+      </p:nvGrpSpPr>
+      <p:grpSpPr>
+        <a:xfrm>
+          <a:off x="0" y="0"/>
+          <a:ext cx="0" cy="0"/>
+          <a:chOff x="0" y="0"/>
+          <a:chExt cx="0" cy="0"/>
+        </a:xfrm>
+      </p:grpSpPr>
+      <p:sp>
+        <p:nvSpPr>
+          <p:cNvPr id="2" name="Título 1"/>
+          <p:cNvSpPr>
+            <a:spLocks noGrp="1"/>
+          </p:cNvSpPr>
+          <p:nvPr>
+            <p:ph type="title"/>
+          </p:nvPr>
+        </p:nvSpPr>
+        <p:spPr>
+          <a:xfrm>
+            <a:off x="1792288" y="4800600"/>
+            <a:ext cx="5486400" cy="566738"/>
+          </a:xfrm>
+        </p:spPr>
+        <p:txBody>
+          <a:bodyPr anchor="b"/>
+          <a:lstStyle>
+            <a:lvl1pPr algn="l">
+              <a:defRPr sz="2000" b="1"/>
+            </a:lvl1pPr>
+          </a:lstStyle>
+          <a:p>
+            <a:r>
+              <a:rPr lang="pt-BR" smtClean="0"/>
+              <a:t>Clique para editar o estilo do título mestre</a:t>
+            </a:r>
+            <a:endParaRPr lang="pt-BR"/>
+          </a:p>
+        </p:txBody>
+      </p:sp>
+      <p:sp>
+        <p:nvSpPr>
+          <p:cNvPr id="3" name="Espaço Reservado para Imagem 2"/>
+          <p:cNvSpPr>
+            <a:spLocks noGrp="1"/>
+          </p:cNvSpPr>
+          <p:nvPr>
+            <p:ph type="pic" idx="1"/>
+          </p:nvPr>
+        </p:nvSpPr>
+        <p:spPr>
+          <a:xfrm>
+            <a:off x="1792288" y="612775"/>
+            <a:ext cx="5486400" cy="4114800"/>
+          </a:xfrm>
+        </p:spPr>
+        <p:txBody>
+          <a:bodyPr rtlCol="0">
+            <a:normAutofit/>
+          </a:bodyPr>
+          <a:lstStyle>
+            <a:lvl1pPr marL="0" indent="0">
+              <a:buNone/>
+              <a:defRPr sz="3200"/>
+            </a:lvl1pPr>
+            <a:lvl2pPr marL="457200" indent="0">
+              <a:buNone/>
+              <a:defRPr sz="2800"/>
+            </a:lvl2pPr>
+            <a:lvl3pPr marL="914400" indent="0">
+              <a:buNone/>
+              <a:defRPr sz="2400"/>
+            </a:lvl3pPr>
+            <a:lvl4pPr marL="1371600" indent="0">
+              <a:buNone/>
+              <a:defRPr sz="2000"/>
+            </a:lvl4pPr>
+            <a:lvl5pPr marL="1828800" indent="0">
+              <a:buNone/>
+              <a:defRPr sz="2000"/>
+            </a:lvl5pPr>
+            <a:lvl6pPr marL="2286000" indent="0">
+              <a:buNone/>
+              <a:defRPr sz="2000"/>
+            </a:lvl6pPr>
+            <a:lvl7pPr marL="2743200" indent="0">
+              <a:buNone/>
+              <a:defRPr sz="2000"/>
+            </a:lvl7pPr>
+            <a:lvl8pPr marL="3200400" indent="0">
+              <a:buNone/>
+              <a:defRPr sz="2000"/>
+            </a:lvl8pPr>
+            <a:lvl9pPr marL="3657600" indent="0">
+              <a:buNone/>
+              <a:defRPr sz="2000"/>
+            </a:lvl9pPr>
+          </a:lstStyle>
+          <a:p>
+            <a:pPr lvl="0"/>
+            <a:r>
+              <a:rPr lang="pt-BR" noProof="0" smtClean="0"/>
+              <a:t>Clique no ícone para adicionar uma imagem</a:t>
+            </a:r>
+          </a:p>
+        </p:txBody>
+      </p:sp>
+      <p:sp>
+        <p:nvSpPr>
+          <p:cNvPr id="4" name="Espaço Reservado para Texto 3"/>
+          <p:cNvSpPr>
+            <a:spLocks noGrp="1"/>
+          </p:cNvSpPr>
+          <p:nvPr>
+            <p:ph type="body" sz="half" idx="2"/>
+          </p:nvPr>
+        </p:nvSpPr>
+        <p:spPr>
+          <a:xfrm>
+            <a:off x="1792288" y="5367338"/>
+            <a:ext cx="5486400" cy="804862"/>
+          </a:xfrm>
+        </p:spPr>
+        <p:txBody>
+          <a:bodyPr/>
+          <a:lstStyle>
+            <a:lvl1pPr marL="0" indent="0">
+              <a:buNone/>
+              <a:defRPr sz="1400"/>
+            </a:lvl1pPr>
+            <a:lvl2pPr marL="457200" indent="0">
+              <a:buNone/>
+              <a:defRPr sz="1200"/>
+            </a:lvl2pPr>
+            <a:lvl3pPr marL="914400" indent="0">
+              <a:buNone/>
+              <a:defRPr sz="1000"/>
+            </a:lvl3pPr>
+            <a:lvl4pPr marL="1371600" indent="0">
+              <a:buNone/>
+              <a:defRPr sz="900"/>
+            </a:lvl4pPr>
+            <a:lvl5pPr marL="1828800" indent="0">
+              <a:buNone/>
+              <a:defRPr sz="900"/>
+            </a:lvl5pPr>
+            <a:lvl6pPr marL="2286000" indent="0">
+              <a:buNone/>
+              <a:defRPr sz="900"/>
+            </a:lvl6pPr>
+            <a:lvl7pPr marL="2743200" indent="0">
+              <a:buNone/>
+              <a:defRPr sz="900"/>
+            </a:lvl7pPr>
+            <a:lvl8pPr marL="3200400" indent="0">
+              <a:buNone/>
+              <a:defRPr sz="900"/>
+            </a:lvl8pPr>
+            <a:lvl9pPr marL="3657600" indent="0">
+              <a:buNone/>
+              <a:defRPr sz="900"/>
+            </a:lvl9pPr>
+          </a:lstStyle>
+          <a:p>
+            <a:pPr lvl="0"/>
+            <a:r>
+              <a:rPr lang="pt-BR" smtClean="0"/>
+              <a:t>Clique para editar os estilos do texto mestre</a:t>
+            </a:r>
+          </a:p>
+        </p:txBody>
+      </p:sp>
+      <p:sp>
+        <p:nvSpPr>
+          <p:cNvPr id="5" name="Espaço Reservado para Data 3"/>
+          <p:cNvSpPr>
+            <a:spLocks noGrp="1"/>
+          </p:cNvSpPr>
+          <p:nvPr>
+            <p:ph type="dt" sz="half" idx="10"/>
+          </p:nvPr>
+        </p:nvSpPr>
+        <p:spPr/>
+        <p:txBody>
+          <a:bodyPr/>
+          <a:lstStyle>
+            <a:lvl1pPr>
+              <a:defRPr/>
+            </a:lvl1pPr>
+          </a:lstStyle>
+          <a:p>
+            <a:fld id="{13F8C747-ED51-444E-8469-A24B0E223A0E}" type="datetimeFigureOut">
+              <a:rPr lang="en-US" smtClean="0"/>
+              <a:pPr/>
+              <a:t>11/19/11</a:t>
+            </a:fld>
+            <a:endParaRPr lang="pt-BR"/>
+          </a:p>
+        </p:txBody>
+      </p:sp>
+      <p:sp>
+        <p:nvSpPr>
+          <p:cNvPr id="6" name="Espaço Reservado para Rodapé 4"/>
+          <p:cNvSpPr>
+            <a:spLocks noGrp="1"/>
+          </p:cNvSpPr>
+          <p:nvPr>
+            <p:ph type="ftr" sz="quarter" idx="11"/>
+          </p:nvPr>
+        </p:nvSpPr>
+        <p:spPr/>
+        <p:txBody>
+          <a:bodyPr/>
+          <a:lstStyle>
+            <a:lvl1pPr>
+              <a:defRPr/>
+            </a:lvl1pPr>
+          </a:lstStyle>
+          <a:p>
+            <a:endParaRPr lang="pt-BR"/>
+          </a:p>
+        </p:txBody>
+      </p:sp>
+      <p:sp>
+        <p:nvSpPr>
+          <p:cNvPr id="7" name="Espaço Reservado para Número de Slide 5"/>
+          <p:cNvSpPr>
+            <a:spLocks noGrp="1"/>
+          </p:cNvSpPr>
+          <p:nvPr>
+            <p:ph type="sldNum" sz="quarter" idx="12"/>
+          </p:nvPr>
+        </p:nvSpPr>
+        <p:spPr/>
+        <p:txBody>
+          <a:bodyPr/>
+          <a:lstStyle>
+            <a:lvl1pPr>
+              <a:defRPr/>
+            </a:lvl1pPr>
+          </a:lstStyle>
+          <a:p>
+            <a:fld id="{7A517B20-1085-0740-914B-D4C0D3F90991}" type="slidenum">
+              <a:rPr lang="pt-BR" smtClean="0"/>
+              <a:pPr/>
+              <a:t>‹#›</a:t>
+            </a:fld>
+            <a:endParaRPr lang="pt-BR"/>
+          </a:p>
+        </p:txBody>
+      </p:sp>
+    </p:spTree>
   </p:cSld>
   <p:clrMapOvr>
     <a:masterClrMapping/>
@@ -3679,9 +6405,41 @@
           <a:chExt cx="0" cy="0"/>
         </a:xfrm>
       </p:grpSpPr>
-      <p:sp>
-        <p:nvSpPr>
-          <p:cNvPr id="2" name="Title Placeholder 1"/>
+      <p:pic>
+        <p:nvPicPr>
+          <p:cNvPr id="1026" name="Imagem 6" descr="ppt_etep_interna.jpg"/>
+          <p:cNvPicPr>
+            <a:picLocks noChangeAspect="1"/>
+          </p:cNvPicPr>
+          <p:nvPr/>
+        </p:nvPicPr>
+        <p:blipFill>
+          <a:blip r:embed="rId13" cstate="print"/>
+          <a:srcRect/>
+          <a:stretch>
+            <a:fillRect/>
+          </a:stretch>
+        </p:blipFill>
+        <p:spPr bwMode="auto">
+          <a:xfrm>
+            <a:off x="-6350" y="0"/>
+            <a:ext cx="9156700" cy="6858000"/>
+          </a:xfrm>
+          <a:prstGeom prst="rect">
+            <a:avLst/>
+          </a:prstGeom>
+          <a:noFill/>
+          <a:ln w="9525">
+            <a:noFill/>
+            <a:miter lim="800000"/>
+            <a:headEnd/>
+            <a:tailEnd/>
+          </a:ln>
+        </p:spPr>
+      </p:pic>
+      <p:sp>
+        <p:nvSpPr>
+          <p:cNvPr id="1027" name="Espaço Reservado para Título 1"/>
           <p:cNvSpPr>
             <a:spLocks noGrp="1"/>
           </p:cNvSpPr>
@@ -3689,7 +6447,7 @@
             <p:ph type="title"/>
           </p:nvPr>
         </p:nvSpPr>
-        <p:spPr>
+        <p:spPr bwMode="auto">
           <a:xfrm>
             <a:off x="457200" y="274638"/>
             <a:ext cx="8229600" cy="1143000"/>
@@ -3697,24 +6455,33 @@
           <a:prstGeom prst="rect">
             <a:avLst/>
           </a:prstGeom>
+          <a:noFill/>
+          <a:ln w="9525">
+            <a:noFill/>
+            <a:miter lim="800000"/>
+            <a:headEnd/>
+            <a:tailEnd/>
+          </a:ln>
         </p:spPr>
         <p:txBody>
-          <a:bodyPr vert="horz" lIns="91440" tIns="45720" rIns="91440" bIns="45720" rtlCol="0" anchor="ctr">
-            <a:normAutofit/>
+          <a:bodyPr vert="horz" wrap="square" lIns="91440" tIns="45720" rIns="91440" bIns="45720" numCol="1" anchor="ctr" anchorCtr="0" compatLnSpc="1">
+            <a:prstTxWarp prst="textNoShape">
+              <a:avLst/>
+            </a:prstTxWarp>
           </a:bodyPr>
           <a:lstStyle/>
           <a:p>
-            <a:r>
-              <a:rPr lang="en-US" smtClean="0"/>
-              <a:t>Click to edit Master title style</a:t>
-            </a:r>
-            <a:endParaRPr lang="pt-BR"/>
-          </a:p>
-        </p:txBody>
-      </p:sp>
-      <p:sp>
-        <p:nvSpPr>
-          <p:cNvPr id="3" name="Text Placeholder 2"/>
+            <a:pPr lvl="0"/>
+            <a:r>
+              <a:rPr lang="pt-BR" smtClean="0"/>
+              <a:t>Clique para editar o estilo do título mestre</a:t>
+            </a:r>
+          </a:p>
+        </p:txBody>
+      </p:sp>
+      <p:sp>
+        <p:nvSpPr>
+          <p:cNvPr id="1028" name="Espaço Reservado para Texto 2"/>
           <p:cNvSpPr>
             <a:spLocks noGrp="1"/>
           </p:cNvSpPr>
@@ -3722,7 +6489,7 @@
             <p:ph type="body" idx="1"/>
           </p:nvPr>
         </p:nvSpPr>
-        <p:spPr>
+        <p:spPr bwMode="auto">
           <a:xfrm>
             <a:off x="457200" y="1600200"/>
             <a:ext cx="8229600" cy="4525963"/>
@@ -3730,53 +6497,61 @@
           <a:prstGeom prst="rect">
             <a:avLst/>
           </a:prstGeom>
+          <a:noFill/>
+          <a:ln w="9525">
+            <a:noFill/>
+            <a:miter lim="800000"/>
+            <a:headEnd/>
+            <a:tailEnd/>
+          </a:ln>
         </p:spPr>
         <p:txBody>
-          <a:bodyPr vert="horz" lIns="91440" tIns="45720" rIns="91440" bIns="45720" rtlCol="0">
-            <a:normAutofit/>
+          <a:bodyPr vert="horz" wrap="square" lIns="91440" tIns="45720" rIns="91440" bIns="45720" numCol="1" anchor="t" anchorCtr="0" compatLnSpc="1">
+            <a:prstTxWarp prst="textNoShape">
+              <a:avLst/>
+            </a:prstTxWarp>
           </a:bodyPr>
           <a:lstStyle/>
           <a:p>
             <a:pPr lvl="0"/>
             <a:r>
-              <a:rPr lang="en-US" smtClean="0"/>
-              <a:t>Click to edit Master text styles</a:t>
+              <a:rPr lang="pt-BR" smtClean="0"/>
+              <a:t>Clique para editar os estilos do texto mestre</a:t>
             </a:r>
           </a:p>
           <a:p>
             <a:pPr lvl="1"/>
             <a:r>
-              <a:rPr lang="en-US" smtClean="0"/>
-              <a:t>Second level</a:t>
+              <a:rPr lang="pt-BR" smtClean="0"/>
+              <a:t>Segundo nível</a:t>
             </a:r>
           </a:p>
           <a:p>
             <a:pPr lvl="2"/>
             <a:r>
-              <a:rPr lang="en-US" smtClean="0"/>
-              <a:t>Third level</a:t>
+              <a:rPr lang="pt-BR" smtClean="0"/>
+              <a:t>Terceiro nível</a:t>
             </a:r>
           </a:p>
           <a:p>
             <a:pPr lvl="3"/>
             <a:r>
-              <a:rPr lang="en-US" smtClean="0"/>
-              <a:t>Fourth level</a:t>
+              <a:rPr lang="pt-BR" smtClean="0"/>
+              <a:t>Quarto nível</a:t>
             </a:r>
           </a:p>
           <a:p>
             <a:pPr lvl="4"/>
             <a:r>
-              <a:rPr lang="en-US" smtClean="0"/>
-              <a:t>Fifth level</a:t>
-            </a:r>
-            <a:endParaRPr lang="pt-BR"/>
-          </a:p>
-        </p:txBody>
-      </p:sp>
-      <p:sp>
-        <p:nvSpPr>
-          <p:cNvPr id="4" name="Date Placeholder 3"/>
+              <a:rPr lang="pt-BR" smtClean="0"/>
+              <a:t>Quinto nível</a:t>
+            </a:r>
+          </a:p>
+        </p:txBody>
+      </p:sp>
+      <p:sp>
+        <p:nvSpPr>
+          <p:cNvPr id="4" name="Espaço Reservado para Data 3"/>
           <p:cNvSpPr>
             <a:spLocks noGrp="1"/>
           </p:cNvSpPr>
@@ -3796,13 +6571,20 @@
         <p:txBody>
           <a:bodyPr vert="horz" lIns="91440" tIns="45720" rIns="91440" bIns="45720" rtlCol="0" anchor="ctr"/>
           <a:lstStyle>
-            <a:lvl1pPr algn="l">
+            <a:lvl1pPr algn="l" fontAlgn="auto">
+              <a:spcBef>
+                <a:spcPts val="0"/>
+              </a:spcBef>
+              <a:spcAft>
+                <a:spcPts val="0"/>
+              </a:spcAft>
               <a:defRPr sz="1200">
                 <a:solidFill>
                   <a:schemeClr val="tx1">
                     <a:tint val="75000"/>
                   </a:schemeClr>
                 </a:solidFill>
+                <a:latin typeface="+mn-lt"/>
               </a:defRPr>
             </a:lvl1pPr>
           </a:lstStyle>
@@ -3818,7 +6600,7 @@
       </p:sp>
       <p:sp>
         <p:nvSpPr>
-          <p:cNvPr id="5" name="Footer Placeholder 4"/>
+          <p:cNvPr id="5" name="Espaço Reservado para Rodapé 4"/>
           <p:cNvSpPr>
             <a:spLocks noGrp="1"/>
           </p:cNvSpPr>
@@ -3838,13 +6620,20 @@
         <p:txBody>
           <a:bodyPr vert="horz" lIns="91440" tIns="45720" rIns="91440" bIns="45720" rtlCol="0" anchor="ctr"/>
           <a:lstStyle>
-            <a:lvl1pPr algn="ctr">
+            <a:lvl1pPr algn="ctr" fontAlgn="auto">
+              <a:spcBef>
+                <a:spcPts val="0"/>
+              </a:spcBef>
+              <a:spcAft>
+                <a:spcPts val="0"/>
+              </a:spcAft>
               <a:defRPr sz="1200">
                 <a:solidFill>
                   <a:schemeClr val="tx1">
                     <a:tint val="75000"/>
                   </a:schemeClr>
                 </a:solidFill>
+                <a:latin typeface="+mn-lt"/>
               </a:defRPr>
             </a:lvl1pPr>
           </a:lstStyle>
@@ -3855,7 +6644,7 @@
       </p:sp>
       <p:sp>
         <p:nvSpPr>
-          <p:cNvPr id="6" name="Slide Number Placeholder 5"/>
+          <p:cNvPr id="6" name="Espaço Reservado para Número de Slide 5"/>
           <p:cNvSpPr>
             <a:spLocks noGrp="1"/>
           </p:cNvSpPr>
@@ -3875,13 +6664,20 @@
         <p:txBody>
           <a:bodyPr vert="horz" lIns="91440" tIns="45720" rIns="91440" bIns="45720" rtlCol="0" anchor="ctr"/>
           <a:lstStyle>
-            <a:lvl1pPr algn="r">
+            <a:lvl1pPr algn="r" fontAlgn="auto">
+              <a:spcBef>
+                <a:spcPts val="0"/>
+              </a:spcBef>
+              <a:spcAft>
+                <a:spcPts val="0"/>
+              </a:spcAft>
               <a:defRPr sz="1200">
                 <a:solidFill>
                   <a:schemeClr val="tx1">
                     <a:tint val="75000"/>
                   </a:schemeClr>
                 </a:solidFill>
+                <a:latin typeface="+mn-lt"/>
               </a:defRPr>
             </a:lvl1pPr>
           </a:lstStyle>
@@ -3896,33 +6692,30 @@
         </p:txBody>
       </p:sp>
     </p:spTree>
-    <p:extLst>
-      <p:ext uri="{BB962C8B-B14F-4D97-AF65-F5344CB8AC3E}">
-        <p14:creationId xmlns:p14="http://schemas.microsoft.com/office/powerpoint/2010/main" val="2964514609"/>
-      </p:ext>
-    </p:extLst>
   </p:cSld>
   <p:clrMap bg1="lt1" tx1="dk1" bg2="lt2" tx2="dk2" accent1="accent1" accent2="accent2" accent3="accent3" accent4="accent4" accent5="accent5" accent6="accent6" hlink="hlink" folHlink="folHlink"/>
   <p:sldLayoutIdLst>
-    <p:sldLayoutId id="2147483649" r:id="rId1"/>
-    <p:sldLayoutId id="2147483650" r:id="rId2"/>
-    <p:sldLayoutId id="2147483651" r:id="rId3"/>
-    <p:sldLayoutId id="2147483652" r:id="rId4"/>
-    <p:sldLayoutId id="2147483653" r:id="rId5"/>
-    <p:sldLayoutId id="2147483654" r:id="rId6"/>
-    <p:sldLayoutId id="2147483655" r:id="rId7"/>
-    <p:sldLayoutId id="2147483656" r:id="rId8"/>
-    <p:sldLayoutId id="2147483657" r:id="rId9"/>
-    <p:sldLayoutId id="2147483658" r:id="rId10"/>
-    <p:sldLayoutId id="2147483659" r:id="rId11"/>
+    <p:sldLayoutId id="2147483661" r:id="rId1"/>
+    <p:sldLayoutId id="2147483662" r:id="rId2"/>
+    <p:sldLayoutId id="2147483663" r:id="rId3"/>
+    <p:sldLayoutId id="2147483664" r:id="rId4"/>
+    <p:sldLayoutId id="2147483665" r:id="rId5"/>
+    <p:sldLayoutId id="2147483666" r:id="rId6"/>
+    <p:sldLayoutId id="2147483667" r:id="rId7"/>
+    <p:sldLayoutId id="2147483668" r:id="rId8"/>
+    <p:sldLayoutId id="2147483669" r:id="rId9"/>
+    <p:sldLayoutId id="2147483670" r:id="rId10"/>
+    <p:sldLayoutId id="2147483671" r:id="rId11"/>
   </p:sldLayoutIdLst>
   <p:txStyles>
     <p:titleStyle>
-      <a:lvl1pPr algn="ctr" defTabSz="457200" rtl="0" eaLnBrk="1" latinLnBrk="0" hangingPunct="1">
+      <a:lvl1pPr algn="ctr" rtl="0" eaLnBrk="0" fontAlgn="base" hangingPunct="0">
         <a:spcBef>
           <a:spcPct val="0"/>
         </a:spcBef>
-        <a:buNone/>
+        <a:spcAft>
+          <a:spcPct val="0"/>
+        </a:spcAft>
         <a:defRPr sz="4400" kern="1200">
           <a:solidFill>
             <a:schemeClr val="tx1"/>
@@ -3932,13 +6725,128 @@
           <a:cs typeface="+mj-cs"/>
         </a:defRPr>
       </a:lvl1pPr>
+      <a:lvl2pPr algn="ctr" rtl="0" eaLnBrk="0" fontAlgn="base" hangingPunct="0">
+        <a:spcBef>
+          <a:spcPct val="0"/>
+        </a:spcBef>
+        <a:spcAft>
+          <a:spcPct val="0"/>
+        </a:spcAft>
+        <a:defRPr sz="4400">
+          <a:solidFill>
+            <a:schemeClr val="tx1"/>
+          </a:solidFill>
+          <a:latin typeface="Calibri" pitchFamily="34" charset="0"/>
+        </a:defRPr>
+      </a:lvl2pPr>
+      <a:lvl3pPr algn="ctr" rtl="0" eaLnBrk="0" fontAlgn="base" hangingPunct="0">
+        <a:spcBef>
+          <a:spcPct val="0"/>
+        </a:spcBef>
+        <a:spcAft>
+          <a:spcPct val="0"/>
+        </a:spcAft>
+        <a:defRPr sz="4400">
+          <a:solidFill>
+            <a:schemeClr val="tx1"/>
+          </a:solidFill>
+          <a:latin typeface="Calibri" pitchFamily="34" charset="0"/>
+        </a:defRPr>
+      </a:lvl3pPr>
+      <a:lvl4pPr algn="ctr" rtl="0" eaLnBrk="0" fontAlgn="base" hangingPunct="0">
+        <a:spcBef>
+          <a:spcPct val="0"/>
+        </a:spcBef>
+        <a:spcAft>
+          <a:spcPct val="0"/>
+        </a:spcAft>
+        <a:defRPr sz="4400">
+          <a:solidFill>
+            <a:schemeClr val="tx1"/>
+          </a:solidFill>
+          <a:latin typeface="Calibri" pitchFamily="34" charset="0"/>
+        </a:defRPr>
+      </a:lvl4pPr>
+      <a:lvl5pPr algn="ctr" rtl="0" eaLnBrk="0" fontAlgn="base" hangingPunct="0">
+        <a:spcBef>
+          <a:spcPct val="0"/>
+        </a:spcBef>
+        <a:spcAft>
+          <a:spcPct val="0"/>
+        </a:spcAft>
+        <a:defRPr sz="4400">
+          <a:solidFill>
+            <a:schemeClr val="tx1"/>
+          </a:solidFill>
+          <a:latin typeface="Calibri" pitchFamily="34" charset="0"/>
+        </a:defRPr>
+      </a:lvl5pPr>
+      <a:lvl6pPr marL="457200" algn="ctr" rtl="0" eaLnBrk="1" fontAlgn="base" hangingPunct="1">
+        <a:spcBef>
+          <a:spcPct val="0"/>
+        </a:spcBef>
+        <a:spcAft>
+          <a:spcPct val="0"/>
+        </a:spcAft>
+        <a:defRPr sz="4400">
+          <a:solidFill>
+            <a:schemeClr val="tx1"/>
+          </a:solidFill>
+          <a:latin typeface="Calibri" pitchFamily="34" charset="0"/>
+        </a:defRPr>
+      </a:lvl6pPr>
+      <a:lvl7pPr marL="914400" algn="ctr" rtl="0" eaLnBrk="1" fontAlgn="base" hangingPunct="1">
+        <a:spcBef>
+          <a:spcPct val="0"/>
+        </a:spcBef>
+        <a:spcAft>
+          <a:spcPct val="0"/>
+        </a:spcAft>
+        <a:defRPr sz="4400">
+          <a:solidFill>
+            <a:schemeClr val="tx1"/>
+          </a:solidFill>
+          <a:latin typeface="Calibri" pitchFamily="34" charset="0"/>
+        </a:defRPr>
+      </a:lvl7pPr>
+      <a:lvl8pPr marL="1371600" algn="ctr" rtl="0" eaLnBrk="1" fontAlgn="base" hangingPunct="1">
+        <a:spcBef>
+          <a:spcPct val="0"/>
+        </a:spcBef>
+        <a:spcAft>
+          <a:spcPct val="0"/>
+        </a:spcAft>
+        <a:defRPr sz="4400">
+          <a:solidFill>
+            <a:schemeClr val="tx1"/>
+          </a:solidFill>
+          <a:latin typeface="Calibri" pitchFamily="34" charset="0"/>
+        </a:defRPr>
+      </a:lvl8pPr>
+      <a:lvl9pPr marL="1828800" algn="ctr" rtl="0" eaLnBrk="1" fontAlgn="base" hangingPunct="1">
+        <a:spcBef>
+          <a:spcPct val="0"/>
+        </a:spcBef>
+        <a:spcAft>
+          <a:spcPct val="0"/>
+        </a:spcAft>
+        <a:defRPr sz="4400">
+          <a:solidFill>
+            <a:schemeClr val="tx1"/>
+          </a:solidFill>
+          <a:latin typeface="Calibri" pitchFamily="34" charset="0"/>
+        </a:defRPr>
+      </a:lvl9pPr>
     </p:titleStyle>
     <p:bodyStyle>
-      <a:lvl1pPr marL="342900" indent="-342900" algn="l" defTabSz="457200" rtl="0" eaLnBrk="1" latinLnBrk="0" hangingPunct="1">
+      <a:lvl1pPr marL="342900" indent="-342900" algn="l" rtl="0" eaLnBrk="0" fontAlgn="base" hangingPunct="0">
         <a:spcBef>
           <a:spcPct val="20000"/>
         </a:spcBef>
-        <a:buFont typeface="Arial"/>
+        <a:spcAft>
+          <a:spcPct val="0"/>
+        </a:spcAft>
+        <a:buFont typeface="Arial" charset="0"/>
         <a:buChar char="•"/>
         <a:defRPr sz="3200" kern="1200">
           <a:solidFill>
@@ -3949,11 +6857,14 @@
           <a:cs typeface="+mn-cs"/>
         </a:defRPr>
       </a:lvl1pPr>
-      <a:lvl2pPr marL="742950" indent="-285750" algn="l" defTabSz="457200" rtl="0" eaLnBrk="1" latinLnBrk="0" hangingPunct="1">
+      <a:lvl2pPr marL="742950" indent="-285750" algn="l" rtl="0" eaLnBrk="0" fontAlgn="base" hangingPunct="0">
         <a:spcBef>
           <a:spcPct val="20000"/>
         </a:spcBef>
-        <a:buFont typeface="Arial"/>
+        <a:spcAft>
+          <a:spcPct val="0"/>
+        </a:spcAft>
+        <a:buFont typeface="Arial" charset="0"/>
         <a:buChar char="–"/>
         <a:defRPr sz="2800" kern="1200">
           <a:solidFill>
@@ -3964,11 +6875,14 @@
           <a:cs typeface="+mn-cs"/>
         </a:defRPr>
       </a:lvl2pPr>
-      <a:lvl3pPr marL="1143000" indent="-228600" algn="l" defTabSz="457200" rtl="0" eaLnBrk="1" latinLnBrk="0" hangingPunct="1">
+      <a:lvl3pPr marL="1143000" indent="-228600" algn="l" rtl="0" eaLnBrk="0" fontAlgn="base" hangingPunct="0">
         <a:spcBef>
           <a:spcPct val="20000"/>
         </a:spcBef>
-        <a:buFont typeface="Arial"/>
+        <a:spcAft>
+          <a:spcPct val="0"/>
+        </a:spcAft>
+        <a:buFont typeface="Arial" charset="0"/>
         <a:buChar char="•"/>
         <a:defRPr sz="2400" kern="1200">
           <a:solidFill>
@@ -3979,11 +6893,14 @@
           <a:cs typeface="+mn-cs"/>
         </a:defRPr>
       </a:lvl3pPr>
-      <a:lvl4pPr marL="1600200" indent="-228600" algn="l" defTabSz="457200" rtl="0" eaLnBrk="1" latinLnBrk="0" hangingPunct="1">
+      <a:lvl4pPr marL="1600200" indent="-228600" algn="l" rtl="0" eaLnBrk="0" fontAlgn="base" hangingPunct="0">
         <a:spcBef>
           <a:spcPct val="20000"/>
         </a:spcBef>
-        <a:buFont typeface="Arial"/>
+        <a:spcAft>
+          <a:spcPct val="0"/>
+        </a:spcAft>
+        <a:buFont typeface="Arial" charset="0"/>
         <a:buChar char="–"/>
         <a:defRPr sz="2000" kern="1200">
           <a:solidFill>
@@ -3994,11 +6911,14 @@
           <a:cs typeface="+mn-cs"/>
         </a:defRPr>
       </a:lvl4pPr>
-      <a:lvl5pPr marL="2057400" indent="-228600" algn="l" defTabSz="457200" rtl="0" eaLnBrk="1" latinLnBrk="0" hangingPunct="1">
+      <a:lvl5pPr marL="2057400" indent="-228600" algn="l" rtl="0" eaLnBrk="0" fontAlgn="base" hangingPunct="0">
         <a:spcBef>
           <a:spcPct val="20000"/>
         </a:spcBef>
-        <a:buFont typeface="Arial"/>
+        <a:spcAft>
+          <a:spcPct val="0"/>
+        </a:spcAft>
+        <a:buFont typeface="Arial" charset="0"/>
         <a:buChar char="»"/>
         <a:defRPr sz="2000" kern="1200">
           <a:solidFill>
@@ -4009,11 +6929,11 @@
           <a:cs typeface="+mn-cs"/>
         </a:defRPr>
       </a:lvl5pPr>
-      <a:lvl6pPr marL="2514600" indent="-228600" algn="l" defTabSz="457200" rtl="0" eaLnBrk="1" latinLnBrk="0" hangingPunct="1">
+      <a:lvl6pPr marL="2514600" indent="-228600" algn="l" defTabSz="914400" rtl="0" eaLnBrk="1" latinLnBrk="0" hangingPunct="1">
         <a:spcBef>
           <a:spcPct val="20000"/>
         </a:spcBef>
-        <a:buFont typeface="Arial"/>
+        <a:buFont typeface="Arial" pitchFamily="34" charset="0"/>
         <a:buChar char="•"/>
         <a:defRPr sz="2000" kern="1200">
           <a:solidFill>
@@ -4024,11 +6944,11 @@
           <a:cs typeface="+mn-cs"/>
         </a:defRPr>
       </a:lvl6pPr>
-      <a:lvl7pPr marL="2971800" indent="-228600" algn="l" defTabSz="457200" rtl="0" eaLnBrk="1" latinLnBrk="0" hangingPunct="1">
+      <a:lvl7pPr marL="2971800" indent="-228600" algn="l" defTabSz="914400" rtl="0" eaLnBrk="1" latinLnBrk="0" hangingPunct="1">
         <a:spcBef>
           <a:spcPct val="20000"/>
         </a:spcBef>
-        <a:buFont typeface="Arial"/>
+        <a:buFont typeface="Arial" pitchFamily="34" charset="0"/>
         <a:buChar char="•"/>
         <a:defRPr sz="2000" kern="1200">
           <a:solidFill>
@@ -4039,11 +6959,11 @@
           <a:cs typeface="+mn-cs"/>
         </a:defRPr>
       </a:lvl7pPr>
-      <a:lvl8pPr marL="3429000" indent="-228600" algn="l" defTabSz="457200" rtl="0" eaLnBrk="1" latinLnBrk="0" hangingPunct="1">
+      <a:lvl8pPr marL="3429000" indent="-228600" algn="l" defTabSz="914400" rtl="0" eaLnBrk="1" latinLnBrk="0" hangingPunct="1">
         <a:spcBef>
           <a:spcPct val="20000"/>
         </a:spcBef>
-        <a:buFont typeface="Arial"/>
+        <a:buFont typeface="Arial" pitchFamily="34" charset="0"/>
         <a:buChar char="•"/>
         <a:defRPr sz="2000" kern="1200">
           <a:solidFill>
@@ -4054,11 +6974,11 @@
           <a:cs typeface="+mn-cs"/>
         </a:defRPr>
       </a:lvl8pPr>
-      <a:lvl9pPr marL="3886200" indent="-228600" algn="l" defTabSz="457200" rtl="0" eaLnBrk="1" latinLnBrk="0" hangingPunct="1">
+      <a:lvl9pPr marL="3886200" indent="-228600" algn="l" defTabSz="914400" rtl="0" eaLnBrk="1" latinLnBrk="0" hangingPunct="1">
         <a:spcBef>
           <a:spcPct val="20000"/>
         </a:spcBef>
-        <a:buFont typeface="Arial"/>
+        <a:buFont typeface="Arial" pitchFamily="34" charset="0"/>
         <a:buChar char="•"/>
         <a:defRPr sz="2000" kern="1200">
           <a:solidFill>
@@ -4072,9 +6992,9 @@
     </p:bodyStyle>
     <p:otherStyle>
       <a:defPPr>
-        <a:defRPr lang="en-US"/>
+        <a:defRPr lang="pt-BR"/>
       </a:defPPr>
-      <a:lvl1pPr marL="0" algn="l" defTabSz="457200" rtl="0" eaLnBrk="1" latinLnBrk="0" hangingPunct="1">
+      <a:lvl1pPr marL="0" algn="l" defTabSz="914400" rtl="0" eaLnBrk="1" latinLnBrk="0" hangingPunct="1">
         <a:defRPr sz="1800" kern="1200">
           <a:solidFill>
             <a:schemeClr val="tx1"/>
@@ -4084,7 +7004,7 @@
           <a:cs typeface="+mn-cs"/>
         </a:defRPr>
       </a:lvl1pPr>
-      <a:lvl2pPr marL="457200" algn="l" defTabSz="457200" rtl="0" eaLnBrk="1" latinLnBrk="0" hangingPunct="1">
+      <a:lvl2pPr marL="457200" algn="l" defTabSz="914400" rtl="0" eaLnBrk="1" latinLnBrk="0" hangingPunct="1">
         <a:defRPr sz="1800" kern="1200">
           <a:solidFill>
             <a:schemeClr val="tx1"/>
@@ -4094,7 +7014,7 @@
           <a:cs typeface="+mn-cs"/>
         </a:defRPr>
       </a:lvl2pPr>
-      <a:lvl3pPr marL="914400" algn="l" defTabSz="457200" rtl="0" eaLnBrk="1" latinLnBrk="0" hangingPunct="1">
+      <a:lvl3pPr marL="914400" algn="l" defTabSz="914400" rtl="0" eaLnBrk="1" latinLnBrk="0" hangingPunct="1">
         <a:defRPr sz="1800" kern="1200">
           <a:solidFill>
             <a:schemeClr val="tx1"/>
@@ -4104,7 +7024,7 @@
           <a:cs typeface="+mn-cs"/>
         </a:defRPr>
       </a:lvl3pPr>
-      <a:lvl4pPr marL="1371600" algn="l" defTabSz="457200" rtl="0" eaLnBrk="1" latinLnBrk="0" hangingPunct="1">
+      <a:lvl4pPr marL="1371600" algn="l" defTabSz="914400" rtl="0" eaLnBrk="1" latinLnBrk="0" hangingPunct="1">
         <a:defRPr sz="1800" kern="1200">
           <a:solidFill>
             <a:schemeClr val="tx1"/>
@@ -4114,7 +7034,7 @@
           <a:cs typeface="+mn-cs"/>
         </a:defRPr>
       </a:lvl4pPr>
-      <a:lvl5pPr marL="1828800" algn="l" defTabSz="457200" rtl="0" eaLnBrk="1" latinLnBrk="0" hangingPunct="1">
+      <a:lvl5pPr marL="1828800" algn="l" defTabSz="914400" rtl="0" eaLnBrk="1" latinLnBrk="0" hangingPunct="1">
         <a:defRPr sz="1800" kern="1200">
           <a:solidFill>
             <a:schemeClr val="tx1"/>
@@ -4124,7 +7044,7 @@
           <a:cs typeface="+mn-cs"/>
         </a:defRPr>
       </a:lvl5pPr>
-      <a:lvl6pPr marL="2286000" algn="l" defTabSz="457200" rtl="0" eaLnBrk="1" latinLnBrk="0" hangingPunct="1">
+      <a:lvl6pPr marL="2286000" algn="l" defTabSz="914400" rtl="0" eaLnBrk="1" latinLnBrk="0" hangingPunct="1">
         <a:defRPr sz="1800" kern="1200">
           <a:solidFill>
             <a:schemeClr val="tx1"/>
@@ -4134,7 +7054,7 @@
           <a:cs typeface="+mn-cs"/>
         </a:defRPr>
       </a:lvl6pPr>
-      <a:lvl7pPr marL="2743200" algn="l" defTabSz="457200" rtl="0" eaLnBrk="1" latinLnBrk="0" hangingPunct="1">
+      <a:lvl7pPr marL="2743200" algn="l" defTabSz="914400" rtl="0" eaLnBrk="1" latinLnBrk="0" hangingPunct="1">
         <a:defRPr sz="1800" kern="1200">
           <a:solidFill>
             <a:schemeClr val="tx1"/>
@@ -4144,7 +7064,7 @@
           <a:cs typeface="+mn-cs"/>
         </a:defRPr>
       </a:lvl7pPr>
-      <a:lvl8pPr marL="3200400" algn="l" defTabSz="457200" rtl="0" eaLnBrk="1" latinLnBrk="0" hangingPunct="1">
+      <a:lvl8pPr marL="3200400" algn="l" defTabSz="914400" rtl="0" eaLnBrk="1" latinLnBrk="0" hangingPunct="1">
         <a:defRPr sz="1800" kern="1200">
           <a:solidFill>
             <a:schemeClr val="tx1"/>
@@ -4154,7 +7074,713 @@
           <a:cs typeface="+mn-cs"/>
         </a:defRPr>
       </a:lvl8pPr>
-      <a:lvl9pPr marL="3657600" algn="l" defTabSz="457200" rtl="0" eaLnBrk="1" latinLnBrk="0" hangingPunct="1">
+      <a:lvl9pPr marL="3657600" algn="l" defTabSz="914400" rtl="0" eaLnBrk="1" latinLnBrk="0" hangingPunct="1">
+        <a:defRPr sz="1800" kern="1200">
+          <a:solidFill>
+            <a:schemeClr val="tx1"/>
+          </a:solidFill>
+          <a:latin typeface="+mn-lt"/>
+          <a:ea typeface="+mn-ea"/>
+          <a:cs typeface="+mn-cs"/>
+        </a:defRPr>
+      </a:lvl9pPr>
+    </p:otherStyle>
+  </p:txStyles>
+</p:sldMaster>
+</file>
+
+<file path=ppt/slideMasters/slideMaster2.xml><?xml version="1.0" encoding="utf-8"?>
+<p:sldMaster xmlns:a="http://schemas.openxmlformats.org/drawingml/2006/main" xmlns:r="http://schemas.openxmlformats.org/officeDocument/2006/relationships" xmlns:p="http://schemas.openxmlformats.org/presentationml/2006/main">
+  <p:cSld>
+    <p:bg>
+      <p:bgRef idx="1001">
+        <a:schemeClr val="bg1"/>
+      </p:bgRef>
+    </p:bg>
+    <p:spTree>
+      <p:nvGrpSpPr>
+        <p:cNvPr id="1" name=""/>
+        <p:cNvGrpSpPr/>
+        <p:nvPr/>
+      </p:nvGrpSpPr>
+      <p:grpSpPr>
+        <a:xfrm>
+          <a:off x="0" y="0"/>
+          <a:ext cx="0" cy="0"/>
+          <a:chOff x="0" y="0"/>
+          <a:chExt cx="0" cy="0"/>
+        </a:xfrm>
+      </p:grpSpPr>
+      <p:pic>
+        <p:nvPicPr>
+          <p:cNvPr id="1026" name="Imagem 6" descr="ppt_etep_interna.jpg"/>
+          <p:cNvPicPr>
+            <a:picLocks noChangeAspect="1"/>
+          </p:cNvPicPr>
+          <p:nvPr/>
+        </p:nvPicPr>
+        <p:blipFill>
+          <a:blip r:embed="rId13" cstate="print"/>
+          <a:srcRect/>
+          <a:stretch>
+            <a:fillRect/>
+          </a:stretch>
+        </p:blipFill>
+        <p:spPr bwMode="auto">
+          <a:xfrm>
+            <a:off x="-6350" y="0"/>
+            <a:ext cx="9156700" cy="6858000"/>
+          </a:xfrm>
+          <a:prstGeom prst="rect">
+            <a:avLst/>
+          </a:prstGeom>
+          <a:noFill/>
+          <a:ln w="9525">
+            <a:noFill/>
+            <a:miter lim="800000"/>
+            <a:headEnd/>
+            <a:tailEnd/>
+          </a:ln>
+        </p:spPr>
+      </p:pic>
+      <p:sp>
+        <p:nvSpPr>
+          <p:cNvPr id="1027" name="Espaço Reservado para Título 1"/>
+          <p:cNvSpPr>
+            <a:spLocks noGrp="1"/>
+          </p:cNvSpPr>
+          <p:nvPr>
+            <p:ph type="title"/>
+          </p:nvPr>
+        </p:nvSpPr>
+        <p:spPr bwMode="auto">
+          <a:xfrm>
+            <a:off x="457200" y="274638"/>
+            <a:ext cx="8229600" cy="1143000"/>
+          </a:xfrm>
+          <a:prstGeom prst="rect">
+            <a:avLst/>
+          </a:prstGeom>
+          <a:noFill/>
+          <a:ln w="9525">
+            <a:noFill/>
+            <a:miter lim="800000"/>
+            <a:headEnd/>
+            <a:tailEnd/>
+          </a:ln>
+        </p:spPr>
+        <p:txBody>
+          <a:bodyPr vert="horz" wrap="square" lIns="91440" tIns="45720" rIns="91440" bIns="45720" numCol="1" anchor="ctr" anchorCtr="0" compatLnSpc="1">
+            <a:prstTxWarp prst="textNoShape">
+              <a:avLst/>
+            </a:prstTxWarp>
+          </a:bodyPr>
+          <a:lstStyle/>
+          <a:p>
+            <a:pPr lvl="0"/>
+            <a:r>
+              <a:rPr lang="pt-BR" smtClean="0"/>
+              <a:t>Clique para editar o estilo do título mestre</a:t>
+            </a:r>
+          </a:p>
+        </p:txBody>
+      </p:sp>
+      <p:sp>
+        <p:nvSpPr>
+          <p:cNvPr id="1028" name="Espaço Reservado para Texto 2"/>
+          <p:cNvSpPr>
+            <a:spLocks noGrp="1"/>
+          </p:cNvSpPr>
+          <p:nvPr>
+            <p:ph type="body" idx="1"/>
+          </p:nvPr>
+        </p:nvSpPr>
+        <p:spPr bwMode="auto">
+          <a:xfrm>
+            <a:off x="457200" y="1600200"/>
+            <a:ext cx="8229600" cy="4525963"/>
+          </a:xfrm>
+          <a:prstGeom prst="rect">
+            <a:avLst/>
+          </a:prstGeom>
+          <a:noFill/>
+          <a:ln w="9525">
+            <a:noFill/>
+            <a:miter lim="800000"/>
+            <a:headEnd/>
+            <a:tailEnd/>
+          </a:ln>
+        </p:spPr>
+        <p:txBody>
+          <a:bodyPr vert="horz" wrap="square" lIns="91440" tIns="45720" rIns="91440" bIns="45720" numCol="1" anchor="t" anchorCtr="0" compatLnSpc="1">
+            <a:prstTxWarp prst="textNoShape">
+              <a:avLst/>
+            </a:prstTxWarp>
+          </a:bodyPr>
+          <a:lstStyle/>
+          <a:p>
+            <a:pPr lvl="0"/>
+            <a:r>
+              <a:rPr lang="pt-BR" smtClean="0"/>
+              <a:t>Clique para editar os estilos do texto mestre</a:t>
+            </a:r>
+          </a:p>
+          <a:p>
+            <a:pPr lvl="1"/>
+            <a:r>
+              <a:rPr lang="pt-BR" smtClean="0"/>
+              <a:t>Segundo nível</a:t>
+            </a:r>
+          </a:p>
+          <a:p>
+            <a:pPr lvl="2"/>
+            <a:r>
+              <a:rPr lang="pt-BR" smtClean="0"/>
+              <a:t>Terceiro nível</a:t>
+            </a:r>
+          </a:p>
+          <a:p>
+            <a:pPr lvl="3"/>
+            <a:r>
+              <a:rPr lang="pt-BR" smtClean="0"/>
+              <a:t>Quarto nível</a:t>
+            </a:r>
+          </a:p>
+          <a:p>
+            <a:pPr lvl="4"/>
+            <a:r>
+              <a:rPr lang="pt-BR" smtClean="0"/>
+              <a:t>Quinto nível</a:t>
+            </a:r>
+          </a:p>
+        </p:txBody>
+      </p:sp>
+      <p:sp>
+        <p:nvSpPr>
+          <p:cNvPr id="4" name="Espaço Reservado para Data 3"/>
+          <p:cNvSpPr>
+            <a:spLocks noGrp="1"/>
+          </p:cNvSpPr>
+          <p:nvPr>
+            <p:ph type="dt" sz="half" idx="2"/>
+          </p:nvPr>
+        </p:nvSpPr>
+        <p:spPr>
+          <a:xfrm>
+            <a:off x="457200" y="6356350"/>
+            <a:ext cx="2133600" cy="365125"/>
+          </a:xfrm>
+          <a:prstGeom prst="rect">
+            <a:avLst/>
+          </a:prstGeom>
+        </p:spPr>
+        <p:txBody>
+          <a:bodyPr vert="horz" lIns="91440" tIns="45720" rIns="91440" bIns="45720" rtlCol="0" anchor="ctr"/>
+          <a:lstStyle>
+            <a:lvl1pPr algn="l" fontAlgn="auto">
+              <a:spcBef>
+                <a:spcPts val="0"/>
+              </a:spcBef>
+              <a:spcAft>
+                <a:spcPts val="0"/>
+              </a:spcAft>
+              <a:defRPr sz="1200">
+                <a:solidFill>
+                  <a:schemeClr val="tx1">
+                    <a:tint val="75000"/>
+                  </a:schemeClr>
+                </a:solidFill>
+                <a:latin typeface="+mn-lt"/>
+              </a:defRPr>
+            </a:lvl1pPr>
+          </a:lstStyle>
+          <a:p>
+            <a:fld id="{13F8C747-ED51-444E-8469-A24B0E223A0E}" type="datetimeFigureOut">
+              <a:rPr lang="en-US" smtClean="0"/>
+              <a:pPr/>
+              <a:t>11/19/11</a:t>
+            </a:fld>
+            <a:endParaRPr lang="pt-BR"/>
+          </a:p>
+        </p:txBody>
+      </p:sp>
+      <p:sp>
+        <p:nvSpPr>
+          <p:cNvPr id="5" name="Espaço Reservado para Rodapé 4"/>
+          <p:cNvSpPr>
+            <a:spLocks noGrp="1"/>
+          </p:cNvSpPr>
+          <p:nvPr>
+            <p:ph type="ftr" sz="quarter" idx="3"/>
+          </p:nvPr>
+        </p:nvSpPr>
+        <p:spPr>
+          <a:xfrm>
+            <a:off x="3124200" y="6356350"/>
+            <a:ext cx="2895600" cy="365125"/>
+          </a:xfrm>
+          <a:prstGeom prst="rect">
+            <a:avLst/>
+          </a:prstGeom>
+        </p:spPr>
+        <p:txBody>
+          <a:bodyPr vert="horz" lIns="91440" tIns="45720" rIns="91440" bIns="45720" rtlCol="0" anchor="ctr"/>
+          <a:lstStyle>
+            <a:lvl1pPr algn="ctr" fontAlgn="auto">
+              <a:spcBef>
+                <a:spcPts val="0"/>
+              </a:spcBef>
+              <a:spcAft>
+                <a:spcPts val="0"/>
+              </a:spcAft>
+              <a:defRPr sz="1200">
+                <a:solidFill>
+                  <a:schemeClr val="tx1">
+                    <a:tint val="75000"/>
+                  </a:schemeClr>
+                </a:solidFill>
+                <a:latin typeface="+mn-lt"/>
+              </a:defRPr>
+            </a:lvl1pPr>
+          </a:lstStyle>
+          <a:p>
+            <a:endParaRPr lang="pt-BR"/>
+          </a:p>
+        </p:txBody>
+      </p:sp>
+      <p:sp>
+        <p:nvSpPr>
+          <p:cNvPr id="6" name="Espaço Reservado para Número de Slide 5"/>
+          <p:cNvSpPr>
+            <a:spLocks noGrp="1"/>
+          </p:cNvSpPr>
+          <p:nvPr>
+            <p:ph type="sldNum" sz="quarter" idx="4"/>
+          </p:nvPr>
+        </p:nvSpPr>
+        <p:spPr>
+          <a:xfrm>
+            <a:off x="6553200" y="6356350"/>
+            <a:ext cx="2133600" cy="365125"/>
+          </a:xfrm>
+          <a:prstGeom prst="rect">
+            <a:avLst/>
+          </a:prstGeom>
+        </p:spPr>
+        <p:txBody>
+          <a:bodyPr vert="horz" lIns="91440" tIns="45720" rIns="91440" bIns="45720" rtlCol="0" anchor="ctr"/>
+          <a:lstStyle>
+            <a:lvl1pPr algn="r" fontAlgn="auto">
+              <a:spcBef>
+                <a:spcPts val="0"/>
+              </a:spcBef>
+              <a:spcAft>
+                <a:spcPts val="0"/>
+              </a:spcAft>
+              <a:defRPr sz="1200">
+                <a:solidFill>
+                  <a:schemeClr val="tx1">
+                    <a:tint val="75000"/>
+                  </a:schemeClr>
+                </a:solidFill>
+                <a:latin typeface="+mn-lt"/>
+              </a:defRPr>
+            </a:lvl1pPr>
+          </a:lstStyle>
+          <a:p>
+            <a:fld id="{7A517B20-1085-0740-914B-D4C0D3F90991}" type="slidenum">
+              <a:rPr lang="pt-BR" smtClean="0"/>
+              <a:pPr/>
+              <a:t>‹#›</a:t>
+            </a:fld>
+            <a:endParaRPr lang="pt-BR"/>
+          </a:p>
+        </p:txBody>
+      </p:sp>
+    </p:spTree>
+  </p:cSld>
+  <p:clrMap bg1="lt1" tx1="dk1" bg2="lt2" tx2="dk2" accent1="accent1" accent2="accent2" accent3="accent3" accent4="accent4" accent5="accent5" accent6="accent6" hlink="hlink" folHlink="folHlink"/>
+  <p:sldLayoutIdLst>
+    <p:sldLayoutId id="2147483673" r:id="rId1"/>
+    <p:sldLayoutId id="2147483674" r:id="rId2"/>
+    <p:sldLayoutId id="2147483675" r:id="rId3"/>
+    <p:sldLayoutId id="2147483676" r:id="rId4"/>
+    <p:sldLayoutId id="2147483677" r:id="rId5"/>
+    <p:sldLayoutId id="2147483678" r:id="rId6"/>
+    <p:sldLayoutId id="2147483679" r:id="rId7"/>
+    <p:sldLayoutId id="2147483680" r:id="rId8"/>
+    <p:sldLayoutId id="2147483681" r:id="rId9"/>
+    <p:sldLayoutId id="2147483682" r:id="rId10"/>
+    <p:sldLayoutId id="2147483683" r:id="rId11"/>
+  </p:sldLayoutIdLst>
+  <p:txStyles>
+    <p:titleStyle>
+      <a:lvl1pPr algn="ctr" rtl="0" eaLnBrk="0" fontAlgn="base" hangingPunct="0">
+        <a:spcBef>
+          <a:spcPct val="0"/>
+        </a:spcBef>
+        <a:spcAft>
+          <a:spcPct val="0"/>
+        </a:spcAft>
+        <a:defRPr sz="4400" kern="1200">
+          <a:solidFill>
+            <a:schemeClr val="tx1"/>
+          </a:solidFill>
+          <a:latin typeface="+mj-lt"/>
+          <a:ea typeface="+mj-ea"/>
+          <a:cs typeface="+mj-cs"/>
+        </a:defRPr>
+      </a:lvl1pPr>
+      <a:lvl2pPr algn="ctr" rtl="0" eaLnBrk="0" fontAlgn="base" hangingPunct="0">
+        <a:spcBef>
+          <a:spcPct val="0"/>
+        </a:spcBef>
+        <a:spcAft>
+          <a:spcPct val="0"/>
+        </a:spcAft>
+        <a:defRPr sz="4400">
+          <a:solidFill>
+            <a:schemeClr val="tx1"/>
+          </a:solidFill>
+          <a:latin typeface="Calibri" pitchFamily="34" charset="0"/>
+        </a:defRPr>
+      </a:lvl2pPr>
+      <a:lvl3pPr algn="ctr" rtl="0" eaLnBrk="0" fontAlgn="base" hangingPunct="0">
+        <a:spcBef>
+          <a:spcPct val="0"/>
+        </a:spcBef>
+        <a:spcAft>
+          <a:spcPct val="0"/>
+        </a:spcAft>
+        <a:defRPr sz="4400">
+          <a:solidFill>
+            <a:schemeClr val="tx1"/>
+          </a:solidFill>
+          <a:latin typeface="Calibri" pitchFamily="34" charset="0"/>
+        </a:defRPr>
+      </a:lvl3pPr>
+      <a:lvl4pPr algn="ctr" rtl="0" eaLnBrk="0" fontAlgn="base" hangingPunct="0">
+        <a:spcBef>
+          <a:spcPct val="0"/>
+        </a:spcBef>
+        <a:spcAft>
+          <a:spcPct val="0"/>
+        </a:spcAft>
+        <a:defRPr sz="4400">
+          <a:solidFill>
+            <a:schemeClr val="tx1"/>
+          </a:solidFill>
+          <a:latin typeface="Calibri" pitchFamily="34" charset="0"/>
+        </a:defRPr>
+      </a:lvl4pPr>
+      <a:lvl5pPr algn="ctr" rtl="0" eaLnBrk="0" fontAlgn="base" hangingPunct="0">
+        <a:spcBef>
+          <a:spcPct val="0"/>
+        </a:spcBef>
+        <a:spcAft>
+          <a:spcPct val="0"/>
+        </a:spcAft>
+        <a:defRPr sz="4400">
+          <a:solidFill>
+            <a:schemeClr val="tx1"/>
+          </a:solidFill>
+          <a:latin typeface="Calibri" pitchFamily="34" charset="0"/>
+        </a:defRPr>
+      </a:lvl5pPr>
+      <a:lvl6pPr marL="457200" algn="ctr" rtl="0" eaLnBrk="1" fontAlgn="base" hangingPunct="1">
+        <a:spcBef>
+          <a:spcPct val="0"/>
+        </a:spcBef>
+        <a:spcAft>
+          <a:spcPct val="0"/>
+        </a:spcAft>
+        <a:defRPr sz="4400">
+          <a:solidFill>
+            <a:schemeClr val="tx1"/>
+          </a:solidFill>
+          <a:latin typeface="Calibri" pitchFamily="34" charset="0"/>
+        </a:defRPr>
+      </a:lvl6pPr>
+      <a:lvl7pPr marL="914400" algn="ctr" rtl="0" eaLnBrk="1" fontAlgn="base" hangingPunct="1">
+        <a:spcBef>
+          <a:spcPct val="0"/>
+        </a:spcBef>
+        <a:spcAft>
+          <a:spcPct val="0"/>
+        </a:spcAft>
+        <a:defRPr sz="4400">
+          <a:solidFill>
+            <a:schemeClr val="tx1"/>
+          </a:solidFill>
+          <a:latin typeface="Calibri" pitchFamily="34" charset="0"/>
+        </a:defRPr>
+      </a:lvl7pPr>
+      <a:lvl8pPr marL="1371600" algn="ctr" rtl="0" eaLnBrk="1" fontAlgn="base" hangingPunct="1">
+        <a:spcBef>
+          <a:spcPct val="0"/>
+        </a:spcBef>
+        <a:spcAft>
+          <a:spcPct val="0"/>
+        </a:spcAft>
+        <a:defRPr sz="4400">
+          <a:solidFill>
+            <a:schemeClr val="tx1"/>
+          </a:solidFill>
+          <a:latin typeface="Calibri" pitchFamily="34" charset="0"/>
+        </a:defRPr>
+      </a:lvl8pPr>
+      <a:lvl9pPr marL="1828800" algn="ctr" rtl="0" eaLnBrk="1" fontAlgn="base" hangingPunct="1">
+        <a:spcBef>
+          <a:spcPct val="0"/>
+        </a:spcBef>
+        <a:spcAft>
+          <a:spcPct val="0"/>
+        </a:spcAft>
+        <a:defRPr sz="4400">
+          <a:solidFill>
+            <a:schemeClr val="tx1"/>
+          </a:solidFill>
+          <a:latin typeface="Calibri" pitchFamily="34" charset="0"/>
+        </a:defRPr>
+      </a:lvl9pPr>
+    </p:titleStyle>
+    <p:bodyStyle>
+      <a:lvl1pPr marL="342900" indent="-342900" algn="l" rtl="0" eaLnBrk="0" fontAlgn="base" hangingPunct="0">
+        <a:spcBef>
+          <a:spcPct val="20000"/>
+        </a:spcBef>
+        <a:spcAft>
+          <a:spcPct val="0"/>
+        </a:spcAft>
+        <a:buFont typeface="Arial" charset="0"/>
+        <a:buChar char="•"/>
+        <a:defRPr sz="3200" kern="1200">
+          <a:solidFill>
+            <a:schemeClr val="tx1"/>
+          </a:solidFill>
+          <a:latin typeface="+mn-lt"/>
+          <a:ea typeface="+mn-ea"/>
+          <a:cs typeface="+mn-cs"/>
+        </a:defRPr>
+      </a:lvl1pPr>
+      <a:lvl2pPr marL="742950" indent="-285750" algn="l" rtl="0" eaLnBrk="0" fontAlgn="base" hangingPunct="0">
+        <a:spcBef>
+          <a:spcPct val="20000"/>
+        </a:spcBef>
+        <a:spcAft>
+          <a:spcPct val="0"/>
+        </a:spcAft>
+        <a:buFont typeface="Arial" charset="0"/>
+        <a:buChar char="–"/>
+        <a:defRPr sz="2800" kern="1200">
+          <a:solidFill>
+            <a:schemeClr val="tx1"/>
+          </a:solidFill>
+          <a:latin typeface="+mn-lt"/>
+          <a:ea typeface="+mn-ea"/>
+          <a:cs typeface="+mn-cs"/>
+        </a:defRPr>
+      </a:lvl2pPr>
+      <a:lvl3pPr marL="1143000" indent="-228600" algn="l" rtl="0" eaLnBrk="0" fontAlgn="base" hangingPunct="0">
+        <a:spcBef>
+          <a:spcPct val="20000"/>
+        </a:spcBef>
+        <a:spcAft>
+          <a:spcPct val="0"/>
+        </a:spcAft>
+        <a:buFont typeface="Arial" charset="0"/>
+        <a:buChar char="•"/>
+        <a:defRPr sz="2400" kern="1200">
+          <a:solidFill>
+            <a:schemeClr val="tx1"/>
+          </a:solidFill>
+          <a:latin typeface="+mn-lt"/>
+          <a:ea typeface="+mn-ea"/>
+          <a:cs typeface="+mn-cs"/>
+        </a:defRPr>
+      </a:lvl3pPr>
+      <a:lvl4pPr marL="1600200" indent="-228600" algn="l" rtl="0" eaLnBrk="0" fontAlgn="base" hangingPunct="0">
+        <a:spcBef>
+          <a:spcPct val="20000"/>
+        </a:spcBef>
+        <a:spcAft>
+          <a:spcPct val="0"/>
+        </a:spcAft>
+        <a:buFont typeface="Arial" charset="0"/>
+        <a:buChar char="–"/>
+        <a:defRPr sz="2000" kern="1200">
+          <a:solidFill>
+            <a:schemeClr val="tx1"/>
+          </a:solidFill>
+          <a:latin typeface="+mn-lt"/>
+          <a:ea typeface="+mn-ea"/>
+          <a:cs typeface="+mn-cs"/>
+        </a:defRPr>
+      </a:lvl4pPr>
+      <a:lvl5pPr marL="2057400" indent="-228600" algn="l" rtl="0" eaLnBrk="0" fontAlgn="base" hangingPunct="0">
+        <a:spcBef>
+          <a:spcPct val="20000"/>
+        </a:spcBef>
+        <a:spcAft>
+          <a:spcPct val="0"/>
+        </a:spcAft>
+        <a:buFont typeface="Arial" charset="0"/>
+        <a:buChar char="»"/>
+        <a:defRPr sz="2000" kern="1200">
+          <a:solidFill>
+            <a:schemeClr val="tx1"/>
+          </a:solidFill>
+          <a:latin typeface="+mn-lt"/>
+          <a:ea typeface="+mn-ea"/>
+          <a:cs typeface="+mn-cs"/>
+        </a:defRPr>
+      </a:lvl5pPr>
+      <a:lvl6pPr marL="2514600" indent="-228600" algn="l" defTabSz="914400" rtl="0" eaLnBrk="1" latinLnBrk="0" hangingPunct="1">
+        <a:spcBef>
+          <a:spcPct val="20000"/>
+        </a:spcBef>
+        <a:buFont typeface="Arial" pitchFamily="34" charset="0"/>
+        <a:buChar char="•"/>
+        <a:defRPr sz="2000" kern="1200">
+          <a:solidFill>
+            <a:schemeClr val="tx1"/>
+          </a:solidFill>
+          <a:latin typeface="+mn-lt"/>
+          <a:ea typeface="+mn-ea"/>
+          <a:cs typeface="+mn-cs"/>
+        </a:defRPr>
+      </a:lvl6pPr>
+      <a:lvl7pPr marL="2971800" indent="-228600" algn="l" defTabSz="914400" rtl="0" eaLnBrk="1" latinLnBrk="0" hangingPunct="1">
+        <a:spcBef>
+          <a:spcPct val="20000"/>
+        </a:spcBef>
+        <a:buFont typeface="Arial" pitchFamily="34" charset="0"/>
+        <a:buChar char="•"/>
+        <a:defRPr sz="2000" kern="1200">
+          <a:solidFill>
+            <a:schemeClr val="tx1"/>
+          </a:solidFill>
+          <a:latin typeface="+mn-lt"/>
+          <a:ea typeface="+mn-ea"/>
+          <a:cs typeface="+mn-cs"/>
+        </a:defRPr>
+      </a:lvl7pPr>
+      <a:lvl8pPr marL="3429000" indent="-228600" algn="l" defTabSz="914400" rtl="0" eaLnBrk="1" latinLnBrk="0" hangingPunct="1">
+        <a:spcBef>
+          <a:spcPct val="20000"/>
+        </a:spcBef>
+        <a:buFont typeface="Arial" pitchFamily="34" charset="0"/>
+        <a:buChar char="•"/>
+        <a:defRPr sz="2000" kern="1200">
+          <a:solidFill>
+            <a:schemeClr val="tx1"/>
+          </a:solidFill>
+          <a:latin typeface="+mn-lt"/>
+          <a:ea typeface="+mn-ea"/>
+          <a:cs typeface="+mn-cs"/>
+        </a:defRPr>
+      </a:lvl8pPr>
+      <a:lvl9pPr marL="3886200" indent="-228600" algn="l" defTabSz="914400" rtl="0" eaLnBrk="1" latinLnBrk="0" hangingPunct="1">
+        <a:spcBef>
+          <a:spcPct val="20000"/>
+        </a:spcBef>
+        <a:buFont typeface="Arial" pitchFamily="34" charset="0"/>
+        <a:buChar char="•"/>
+        <a:defRPr sz="2000" kern="1200">
+          <a:solidFill>
+            <a:schemeClr val="tx1"/>
+          </a:solidFill>
+          <a:latin typeface="+mn-lt"/>
+          <a:ea typeface="+mn-ea"/>
+          <a:cs typeface="+mn-cs"/>
+        </a:defRPr>
+      </a:lvl9pPr>
+    </p:bodyStyle>
+    <p:otherStyle>
+      <a:defPPr>
+        <a:defRPr lang="pt-BR"/>
+      </a:defPPr>
+      <a:lvl1pPr marL="0" algn="l" defTabSz="914400" rtl="0" eaLnBrk="1" latinLnBrk="0" hangingPunct="1">
+        <a:defRPr sz="1800" kern="1200">
+          <a:solidFill>
+            <a:schemeClr val="tx1"/>
+          </a:solidFill>
+          <a:latin typeface="+mn-lt"/>
+          <a:ea typeface="+mn-ea"/>
+          <a:cs typeface="+mn-cs"/>
+        </a:defRPr>
+      </a:lvl1pPr>
+      <a:lvl2pPr marL="457200" algn="l" defTabSz="914400" rtl="0" eaLnBrk="1" latinLnBrk="0" hangingPunct="1">
+        <a:defRPr sz="1800" kern="1200">
+          <a:solidFill>
+            <a:schemeClr val="tx1"/>
+          </a:solidFill>
+          <a:latin typeface="+mn-lt"/>
+          <a:ea typeface="+mn-ea"/>
+          <a:cs typeface="+mn-cs"/>
+        </a:defRPr>
+      </a:lvl2pPr>
+      <a:lvl3pPr marL="914400" algn="l" defTabSz="914400" rtl="0" eaLnBrk="1" latinLnBrk="0" hangingPunct="1">
+        <a:defRPr sz="1800" kern="1200">
+          <a:solidFill>
+            <a:schemeClr val="tx1"/>
+          </a:solidFill>
+          <a:latin typeface="+mn-lt"/>
+          <a:ea typeface="+mn-ea"/>
+          <a:cs typeface="+mn-cs"/>
+        </a:defRPr>
+      </a:lvl3pPr>
+      <a:lvl4pPr marL="1371600" algn="l" defTabSz="914400" rtl="0" eaLnBrk="1" latinLnBrk="0" hangingPunct="1">
+        <a:defRPr sz="1800" kern="1200">
+          <a:solidFill>
+            <a:schemeClr val="tx1"/>
+          </a:solidFill>
+          <a:latin typeface="+mn-lt"/>
+          <a:ea typeface="+mn-ea"/>
+          <a:cs typeface="+mn-cs"/>
+        </a:defRPr>
+      </a:lvl4pPr>
+      <a:lvl5pPr marL="1828800" algn="l" defTabSz="914400" rtl="0" eaLnBrk="1" latinLnBrk="0" hangingPunct="1">
+        <a:defRPr sz="1800" kern="1200">
+          <a:solidFill>
+            <a:schemeClr val="tx1"/>
+          </a:solidFill>
+          <a:latin typeface="+mn-lt"/>
+          <a:ea typeface="+mn-ea"/>
+          <a:cs typeface="+mn-cs"/>
+        </a:defRPr>
+      </a:lvl5pPr>
+      <a:lvl6pPr marL="2286000" algn="l" defTabSz="914400" rtl="0" eaLnBrk="1" latinLnBrk="0" hangingPunct="1">
+        <a:defRPr sz="1800" kern="1200">
+          <a:solidFill>
+            <a:schemeClr val="tx1"/>
+          </a:solidFill>
+          <a:latin typeface="+mn-lt"/>
+          <a:ea typeface="+mn-ea"/>
+          <a:cs typeface="+mn-cs"/>
+        </a:defRPr>
+      </a:lvl6pPr>
+      <a:lvl7pPr marL="2743200" algn="l" defTabSz="914400" rtl="0" eaLnBrk="1" latinLnBrk="0" hangingPunct="1">
+        <a:defRPr sz="1800" kern="1200">
+          <a:solidFill>
+            <a:schemeClr val="tx1"/>
+          </a:solidFill>
+          <a:latin typeface="+mn-lt"/>
+          <a:ea typeface="+mn-ea"/>
+          <a:cs typeface="+mn-cs"/>
+        </a:defRPr>
+      </a:lvl7pPr>
+      <a:lvl8pPr marL="3200400" algn="l" defTabSz="914400" rtl="0" eaLnBrk="1" latinLnBrk="0" hangingPunct="1">
+        <a:defRPr sz="1800" kern="1200">
+          <a:solidFill>
+            <a:schemeClr val="tx1"/>
+          </a:solidFill>
+          <a:latin typeface="+mn-lt"/>
+          <a:ea typeface="+mn-ea"/>
+          <a:cs typeface="+mn-cs"/>
+        </a:defRPr>
+      </a:lvl8pPr>
+      <a:lvl9pPr marL="3657600" algn="l" defTabSz="914400" rtl="0" eaLnBrk="1" latinLnBrk="0" hangingPunct="1">
         <a:defRPr sz="1800" kern="1200">
           <a:solidFill>
             <a:schemeClr val="tx1"/>
@@ -4172,6 +7798,11 @@
 <file path=ppt/slides/slide1.xml><?xml version="1.0" encoding="utf-8"?>
 <p:sld xmlns:a="http://schemas.openxmlformats.org/drawingml/2006/main" xmlns:r="http://schemas.openxmlformats.org/officeDocument/2006/relationships" xmlns:p="http://schemas.openxmlformats.org/presentationml/2006/main">
   <p:cSld>
+    <p:bg>
+      <p:bgRef idx="1001">
+        <a:schemeClr val="bg1"/>
+      </p:bgRef>
+    </p:bg>
     <p:spTree>
       <p:nvGrpSpPr>
         <p:cNvPr id="1" name=""/>
@@ -4224,7 +7855,7 @@
     </p:extLst>
   </p:cSld>
   <p:clrMapOvr>
-    <a:masterClrMapping/>
+    <a:overrideClrMapping bg1="lt1" tx1="dk1" bg2="lt2" tx2="dk2" accent1="accent1" accent2="accent2" accent3="accent3" accent4="accent4" accent5="accent5" accent6="accent6" hlink="hlink" folHlink="folHlink"/>
   </p:clrMapOvr>
   <p:timing>
     <p:tnLst>
@@ -4239,6 +7870,11 @@
 <file path=ppt/slides/slide10.xml><?xml version="1.0" encoding="utf-8"?>
 <p:sld xmlns:a="http://schemas.openxmlformats.org/drawingml/2006/main" xmlns:r="http://schemas.openxmlformats.org/officeDocument/2006/relationships" xmlns:p="http://schemas.openxmlformats.org/presentationml/2006/main">
   <p:cSld>
+    <p:bg>
+      <p:bgRef idx="1001">
+        <a:schemeClr val="bg1"/>
+      </p:bgRef>
+    </p:bg>
     <p:spTree>
       <p:nvGrpSpPr>
         <p:cNvPr id="1" name=""/>
@@ -4263,7 +7899,12 @@
             <p:ph type="title"/>
           </p:nvPr>
         </p:nvSpPr>
-        <p:spPr/>
+        <p:spPr>
+          <a:xfrm>
+            <a:off x="457200" y="554039"/>
+            <a:ext cx="8229600" cy="1143000"/>
+          </a:xfrm>
+        </p:spPr>
         <p:txBody>
           <a:bodyPr/>
           <a:lstStyle/>
@@ -4285,15 +7926,15 @@
           <p:nvPr/>
         </p:nvPicPr>
         <p:blipFill>
-          <a:blip r:embed="rId2"/>
+          <a:blip r:embed="rId3"/>
           <a:stretch>
             <a:fillRect/>
           </a:stretch>
         </p:blipFill>
         <p:spPr>
           <a:xfrm>
-            <a:off x="1362484" y="1417638"/>
-            <a:ext cx="6759928" cy="5329255"/>
+            <a:off x="1819684" y="1697039"/>
+            <a:ext cx="5800316" cy="4572736"/>
           </a:xfrm>
           <a:prstGeom prst="rect">
             <a:avLst/>
@@ -4308,7 +7949,7 @@
     </p:extLst>
   </p:cSld>
   <p:clrMapOvr>
-    <a:masterClrMapping/>
+    <a:overrideClrMapping bg1="lt1" tx1="dk1" bg2="lt2" tx2="dk2" accent1="accent1" accent2="accent2" accent3="accent3" accent4="accent4" accent5="accent5" accent6="accent6" hlink="hlink" folHlink="folHlink"/>
   </p:clrMapOvr>
   <p:timing>
     <p:tnLst>
@@ -4323,6 +7964,11 @@
 <file path=ppt/slides/slide11.xml><?xml version="1.0" encoding="utf-8"?>
 <p:sld xmlns:a="http://schemas.openxmlformats.org/drawingml/2006/main" xmlns:r="http://schemas.openxmlformats.org/officeDocument/2006/relationships" xmlns:p="http://schemas.openxmlformats.org/presentationml/2006/main">
   <p:cSld>
+    <p:bg>
+      <p:bgRef idx="1001">
+        <a:schemeClr val="bg1"/>
+      </p:bgRef>
+    </p:bg>
     <p:spTree>
       <p:nvGrpSpPr>
         <p:cNvPr id="1" name=""/>
@@ -4347,7 +7993,12 @@
             <p:ph type="title"/>
           </p:nvPr>
         </p:nvSpPr>
-        <p:spPr/>
+        <p:spPr>
+          <a:xfrm>
+            <a:off x="457200" y="858838"/>
+            <a:ext cx="8229600" cy="1143000"/>
+          </a:xfrm>
+        </p:spPr>
         <p:txBody>
           <a:bodyPr/>
           <a:lstStyle/>
@@ -4370,7 +8021,12 @@
             <p:ph idx="1"/>
           </p:nvPr>
         </p:nvSpPr>
-        <p:spPr/>
+        <p:spPr>
+          <a:xfrm>
+            <a:off x="457200" y="2590801"/>
+            <a:ext cx="8229600" cy="2806700"/>
+          </a:xfrm>
+        </p:spPr>
         <p:txBody>
           <a:bodyPr/>
           <a:lstStyle/>
@@ -4438,7 +8094,7 @@
     </p:extLst>
   </p:cSld>
   <p:clrMapOvr>
-    <a:masterClrMapping/>
+    <a:overrideClrMapping bg1="lt1" tx1="dk1" bg2="lt2" tx2="dk2" accent1="accent1" accent2="accent2" accent3="accent3" accent4="accent4" accent5="accent5" accent6="accent6" hlink="hlink" folHlink="folHlink"/>
   </p:clrMapOvr>
   <p:timing>
     <p:tnLst>
@@ -4453,6 +8109,11 @@
 <file path=ppt/slides/slide12.xml><?xml version="1.0" encoding="utf-8"?>
 <p:sld xmlns:a="http://schemas.openxmlformats.org/drawingml/2006/main" xmlns:r="http://schemas.openxmlformats.org/officeDocument/2006/relationships" xmlns:p="http://schemas.openxmlformats.org/presentationml/2006/main">
   <p:cSld>
+    <p:bg>
+      <p:bgRef idx="1001">
+        <a:schemeClr val="bg1"/>
+      </p:bgRef>
+    </p:bg>
     <p:spTree>
       <p:nvGrpSpPr>
         <p:cNvPr id="1" name=""/>
@@ -4477,18 +8138,19 @@
             <p:ph type="title"/>
           </p:nvPr>
         </p:nvSpPr>
-        <p:spPr/>
+        <p:spPr>
+          <a:xfrm>
+            <a:off x="457200" y="833438"/>
+            <a:ext cx="8229600" cy="1143000"/>
+          </a:xfrm>
+        </p:spPr>
         <p:txBody>
           <a:bodyPr/>
           <a:lstStyle/>
           <a:p>
             <a:r>
               <a:rPr lang="pt-BR" dirty="0" smtClean="0"/>
-              <a:t>Diagrama </a:t>
-            </a:r>
-            <a:r>
-              <a:rPr lang="pt-BR" dirty="0" smtClean="0"/>
-              <a:t>de domínio</a:t>
+              <a:t>Diagrama de domínio</a:t>
             </a:r>
             <a:endParaRPr lang="pt-BR" dirty="0"/>
           </a:p>
@@ -4763,7 +8425,7 @@
     </p:spTree>
   </p:cSld>
   <p:clrMapOvr>
-    <a:masterClrMapping/>
+    <a:overrideClrMapping bg1="lt1" tx1="dk1" bg2="lt2" tx2="dk2" accent1="accent1" accent2="accent2" accent3="accent3" accent4="accent4" accent5="accent5" accent6="accent6" hlink="hlink" folHlink="folHlink"/>
   </p:clrMapOvr>
   <p:timing>
     <p:tnLst>
@@ -4778,6 +8440,11 @@
 <file path=ppt/slides/slide13.xml><?xml version="1.0" encoding="utf-8"?>
 <p:sld xmlns:a="http://schemas.openxmlformats.org/drawingml/2006/main" xmlns:r="http://schemas.openxmlformats.org/officeDocument/2006/relationships" xmlns:p="http://schemas.openxmlformats.org/presentationml/2006/main">
   <p:cSld>
+    <p:bg>
+      <p:bgRef idx="1001">
+        <a:schemeClr val="bg1"/>
+      </p:bgRef>
+    </p:bg>
     <p:spTree>
       <p:nvGrpSpPr>
         <p:cNvPr id="1" name=""/>
@@ -4802,7 +8469,12 @@
             <p:ph type="title"/>
           </p:nvPr>
         </p:nvSpPr>
-        <p:spPr/>
+        <p:spPr>
+          <a:xfrm>
+            <a:off x="457200" y="706438"/>
+            <a:ext cx="8229600" cy="1143000"/>
+          </a:xfrm>
+        </p:spPr>
         <p:txBody>
           <a:bodyPr/>
           <a:lstStyle/>
@@ -4824,15 +8496,15 @@
           <p:nvPr/>
         </p:nvPicPr>
         <p:blipFill>
-          <a:blip r:embed="rId2"/>
+          <a:blip r:embed="rId3"/>
           <a:stretch>
             <a:fillRect/>
           </a:stretch>
         </p:blipFill>
         <p:spPr>
           <a:xfrm>
-            <a:off x="1714247" y="1262240"/>
-            <a:ext cx="4999945" cy="5110319"/>
+            <a:off x="2374647" y="1694041"/>
+            <a:ext cx="4356353" cy="4452520"/>
           </a:xfrm>
           <a:prstGeom prst="rect">
             <a:avLst/>
@@ -4847,7 +8519,7 @@
     </p:extLst>
   </p:cSld>
   <p:clrMapOvr>
-    <a:masterClrMapping/>
+    <a:overrideClrMapping bg1="lt1" tx1="dk1" bg2="lt2" tx2="dk2" accent1="accent1" accent2="accent2" accent3="accent3" accent4="accent4" accent5="accent5" accent6="accent6" hlink="hlink" folHlink="folHlink"/>
   </p:clrMapOvr>
   <p:timing>
     <p:tnLst>
@@ -4862,6 +8534,11 @@
 <file path=ppt/slides/slide14.xml><?xml version="1.0" encoding="utf-8"?>
 <p:sld xmlns:a="http://schemas.openxmlformats.org/drawingml/2006/main" xmlns:r="http://schemas.openxmlformats.org/officeDocument/2006/relationships" xmlns:p="http://schemas.openxmlformats.org/presentationml/2006/main">
   <p:cSld>
+    <p:bg>
+      <p:bgRef idx="1001">
+        <a:schemeClr val="bg1"/>
+      </p:bgRef>
+    </p:bg>
     <p:spTree>
       <p:nvGrpSpPr>
         <p:cNvPr id="1" name=""/>
@@ -4886,7 +8563,12 @@
             <p:ph type="title"/>
           </p:nvPr>
         </p:nvSpPr>
-        <p:spPr/>
+        <p:spPr>
+          <a:xfrm>
+            <a:off x="457200" y="719138"/>
+            <a:ext cx="8229600" cy="1143000"/>
+          </a:xfrm>
+        </p:spPr>
         <p:txBody>
           <a:bodyPr/>
           <a:lstStyle/>
@@ -4908,7 +8590,7 @@
           <p:nvPr/>
         </p:nvPicPr>
         <p:blipFill>
-          <a:blip r:embed="rId2"/>
+          <a:blip r:embed="rId3"/>
           <a:stretch>
             <a:fillRect/>
           </a:stretch>
@@ -4931,7 +8613,7 @@
     </p:extLst>
   </p:cSld>
   <p:clrMapOvr>
-    <a:masterClrMapping/>
+    <a:overrideClrMapping bg1="lt1" tx1="dk1" bg2="lt2" tx2="dk2" accent1="accent1" accent2="accent2" accent3="accent3" accent4="accent4" accent5="accent5" accent6="accent6" hlink="hlink" folHlink="folHlink"/>
   </p:clrMapOvr>
   <p:timing>
     <p:tnLst>
@@ -4946,6 +8628,11 @@
 <file path=ppt/slides/slide15.xml><?xml version="1.0" encoding="utf-8"?>
 <p:sld xmlns:a="http://schemas.openxmlformats.org/drawingml/2006/main" xmlns:r="http://schemas.openxmlformats.org/officeDocument/2006/relationships" xmlns:p="http://schemas.openxmlformats.org/presentationml/2006/main">
   <p:cSld>
+    <p:bg>
+      <p:bgRef idx="1001">
+        <a:schemeClr val="bg1"/>
+      </p:bgRef>
+    </p:bg>
     <p:spTree>
       <p:nvGrpSpPr>
         <p:cNvPr id="1" name=""/>
@@ -4970,7 +8657,12 @@
             <p:ph type="title"/>
           </p:nvPr>
         </p:nvSpPr>
-        <p:spPr/>
+        <p:spPr>
+          <a:xfrm>
+            <a:off x="457200" y="579438"/>
+            <a:ext cx="8229600" cy="1143000"/>
+          </a:xfrm>
+        </p:spPr>
         <p:txBody>
           <a:bodyPr/>
           <a:lstStyle/>
@@ -4992,15 +8684,15 @@
           <p:nvPr/>
         </p:nvPicPr>
         <p:blipFill>
-          <a:blip r:embed="rId2"/>
+          <a:blip r:embed="rId3"/>
           <a:stretch>
             <a:fillRect/>
           </a:stretch>
         </p:blipFill>
         <p:spPr>
           <a:xfrm>
-            <a:off x="1558135" y="1417638"/>
-            <a:ext cx="6300235" cy="5107291"/>
+            <a:off x="1748635" y="1570038"/>
+            <a:ext cx="5693565" cy="4615493"/>
           </a:xfrm>
           <a:prstGeom prst="rect">
             <a:avLst/>
@@ -5015,7 +8707,7 @@
     </p:extLst>
   </p:cSld>
   <p:clrMapOvr>
-    <a:masterClrMapping/>
+    <a:overrideClrMapping bg1="lt1" tx1="dk1" bg2="lt2" tx2="dk2" accent1="accent1" accent2="accent2" accent3="accent3" accent4="accent4" accent5="accent5" accent6="accent6" hlink="hlink" folHlink="folHlink"/>
   </p:clrMapOvr>
   <p:timing>
     <p:tnLst>
@@ -5030,6 +8722,11 @@
 <file path=ppt/slides/slide16.xml><?xml version="1.0" encoding="utf-8"?>
 <p:sld xmlns:a="http://schemas.openxmlformats.org/drawingml/2006/main" xmlns:r="http://schemas.openxmlformats.org/officeDocument/2006/relationships" xmlns:p="http://schemas.openxmlformats.org/presentationml/2006/main">
   <p:cSld>
+    <p:bg>
+      <p:bgRef idx="1001">
+        <a:schemeClr val="bg1"/>
+      </p:bgRef>
+    </p:bg>
     <p:spTree>
       <p:nvGrpSpPr>
         <p:cNvPr id="1" name=""/>
@@ -5054,7 +8751,12 @@
             <p:ph type="title"/>
           </p:nvPr>
         </p:nvSpPr>
-        <p:spPr/>
+        <p:spPr>
+          <a:xfrm>
+            <a:off x="457200" y="744538"/>
+            <a:ext cx="8229600" cy="1143000"/>
+          </a:xfrm>
+        </p:spPr>
         <p:txBody>
           <a:bodyPr/>
           <a:lstStyle/>
@@ -5077,7 +8779,12 @@
             <p:ph idx="1"/>
           </p:nvPr>
         </p:nvSpPr>
-        <p:spPr/>
+        <p:spPr>
+          <a:xfrm>
+            <a:off x="457200" y="2540001"/>
+            <a:ext cx="8229600" cy="2540000"/>
+          </a:xfrm>
+        </p:spPr>
         <p:txBody>
           <a:bodyPr/>
           <a:lstStyle/>
@@ -5118,7 +8825,7 @@
     </p:extLst>
   </p:cSld>
   <p:clrMapOvr>
-    <a:masterClrMapping/>
+    <a:overrideClrMapping bg1="lt1" tx1="dk1" bg2="lt2" tx2="dk2" accent1="accent1" accent2="accent2" accent3="accent3" accent4="accent4" accent5="accent5" accent6="accent6" hlink="hlink" folHlink="folHlink"/>
   </p:clrMapOvr>
   <p:timing>
     <p:tnLst>
@@ -5133,6 +8840,11 @@
 <file path=ppt/slides/slide17.xml><?xml version="1.0" encoding="utf-8"?>
 <p:sld xmlns:a="http://schemas.openxmlformats.org/drawingml/2006/main" xmlns:r="http://schemas.openxmlformats.org/officeDocument/2006/relationships" xmlns:p="http://schemas.openxmlformats.org/presentationml/2006/main">
   <p:cSld>
+    <p:bg>
+      <p:bgRef idx="1001">
+        <a:schemeClr val="bg1"/>
+      </p:bgRef>
+    </p:bg>
     <p:spTree>
       <p:nvGrpSpPr>
         <p:cNvPr id="1" name=""/>
@@ -5157,18 +8869,19 @@
             <p:ph type="title"/>
           </p:nvPr>
         </p:nvSpPr>
-        <p:spPr/>
+        <p:spPr>
+          <a:xfrm>
+            <a:off x="457200" y="681038"/>
+            <a:ext cx="8229600" cy="1143000"/>
+          </a:xfrm>
+        </p:spPr>
         <p:txBody>
           <a:bodyPr/>
           <a:lstStyle/>
           <a:p>
             <a:r>
               <a:rPr lang="pt-BR" dirty="0" smtClean="0"/>
-              <a:t>Tela de Configuraç</a:t>
-            </a:r>
-            <a:r>
-              <a:rPr lang="pt-BR" dirty="0" smtClean="0"/>
-              <a:t>ão</a:t>
+              <a:t>Tela de Configuração</a:t>
             </a:r>
             <a:endParaRPr lang="pt-BR" dirty="0"/>
           </a:p>
@@ -5183,15 +8896,15 @@
           <p:nvPr/>
         </p:nvPicPr>
         <p:blipFill>
-          <a:blip r:embed="rId2"/>
+          <a:blip r:embed="rId3"/>
           <a:stretch>
             <a:fillRect/>
           </a:stretch>
         </p:blipFill>
         <p:spPr>
           <a:xfrm>
-            <a:off x="1236751" y="1582868"/>
-            <a:ext cx="6785074" cy="5019851"/>
+            <a:off x="1820951" y="2040069"/>
+            <a:ext cx="5519649" cy="4083642"/>
           </a:xfrm>
           <a:prstGeom prst="rect">
             <a:avLst/>
@@ -5206,14 +8919,26 @@
     </p:extLst>
   </p:cSld>
   <p:clrMapOvr>
-    <a:masterClrMapping/>
+    <a:overrideClrMapping bg1="lt1" tx1="dk1" bg2="lt2" tx2="dk2" accent1="accent1" accent2="accent2" accent3="accent3" accent4="accent4" accent5="accent5" accent6="accent6" hlink="hlink" folHlink="folHlink"/>
   </p:clrMapOvr>
+  <p:timing>
+    <p:tnLst>
+      <p:par>
+        <p:cTn xmlns:p14="http://schemas.microsoft.com/office/powerpoint/2010/main" id="1" dur="indefinite" restart="never" nodeType="tmRoot"/>
+      </p:par>
+    </p:tnLst>
+  </p:timing>
 </p:sld>
 </file>
 
 <file path=ppt/slides/slide18.xml><?xml version="1.0" encoding="utf-8"?>
 <p:sld xmlns:a="http://schemas.openxmlformats.org/drawingml/2006/main" xmlns:r="http://schemas.openxmlformats.org/officeDocument/2006/relationships" xmlns:p="http://schemas.openxmlformats.org/presentationml/2006/main">
   <p:cSld>
+    <p:bg>
+      <p:bgRef idx="1001">
+        <a:schemeClr val="bg1"/>
+      </p:bgRef>
+    </p:bg>
     <p:spTree>
       <p:nvGrpSpPr>
         <p:cNvPr id="1" name=""/>
@@ -5238,7 +8963,12 @@
             <p:ph type="title"/>
           </p:nvPr>
         </p:nvSpPr>
-        <p:spPr/>
+        <p:spPr>
+          <a:xfrm>
+            <a:off x="457200" y="846138"/>
+            <a:ext cx="8229600" cy="1143000"/>
+          </a:xfrm>
+        </p:spPr>
         <p:txBody>
           <a:bodyPr/>
           <a:lstStyle/>
@@ -5260,15 +8990,15 @@
           <p:nvPr/>
         </p:nvPicPr>
         <p:blipFill>
-          <a:blip r:embed="rId2"/>
+          <a:blip r:embed="rId3"/>
           <a:stretch>
             <a:fillRect/>
           </a:stretch>
         </p:blipFill>
         <p:spPr>
           <a:xfrm>
-            <a:off x="1148443" y="1417638"/>
-            <a:ext cx="6881101" cy="4693731"/>
+            <a:off x="1643743" y="2141538"/>
+            <a:ext cx="5747657" cy="3920587"/>
           </a:xfrm>
           <a:prstGeom prst="rect">
             <a:avLst/>
@@ -5283,7 +9013,7 @@
     </p:extLst>
   </p:cSld>
   <p:clrMapOvr>
-    <a:masterClrMapping/>
+    <a:overrideClrMapping bg1="lt1" tx1="dk1" bg2="lt2" tx2="dk2" accent1="accent1" accent2="accent2" accent3="accent3" accent4="accent4" accent5="accent5" accent6="accent6" hlink="hlink" folHlink="folHlink"/>
   </p:clrMapOvr>
   <p:timing>
     <p:tnLst>
@@ -5298,6 +9028,11 @@
 <file path=ppt/slides/slide19.xml><?xml version="1.0" encoding="utf-8"?>
 <p:sld xmlns:a="http://schemas.openxmlformats.org/drawingml/2006/main" xmlns:r="http://schemas.openxmlformats.org/officeDocument/2006/relationships" xmlns:p="http://schemas.openxmlformats.org/presentationml/2006/main">
   <p:cSld>
+    <p:bg>
+      <p:bgRef idx="1001">
+        <a:schemeClr val="bg1"/>
+      </p:bgRef>
+    </p:bg>
     <p:spTree>
       <p:nvGrpSpPr>
         <p:cNvPr id="1" name=""/>
@@ -5322,7 +9057,12 @@
             <p:ph type="title"/>
           </p:nvPr>
         </p:nvSpPr>
-        <p:spPr/>
+        <p:spPr>
+          <a:xfrm>
+            <a:off x="457200" y="706438"/>
+            <a:ext cx="8229600" cy="1143000"/>
+          </a:xfrm>
+        </p:spPr>
         <p:txBody>
           <a:bodyPr/>
           <a:lstStyle/>
@@ -5345,7 +9085,12 @@
             <p:ph idx="1"/>
           </p:nvPr>
         </p:nvSpPr>
-        <p:spPr/>
+        <p:spPr>
+          <a:xfrm>
+            <a:off x="457200" y="2184401"/>
+            <a:ext cx="8229600" cy="3403600"/>
+          </a:xfrm>
+        </p:spPr>
         <p:txBody>
           <a:bodyPr/>
           <a:lstStyle/>
@@ -5448,7 +9193,7 @@
     </p:extLst>
   </p:cSld>
   <p:clrMapOvr>
-    <a:masterClrMapping/>
+    <a:overrideClrMapping bg1="lt1" tx1="dk1" bg2="lt2" tx2="dk2" accent1="accent1" accent2="accent2" accent3="accent3" accent4="accent4" accent5="accent5" accent6="accent6" hlink="hlink" folHlink="folHlink"/>
   </p:clrMapOvr>
   <p:timing>
     <p:tnLst>
@@ -5463,6 +9208,11 @@
 <file path=ppt/slides/slide2.xml><?xml version="1.0" encoding="utf-8"?>
 <p:sld xmlns:a="http://schemas.openxmlformats.org/drawingml/2006/main" xmlns:r="http://schemas.openxmlformats.org/officeDocument/2006/relationships" xmlns:p="http://schemas.openxmlformats.org/presentationml/2006/main">
   <p:cSld>
+    <p:bg>
+      <p:bgRef idx="1001">
+        <a:schemeClr val="bg1"/>
+      </p:bgRef>
+    </p:bg>
     <p:spTree>
       <p:nvGrpSpPr>
         <p:cNvPr id="1" name=""/>
@@ -5487,7 +9237,12 @@
             <p:ph type="title"/>
           </p:nvPr>
         </p:nvSpPr>
-        <p:spPr/>
+        <p:spPr>
+          <a:xfrm>
+            <a:off x="457200" y="795338"/>
+            <a:ext cx="8229600" cy="1143000"/>
+          </a:xfrm>
+        </p:spPr>
         <p:txBody>
           <a:bodyPr>
             <a:normAutofit/>
@@ -5512,40 +9267,45 @@
             <p:ph idx="1"/>
           </p:nvPr>
         </p:nvSpPr>
-        <p:spPr/>
+        <p:spPr>
+          <a:xfrm>
+            <a:off x="457200" y="2095502"/>
+            <a:ext cx="8229600" cy="4013200"/>
+          </a:xfrm>
+        </p:spPr>
         <p:txBody>
           <a:bodyPr/>
           <a:lstStyle/>
           <a:p>
             <a:r>
-              <a:rPr lang="pt-BR" dirty="0" smtClean="0"/>
+              <a:rPr lang="pt-BR" sz="2800" dirty="0" smtClean="0"/>
               <a:t>Movimentou cerca de 1,23 trilhões de dólares em 2008.</a:t>
             </a:r>
           </a:p>
           <a:p>
             <a:r>
-              <a:rPr lang="pt-BR" dirty="0" smtClean="0"/>
+              <a:rPr lang="pt-BR" sz="2800" dirty="0" smtClean="0"/>
               <a:t>Possui um crescimento de 3% ao ano.</a:t>
             </a:r>
           </a:p>
           <a:p>
             <a:r>
-              <a:rPr lang="pt-BR" dirty="0" smtClean="0"/>
+              <a:rPr lang="pt-BR" sz="2800" dirty="0" smtClean="0"/>
               <a:t>Grandes disputas entre as empresas.</a:t>
             </a:r>
           </a:p>
           <a:p>
             <a:r>
-              <a:rPr lang="pt-BR" dirty="0" smtClean="0"/>
+              <a:rPr lang="pt-BR" sz="2800" dirty="0" smtClean="0"/>
               <a:t>As vezes a qualidade é deixada de lado para priorizar a produtividade e ganhar mercado.</a:t>
             </a:r>
           </a:p>
           <a:p>
             <a:r>
-              <a:rPr lang="pt-BR" dirty="0" smtClean="0"/>
+              <a:rPr lang="pt-BR" sz="2800" dirty="0" smtClean="0"/>
               <a:t>Oportunidade de melhoria no processo de desenvolvimento de software.</a:t>
             </a:r>
-            <a:endParaRPr lang="pt-BR" dirty="0"/>
+            <a:endParaRPr lang="pt-BR" sz="2800" dirty="0"/>
           </a:p>
         </p:txBody>
       </p:sp>
@@ -5557,7 +9317,7 @@
     </p:extLst>
   </p:cSld>
   <p:clrMapOvr>
-    <a:masterClrMapping/>
+    <a:overrideClrMapping bg1="lt1" tx1="dk1" bg2="lt2" tx2="dk2" accent1="accent1" accent2="accent2" accent3="accent3" accent4="accent4" accent5="accent5" accent6="accent6" hlink="hlink" folHlink="folHlink"/>
   </p:clrMapOvr>
   <p:timing>
     <p:tnLst>
@@ -5572,6 +9332,11 @@
 <file path=ppt/slides/slide20.xml><?xml version="1.0" encoding="utf-8"?>
 <p:sld xmlns:a="http://schemas.openxmlformats.org/drawingml/2006/main" xmlns:r="http://schemas.openxmlformats.org/officeDocument/2006/relationships" xmlns:p="http://schemas.openxmlformats.org/presentationml/2006/main">
   <p:cSld>
+    <p:bg>
+      <p:bgRef idx="1001">
+        <a:schemeClr val="bg1"/>
+      </p:bgRef>
+    </p:bg>
     <p:spTree>
       <p:nvGrpSpPr>
         <p:cNvPr id="1" name=""/>
@@ -5596,7 +9361,12 @@
             <p:ph type="title"/>
           </p:nvPr>
         </p:nvSpPr>
-        <p:spPr/>
+        <p:spPr>
+          <a:xfrm>
+            <a:off x="457200" y="782638"/>
+            <a:ext cx="8229600" cy="1143000"/>
+          </a:xfrm>
+        </p:spPr>
         <p:txBody>
           <a:bodyPr>
             <a:normAutofit/>
@@ -5605,15 +9375,7 @@
           <a:p>
             <a:r>
               <a:rPr lang="pt-BR" sz="3800" dirty="0" smtClean="0"/>
-              <a:t>Relat</a:t>
-            </a:r>
-            <a:r>
-              <a:rPr lang="pt-BR" sz="3800" dirty="0" smtClean="0"/>
-              <a:t>ório de Cobertura </a:t>
-            </a:r>
-            <a:r>
-              <a:rPr lang="pt-BR" sz="3800" dirty="0" smtClean="0"/>
-              <a:t>do Sistema Web</a:t>
+              <a:t>Relatório de Cobertura do Sistema Web</a:t>
             </a:r>
             <a:endParaRPr lang="pt-BR" sz="3800" dirty="0"/>
           </a:p>
@@ -5628,14 +9390,14 @@
           <p:nvPr/>
         </p:nvPicPr>
         <p:blipFill>
-          <a:blip r:embed="rId2"/>
+          <a:blip r:embed="rId3"/>
           <a:stretch>
             <a:fillRect/>
           </a:stretch>
         </p:blipFill>
         <p:spPr>
           <a:xfrm>
-            <a:off x="343746" y="1417638"/>
+            <a:off x="343746" y="1925638"/>
             <a:ext cx="8565399" cy="4810962"/>
           </a:xfrm>
           <a:prstGeom prst="rect">
@@ -5651,7 +9413,7 @@
     </p:extLst>
   </p:cSld>
   <p:clrMapOvr>
-    <a:masterClrMapping/>
+    <a:overrideClrMapping bg1="lt1" tx1="dk1" bg2="lt2" tx2="dk2" accent1="accent1" accent2="accent2" accent3="accent3" accent4="accent4" accent5="accent5" accent6="accent6" hlink="hlink" folHlink="folHlink"/>
   </p:clrMapOvr>
   <p:timing>
     <p:tnLst>
@@ -5666,6 +9428,11 @@
 <file path=ppt/slides/slide21.xml><?xml version="1.0" encoding="utf-8"?>
 <p:sld xmlns:a="http://schemas.openxmlformats.org/drawingml/2006/main" xmlns:r="http://schemas.openxmlformats.org/officeDocument/2006/relationships" xmlns:p="http://schemas.openxmlformats.org/presentationml/2006/main">
   <p:cSld>
+    <p:bg>
+      <p:bgRef idx="1001">
+        <a:schemeClr val="bg1"/>
+      </p:bgRef>
+    </p:bg>
     <p:spTree>
       <p:nvGrpSpPr>
         <p:cNvPr id="1" name=""/>
@@ -5690,7 +9457,12 @@
             <p:ph type="title"/>
           </p:nvPr>
         </p:nvSpPr>
-        <p:spPr/>
+        <p:spPr>
+          <a:xfrm>
+            <a:off x="457200" y="777163"/>
+            <a:ext cx="8229600" cy="1143000"/>
+          </a:xfrm>
+        </p:spPr>
         <p:txBody>
           <a:bodyPr>
             <a:noAutofit/>
@@ -5699,11 +9471,7 @@
           <a:p>
             <a:r>
               <a:rPr lang="pt-BR" sz="3700" dirty="0" smtClean="0"/>
-              <a:t>Relat</a:t>
-            </a:r>
-            <a:r>
-              <a:rPr lang="pt-BR" sz="3700" dirty="0" smtClean="0"/>
-              <a:t>ório de Cobertura do Sistema Mobile</a:t>
+              <a:t>Relatório de Cobertura do Sistema Mobile</a:t>
             </a:r>
             <a:endParaRPr lang="pt-BR" sz="3700" dirty="0"/>
           </a:p>
@@ -5718,14 +9486,14 @@
           <p:nvPr/>
         </p:nvPicPr>
         <p:blipFill>
-          <a:blip r:embed="rId2"/>
+          <a:blip r:embed="rId3"/>
           <a:stretch>
             <a:fillRect/>
           </a:stretch>
         </p:blipFill>
         <p:spPr>
           <a:xfrm>
-            <a:off x="255733" y="1417638"/>
+            <a:off x="255733" y="1920163"/>
             <a:ext cx="8613870" cy="4810837"/>
           </a:xfrm>
           <a:prstGeom prst="rect">
@@ -5741,7 +9509,7 @@
     </p:extLst>
   </p:cSld>
   <p:clrMapOvr>
-    <a:masterClrMapping/>
+    <a:overrideClrMapping bg1="lt1" tx1="dk1" bg2="lt2" tx2="dk2" accent1="accent1" accent2="accent2" accent3="accent3" accent4="accent4" accent5="accent5" accent6="accent6" hlink="hlink" folHlink="folHlink"/>
   </p:clrMapOvr>
   <p:timing>
     <p:tnLst>
@@ -5756,6 +9524,11 @@
 <file path=ppt/slides/slide22.xml><?xml version="1.0" encoding="utf-8"?>
 <p:sld xmlns:a="http://schemas.openxmlformats.org/drawingml/2006/main" xmlns:r="http://schemas.openxmlformats.org/officeDocument/2006/relationships" xmlns:p="http://schemas.openxmlformats.org/presentationml/2006/main">
   <p:cSld>
+    <p:bg>
+      <p:bgRef idx="1001">
+        <a:schemeClr val="bg1"/>
+      </p:bgRef>
+    </p:bg>
     <p:spTree>
       <p:nvGrpSpPr>
         <p:cNvPr id="1" name=""/>
@@ -5780,7 +9553,12 @@
             <p:ph type="title"/>
           </p:nvPr>
         </p:nvSpPr>
-        <p:spPr/>
+        <p:spPr>
+          <a:xfrm>
+            <a:off x="457200" y="642938"/>
+            <a:ext cx="8229600" cy="1143000"/>
+          </a:xfrm>
+        </p:spPr>
         <p:txBody>
           <a:bodyPr/>
           <a:lstStyle/>
@@ -5801,7 +9579,7 @@
         </p:nvSpPr>
         <p:spPr>
           <a:xfrm>
-            <a:off x="457200" y="1417638"/>
+            <a:off x="457200" y="2002368"/>
             <a:ext cx="1948876" cy="1169460"/>
           </a:xfrm>
           <a:prstGeom prst="roundRect">
@@ -5927,7 +9705,7 @@
         </p:nvSpPr>
         <p:spPr>
           <a:xfrm>
-            <a:off x="6737924" y="1417638"/>
+            <a:off x="6737924" y="2002368"/>
             <a:ext cx="1948876" cy="1169460"/>
           </a:xfrm>
           <a:prstGeom prst="roundRect">
@@ -5972,8 +9750,8 @@
         </p:nvCxnSpPr>
         <p:spPr>
           <a:xfrm>
-            <a:off x="1431638" y="2587098"/>
-            <a:ext cx="0" cy="2555696"/>
+            <a:off x="1431638" y="3171828"/>
+            <a:ext cx="0" cy="1970966"/>
           </a:xfrm>
           <a:prstGeom prst="straightConnector1">
             <a:avLst/>
@@ -6044,8 +9822,8 @@
         </p:nvCxnSpPr>
         <p:spPr>
           <a:xfrm flipV="1">
-            <a:off x="7712362" y="2587098"/>
-            <a:ext cx="0" cy="2555696"/>
+            <a:off x="7712362" y="3171828"/>
+            <a:ext cx="0" cy="1970966"/>
           </a:xfrm>
           <a:prstGeom prst="straightConnector1">
             <a:avLst/>
@@ -6077,7 +9855,7 @@
         </p:nvSpPr>
         <p:spPr>
           <a:xfrm>
-            <a:off x="1528359" y="3541441"/>
+            <a:off x="1528359" y="3910773"/>
             <a:ext cx="877276" cy="369332"/>
           </a:xfrm>
           <a:prstGeom prst="rect">
@@ -6167,7 +9945,7 @@
         </p:nvSpPr>
         <p:spPr>
           <a:xfrm>
-            <a:off x="3601024" y="1417638"/>
+            <a:off x="3601024" y="2002368"/>
             <a:ext cx="1948876" cy="1169460"/>
           </a:xfrm>
           <a:prstGeom prst="roundRect">
@@ -6212,7 +9990,7 @@
         </p:nvCxnSpPr>
         <p:spPr>
           <a:xfrm flipH="1">
-            <a:off x="5549900" y="2002368"/>
+            <a:off x="5549900" y="2587098"/>
             <a:ext cx="1188024" cy="0"/>
           </a:xfrm>
           <a:prstGeom prst="straightConnector1">
@@ -6245,7 +10023,7 @@
     </p:extLst>
   </p:cSld>
   <p:clrMapOvr>
-    <a:masterClrMapping/>
+    <a:overrideClrMapping bg1="lt1" tx1="dk1" bg2="lt2" tx2="dk2" accent1="accent1" accent2="accent2" accent3="accent3" accent4="accent4" accent5="accent5" accent6="accent6" hlink="hlink" folHlink="folHlink"/>
   </p:clrMapOvr>
   <p:timing>
     <p:tnLst>
@@ -6260,6 +10038,11 @@
 <file path=ppt/slides/slide3.xml><?xml version="1.0" encoding="utf-8"?>
 <p:sld xmlns:a="http://schemas.openxmlformats.org/drawingml/2006/main" xmlns:r="http://schemas.openxmlformats.org/officeDocument/2006/relationships" xmlns:p="http://schemas.openxmlformats.org/presentationml/2006/main">
   <p:cSld>
+    <p:bg>
+      <p:bgRef idx="1001">
+        <a:schemeClr val="bg1"/>
+      </p:bgRef>
+    </p:bg>
     <p:spTree>
       <p:nvGrpSpPr>
         <p:cNvPr id="1" name=""/>
@@ -6284,7 +10067,12 @@
             <p:ph type="title"/>
           </p:nvPr>
         </p:nvSpPr>
-        <p:spPr/>
+        <p:spPr>
+          <a:xfrm>
+            <a:off x="457200" y="782638"/>
+            <a:ext cx="8229600" cy="1143000"/>
+          </a:xfrm>
+        </p:spPr>
         <p:txBody>
           <a:bodyPr/>
           <a:lstStyle/>
@@ -6311,7 +10099,12 @@
             <p:ph idx="1"/>
           </p:nvPr>
         </p:nvSpPr>
-        <p:spPr/>
+        <p:spPr>
+          <a:xfrm>
+            <a:off x="457200" y="2095500"/>
+            <a:ext cx="8229600" cy="4525963"/>
+          </a:xfrm>
+        </p:spPr>
         <p:txBody>
           <a:bodyPr/>
           <a:lstStyle/>
@@ -6437,7 +10230,7 @@
     </p:extLst>
   </p:cSld>
   <p:clrMapOvr>
-    <a:masterClrMapping/>
+    <a:overrideClrMapping bg1="lt1" tx1="dk1" bg2="lt2" tx2="dk2" accent1="accent1" accent2="accent2" accent3="accent3" accent4="accent4" accent5="accent5" accent6="accent6" hlink="hlink" folHlink="folHlink"/>
   </p:clrMapOvr>
   <p:timing>
     <p:tnLst>
@@ -6452,6 +10245,11 @@
 <file path=ppt/slides/slide4.xml><?xml version="1.0" encoding="utf-8"?>
 <p:sld xmlns:a="http://schemas.openxmlformats.org/drawingml/2006/main" xmlns:r="http://schemas.openxmlformats.org/officeDocument/2006/relationships" xmlns:p="http://schemas.openxmlformats.org/presentationml/2006/main">
   <p:cSld>
+    <p:bg>
+      <p:bgRef idx="1001">
+        <a:schemeClr val="bg1"/>
+      </p:bgRef>
+    </p:bg>
     <p:spTree>
       <p:nvGrpSpPr>
         <p:cNvPr id="1" name=""/>
@@ -6476,7 +10274,12 @@
             <p:ph type="title"/>
           </p:nvPr>
         </p:nvSpPr>
-        <p:spPr/>
+        <p:spPr>
+          <a:xfrm>
+            <a:off x="457200" y="871538"/>
+            <a:ext cx="8229600" cy="1143000"/>
+          </a:xfrm>
+        </p:spPr>
         <p:txBody>
           <a:bodyPr>
             <a:normAutofit fontScale="90000"/>
@@ -6509,7 +10312,12 @@
             <p:ph idx="1"/>
           </p:nvPr>
         </p:nvSpPr>
-        <p:spPr/>
+        <p:spPr>
+          <a:xfrm>
+            <a:off x="457200" y="2425701"/>
+            <a:ext cx="8229600" cy="3086100"/>
+          </a:xfrm>
+        </p:spPr>
         <p:txBody>
           <a:bodyPr>
             <a:normAutofit/>
@@ -6574,7 +10382,7 @@
     </p:extLst>
   </p:cSld>
   <p:clrMapOvr>
-    <a:masterClrMapping/>
+    <a:overrideClrMapping bg1="lt1" tx1="dk1" bg2="lt2" tx2="dk2" accent1="accent1" accent2="accent2" accent3="accent3" accent4="accent4" accent5="accent5" accent6="accent6" hlink="hlink" folHlink="folHlink"/>
   </p:clrMapOvr>
   <p:timing>
     <p:tnLst>
@@ -6589,6 +10397,11 @@
 <file path=ppt/slides/slide5.xml><?xml version="1.0" encoding="utf-8"?>
 <p:sld xmlns:a="http://schemas.openxmlformats.org/drawingml/2006/main" xmlns:r="http://schemas.openxmlformats.org/officeDocument/2006/relationships" xmlns:p="http://schemas.openxmlformats.org/presentationml/2006/main">
   <p:cSld>
+    <p:bg>
+      <p:bgRef idx="1001">
+        <a:schemeClr val="bg1"/>
+      </p:bgRef>
+    </p:bg>
     <p:spTree>
       <p:nvGrpSpPr>
         <p:cNvPr id="1" name=""/>
@@ -6613,7 +10426,12 @@
             <p:ph type="title"/>
           </p:nvPr>
         </p:nvSpPr>
-        <p:spPr/>
+        <p:spPr>
+          <a:xfrm>
+            <a:off x="457200" y="973138"/>
+            <a:ext cx="8229600" cy="1143000"/>
+          </a:xfrm>
+        </p:spPr>
         <p:txBody>
           <a:bodyPr/>
           <a:lstStyle/>
@@ -6636,7 +10454,12 @@
             <p:ph idx="1"/>
           </p:nvPr>
         </p:nvSpPr>
-        <p:spPr/>
+        <p:spPr>
+          <a:xfrm>
+            <a:off x="457200" y="2616201"/>
+            <a:ext cx="8229600" cy="2654300"/>
+          </a:xfrm>
+        </p:spPr>
         <p:txBody>
           <a:bodyPr>
             <a:normAutofit/>
@@ -6657,27 +10480,18 @@
           <a:p>
             <a:r>
               <a:rPr lang="pt-BR" dirty="0" smtClean="0"/>
-              <a:t>Design </a:t>
-            </a:r>
-            <a:r>
-              <a:rPr lang="pt-BR" dirty="0" smtClean="0"/>
-              <a:t>simples</a:t>
+              <a:t>Design simples.</a:t>
+            </a:r>
+          </a:p>
+          <a:p>
+            <a:r>
+              <a:rPr lang="pt-BR" dirty="0"/>
+              <a:t>Feedback do cliente</a:t>
             </a:r>
             <a:r>
               <a:rPr lang="pt-BR" dirty="0" smtClean="0"/>
               <a:t>.</a:t>
             </a:r>
-          </a:p>
-          <a:p>
-            <a:r>
-              <a:rPr lang="pt-BR" dirty="0"/>
-              <a:t>Feedback do cliente</a:t>
-            </a:r>
-            <a:r>
-              <a:rPr lang="pt-BR" dirty="0" smtClean="0"/>
-              <a:t>.</a:t>
-            </a:r>
-            <a:endParaRPr lang="pt-BR" dirty="0" smtClean="0"/>
           </a:p>
         </p:txBody>
       </p:sp>
@@ -6689,7 +10503,7 @@
     </p:extLst>
   </p:cSld>
   <p:clrMapOvr>
-    <a:masterClrMapping/>
+    <a:overrideClrMapping bg1="lt1" tx1="dk1" bg2="lt2" tx2="dk2" accent1="accent1" accent2="accent2" accent3="accent3" accent4="accent4" accent5="accent5" accent6="accent6" hlink="hlink" folHlink="folHlink"/>
   </p:clrMapOvr>
   <p:timing>
     <p:tnLst>
@@ -6704,6 +10518,11 @@
 <file path=ppt/slides/slide6.xml><?xml version="1.0" encoding="utf-8"?>
 <p:sld xmlns:a="http://schemas.openxmlformats.org/drawingml/2006/main" xmlns:r="http://schemas.openxmlformats.org/officeDocument/2006/relationships" xmlns:p="http://schemas.openxmlformats.org/presentationml/2006/main">
   <p:cSld>
+    <p:bg>
+      <p:bgRef idx="1001">
+        <a:schemeClr val="bg1"/>
+      </p:bgRef>
+    </p:bg>
     <p:spTree>
       <p:nvGrpSpPr>
         <p:cNvPr id="1" name=""/>
@@ -6750,7 +10569,7 @@
           <p:nvPr/>
         </p:nvPicPr>
         <p:blipFill>
-          <a:blip r:embed="rId2">
+          <a:blip r:embed="rId3">
             <a:extLst>
               <a:ext uri="{28A0092B-C50C-407E-A947-70E740481C1C}">
                 <a14:useLocalDpi xmlns:a14="http://schemas.microsoft.com/office/drawing/2010/main" val="0"/>
@@ -6764,7 +10583,7 @@
         <p:spPr>
           <a:xfrm>
             <a:off x="1117600" y="1239838"/>
-            <a:ext cx="6934200" cy="5200650"/>
+            <a:ext cx="6680200" cy="5010150"/>
           </a:xfrm>
           <a:prstGeom prst="rect">
             <a:avLst/>
@@ -6779,7 +10598,7 @@
     </p:extLst>
   </p:cSld>
   <p:clrMapOvr>
-    <a:masterClrMapping/>
+    <a:overrideClrMapping bg1="lt1" tx1="dk1" bg2="lt2" tx2="dk2" accent1="accent1" accent2="accent2" accent3="accent3" accent4="accent4" accent5="accent5" accent6="accent6" hlink="hlink" folHlink="folHlink"/>
   </p:clrMapOvr>
   <p:timing>
     <p:tnLst>
@@ -6794,6 +10613,11 @@
 <file path=ppt/slides/slide7.xml><?xml version="1.0" encoding="utf-8"?>
 <p:sld xmlns:a="http://schemas.openxmlformats.org/drawingml/2006/main" xmlns:r="http://schemas.openxmlformats.org/officeDocument/2006/relationships" xmlns:p="http://schemas.openxmlformats.org/presentationml/2006/main">
   <p:cSld>
+    <p:bg>
+      <p:bgRef idx="1001">
+        <a:schemeClr val="bg1"/>
+      </p:bgRef>
+    </p:bg>
     <p:spTree>
       <p:nvGrpSpPr>
         <p:cNvPr id="1" name=""/>
@@ -6818,7 +10642,12 @@
             <p:ph type="title"/>
           </p:nvPr>
         </p:nvSpPr>
-        <p:spPr/>
+        <p:spPr>
+          <a:xfrm>
+            <a:off x="457200" y="846138"/>
+            <a:ext cx="8229600" cy="1143000"/>
+          </a:xfrm>
+        </p:spPr>
         <p:txBody>
           <a:bodyPr/>
           <a:lstStyle/>
@@ -6852,15 +10681,15 @@
           <p:nvPr/>
         </p:nvPicPr>
         <p:blipFill>
-          <a:blip r:embed="rId2"/>
+          <a:blip r:embed="rId3"/>
           <a:stretch>
             <a:fillRect/>
           </a:stretch>
         </p:blipFill>
         <p:spPr>
           <a:xfrm>
-            <a:off x="1398353" y="1604955"/>
-            <a:ext cx="6070242" cy="4574361"/>
+            <a:off x="1779353" y="2024055"/>
+            <a:ext cx="5510447" cy="4152515"/>
           </a:xfrm>
           <a:prstGeom prst="rect">
             <a:avLst/>
@@ -6875,7 +10704,7 @@
     </p:extLst>
   </p:cSld>
   <p:clrMapOvr>
-    <a:masterClrMapping/>
+    <a:overrideClrMapping bg1="lt1" tx1="dk1" bg2="lt2" tx2="dk2" accent1="accent1" accent2="accent2" accent3="accent3" accent4="accent4" accent5="accent5" accent6="accent6" hlink="hlink" folHlink="folHlink"/>
   </p:clrMapOvr>
   <p:timing>
     <p:tnLst>
@@ -6890,6 +10719,11 @@
 <file path=ppt/slides/slide8.xml><?xml version="1.0" encoding="utf-8"?>
 <p:sld xmlns:a="http://schemas.openxmlformats.org/drawingml/2006/main" xmlns:r="http://schemas.openxmlformats.org/officeDocument/2006/relationships" xmlns:p="http://schemas.openxmlformats.org/presentationml/2006/main">
   <p:cSld>
+    <p:bg>
+      <p:bgRef idx="1001">
+        <a:schemeClr val="bg1"/>
+      </p:bgRef>
+    </p:bg>
     <p:spTree>
       <p:nvGrpSpPr>
         <p:cNvPr id="1" name=""/>
@@ -6914,7 +10748,12 @@
             <p:ph type="title"/>
           </p:nvPr>
         </p:nvSpPr>
-        <p:spPr/>
+        <p:spPr>
+          <a:xfrm>
+            <a:off x="457200" y="858838"/>
+            <a:ext cx="8229600" cy="1143000"/>
+          </a:xfrm>
+        </p:spPr>
         <p:txBody>
           <a:bodyPr/>
           <a:lstStyle/>
@@ -6949,7 +10788,12 @@
             <p:ph idx="1"/>
           </p:nvPr>
         </p:nvSpPr>
-        <p:spPr/>
+        <p:spPr>
+          <a:xfrm>
+            <a:off x="457200" y="2235201"/>
+            <a:ext cx="8229600" cy="3530600"/>
+          </a:xfrm>
+        </p:spPr>
         <p:txBody>
           <a:bodyPr/>
           <a:lstStyle/>
@@ -6996,7 +10840,7 @@
     </p:extLst>
   </p:cSld>
   <p:clrMapOvr>
-    <a:masterClrMapping/>
+    <a:overrideClrMapping bg1="lt1" tx1="dk1" bg2="lt2" tx2="dk2" accent1="accent1" accent2="accent2" accent3="accent3" accent4="accent4" accent5="accent5" accent6="accent6" hlink="hlink" folHlink="folHlink"/>
   </p:clrMapOvr>
   <p:timing>
     <p:tnLst>
@@ -7011,6 +10855,11 @@
 <file path=ppt/slides/slide9.xml><?xml version="1.0" encoding="utf-8"?>
 <p:sld xmlns:a="http://schemas.openxmlformats.org/drawingml/2006/main" xmlns:r="http://schemas.openxmlformats.org/officeDocument/2006/relationships" xmlns:p="http://schemas.openxmlformats.org/presentationml/2006/main">
   <p:cSld>
+    <p:bg>
+      <p:bgRef idx="1001">
+        <a:schemeClr val="bg1"/>
+      </p:bgRef>
+    </p:bg>
     <p:spTree>
       <p:nvGrpSpPr>
         <p:cNvPr id="1" name=""/>
@@ -7035,7 +10884,12 @@
             <p:ph type="title"/>
           </p:nvPr>
         </p:nvSpPr>
-        <p:spPr/>
+        <p:spPr>
+          <a:xfrm>
+            <a:off x="457200" y="541338"/>
+            <a:ext cx="8229600" cy="1143000"/>
+          </a:xfrm>
+        </p:spPr>
         <p:txBody>
           <a:bodyPr/>
           <a:lstStyle/>
@@ -7045,6 +10899,47 @@
               <a:t>Estudo de caso</a:t>
             </a:r>
             <a:endParaRPr lang="pt-BR" dirty="0"/>
+          </a:p>
+        </p:txBody>
+      </p:sp>
+      <p:sp>
+        <p:nvSpPr>
+          <p:cNvPr id="13" name="Content Placeholder 2"/>
+          <p:cNvSpPr>
+            <a:spLocks noGrp="1"/>
+          </p:cNvSpPr>
+          <p:nvPr>
+            <p:ph idx="1"/>
+          </p:nvPr>
+        </p:nvSpPr>
+        <p:spPr>
+          <a:xfrm>
+            <a:off x="457200" y="3344906"/>
+            <a:ext cx="8229600" cy="3080833"/>
+          </a:xfrm>
+        </p:spPr>
+        <p:txBody>
+          <a:bodyPr>
+            <a:normAutofit fontScale="92500"/>
+          </a:bodyPr>
+          <a:lstStyle/>
+          <a:p>
+            <a:r>
+              <a:rPr lang="pt-BR" dirty="0" smtClean="0"/>
+              <a:t>Sistema de Catálogo Digital para um Restaurante.</a:t>
+            </a:r>
+          </a:p>
+          <a:p>
+            <a:r>
+              <a:rPr lang="pt-BR" dirty="0" smtClean="0"/>
+              <a:t>O usuário cadastra seus itens no sistema web e pode visualizá-los em seu dispositivo móvel, através do sistema mobile.</a:t>
+            </a:r>
+          </a:p>
+          <a:p>
+            <a:r>
+              <a:rPr lang="pt-BR" dirty="0" smtClean="0"/>
+              <a:t>Ambos os sistemas foram desenvolvidos utilizando TDD.</a:t>
+            </a:r>
           </a:p>
         </p:txBody>
       </p:sp>
@@ -7057,7 +10952,7 @@
           <p:nvPr/>
         </p:nvPicPr>
         <p:blipFill>
-          <a:blip r:embed="rId2"/>
+          <a:blip r:embed="rId3"/>
           <a:stretch>
             <a:fillRect/>
           </a:stretch>
@@ -7072,47 +10967,6 @@
           </a:prstGeom>
         </p:spPr>
       </p:pic>
-      <p:sp>
-        <p:nvSpPr>
-          <p:cNvPr id="13" name="Content Placeholder 2"/>
-          <p:cNvSpPr>
-            <a:spLocks noGrp="1"/>
-          </p:cNvSpPr>
-          <p:nvPr>
-            <p:ph idx="1"/>
-          </p:nvPr>
-        </p:nvSpPr>
-        <p:spPr>
-          <a:xfrm>
-            <a:off x="457200" y="3344906"/>
-            <a:ext cx="8229600" cy="3080833"/>
-          </a:xfrm>
-        </p:spPr>
-        <p:txBody>
-          <a:bodyPr>
-            <a:normAutofit fontScale="92500"/>
-          </a:bodyPr>
-          <a:lstStyle/>
-          <a:p>
-            <a:r>
-              <a:rPr lang="pt-BR" dirty="0" smtClean="0"/>
-              <a:t>Sistema de Catálogo Digital para um Restaurante.</a:t>
-            </a:r>
-          </a:p>
-          <a:p>
-            <a:r>
-              <a:rPr lang="pt-BR" dirty="0" smtClean="0"/>
-              <a:t>O usuário cadastra seus itens no sistema web e pode visualizá-los em seu dispositivo móvel, através do sistema mobile.</a:t>
-            </a:r>
-          </a:p>
-          <a:p>
-            <a:r>
-              <a:rPr lang="pt-BR" dirty="0" smtClean="0"/>
-              <a:t>Ambos os sistemas foram desenvolvidos utilizando TDD.</a:t>
-            </a:r>
-          </a:p>
-        </p:txBody>
-      </p:sp>
     </p:spTree>
     <p:extLst>
       <p:ext uri="{BB962C8B-B14F-4D97-AF65-F5344CB8AC3E}">
@@ -7121,7 +10975,7 @@
     </p:extLst>
   </p:cSld>
   <p:clrMapOvr>
-    <a:masterClrMapping/>
+    <a:overrideClrMapping bg1="lt1" tx1="dk1" bg2="lt2" tx2="dk2" accent1="accent1" accent2="accent2" accent3="accent3" accent4="accent4" accent5="accent5" accent6="accent6" hlink="hlink" folHlink="folHlink"/>
   </p:clrMapOvr>
   <p:timing>
     <p:tnLst>
@@ -7134,6 +10988,572 @@
 </file>
 
 <file path=ppt/theme/theme1.xml><?xml version="1.0" encoding="utf-8"?>
+<a:theme xmlns:a="http://schemas.openxmlformats.org/drawingml/2006/main" name="ETEP">
+  <a:themeElements>
+    <a:clrScheme name="Escritório">
+      <a:dk1>
+        <a:sysClr val="windowText" lastClr="000000"/>
+      </a:dk1>
+      <a:lt1>
+        <a:sysClr val="window" lastClr="FFFFFF"/>
+      </a:lt1>
+      <a:dk2>
+        <a:srgbClr val="1F497D"/>
+      </a:dk2>
+      <a:lt2>
+        <a:srgbClr val="EEECE1"/>
+      </a:lt2>
+      <a:accent1>
+        <a:srgbClr val="4F81BD"/>
+      </a:accent1>
+      <a:accent2>
+        <a:srgbClr val="C0504D"/>
+      </a:accent2>
+      <a:accent3>
+        <a:srgbClr val="9BBB59"/>
+      </a:accent3>
+      <a:accent4>
+        <a:srgbClr val="8064A2"/>
+      </a:accent4>
+      <a:accent5>
+        <a:srgbClr val="4BACC6"/>
+      </a:accent5>
+      <a:accent6>
+        <a:srgbClr val="F79646"/>
+      </a:accent6>
+      <a:hlink>
+        <a:srgbClr val="0000FF"/>
+      </a:hlink>
+      <a:folHlink>
+        <a:srgbClr val="800080"/>
+      </a:folHlink>
+    </a:clrScheme>
+    <a:fontScheme name="Escritório">
+      <a:majorFont>
+        <a:latin typeface="Calibri"/>
+        <a:ea typeface=""/>
+        <a:cs typeface=""/>
+        <a:font script="Jpan" typeface="ＭＳ Ｐゴシック"/>
+        <a:font script="Hang" typeface="맑은 고딕"/>
+        <a:font script="Hans" typeface="宋体"/>
+        <a:font script="Hant" typeface="新細明體"/>
+        <a:font script="Arab" typeface="Times New Roman"/>
+        <a:font script="Hebr" typeface="Times New Roman"/>
+        <a:font script="Thai" typeface="Angsana New"/>
+        <a:font script="Ethi" typeface="Nyala"/>
+        <a:font script="Beng" typeface="Vrinda"/>
+        <a:font script="Gujr" typeface="Shruti"/>
+        <a:font script="Khmr" typeface="MoolBoran"/>
+        <a:font script="Knda" typeface="Tunga"/>
+        <a:font script="Guru" typeface="Raavi"/>
+        <a:font script="Cans" typeface="Euphemia"/>
+        <a:font script="Cher" typeface="Plantagenet Cherokee"/>
+        <a:font script="Yiii" typeface="Microsoft Yi Baiti"/>
+        <a:font script="Tibt" typeface="Microsoft Himalaya"/>
+        <a:font script="Thaa" typeface="MV Boli"/>
+        <a:font script="Deva" typeface="Mangal"/>
+        <a:font script="Telu" typeface="Gautami"/>
+        <a:font script="Taml" typeface="Latha"/>
+        <a:font script="Syrc" typeface="Estrangelo Edessa"/>
+        <a:font script="Orya" typeface="Kalinga"/>
+        <a:font script="Mlym" typeface="Kartika"/>
+        <a:font script="Laoo" typeface="DokChampa"/>
+        <a:font script="Sinh" typeface="Iskoola Pota"/>
+        <a:font script="Mong" typeface="Mongolian Baiti"/>
+        <a:font script="Viet" typeface="Times New Roman"/>
+        <a:font script="Uigh" typeface="Microsoft Uighur"/>
+      </a:majorFont>
+      <a:minorFont>
+        <a:latin typeface="Calibri"/>
+        <a:ea typeface=""/>
+        <a:cs typeface=""/>
+        <a:font script="Jpan" typeface="ＭＳ Ｐゴシック"/>
+        <a:font script="Hang" typeface="맑은 고딕"/>
+        <a:font script="Hans" typeface="宋体"/>
+        <a:font script="Hant" typeface="新細明體"/>
+        <a:font script="Arab" typeface="Arial"/>
+        <a:font script="Hebr" typeface="Arial"/>
+        <a:font script="Thai" typeface="Cordia New"/>
+        <a:font script="Ethi" typeface="Nyala"/>
+        <a:font script="Beng" typeface="Vrinda"/>
+        <a:font script="Gujr" typeface="Shruti"/>
+        <a:font script="Khmr" typeface="DaunPenh"/>
+        <a:font script="Knda" typeface="Tunga"/>
+        <a:font script="Guru" typeface="Raavi"/>
+        <a:font script="Cans" typeface="Euphemia"/>
+        <a:font script="Cher" typeface="Plantagenet Cherokee"/>
+        <a:font script="Yiii" typeface="Microsoft Yi Baiti"/>
+        <a:font script="Tibt" typeface="Microsoft Himalaya"/>
+        <a:font script="Thaa" typeface="MV Boli"/>
+        <a:font script="Deva" typeface="Mangal"/>
+        <a:font script="Telu" typeface="Gautami"/>
+        <a:font script="Taml" typeface="Latha"/>
+        <a:font script="Syrc" typeface="Estrangelo Edessa"/>
+        <a:font script="Orya" typeface="Kalinga"/>
+        <a:font script="Mlym" typeface="Kartika"/>
+        <a:font script="Laoo" typeface="DokChampa"/>
+        <a:font script="Sinh" typeface="Iskoola Pota"/>
+        <a:font script="Mong" typeface="Mongolian Baiti"/>
+        <a:font script="Viet" typeface="Arial"/>
+        <a:font script="Uigh" typeface="Microsoft Uighur"/>
+      </a:minorFont>
+    </a:fontScheme>
+    <a:fmtScheme name="Escritório">
+      <a:fillStyleLst>
+        <a:solidFill>
+          <a:schemeClr val="phClr"/>
+        </a:solidFill>
+        <a:gradFill rotWithShape="1">
+          <a:gsLst>
+            <a:gs pos="0">
+              <a:schemeClr val="phClr">
+                <a:tint val="50000"/>
+                <a:satMod val="300000"/>
+              </a:schemeClr>
+            </a:gs>
+            <a:gs pos="35000">
+              <a:schemeClr val="phClr">
+                <a:tint val="37000"/>
+                <a:satMod val="300000"/>
+              </a:schemeClr>
+            </a:gs>
+            <a:gs pos="100000">
+              <a:schemeClr val="phClr">
+                <a:tint val="15000"/>
+                <a:satMod val="350000"/>
+              </a:schemeClr>
+            </a:gs>
+          </a:gsLst>
+          <a:lin ang="16200000" scaled="1"/>
+        </a:gradFill>
+        <a:gradFill rotWithShape="1">
+          <a:gsLst>
+            <a:gs pos="0">
+              <a:schemeClr val="phClr">
+                <a:shade val="51000"/>
+                <a:satMod val="130000"/>
+              </a:schemeClr>
+            </a:gs>
+            <a:gs pos="80000">
+              <a:schemeClr val="phClr">
+                <a:shade val="93000"/>
+                <a:satMod val="130000"/>
+              </a:schemeClr>
+            </a:gs>
+            <a:gs pos="100000">
+              <a:schemeClr val="phClr">
+                <a:shade val="94000"/>
+                <a:satMod val="135000"/>
+              </a:schemeClr>
+            </a:gs>
+          </a:gsLst>
+          <a:lin ang="16200000" scaled="0"/>
+        </a:gradFill>
+      </a:fillStyleLst>
+      <a:lnStyleLst>
+        <a:ln w="9525" cap="flat" cmpd="sng" algn="ctr">
+          <a:solidFill>
+            <a:schemeClr val="phClr">
+              <a:shade val="95000"/>
+              <a:satMod val="105000"/>
+            </a:schemeClr>
+          </a:solidFill>
+          <a:prstDash val="solid"/>
+        </a:ln>
+        <a:ln w="25400" cap="flat" cmpd="sng" algn="ctr">
+          <a:solidFill>
+            <a:schemeClr val="phClr"/>
+          </a:solidFill>
+          <a:prstDash val="solid"/>
+        </a:ln>
+        <a:ln w="38100" cap="flat" cmpd="sng" algn="ctr">
+          <a:solidFill>
+            <a:schemeClr val="phClr"/>
+          </a:solidFill>
+          <a:prstDash val="solid"/>
+        </a:ln>
+      </a:lnStyleLst>
+      <a:effectStyleLst>
+        <a:effectStyle>
+          <a:effectLst>
+            <a:outerShdw blurRad="40000" dist="20000" dir="5400000" rotWithShape="0">
+              <a:srgbClr val="000000">
+                <a:alpha val="38000"/>
+              </a:srgbClr>
+            </a:outerShdw>
+          </a:effectLst>
+        </a:effectStyle>
+        <a:effectStyle>
+          <a:effectLst>
+            <a:outerShdw blurRad="40000" dist="23000" dir="5400000" rotWithShape="0">
+              <a:srgbClr val="000000">
+                <a:alpha val="35000"/>
+              </a:srgbClr>
+            </a:outerShdw>
+          </a:effectLst>
+        </a:effectStyle>
+        <a:effectStyle>
+          <a:effectLst>
+            <a:outerShdw blurRad="40000" dist="23000" dir="5400000" rotWithShape="0">
+              <a:srgbClr val="000000">
+                <a:alpha val="35000"/>
+              </a:srgbClr>
+            </a:outerShdw>
+          </a:effectLst>
+          <a:scene3d>
+            <a:camera prst="orthographicFront">
+              <a:rot lat="0" lon="0" rev="0"/>
+            </a:camera>
+            <a:lightRig rig="threePt" dir="t">
+              <a:rot lat="0" lon="0" rev="1200000"/>
+            </a:lightRig>
+          </a:scene3d>
+          <a:sp3d>
+            <a:bevelT w="63500" h="25400"/>
+          </a:sp3d>
+        </a:effectStyle>
+      </a:effectStyleLst>
+      <a:bgFillStyleLst>
+        <a:solidFill>
+          <a:schemeClr val="phClr"/>
+        </a:solidFill>
+        <a:gradFill rotWithShape="1">
+          <a:gsLst>
+            <a:gs pos="0">
+              <a:schemeClr val="phClr">
+                <a:tint val="40000"/>
+                <a:satMod val="350000"/>
+              </a:schemeClr>
+            </a:gs>
+            <a:gs pos="40000">
+              <a:schemeClr val="phClr">
+                <a:tint val="45000"/>
+                <a:shade val="99000"/>
+                <a:satMod val="350000"/>
+              </a:schemeClr>
+            </a:gs>
+            <a:gs pos="100000">
+              <a:schemeClr val="phClr">
+                <a:shade val="20000"/>
+                <a:satMod val="255000"/>
+              </a:schemeClr>
+            </a:gs>
+          </a:gsLst>
+          <a:path path="circle">
+            <a:fillToRect l="50000" t="-80000" r="50000" b="180000"/>
+          </a:path>
+        </a:gradFill>
+        <a:gradFill rotWithShape="1">
+          <a:gsLst>
+            <a:gs pos="0">
+              <a:schemeClr val="phClr">
+                <a:tint val="80000"/>
+                <a:satMod val="300000"/>
+              </a:schemeClr>
+            </a:gs>
+            <a:gs pos="100000">
+              <a:schemeClr val="phClr">
+                <a:shade val="30000"/>
+                <a:satMod val="200000"/>
+              </a:schemeClr>
+            </a:gs>
+          </a:gsLst>
+          <a:path path="circle">
+            <a:fillToRect l="50000" t="50000" r="50000" b="50000"/>
+          </a:path>
+        </a:gradFill>
+      </a:bgFillStyleLst>
+    </a:fmtScheme>
+  </a:themeElements>
+  <a:objectDefaults/>
+  <a:extraClrSchemeLst/>
+</a:theme>
+</file>
+
+<file path=ppt/theme/theme2.xml><?xml version="1.0" encoding="utf-8"?>
+<a:theme xmlns:a="http://schemas.openxmlformats.org/drawingml/2006/main" name="1_ETEP">
+  <a:themeElements>
+    <a:clrScheme name="Escritório">
+      <a:dk1>
+        <a:sysClr val="windowText" lastClr="000000"/>
+      </a:dk1>
+      <a:lt1>
+        <a:sysClr val="window" lastClr="FFFFFF"/>
+      </a:lt1>
+      <a:dk2>
+        <a:srgbClr val="1F497D"/>
+      </a:dk2>
+      <a:lt2>
+        <a:srgbClr val="EEECE1"/>
+      </a:lt2>
+      <a:accent1>
+        <a:srgbClr val="4F81BD"/>
+      </a:accent1>
+      <a:accent2>
+        <a:srgbClr val="C0504D"/>
+      </a:accent2>
+      <a:accent3>
+        <a:srgbClr val="9BBB59"/>
+      </a:accent3>
+      <a:accent4>
+        <a:srgbClr val="8064A2"/>
+      </a:accent4>
+      <a:accent5>
+        <a:srgbClr val="4BACC6"/>
+      </a:accent5>
+      <a:accent6>
+        <a:srgbClr val="F79646"/>
+      </a:accent6>
+      <a:hlink>
+        <a:srgbClr val="0000FF"/>
+      </a:hlink>
+      <a:folHlink>
+        <a:srgbClr val="800080"/>
+      </a:folHlink>
+    </a:clrScheme>
+    <a:fontScheme name="Escritório">
+      <a:majorFont>
+        <a:latin typeface="Calibri"/>
+        <a:ea typeface=""/>
+        <a:cs typeface=""/>
+        <a:font script="Jpan" typeface="ＭＳ Ｐゴシック"/>
+        <a:font script="Hang" typeface="맑은 고딕"/>
+        <a:font script="Hans" typeface="宋体"/>
+        <a:font script="Hant" typeface="新細明體"/>
+        <a:font script="Arab" typeface="Times New Roman"/>
+        <a:font script="Hebr" typeface="Times New Roman"/>
+        <a:font script="Thai" typeface="Angsana New"/>
+        <a:font script="Ethi" typeface="Nyala"/>
+        <a:font script="Beng" typeface="Vrinda"/>
+        <a:font script="Gujr" typeface="Shruti"/>
+        <a:font script="Khmr" typeface="MoolBoran"/>
+        <a:font script="Knda" typeface="Tunga"/>
+        <a:font script="Guru" typeface="Raavi"/>
+        <a:font script="Cans" typeface="Euphemia"/>
+        <a:font script="Cher" typeface="Plantagenet Cherokee"/>
+        <a:font script="Yiii" typeface="Microsoft Yi Baiti"/>
+        <a:font script="Tibt" typeface="Microsoft Himalaya"/>
+        <a:font script="Thaa" typeface="MV Boli"/>
+        <a:font script="Deva" typeface="Mangal"/>
+        <a:font script="Telu" typeface="Gautami"/>
+        <a:font script="Taml" typeface="Latha"/>
+        <a:font script="Syrc" typeface="Estrangelo Edessa"/>
+        <a:font script="Orya" typeface="Kalinga"/>
+        <a:font script="Mlym" typeface="Kartika"/>
+        <a:font script="Laoo" typeface="DokChampa"/>
+        <a:font script="Sinh" typeface="Iskoola Pota"/>
+        <a:font script="Mong" typeface="Mongolian Baiti"/>
+        <a:font script="Viet" typeface="Times New Roman"/>
+        <a:font script="Uigh" typeface="Microsoft Uighur"/>
+      </a:majorFont>
+      <a:minorFont>
+        <a:latin typeface="Calibri"/>
+        <a:ea typeface=""/>
+        <a:cs typeface=""/>
+        <a:font script="Jpan" typeface="ＭＳ Ｐゴシック"/>
+        <a:font script="Hang" typeface="맑은 고딕"/>
+        <a:font script="Hans" typeface="宋体"/>
+        <a:font script="Hant" typeface="新細明體"/>
+        <a:font script="Arab" typeface="Arial"/>
+        <a:font script="Hebr" typeface="Arial"/>
+        <a:font script="Thai" typeface="Cordia New"/>
+        <a:font script="Ethi" typeface="Nyala"/>
+        <a:font script="Beng" typeface="Vrinda"/>
+        <a:font script="Gujr" typeface="Shruti"/>
+        <a:font script="Khmr" typeface="DaunPenh"/>
+        <a:font script="Knda" typeface="Tunga"/>
+        <a:font script="Guru" typeface="Raavi"/>
+        <a:font script="Cans" typeface="Euphemia"/>
+        <a:font script="Cher" typeface="Plantagenet Cherokee"/>
+        <a:font script="Yiii" typeface="Microsoft Yi Baiti"/>
+        <a:font script="Tibt" typeface="Microsoft Himalaya"/>
+        <a:font script="Thaa" typeface="MV Boli"/>
+        <a:font script="Deva" typeface="Mangal"/>
+        <a:font script="Telu" typeface="Gautami"/>
+        <a:font script="Taml" typeface="Latha"/>
+        <a:font script="Syrc" typeface="Estrangelo Edessa"/>
+        <a:font script="Orya" typeface="Kalinga"/>
+        <a:font script="Mlym" typeface="Kartika"/>
+        <a:font script="Laoo" typeface="DokChampa"/>
+        <a:font script="Sinh" typeface="Iskoola Pota"/>
+        <a:font script="Mong" typeface="Mongolian Baiti"/>
+        <a:font script="Viet" typeface="Arial"/>
+        <a:font script="Uigh" typeface="Microsoft Uighur"/>
+      </a:minorFont>
+    </a:fontScheme>
+    <a:fmtScheme name="Escritório">
+      <a:fillStyleLst>
+        <a:solidFill>
+          <a:schemeClr val="phClr"/>
+        </a:solidFill>
+        <a:gradFill rotWithShape="1">
+          <a:gsLst>
+            <a:gs pos="0">
+              <a:schemeClr val="phClr">
+                <a:tint val="50000"/>
+                <a:satMod val="300000"/>
+              </a:schemeClr>
+            </a:gs>
+            <a:gs pos="35000">
+              <a:schemeClr val="phClr">
+                <a:tint val="37000"/>
+                <a:satMod val="300000"/>
+              </a:schemeClr>
+            </a:gs>
+            <a:gs pos="100000">
+              <a:schemeClr val="phClr">
+                <a:tint val="15000"/>
+                <a:satMod val="350000"/>
+              </a:schemeClr>
+            </a:gs>
+          </a:gsLst>
+          <a:lin ang="16200000" scaled="1"/>
+        </a:gradFill>
+        <a:gradFill rotWithShape="1">
+          <a:gsLst>
+            <a:gs pos="0">
+              <a:schemeClr val="phClr">
+                <a:shade val="51000"/>
+                <a:satMod val="130000"/>
+              </a:schemeClr>
+            </a:gs>
+            <a:gs pos="80000">
+              <a:schemeClr val="phClr">
+                <a:shade val="93000"/>
+                <a:satMod val="130000"/>
+              </a:schemeClr>
+            </a:gs>
+            <a:gs pos="100000">
+              <a:schemeClr val="phClr">
+                <a:shade val="94000"/>
+                <a:satMod val="135000"/>
+              </a:schemeClr>
+            </a:gs>
+          </a:gsLst>
+          <a:lin ang="16200000" scaled="0"/>
+        </a:gradFill>
+      </a:fillStyleLst>
+      <a:lnStyleLst>
+        <a:ln w="9525" cap="flat" cmpd="sng" algn="ctr">
+          <a:solidFill>
+            <a:schemeClr val="phClr">
+              <a:shade val="95000"/>
+              <a:satMod val="105000"/>
+            </a:schemeClr>
+          </a:solidFill>
+          <a:prstDash val="solid"/>
+        </a:ln>
+        <a:ln w="25400" cap="flat" cmpd="sng" algn="ctr">
+          <a:solidFill>
+            <a:schemeClr val="phClr"/>
+          </a:solidFill>
+          <a:prstDash val="solid"/>
+        </a:ln>
+        <a:ln w="38100" cap="flat" cmpd="sng" algn="ctr">
+          <a:solidFill>
+            <a:schemeClr val="phClr"/>
+          </a:solidFill>
+          <a:prstDash val="solid"/>
+        </a:ln>
+      </a:lnStyleLst>
+      <a:effectStyleLst>
+        <a:effectStyle>
+          <a:effectLst>
+            <a:outerShdw blurRad="40000" dist="20000" dir="5400000" rotWithShape="0">
+              <a:srgbClr val="000000">
+                <a:alpha val="38000"/>
+              </a:srgbClr>
+            </a:outerShdw>
+          </a:effectLst>
+        </a:effectStyle>
+        <a:effectStyle>
+          <a:effectLst>
+            <a:outerShdw blurRad="40000" dist="23000" dir="5400000" rotWithShape="0">
+              <a:srgbClr val="000000">
+                <a:alpha val="35000"/>
+              </a:srgbClr>
+            </a:outerShdw>
+          </a:effectLst>
+        </a:effectStyle>
+        <a:effectStyle>
+          <a:effectLst>
+            <a:outerShdw blurRad="40000" dist="23000" dir="5400000" rotWithShape="0">
+              <a:srgbClr val="000000">
+                <a:alpha val="35000"/>
+              </a:srgbClr>
+            </a:outerShdw>
+          </a:effectLst>
+          <a:scene3d>
+            <a:camera prst="orthographicFront">
+              <a:rot lat="0" lon="0" rev="0"/>
+            </a:camera>
+            <a:lightRig rig="threePt" dir="t">
+              <a:rot lat="0" lon="0" rev="1200000"/>
+            </a:lightRig>
+          </a:scene3d>
+          <a:sp3d>
+            <a:bevelT w="63500" h="25400"/>
+          </a:sp3d>
+        </a:effectStyle>
+      </a:effectStyleLst>
+      <a:bgFillStyleLst>
+        <a:solidFill>
+          <a:schemeClr val="phClr"/>
+        </a:solidFill>
+        <a:gradFill rotWithShape="1">
+          <a:gsLst>
+            <a:gs pos="0">
+              <a:schemeClr val="phClr">
+                <a:tint val="40000"/>
+                <a:satMod val="350000"/>
+              </a:schemeClr>
+            </a:gs>
+            <a:gs pos="40000">
+              <a:schemeClr val="phClr">
+                <a:tint val="45000"/>
+                <a:shade val="99000"/>
+                <a:satMod val="350000"/>
+              </a:schemeClr>
+            </a:gs>
+            <a:gs pos="100000">
+              <a:schemeClr val="phClr">
+                <a:shade val="20000"/>
+                <a:satMod val="255000"/>
+              </a:schemeClr>
+            </a:gs>
+          </a:gsLst>
+          <a:path path="circle">
+            <a:fillToRect l="50000" t="-80000" r="50000" b="180000"/>
+          </a:path>
+        </a:gradFill>
+        <a:gradFill rotWithShape="1">
+          <a:gsLst>
+            <a:gs pos="0">
+              <a:schemeClr val="phClr">
+                <a:tint val="80000"/>
+                <a:satMod val="300000"/>
+              </a:schemeClr>
+            </a:gs>
+            <a:gs pos="100000">
+              <a:schemeClr val="phClr">
+                <a:shade val="30000"/>
+                <a:satMod val="200000"/>
+              </a:schemeClr>
+            </a:gs>
+          </a:gsLst>
+          <a:path path="circle">
+            <a:fillToRect l="50000" t="50000" r="50000" b="50000"/>
+          </a:path>
+        </a:gradFill>
+      </a:bgFillStyleLst>
+    </a:fmtScheme>
+  </a:themeElements>
+  <a:objectDefaults/>
+  <a:extraClrSchemeLst/>
+</a:theme>
+</file>
+
+<file path=ppt/theme/theme3.xml><?xml version="1.0" encoding="utf-8"?>
 <a:theme xmlns:a="http://schemas.openxmlformats.org/drawingml/2006/main" name="Office Theme">
   <a:themeElements>
     <a:clrScheme name="Office">
@@ -7453,322 +11873,948 @@
 </a:theme>
 </file>
 
-<file path=ppt/theme/theme2.xml><?xml version="1.0" encoding="utf-8"?>
-<a:theme xmlns:a="http://schemas.openxmlformats.org/drawingml/2006/main" name="Office Theme">
-  <a:themeElements>
-    <a:clrScheme name="Office">
-      <a:dk1>
-        <a:sysClr val="windowText" lastClr="000000"/>
-      </a:dk1>
-      <a:lt1>
-        <a:sysClr val="window" lastClr="FFFFFF"/>
-      </a:lt1>
-      <a:dk2>
-        <a:srgbClr val="1F497D"/>
-      </a:dk2>
-      <a:lt2>
-        <a:srgbClr val="EEECE1"/>
-      </a:lt2>
-      <a:accent1>
-        <a:srgbClr val="4F81BD"/>
-      </a:accent1>
-      <a:accent2>
-        <a:srgbClr val="C0504D"/>
-      </a:accent2>
-      <a:accent3>
-        <a:srgbClr val="9BBB59"/>
-      </a:accent3>
-      <a:accent4>
-        <a:srgbClr val="8064A2"/>
-      </a:accent4>
-      <a:accent5>
-        <a:srgbClr val="4BACC6"/>
-      </a:accent5>
-      <a:accent6>
-        <a:srgbClr val="F79646"/>
-      </a:accent6>
-      <a:hlink>
-        <a:srgbClr val="0000FF"/>
-      </a:hlink>
-      <a:folHlink>
-        <a:srgbClr val="800080"/>
-      </a:folHlink>
-    </a:clrScheme>
-    <a:fontScheme name="Office">
-      <a:majorFont>
-        <a:latin typeface="Calibri"/>
-        <a:ea typeface=""/>
-        <a:cs typeface=""/>
-        <a:font script="Jpan" typeface="ＭＳ Ｐゴシック"/>
-        <a:font script="Hang" typeface="맑은 고딕"/>
-        <a:font script="Hans" typeface="宋体"/>
-        <a:font script="Hant" typeface="新細明體"/>
-        <a:font script="Arab" typeface="Times New Roman"/>
-        <a:font script="Hebr" typeface="Times New Roman"/>
-        <a:font script="Thai" typeface="Angsana New"/>
-        <a:font script="Ethi" typeface="Nyala"/>
-        <a:font script="Beng" typeface="Vrinda"/>
-        <a:font script="Gujr" typeface="Shruti"/>
-        <a:font script="Khmr" typeface="MoolBoran"/>
-        <a:font script="Knda" typeface="Tunga"/>
-        <a:font script="Guru" typeface="Raavi"/>
-        <a:font script="Cans" typeface="Euphemia"/>
-        <a:font script="Cher" typeface="Plantagenet Cherokee"/>
-        <a:font script="Yiii" typeface="Microsoft Yi Baiti"/>
-        <a:font script="Tibt" typeface="Microsoft Himalaya"/>
-        <a:font script="Thaa" typeface="MV Boli"/>
-        <a:font script="Deva" typeface="Mangal"/>
-        <a:font script="Telu" typeface="Gautami"/>
-        <a:font script="Taml" typeface="Latha"/>
-        <a:font script="Syrc" typeface="Estrangelo Edessa"/>
-        <a:font script="Orya" typeface="Kalinga"/>
-        <a:font script="Mlym" typeface="Kartika"/>
-        <a:font script="Laoo" typeface="DokChampa"/>
-        <a:font script="Sinh" typeface="Iskoola Pota"/>
-        <a:font script="Mong" typeface="Mongolian Baiti"/>
-        <a:font script="Viet" typeface="Times New Roman"/>
-        <a:font script="Uigh" typeface="Microsoft Uighur"/>
-        <a:font script="Geor" typeface="Sylfaen"/>
-      </a:majorFont>
-      <a:minorFont>
-        <a:latin typeface="Calibri"/>
-        <a:ea typeface=""/>
-        <a:cs typeface=""/>
-        <a:font script="Jpan" typeface="ＭＳ Ｐゴシック"/>
-        <a:font script="Hang" typeface="맑은 고딕"/>
-        <a:font script="Hans" typeface="宋体"/>
-        <a:font script="Hant" typeface="新細明體"/>
-        <a:font script="Arab" typeface="Arial"/>
-        <a:font script="Hebr" typeface="Arial"/>
-        <a:font script="Thai" typeface="Cordia New"/>
-        <a:font script="Ethi" typeface="Nyala"/>
-        <a:font script="Beng" typeface="Vrinda"/>
-        <a:font script="Gujr" typeface="Shruti"/>
-        <a:font script="Khmr" typeface="DaunPenh"/>
-        <a:font script="Knda" typeface="Tunga"/>
-        <a:font script="Guru" typeface="Raavi"/>
-        <a:font script="Cans" typeface="Euphemia"/>
-        <a:font script="Cher" typeface="Plantagenet Cherokee"/>
-        <a:font script="Yiii" typeface="Microsoft Yi Baiti"/>
-        <a:font script="Tibt" typeface="Microsoft Himalaya"/>
-        <a:font script="Thaa" typeface="MV Boli"/>
-        <a:font script="Deva" typeface="Mangal"/>
-        <a:font script="Telu" typeface="Gautami"/>
-        <a:font script="Taml" typeface="Latha"/>
-        <a:font script="Syrc" typeface="Estrangelo Edessa"/>
-        <a:font script="Orya" typeface="Kalinga"/>
-        <a:font script="Mlym" typeface="Kartika"/>
-        <a:font script="Laoo" typeface="DokChampa"/>
-        <a:font script="Sinh" typeface="Iskoola Pota"/>
-        <a:font script="Mong" typeface="Mongolian Baiti"/>
-        <a:font script="Viet" typeface="Arial"/>
-        <a:font script="Uigh" typeface="Microsoft Uighur"/>
-        <a:font script="Geor" typeface="Sylfaen"/>
-      </a:minorFont>
-    </a:fontScheme>
-    <a:fmtScheme name="Office">
-      <a:fillStyleLst>
-        <a:solidFill>
-          <a:schemeClr val="phClr"/>
-        </a:solidFill>
-        <a:gradFill rotWithShape="1">
-          <a:gsLst>
-            <a:gs pos="0">
-              <a:schemeClr val="phClr">
-                <a:tint val="50000"/>
-                <a:satMod val="300000"/>
-              </a:schemeClr>
-            </a:gs>
-            <a:gs pos="35000">
-              <a:schemeClr val="phClr">
-                <a:tint val="37000"/>
-                <a:satMod val="300000"/>
-              </a:schemeClr>
-            </a:gs>
-            <a:gs pos="100000">
-              <a:schemeClr val="phClr">
-                <a:tint val="15000"/>
-                <a:satMod val="350000"/>
-              </a:schemeClr>
-            </a:gs>
-          </a:gsLst>
-          <a:lin ang="16200000" scaled="1"/>
-        </a:gradFill>
-        <a:gradFill rotWithShape="1">
-          <a:gsLst>
-            <a:gs pos="0">
-              <a:schemeClr val="phClr">
-                <a:tint val="100000"/>
-                <a:shade val="100000"/>
-                <a:satMod val="130000"/>
-              </a:schemeClr>
-            </a:gs>
-            <a:gs pos="100000">
-              <a:schemeClr val="phClr">
-                <a:tint val="50000"/>
-                <a:shade val="100000"/>
-                <a:satMod val="350000"/>
-              </a:schemeClr>
-            </a:gs>
-          </a:gsLst>
-          <a:lin ang="16200000" scaled="0"/>
-        </a:gradFill>
-      </a:fillStyleLst>
-      <a:lnStyleLst>
-        <a:ln w="9525" cap="flat" cmpd="sng" algn="ctr">
-          <a:solidFill>
-            <a:schemeClr val="phClr">
-              <a:shade val="95000"/>
-              <a:satMod val="105000"/>
-            </a:schemeClr>
-          </a:solidFill>
-          <a:prstDash val="solid"/>
-        </a:ln>
-        <a:ln w="25400" cap="flat" cmpd="sng" algn="ctr">
-          <a:solidFill>
-            <a:schemeClr val="phClr"/>
-          </a:solidFill>
-          <a:prstDash val="solid"/>
-        </a:ln>
-        <a:ln w="38100" cap="flat" cmpd="sng" algn="ctr">
-          <a:solidFill>
-            <a:schemeClr val="phClr"/>
-          </a:solidFill>
-          <a:prstDash val="solid"/>
-        </a:ln>
-      </a:lnStyleLst>
-      <a:effectStyleLst>
-        <a:effectStyle>
-          <a:effectLst>
-            <a:outerShdw blurRad="40000" dist="20000" dir="5400000" rotWithShape="0">
-              <a:srgbClr val="000000">
-                <a:alpha val="38000"/>
-              </a:srgbClr>
-            </a:outerShdw>
-          </a:effectLst>
-        </a:effectStyle>
-        <a:effectStyle>
-          <a:effectLst>
-            <a:outerShdw blurRad="40000" dist="23000" dir="5400000" rotWithShape="0">
-              <a:srgbClr val="000000">
-                <a:alpha val="35000"/>
-              </a:srgbClr>
-            </a:outerShdw>
-          </a:effectLst>
-        </a:effectStyle>
-        <a:effectStyle>
-          <a:effectLst>
-            <a:outerShdw blurRad="40000" dist="23000" dir="5400000" rotWithShape="0">
-              <a:srgbClr val="000000">
-                <a:alpha val="35000"/>
-              </a:srgbClr>
-            </a:outerShdw>
-          </a:effectLst>
-          <a:scene3d>
-            <a:camera prst="orthographicFront">
-              <a:rot lat="0" lon="0" rev="0"/>
-            </a:camera>
-            <a:lightRig rig="threePt" dir="t">
-              <a:rot lat="0" lon="0" rev="1200000"/>
-            </a:lightRig>
-          </a:scene3d>
-          <a:sp3d>
-            <a:bevelT w="63500" h="25400"/>
-          </a:sp3d>
-        </a:effectStyle>
-      </a:effectStyleLst>
-      <a:bgFillStyleLst>
-        <a:solidFill>
-          <a:schemeClr val="phClr"/>
-        </a:solidFill>
-        <a:gradFill rotWithShape="1">
-          <a:gsLst>
-            <a:gs pos="0">
-              <a:schemeClr val="phClr">
-                <a:tint val="40000"/>
-                <a:satMod val="350000"/>
-              </a:schemeClr>
-            </a:gs>
-            <a:gs pos="40000">
-              <a:schemeClr val="phClr">
-                <a:tint val="45000"/>
-                <a:shade val="99000"/>
-                <a:satMod val="350000"/>
-              </a:schemeClr>
-            </a:gs>
-            <a:gs pos="100000">
-              <a:schemeClr val="phClr">
-                <a:shade val="20000"/>
-                <a:satMod val="255000"/>
-              </a:schemeClr>
-            </a:gs>
-          </a:gsLst>
-          <a:path path="circle">
-            <a:fillToRect l="50000" t="-80000" r="50000" b="180000"/>
-          </a:path>
-        </a:gradFill>
-        <a:gradFill rotWithShape="1">
-          <a:gsLst>
-            <a:gs pos="0">
-              <a:schemeClr val="phClr">
-                <a:tint val="80000"/>
-                <a:satMod val="300000"/>
-              </a:schemeClr>
-            </a:gs>
-            <a:gs pos="100000">
-              <a:schemeClr val="phClr">
-                <a:shade val="30000"/>
-                <a:satMod val="200000"/>
-              </a:schemeClr>
-            </a:gs>
-          </a:gsLst>
-          <a:path path="circle">
-            <a:fillToRect l="50000" t="50000" r="50000" b="50000"/>
-          </a:path>
-        </a:gradFill>
-      </a:bgFillStyleLst>
-    </a:fmtScheme>
-  </a:themeElements>
-  <a:objectDefaults>
-    <a:spDef>
-      <a:spPr/>
-      <a:bodyPr/>
-      <a:lstStyle/>
-      <a:style>
-        <a:lnRef idx="1">
-          <a:schemeClr val="accent1"/>
-        </a:lnRef>
-        <a:fillRef idx="3">
-          <a:schemeClr val="accent1"/>
-        </a:fillRef>
-        <a:effectRef idx="2">
-          <a:schemeClr val="accent1"/>
-        </a:effectRef>
-        <a:fontRef idx="minor">
-          <a:schemeClr val="lt1"/>
-        </a:fontRef>
-      </a:style>
-    </a:spDef>
-    <a:lnDef>
-      <a:spPr/>
-      <a:bodyPr/>
-      <a:lstStyle/>
-      <a:style>
-        <a:lnRef idx="2">
-          <a:schemeClr val="accent1"/>
-        </a:lnRef>
-        <a:fillRef idx="0">
-          <a:schemeClr val="accent1"/>
-        </a:fillRef>
-        <a:effectRef idx="1">
-          <a:schemeClr val="accent1"/>
-        </a:effectRef>
-        <a:fontRef idx="minor">
-          <a:schemeClr val="tx1"/>
-        </a:fontRef>
-      </a:style>
-    </a:lnDef>
-  </a:objectDefaults>
-  <a:extraClrSchemeLst/>
-</a:theme>
+<file path=ppt/theme/themeOverride1.xml><?xml version="1.0" encoding="utf-8"?>
+<a:themeOverride xmlns:a="http://schemas.openxmlformats.org/drawingml/2006/main">
+  <a:clrScheme name="Escritório">
+    <a:dk1>
+      <a:sysClr val="windowText" lastClr="000000"/>
+    </a:dk1>
+    <a:lt1>
+      <a:sysClr val="window" lastClr="FFFFFF"/>
+    </a:lt1>
+    <a:dk2>
+      <a:srgbClr val="1F497D"/>
+    </a:dk2>
+    <a:lt2>
+      <a:srgbClr val="EEECE1"/>
+    </a:lt2>
+    <a:accent1>
+      <a:srgbClr val="4F81BD"/>
+    </a:accent1>
+    <a:accent2>
+      <a:srgbClr val="C0504D"/>
+    </a:accent2>
+    <a:accent3>
+      <a:srgbClr val="9BBB59"/>
+    </a:accent3>
+    <a:accent4>
+      <a:srgbClr val="8064A2"/>
+    </a:accent4>
+    <a:accent5>
+      <a:srgbClr val="4BACC6"/>
+    </a:accent5>
+    <a:accent6>
+      <a:srgbClr val="F79646"/>
+    </a:accent6>
+    <a:hlink>
+      <a:srgbClr val="0000FF"/>
+    </a:hlink>
+    <a:folHlink>
+      <a:srgbClr val="800080"/>
+    </a:folHlink>
+  </a:clrScheme>
+</a:themeOverride>
+</file>
+
+<file path=ppt/theme/themeOverride10.xml><?xml version="1.0" encoding="utf-8"?>
+<a:themeOverride xmlns:a="http://schemas.openxmlformats.org/drawingml/2006/main">
+  <a:clrScheme name="Escritório">
+    <a:dk1>
+      <a:sysClr val="windowText" lastClr="000000"/>
+    </a:dk1>
+    <a:lt1>
+      <a:sysClr val="window" lastClr="FFFFFF"/>
+    </a:lt1>
+    <a:dk2>
+      <a:srgbClr val="1F497D"/>
+    </a:dk2>
+    <a:lt2>
+      <a:srgbClr val="EEECE1"/>
+    </a:lt2>
+    <a:accent1>
+      <a:srgbClr val="4F81BD"/>
+    </a:accent1>
+    <a:accent2>
+      <a:srgbClr val="C0504D"/>
+    </a:accent2>
+    <a:accent3>
+      <a:srgbClr val="9BBB59"/>
+    </a:accent3>
+    <a:accent4>
+      <a:srgbClr val="8064A2"/>
+    </a:accent4>
+    <a:accent5>
+      <a:srgbClr val="4BACC6"/>
+    </a:accent5>
+    <a:accent6>
+      <a:srgbClr val="F79646"/>
+    </a:accent6>
+    <a:hlink>
+      <a:srgbClr val="0000FF"/>
+    </a:hlink>
+    <a:folHlink>
+      <a:srgbClr val="800080"/>
+    </a:folHlink>
+  </a:clrScheme>
+</a:themeOverride>
+</file>
+
+<file path=ppt/theme/themeOverride11.xml><?xml version="1.0" encoding="utf-8"?>
+<a:themeOverride xmlns:a="http://schemas.openxmlformats.org/drawingml/2006/main">
+  <a:clrScheme name="Escritório">
+    <a:dk1>
+      <a:sysClr val="windowText" lastClr="000000"/>
+    </a:dk1>
+    <a:lt1>
+      <a:sysClr val="window" lastClr="FFFFFF"/>
+    </a:lt1>
+    <a:dk2>
+      <a:srgbClr val="1F497D"/>
+    </a:dk2>
+    <a:lt2>
+      <a:srgbClr val="EEECE1"/>
+    </a:lt2>
+    <a:accent1>
+      <a:srgbClr val="4F81BD"/>
+    </a:accent1>
+    <a:accent2>
+      <a:srgbClr val="C0504D"/>
+    </a:accent2>
+    <a:accent3>
+      <a:srgbClr val="9BBB59"/>
+    </a:accent3>
+    <a:accent4>
+      <a:srgbClr val="8064A2"/>
+    </a:accent4>
+    <a:accent5>
+      <a:srgbClr val="4BACC6"/>
+    </a:accent5>
+    <a:accent6>
+      <a:srgbClr val="F79646"/>
+    </a:accent6>
+    <a:hlink>
+      <a:srgbClr val="0000FF"/>
+    </a:hlink>
+    <a:folHlink>
+      <a:srgbClr val="800080"/>
+    </a:folHlink>
+  </a:clrScheme>
+</a:themeOverride>
+</file>
+
+<file path=ppt/theme/themeOverride12.xml><?xml version="1.0" encoding="utf-8"?>
+<a:themeOverride xmlns:a="http://schemas.openxmlformats.org/drawingml/2006/main">
+  <a:clrScheme name="Escritório">
+    <a:dk1>
+      <a:sysClr val="windowText" lastClr="000000"/>
+    </a:dk1>
+    <a:lt1>
+      <a:sysClr val="window" lastClr="FFFFFF"/>
+    </a:lt1>
+    <a:dk2>
+      <a:srgbClr val="1F497D"/>
+    </a:dk2>
+    <a:lt2>
+      <a:srgbClr val="EEECE1"/>
+    </a:lt2>
+    <a:accent1>
+      <a:srgbClr val="4F81BD"/>
+    </a:accent1>
+    <a:accent2>
+      <a:srgbClr val="C0504D"/>
+    </a:accent2>
+    <a:accent3>
+      <a:srgbClr val="9BBB59"/>
+    </a:accent3>
+    <a:accent4>
+      <a:srgbClr val="8064A2"/>
+    </a:accent4>
+    <a:accent5>
+      <a:srgbClr val="4BACC6"/>
+    </a:accent5>
+    <a:accent6>
+      <a:srgbClr val="F79646"/>
+    </a:accent6>
+    <a:hlink>
+      <a:srgbClr val="0000FF"/>
+    </a:hlink>
+    <a:folHlink>
+      <a:srgbClr val="800080"/>
+    </a:folHlink>
+  </a:clrScheme>
+</a:themeOverride>
+</file>
+
+<file path=ppt/theme/themeOverride13.xml><?xml version="1.0" encoding="utf-8"?>
+<a:themeOverride xmlns:a="http://schemas.openxmlformats.org/drawingml/2006/main">
+  <a:clrScheme name="Escritório">
+    <a:dk1>
+      <a:sysClr val="windowText" lastClr="000000"/>
+    </a:dk1>
+    <a:lt1>
+      <a:sysClr val="window" lastClr="FFFFFF"/>
+    </a:lt1>
+    <a:dk2>
+      <a:srgbClr val="1F497D"/>
+    </a:dk2>
+    <a:lt2>
+      <a:srgbClr val="EEECE1"/>
+    </a:lt2>
+    <a:accent1>
+      <a:srgbClr val="4F81BD"/>
+    </a:accent1>
+    <a:accent2>
+      <a:srgbClr val="C0504D"/>
+    </a:accent2>
+    <a:accent3>
+      <a:srgbClr val="9BBB59"/>
+    </a:accent3>
+    <a:accent4>
+      <a:srgbClr val="8064A2"/>
+    </a:accent4>
+    <a:accent5>
+      <a:srgbClr val="4BACC6"/>
+    </a:accent5>
+    <a:accent6>
+      <a:srgbClr val="F79646"/>
+    </a:accent6>
+    <a:hlink>
+      <a:srgbClr val="0000FF"/>
+    </a:hlink>
+    <a:folHlink>
+      <a:srgbClr val="800080"/>
+    </a:folHlink>
+  </a:clrScheme>
+</a:themeOverride>
+</file>
+
+<file path=ppt/theme/themeOverride14.xml><?xml version="1.0" encoding="utf-8"?>
+<a:themeOverride xmlns:a="http://schemas.openxmlformats.org/drawingml/2006/main">
+  <a:clrScheme name="Escritório">
+    <a:dk1>
+      <a:sysClr val="windowText" lastClr="000000"/>
+    </a:dk1>
+    <a:lt1>
+      <a:sysClr val="window" lastClr="FFFFFF"/>
+    </a:lt1>
+    <a:dk2>
+      <a:srgbClr val="1F497D"/>
+    </a:dk2>
+    <a:lt2>
+      <a:srgbClr val="EEECE1"/>
+    </a:lt2>
+    <a:accent1>
+      <a:srgbClr val="4F81BD"/>
+    </a:accent1>
+    <a:accent2>
+      <a:srgbClr val="C0504D"/>
+    </a:accent2>
+    <a:accent3>
+      <a:srgbClr val="9BBB59"/>
+    </a:accent3>
+    <a:accent4>
+      <a:srgbClr val="8064A2"/>
+    </a:accent4>
+    <a:accent5>
+      <a:srgbClr val="4BACC6"/>
+    </a:accent5>
+    <a:accent6>
+      <a:srgbClr val="F79646"/>
+    </a:accent6>
+    <a:hlink>
+      <a:srgbClr val="0000FF"/>
+    </a:hlink>
+    <a:folHlink>
+      <a:srgbClr val="800080"/>
+    </a:folHlink>
+  </a:clrScheme>
+</a:themeOverride>
+</file>
+
+<file path=ppt/theme/themeOverride15.xml><?xml version="1.0" encoding="utf-8"?>
+<a:themeOverride xmlns:a="http://schemas.openxmlformats.org/drawingml/2006/main">
+  <a:clrScheme name="Escritório">
+    <a:dk1>
+      <a:sysClr val="windowText" lastClr="000000"/>
+    </a:dk1>
+    <a:lt1>
+      <a:sysClr val="window" lastClr="FFFFFF"/>
+    </a:lt1>
+    <a:dk2>
+      <a:srgbClr val="1F497D"/>
+    </a:dk2>
+    <a:lt2>
+      <a:srgbClr val="EEECE1"/>
+    </a:lt2>
+    <a:accent1>
+      <a:srgbClr val="4F81BD"/>
+    </a:accent1>
+    <a:accent2>
+      <a:srgbClr val="C0504D"/>
+    </a:accent2>
+    <a:accent3>
+      <a:srgbClr val="9BBB59"/>
+    </a:accent3>
+    <a:accent4>
+      <a:srgbClr val="8064A2"/>
+    </a:accent4>
+    <a:accent5>
+      <a:srgbClr val="4BACC6"/>
+    </a:accent5>
+    <a:accent6>
+      <a:srgbClr val="F79646"/>
+    </a:accent6>
+    <a:hlink>
+      <a:srgbClr val="0000FF"/>
+    </a:hlink>
+    <a:folHlink>
+      <a:srgbClr val="800080"/>
+    </a:folHlink>
+  </a:clrScheme>
+</a:themeOverride>
+</file>
+
+<file path=ppt/theme/themeOverride16.xml><?xml version="1.0" encoding="utf-8"?>
+<a:themeOverride xmlns:a="http://schemas.openxmlformats.org/drawingml/2006/main">
+  <a:clrScheme name="Escritório">
+    <a:dk1>
+      <a:sysClr val="windowText" lastClr="000000"/>
+    </a:dk1>
+    <a:lt1>
+      <a:sysClr val="window" lastClr="FFFFFF"/>
+    </a:lt1>
+    <a:dk2>
+      <a:srgbClr val="1F497D"/>
+    </a:dk2>
+    <a:lt2>
+      <a:srgbClr val="EEECE1"/>
+    </a:lt2>
+    <a:accent1>
+      <a:srgbClr val="4F81BD"/>
+    </a:accent1>
+    <a:accent2>
+      <a:srgbClr val="C0504D"/>
+    </a:accent2>
+    <a:accent3>
+      <a:srgbClr val="9BBB59"/>
+    </a:accent3>
+    <a:accent4>
+      <a:srgbClr val="8064A2"/>
+    </a:accent4>
+    <a:accent5>
+      <a:srgbClr val="4BACC6"/>
+    </a:accent5>
+    <a:accent6>
+      <a:srgbClr val="F79646"/>
+    </a:accent6>
+    <a:hlink>
+      <a:srgbClr val="0000FF"/>
+    </a:hlink>
+    <a:folHlink>
+      <a:srgbClr val="800080"/>
+    </a:folHlink>
+  </a:clrScheme>
+</a:themeOverride>
+</file>
+
+<file path=ppt/theme/themeOverride17.xml><?xml version="1.0" encoding="utf-8"?>
+<a:themeOverride xmlns:a="http://schemas.openxmlformats.org/drawingml/2006/main">
+  <a:clrScheme name="Escritório">
+    <a:dk1>
+      <a:sysClr val="windowText" lastClr="000000"/>
+    </a:dk1>
+    <a:lt1>
+      <a:sysClr val="window" lastClr="FFFFFF"/>
+    </a:lt1>
+    <a:dk2>
+      <a:srgbClr val="1F497D"/>
+    </a:dk2>
+    <a:lt2>
+      <a:srgbClr val="EEECE1"/>
+    </a:lt2>
+    <a:accent1>
+      <a:srgbClr val="4F81BD"/>
+    </a:accent1>
+    <a:accent2>
+      <a:srgbClr val="C0504D"/>
+    </a:accent2>
+    <a:accent3>
+      <a:srgbClr val="9BBB59"/>
+    </a:accent3>
+    <a:accent4>
+      <a:srgbClr val="8064A2"/>
+    </a:accent4>
+    <a:accent5>
+      <a:srgbClr val="4BACC6"/>
+    </a:accent5>
+    <a:accent6>
+      <a:srgbClr val="F79646"/>
+    </a:accent6>
+    <a:hlink>
+      <a:srgbClr val="0000FF"/>
+    </a:hlink>
+    <a:folHlink>
+      <a:srgbClr val="800080"/>
+    </a:folHlink>
+  </a:clrScheme>
+</a:themeOverride>
+</file>
+
+<file path=ppt/theme/themeOverride18.xml><?xml version="1.0" encoding="utf-8"?>
+<a:themeOverride xmlns:a="http://schemas.openxmlformats.org/drawingml/2006/main">
+  <a:clrScheme name="Escritório">
+    <a:dk1>
+      <a:sysClr val="windowText" lastClr="000000"/>
+    </a:dk1>
+    <a:lt1>
+      <a:sysClr val="window" lastClr="FFFFFF"/>
+    </a:lt1>
+    <a:dk2>
+      <a:srgbClr val="1F497D"/>
+    </a:dk2>
+    <a:lt2>
+      <a:srgbClr val="EEECE1"/>
+    </a:lt2>
+    <a:accent1>
+      <a:srgbClr val="4F81BD"/>
+    </a:accent1>
+    <a:accent2>
+      <a:srgbClr val="C0504D"/>
+    </a:accent2>
+    <a:accent3>
+      <a:srgbClr val="9BBB59"/>
+    </a:accent3>
+    <a:accent4>
+      <a:srgbClr val="8064A2"/>
+    </a:accent4>
+    <a:accent5>
+      <a:srgbClr val="4BACC6"/>
+    </a:accent5>
+    <a:accent6>
+      <a:srgbClr val="F79646"/>
+    </a:accent6>
+    <a:hlink>
+      <a:srgbClr val="0000FF"/>
+    </a:hlink>
+    <a:folHlink>
+      <a:srgbClr val="800080"/>
+    </a:folHlink>
+  </a:clrScheme>
+</a:themeOverride>
+</file>
+
+<file path=ppt/theme/themeOverride19.xml><?xml version="1.0" encoding="utf-8"?>
+<a:themeOverride xmlns:a="http://schemas.openxmlformats.org/drawingml/2006/main">
+  <a:clrScheme name="Escritório">
+    <a:dk1>
+      <a:sysClr val="windowText" lastClr="000000"/>
+    </a:dk1>
+    <a:lt1>
+      <a:sysClr val="window" lastClr="FFFFFF"/>
+    </a:lt1>
+    <a:dk2>
+      <a:srgbClr val="1F497D"/>
+    </a:dk2>
+    <a:lt2>
+      <a:srgbClr val="EEECE1"/>
+    </a:lt2>
+    <a:accent1>
+      <a:srgbClr val="4F81BD"/>
+    </a:accent1>
+    <a:accent2>
+      <a:srgbClr val="C0504D"/>
+    </a:accent2>
+    <a:accent3>
+      <a:srgbClr val="9BBB59"/>
+    </a:accent3>
+    <a:accent4>
+      <a:srgbClr val="8064A2"/>
+    </a:accent4>
+    <a:accent5>
+      <a:srgbClr val="4BACC6"/>
+    </a:accent5>
+    <a:accent6>
+      <a:srgbClr val="F79646"/>
+    </a:accent6>
+    <a:hlink>
+      <a:srgbClr val="0000FF"/>
+    </a:hlink>
+    <a:folHlink>
+      <a:srgbClr val="800080"/>
+    </a:folHlink>
+  </a:clrScheme>
+</a:themeOverride>
+</file>
+
+<file path=ppt/theme/themeOverride2.xml><?xml version="1.0" encoding="utf-8"?>
+<a:themeOverride xmlns:a="http://schemas.openxmlformats.org/drawingml/2006/main">
+  <a:clrScheme name="Escritório">
+    <a:dk1>
+      <a:sysClr val="windowText" lastClr="000000"/>
+    </a:dk1>
+    <a:lt1>
+      <a:sysClr val="window" lastClr="FFFFFF"/>
+    </a:lt1>
+    <a:dk2>
+      <a:srgbClr val="1F497D"/>
+    </a:dk2>
+    <a:lt2>
+      <a:srgbClr val="EEECE1"/>
+    </a:lt2>
+    <a:accent1>
+      <a:srgbClr val="4F81BD"/>
+    </a:accent1>
+    <a:accent2>
+      <a:srgbClr val="C0504D"/>
+    </a:accent2>
+    <a:accent3>
+      <a:srgbClr val="9BBB59"/>
+    </a:accent3>
+    <a:accent4>
+      <a:srgbClr val="8064A2"/>
+    </a:accent4>
+    <a:accent5>
+      <a:srgbClr val="4BACC6"/>
+    </a:accent5>
+    <a:accent6>
+      <a:srgbClr val="F79646"/>
+    </a:accent6>
+    <a:hlink>
+      <a:srgbClr val="0000FF"/>
+    </a:hlink>
+    <a:folHlink>
+      <a:srgbClr val="800080"/>
+    </a:folHlink>
+  </a:clrScheme>
+</a:themeOverride>
+</file>
+
+<file path=ppt/theme/themeOverride20.xml><?xml version="1.0" encoding="utf-8"?>
+<a:themeOverride xmlns:a="http://schemas.openxmlformats.org/drawingml/2006/main">
+  <a:clrScheme name="Escritório">
+    <a:dk1>
+      <a:sysClr val="windowText" lastClr="000000"/>
+    </a:dk1>
+    <a:lt1>
+      <a:sysClr val="window" lastClr="FFFFFF"/>
+    </a:lt1>
+    <a:dk2>
+      <a:srgbClr val="1F497D"/>
+    </a:dk2>
+    <a:lt2>
+      <a:srgbClr val="EEECE1"/>
+    </a:lt2>
+    <a:accent1>
+      <a:srgbClr val="4F81BD"/>
+    </a:accent1>
+    <a:accent2>
+      <a:srgbClr val="C0504D"/>
+    </a:accent2>
+    <a:accent3>
+      <a:srgbClr val="9BBB59"/>
+    </a:accent3>
+    <a:accent4>
+      <a:srgbClr val="8064A2"/>
+    </a:accent4>
+    <a:accent5>
+      <a:srgbClr val="4BACC6"/>
+    </a:accent5>
+    <a:accent6>
+      <a:srgbClr val="F79646"/>
+    </a:accent6>
+    <a:hlink>
+      <a:srgbClr val="0000FF"/>
+    </a:hlink>
+    <a:folHlink>
+      <a:srgbClr val="800080"/>
+    </a:folHlink>
+  </a:clrScheme>
+</a:themeOverride>
+</file>
+
+<file path=ppt/theme/themeOverride21.xml><?xml version="1.0" encoding="utf-8"?>
+<a:themeOverride xmlns:a="http://schemas.openxmlformats.org/drawingml/2006/main">
+  <a:clrScheme name="Escritório">
+    <a:dk1>
+      <a:sysClr val="windowText" lastClr="000000"/>
+    </a:dk1>
+    <a:lt1>
+      <a:sysClr val="window" lastClr="FFFFFF"/>
+    </a:lt1>
+    <a:dk2>
+      <a:srgbClr val="1F497D"/>
+    </a:dk2>
+    <a:lt2>
+      <a:srgbClr val="EEECE1"/>
+    </a:lt2>
+    <a:accent1>
+      <a:srgbClr val="4F81BD"/>
+    </a:accent1>
+    <a:accent2>
+      <a:srgbClr val="C0504D"/>
+    </a:accent2>
+    <a:accent3>
+      <a:srgbClr val="9BBB59"/>
+    </a:accent3>
+    <a:accent4>
+      <a:srgbClr val="8064A2"/>
+    </a:accent4>
+    <a:accent5>
+      <a:srgbClr val="4BACC6"/>
+    </a:accent5>
+    <a:accent6>
+      <a:srgbClr val="F79646"/>
+    </a:accent6>
+    <a:hlink>
+      <a:srgbClr val="0000FF"/>
+    </a:hlink>
+    <a:folHlink>
+      <a:srgbClr val="800080"/>
+    </a:folHlink>
+  </a:clrScheme>
+</a:themeOverride>
+</file>
+
+<file path=ppt/theme/themeOverride22.xml><?xml version="1.0" encoding="utf-8"?>
+<a:themeOverride xmlns:a="http://schemas.openxmlformats.org/drawingml/2006/main">
+  <a:clrScheme name="Escritório">
+    <a:dk1>
+      <a:sysClr val="windowText" lastClr="000000"/>
+    </a:dk1>
+    <a:lt1>
+      <a:sysClr val="window" lastClr="FFFFFF"/>
+    </a:lt1>
+    <a:dk2>
+      <a:srgbClr val="1F497D"/>
+    </a:dk2>
+    <a:lt2>
+      <a:srgbClr val="EEECE1"/>
+    </a:lt2>
+    <a:accent1>
+      <a:srgbClr val="4F81BD"/>
+    </a:accent1>
+    <a:accent2>
+      <a:srgbClr val="C0504D"/>
+    </a:accent2>
+    <a:accent3>
+      <a:srgbClr val="9BBB59"/>
+    </a:accent3>
+    <a:accent4>
+      <a:srgbClr val="8064A2"/>
+    </a:accent4>
+    <a:accent5>
+      <a:srgbClr val="4BACC6"/>
+    </a:accent5>
+    <a:accent6>
+      <a:srgbClr val="F79646"/>
+    </a:accent6>
+    <a:hlink>
+      <a:srgbClr val="0000FF"/>
+    </a:hlink>
+    <a:folHlink>
+      <a:srgbClr val="800080"/>
+    </a:folHlink>
+  </a:clrScheme>
+</a:themeOverride>
+</file>
+
+<file path=ppt/theme/themeOverride3.xml><?xml version="1.0" encoding="utf-8"?>
+<a:themeOverride xmlns:a="http://schemas.openxmlformats.org/drawingml/2006/main">
+  <a:clrScheme name="Escritório">
+    <a:dk1>
+      <a:sysClr val="windowText" lastClr="000000"/>
+    </a:dk1>
+    <a:lt1>
+      <a:sysClr val="window" lastClr="FFFFFF"/>
+    </a:lt1>
+    <a:dk2>
+      <a:srgbClr val="1F497D"/>
+    </a:dk2>
+    <a:lt2>
+      <a:srgbClr val="EEECE1"/>
+    </a:lt2>
+    <a:accent1>
+      <a:srgbClr val="4F81BD"/>
+    </a:accent1>
+    <a:accent2>
+      <a:srgbClr val="C0504D"/>
+    </a:accent2>
+    <a:accent3>
+      <a:srgbClr val="9BBB59"/>
+    </a:accent3>
+    <a:accent4>
+      <a:srgbClr val="8064A2"/>
+    </a:accent4>
+    <a:accent5>
+      <a:srgbClr val="4BACC6"/>
+    </a:accent5>
+    <a:accent6>
+      <a:srgbClr val="F79646"/>
+    </a:accent6>
+    <a:hlink>
+      <a:srgbClr val="0000FF"/>
+    </a:hlink>
+    <a:folHlink>
+      <a:srgbClr val="800080"/>
+    </a:folHlink>
+  </a:clrScheme>
+</a:themeOverride>
+</file>
+
+<file path=ppt/theme/themeOverride4.xml><?xml version="1.0" encoding="utf-8"?>
+<a:themeOverride xmlns:a="http://schemas.openxmlformats.org/drawingml/2006/main">
+  <a:clrScheme name="Escritório">
+    <a:dk1>
+      <a:sysClr val="windowText" lastClr="000000"/>
+    </a:dk1>
+    <a:lt1>
+      <a:sysClr val="window" lastClr="FFFFFF"/>
+    </a:lt1>
+    <a:dk2>
+      <a:srgbClr val="1F497D"/>
+    </a:dk2>
+    <a:lt2>
+      <a:srgbClr val="EEECE1"/>
+    </a:lt2>
+    <a:accent1>
+      <a:srgbClr val="4F81BD"/>
+    </a:accent1>
+    <a:accent2>
+      <a:srgbClr val="C0504D"/>
+    </a:accent2>
+    <a:accent3>
+      <a:srgbClr val="9BBB59"/>
+    </a:accent3>
+    <a:accent4>
+      <a:srgbClr val="8064A2"/>
+    </a:accent4>
+    <a:accent5>
+      <a:srgbClr val="4BACC6"/>
+    </a:accent5>
+    <a:accent6>
+      <a:srgbClr val="F79646"/>
+    </a:accent6>
+    <a:hlink>
+      <a:srgbClr val="0000FF"/>
+    </a:hlink>
+    <a:folHlink>
+      <a:srgbClr val="800080"/>
+    </a:folHlink>
+  </a:clrScheme>
+</a:themeOverride>
+</file>
+
+<file path=ppt/theme/themeOverride5.xml><?xml version="1.0" encoding="utf-8"?>
+<a:themeOverride xmlns:a="http://schemas.openxmlformats.org/drawingml/2006/main">
+  <a:clrScheme name="Escritório">
+    <a:dk1>
+      <a:sysClr val="windowText" lastClr="000000"/>
+    </a:dk1>
+    <a:lt1>
+      <a:sysClr val="window" lastClr="FFFFFF"/>
+    </a:lt1>
+    <a:dk2>
+      <a:srgbClr val="1F497D"/>
+    </a:dk2>
+    <a:lt2>
+      <a:srgbClr val="EEECE1"/>
+    </a:lt2>
+    <a:accent1>
+      <a:srgbClr val="4F81BD"/>
+    </a:accent1>
+    <a:accent2>
+      <a:srgbClr val="C0504D"/>
+    </a:accent2>
+    <a:accent3>
+      <a:srgbClr val="9BBB59"/>
+    </a:accent3>
+    <a:accent4>
+      <a:srgbClr val="8064A2"/>
+    </a:accent4>
+    <a:accent5>
+      <a:srgbClr val="4BACC6"/>
+    </a:accent5>
+    <a:accent6>
+      <a:srgbClr val="F79646"/>
+    </a:accent6>
+    <a:hlink>
+      <a:srgbClr val="0000FF"/>
+    </a:hlink>
+    <a:folHlink>
+      <a:srgbClr val="800080"/>
+    </a:folHlink>
+  </a:clrScheme>
+</a:themeOverride>
+</file>
+
+<file path=ppt/theme/themeOverride6.xml><?xml version="1.0" encoding="utf-8"?>
+<a:themeOverride xmlns:a="http://schemas.openxmlformats.org/drawingml/2006/main">
+  <a:clrScheme name="Escritório">
+    <a:dk1>
+      <a:sysClr val="windowText" lastClr="000000"/>
+    </a:dk1>
+    <a:lt1>
+      <a:sysClr val="window" lastClr="FFFFFF"/>
+    </a:lt1>
+    <a:dk2>
+      <a:srgbClr val="1F497D"/>
+    </a:dk2>
+    <a:lt2>
+      <a:srgbClr val="EEECE1"/>
+    </a:lt2>
+    <a:accent1>
+      <a:srgbClr val="4F81BD"/>
+    </a:accent1>
+    <a:accent2>
+      <a:srgbClr val="C0504D"/>
+    </a:accent2>
+    <a:accent3>
+      <a:srgbClr val="9BBB59"/>
+    </a:accent3>
+    <a:accent4>
+      <a:srgbClr val="8064A2"/>
+    </a:accent4>
+    <a:accent5>
+      <a:srgbClr val="4BACC6"/>
+    </a:accent5>
+    <a:accent6>
+      <a:srgbClr val="F79646"/>
+    </a:accent6>
+    <a:hlink>
+      <a:srgbClr val="0000FF"/>
+    </a:hlink>
+    <a:folHlink>
+      <a:srgbClr val="800080"/>
+    </a:folHlink>
+  </a:clrScheme>
+</a:themeOverride>
+</file>
+
+<file path=ppt/theme/themeOverride7.xml><?xml version="1.0" encoding="utf-8"?>
+<a:themeOverride xmlns:a="http://schemas.openxmlformats.org/drawingml/2006/main">
+  <a:clrScheme name="Escritório">
+    <a:dk1>
+      <a:sysClr val="windowText" lastClr="000000"/>
+    </a:dk1>
+    <a:lt1>
+      <a:sysClr val="window" lastClr="FFFFFF"/>
+    </a:lt1>
+    <a:dk2>
+      <a:srgbClr val="1F497D"/>
+    </a:dk2>
+    <a:lt2>
+      <a:srgbClr val="EEECE1"/>
+    </a:lt2>
+    <a:accent1>
+      <a:srgbClr val="4F81BD"/>
+    </a:accent1>
+    <a:accent2>
+      <a:srgbClr val="C0504D"/>
+    </a:accent2>
+    <a:accent3>
+      <a:srgbClr val="9BBB59"/>
+    </a:accent3>
+    <a:accent4>
+      <a:srgbClr val="8064A2"/>
+    </a:accent4>
+    <a:accent5>
+      <a:srgbClr val="4BACC6"/>
+    </a:accent5>
+    <a:accent6>
+      <a:srgbClr val="F79646"/>
+    </a:accent6>
+    <a:hlink>
+      <a:srgbClr val="0000FF"/>
+    </a:hlink>
+    <a:folHlink>
+      <a:srgbClr val="800080"/>
+    </a:folHlink>
+  </a:clrScheme>
+</a:themeOverride>
+</file>
+
+<file path=ppt/theme/themeOverride8.xml><?xml version="1.0" encoding="utf-8"?>
+<a:themeOverride xmlns:a="http://schemas.openxmlformats.org/drawingml/2006/main">
+  <a:clrScheme name="Escritório">
+    <a:dk1>
+      <a:sysClr val="windowText" lastClr="000000"/>
+    </a:dk1>
+    <a:lt1>
+      <a:sysClr val="window" lastClr="FFFFFF"/>
+    </a:lt1>
+    <a:dk2>
+      <a:srgbClr val="1F497D"/>
+    </a:dk2>
+    <a:lt2>
+      <a:srgbClr val="EEECE1"/>
+    </a:lt2>
+    <a:accent1>
+      <a:srgbClr val="4F81BD"/>
+    </a:accent1>
+    <a:accent2>
+      <a:srgbClr val="C0504D"/>
+    </a:accent2>
+    <a:accent3>
+      <a:srgbClr val="9BBB59"/>
+    </a:accent3>
+    <a:accent4>
+      <a:srgbClr val="8064A2"/>
+    </a:accent4>
+    <a:accent5>
+      <a:srgbClr val="4BACC6"/>
+    </a:accent5>
+    <a:accent6>
+      <a:srgbClr val="F79646"/>
+    </a:accent6>
+    <a:hlink>
+      <a:srgbClr val="0000FF"/>
+    </a:hlink>
+    <a:folHlink>
+      <a:srgbClr val="800080"/>
+    </a:folHlink>
+  </a:clrScheme>
+</a:themeOverride>
+</file>
+
+<file path=ppt/theme/themeOverride9.xml><?xml version="1.0" encoding="utf-8"?>
+<a:themeOverride xmlns:a="http://schemas.openxmlformats.org/drawingml/2006/main">
+  <a:clrScheme name="Escritório">
+    <a:dk1>
+      <a:sysClr val="windowText" lastClr="000000"/>
+    </a:dk1>
+    <a:lt1>
+      <a:sysClr val="window" lastClr="FFFFFF"/>
+    </a:lt1>
+    <a:dk2>
+      <a:srgbClr val="1F497D"/>
+    </a:dk2>
+    <a:lt2>
+      <a:srgbClr val="EEECE1"/>
+    </a:lt2>
+    <a:accent1>
+      <a:srgbClr val="4F81BD"/>
+    </a:accent1>
+    <a:accent2>
+      <a:srgbClr val="C0504D"/>
+    </a:accent2>
+    <a:accent3>
+      <a:srgbClr val="9BBB59"/>
+    </a:accent3>
+    <a:accent4>
+      <a:srgbClr val="8064A2"/>
+    </a:accent4>
+    <a:accent5>
+      <a:srgbClr val="4BACC6"/>
+    </a:accent5>
+    <a:accent6>
+      <a:srgbClr val="F79646"/>
+    </a:accent6>
+    <a:hlink>
+      <a:srgbClr val="0000FF"/>
+    </a:hlink>
+    <a:folHlink>
+      <a:srgbClr val="800080"/>
+    </a:folHlink>
+  </a:clrScheme>
+</a:themeOverride>
 </file>
--- a/apresentacao tcc.pptx
+++ b/apresentacao tcc.pptx
@@ -215,7 +215,7 @@
             <a:fld id="{2F3EB17E-BC53-FC49-AF5F-F9A8A64D0B14}" type="datetimeFigureOut">
               <a:rPr lang="en-US" smtClean="0"/>
               <a:pPr/>
-              <a:t>11/19/11</a:t>
+              <a:t>11/20/11</a:t>
             </a:fld>
             <a:endParaRPr lang="pt-BR"/>
           </a:p>
@@ -1399,7 +1399,7 @@
             <a:fld id="{13F8C747-ED51-444E-8469-A24B0E223A0E}" type="datetimeFigureOut">
               <a:rPr lang="en-US" smtClean="0"/>
               <a:pPr/>
-              <a:t>11/19/11</a:t>
+              <a:t>11/20/11</a:t>
             </a:fld>
             <a:endParaRPr lang="pt-BR"/>
           </a:p>
@@ -1578,7 +1578,7 @@
             <a:fld id="{13F8C747-ED51-444E-8469-A24B0E223A0E}" type="datetimeFigureOut">
               <a:rPr lang="en-US" smtClean="0"/>
               <a:pPr/>
-              <a:t>11/19/11</a:t>
+              <a:t>11/20/11</a:t>
             </a:fld>
             <a:endParaRPr lang="pt-BR"/>
           </a:p>
@@ -1767,7 +1767,7 @@
             <a:fld id="{13F8C747-ED51-444E-8469-A24B0E223A0E}" type="datetimeFigureOut">
               <a:rPr lang="en-US" smtClean="0"/>
               <a:pPr/>
-              <a:t>11/19/11</a:t>
+              <a:t>11/20/11</a:t>
             </a:fld>
             <a:endParaRPr lang="pt-BR"/>
           </a:p>
@@ -2056,7 +2056,7 @@
             <a:fld id="{13F8C747-ED51-444E-8469-A24B0E223A0E}" type="datetimeFigureOut">
               <a:rPr lang="en-US" smtClean="0"/>
               <a:pPr/>
-              <a:t>11/19/11</a:t>
+              <a:t>11/20/11</a:t>
             </a:fld>
             <a:endParaRPr lang="pt-BR"/>
           </a:p>
@@ -2235,7 +2235,7 @@
             <a:fld id="{13F8C747-ED51-444E-8469-A24B0E223A0E}" type="datetimeFigureOut">
               <a:rPr lang="en-US" smtClean="0"/>
               <a:pPr/>
-              <a:t>11/19/11</a:t>
+              <a:t>11/20/11</a:t>
             </a:fld>
             <a:endParaRPr lang="pt-BR"/>
           </a:p>
@@ -2490,7 +2490,7 @@
             <a:fld id="{13F8C747-ED51-444E-8469-A24B0E223A0E}" type="datetimeFigureOut">
               <a:rPr lang="en-US" smtClean="0"/>
               <a:pPr/>
-              <a:t>11/19/11</a:t>
+              <a:t>11/20/11</a:t>
             </a:fld>
             <a:endParaRPr lang="pt-BR"/>
           </a:p>
@@ -2787,7 +2787,7 @@
             <a:fld id="{13F8C747-ED51-444E-8469-A24B0E223A0E}" type="datetimeFigureOut">
               <a:rPr lang="en-US" smtClean="0"/>
               <a:pPr/>
-              <a:t>11/19/11</a:t>
+              <a:t>11/20/11</a:t>
             </a:fld>
             <a:endParaRPr lang="pt-BR"/>
           </a:p>
@@ -3218,7 +3218,7 @@
             <a:fld id="{13F8C747-ED51-444E-8469-A24B0E223A0E}" type="datetimeFigureOut">
               <a:rPr lang="en-US" smtClean="0"/>
               <a:pPr/>
-              <a:t>11/19/11</a:t>
+              <a:t>11/20/11</a:t>
             </a:fld>
             <a:endParaRPr lang="pt-BR"/>
           </a:p>
@@ -3345,7 +3345,7 @@
             <a:fld id="{13F8C747-ED51-444E-8469-A24B0E223A0E}" type="datetimeFigureOut">
               <a:rPr lang="en-US" smtClean="0"/>
               <a:pPr/>
-              <a:t>11/19/11</a:t>
+              <a:t>11/20/11</a:t>
             </a:fld>
             <a:endParaRPr lang="pt-BR"/>
           </a:p>
@@ -3449,7 +3449,7 @@
             <a:fld id="{13F8C747-ED51-444E-8469-A24B0E223A0E}" type="datetimeFigureOut">
               <a:rPr lang="en-US" smtClean="0"/>
               <a:pPr/>
-              <a:t>11/19/11</a:t>
+              <a:t>11/20/11</a:t>
             </a:fld>
             <a:endParaRPr lang="pt-BR"/>
           </a:p>
@@ -3735,7 +3735,7 @@
             <a:fld id="{13F8C747-ED51-444E-8469-A24B0E223A0E}" type="datetimeFigureOut">
               <a:rPr lang="en-US" smtClean="0"/>
               <a:pPr/>
-              <a:t>11/19/11</a:t>
+              <a:t>11/20/11</a:t>
             </a:fld>
             <a:endParaRPr lang="pt-BR"/>
           </a:p>
@@ -3914,7 +3914,7 @@
             <a:fld id="{13F8C747-ED51-444E-8469-A24B0E223A0E}" type="datetimeFigureOut">
               <a:rPr lang="en-US" smtClean="0"/>
               <a:pPr/>
-              <a:t>11/19/11</a:t>
+              <a:t>11/20/11</a:t>
             </a:fld>
             <a:endParaRPr lang="pt-BR"/>
           </a:p>
@@ -4182,7 +4182,7 @@
             <a:fld id="{13F8C747-ED51-444E-8469-A24B0E223A0E}" type="datetimeFigureOut">
               <a:rPr lang="en-US" smtClean="0"/>
               <a:pPr/>
-              <a:t>11/19/11</a:t>
+              <a:t>11/20/11</a:t>
             </a:fld>
             <a:endParaRPr lang="pt-BR"/>
           </a:p>
@@ -4361,7 +4361,7 @@
             <a:fld id="{13F8C747-ED51-444E-8469-A24B0E223A0E}" type="datetimeFigureOut">
               <a:rPr lang="en-US" smtClean="0"/>
               <a:pPr/>
-              <a:t>11/19/11</a:t>
+              <a:t>11/20/11</a:t>
             </a:fld>
             <a:endParaRPr lang="pt-BR"/>
           </a:p>
@@ -4550,7 +4550,7 @@
             <a:fld id="{13F8C747-ED51-444E-8469-A24B0E223A0E}" type="datetimeFigureOut">
               <a:rPr lang="en-US" smtClean="0"/>
               <a:pPr/>
-              <a:t>11/19/11</a:t>
+              <a:t>11/20/11</a:t>
             </a:fld>
             <a:endParaRPr lang="pt-BR"/>
           </a:p>
@@ -4805,7 +4805,7 @@
             <a:fld id="{13F8C747-ED51-444E-8469-A24B0E223A0E}" type="datetimeFigureOut">
               <a:rPr lang="en-US" smtClean="0"/>
               <a:pPr/>
-              <a:t>11/19/11</a:t>
+              <a:t>11/20/11</a:t>
             </a:fld>
             <a:endParaRPr lang="pt-BR"/>
           </a:p>
@@ -5102,7 +5102,7 @@
             <a:fld id="{13F8C747-ED51-444E-8469-A24B0E223A0E}" type="datetimeFigureOut">
               <a:rPr lang="en-US" smtClean="0"/>
               <a:pPr/>
-              <a:t>11/19/11</a:t>
+              <a:t>11/20/11</a:t>
             </a:fld>
             <a:endParaRPr lang="pt-BR"/>
           </a:p>
@@ -5533,7 +5533,7 @@
             <a:fld id="{13F8C747-ED51-444E-8469-A24B0E223A0E}" type="datetimeFigureOut">
               <a:rPr lang="en-US" smtClean="0"/>
               <a:pPr/>
-              <a:t>11/19/11</a:t>
+              <a:t>11/20/11</a:t>
             </a:fld>
             <a:endParaRPr lang="pt-BR"/>
           </a:p>
@@ -5660,7 +5660,7 @@
             <a:fld id="{13F8C747-ED51-444E-8469-A24B0E223A0E}" type="datetimeFigureOut">
               <a:rPr lang="en-US" smtClean="0"/>
               <a:pPr/>
-              <a:t>11/19/11</a:t>
+              <a:t>11/20/11</a:t>
             </a:fld>
             <a:endParaRPr lang="pt-BR"/>
           </a:p>
@@ -5764,7 +5764,7 @@
             <a:fld id="{13F8C747-ED51-444E-8469-A24B0E223A0E}" type="datetimeFigureOut">
               <a:rPr lang="en-US" smtClean="0"/>
               <a:pPr/>
-              <a:t>11/19/11</a:t>
+              <a:t>11/20/11</a:t>
             </a:fld>
             <a:endParaRPr lang="pt-BR"/>
           </a:p>
@@ -6050,7 +6050,7 @@
             <a:fld id="{13F8C747-ED51-444E-8469-A24B0E223A0E}" type="datetimeFigureOut">
               <a:rPr lang="en-US" smtClean="0"/>
               <a:pPr/>
-              <a:t>11/19/11</a:t>
+              <a:t>11/20/11</a:t>
             </a:fld>
             <a:endParaRPr lang="pt-BR"/>
           </a:p>
@@ -6318,7 +6318,7 @@
             <a:fld id="{13F8C747-ED51-444E-8469-A24B0E223A0E}" type="datetimeFigureOut">
               <a:rPr lang="en-US" smtClean="0"/>
               <a:pPr/>
-              <a:t>11/19/11</a:t>
+              <a:t>11/20/11</a:t>
             </a:fld>
             <a:endParaRPr lang="pt-BR"/>
           </a:p>
@@ -6592,7 +6592,7 @@
             <a:fld id="{13F8C747-ED51-444E-8469-A24B0E223A0E}" type="datetimeFigureOut">
               <a:rPr lang="en-US" smtClean="0"/>
               <a:pPr/>
-              <a:t>11/19/11</a:t>
+              <a:t>11/20/11</a:t>
             </a:fld>
             <a:endParaRPr lang="pt-BR"/>
           </a:p>
@@ -7298,7 +7298,7 @@
             <a:fld id="{13F8C747-ED51-444E-8469-A24B0E223A0E}" type="datetimeFigureOut">
               <a:rPr lang="en-US" smtClean="0"/>
               <a:pPr/>
-              <a:t>11/19/11</a:t>
+              <a:t>11/20/11</a:t>
             </a:fld>
             <a:endParaRPr lang="pt-BR"/>
           </a:p>
@@ -9279,14 +9279,24 @@
           <a:p>
             <a:r>
               <a:rPr lang="pt-BR" sz="2800" dirty="0" smtClean="0"/>
-              <a:t>Movimentou cerca de 1,23 trilhões de dólares em 2008.</a:t>
-            </a:r>
-          </a:p>
-          <a:p>
+              <a:t>Movimentou cerca de 1,23 trilhões de dólares em </a:t>
+            </a:r>
             <a:r>
               <a:rPr lang="pt-BR" sz="2800" dirty="0" smtClean="0"/>
-              <a:t>Possui um crescimento de 3% ao ano.</a:t>
-            </a:r>
+              <a:t>2008 (SUCESU-RS, 2011).</a:t>
+            </a:r>
+            <a:endParaRPr lang="pt-BR" sz="2800" dirty="0" smtClean="0"/>
+          </a:p>
+          <a:p>
+            <a:r>
+              <a:rPr lang="pt-BR" sz="2800" dirty="0" smtClean="0"/>
+              <a:t>Possui um crescimento de 3% ao </a:t>
+            </a:r>
+            <a:r>
+              <a:rPr lang="pt-BR" sz="2800" dirty="0" smtClean="0"/>
+              <a:t>ano.</a:t>
+            </a:r>
+            <a:endParaRPr lang="pt-BR" sz="2800" dirty="0" smtClean="0"/>
           </a:p>
           <a:p>
             <a:r>

--- a/apresentacao tcc.pptx
+++ b/apresentacao tcc.pptx
@@ -19,14 +19,14 @@
     <p:sldId id="267" r:id="rId10"/>
     <p:sldId id="262" r:id="rId11"/>
     <p:sldId id="270" r:id="rId12"/>
-    <p:sldId id="263" r:id="rId13"/>
-    <p:sldId id="277" r:id="rId14"/>
+    <p:sldId id="277" r:id="rId13"/>
+    <p:sldId id="263" r:id="rId14"/>
     <p:sldId id="268" r:id="rId15"/>
     <p:sldId id="269" r:id="rId16"/>
     <p:sldId id="264" r:id="rId17"/>
     <p:sldId id="271" r:id="rId18"/>
-    <p:sldId id="279" r:id="rId19"/>
-    <p:sldId id="272" r:id="rId20"/>
+    <p:sldId id="272" r:id="rId19"/>
+    <p:sldId id="279" r:id="rId20"/>
     <p:sldId id="273" r:id="rId21"/>
     <p:sldId id="274" r:id="rId22"/>
     <p:sldId id="275" r:id="rId23"/>
@@ -7985,151 +7985,6 @@
       </p:grpSpPr>
       <p:sp>
         <p:nvSpPr>
-          <p:cNvPr id="2" name="Title 1"/>
-          <p:cNvSpPr>
-            <a:spLocks noGrp="1"/>
-          </p:cNvSpPr>
-          <p:nvPr>
-            <p:ph type="title"/>
-          </p:nvPr>
-        </p:nvSpPr>
-        <p:spPr>
-          <a:xfrm>
-            <a:off x="457200" y="858838"/>
-            <a:ext cx="8229600" cy="1143000"/>
-          </a:xfrm>
-        </p:spPr>
-        <p:txBody>
-          <a:bodyPr/>
-          <a:lstStyle/>
-          <a:p>
-            <a:r>
-              <a:rPr lang="pt-BR" dirty="0" smtClean="0"/>
-              <a:t>Sistema Web</a:t>
-            </a:r>
-            <a:endParaRPr lang="pt-BR" dirty="0"/>
-          </a:p>
-        </p:txBody>
-      </p:sp>
-      <p:sp>
-        <p:nvSpPr>
-          <p:cNvPr id="3" name="Content Placeholder 2"/>
-          <p:cNvSpPr>
-            <a:spLocks noGrp="1"/>
-          </p:cNvSpPr>
-          <p:nvPr>
-            <p:ph idx="1"/>
-          </p:nvPr>
-        </p:nvSpPr>
-        <p:spPr>
-          <a:xfrm>
-            <a:off x="457200" y="2590801"/>
-            <a:ext cx="8229600" cy="2806700"/>
-          </a:xfrm>
-        </p:spPr>
-        <p:txBody>
-          <a:bodyPr/>
-          <a:lstStyle/>
-          <a:p>
-            <a:r>
-              <a:rPr lang="pt-BR" dirty="0" smtClean="0"/>
-              <a:t>Desenvolvido utilizando </a:t>
-            </a:r>
-            <a:r>
-              <a:rPr lang="pt-BR" dirty="0" err="1" smtClean="0"/>
-              <a:t>Ruby</a:t>
-            </a:r>
-            <a:r>
-              <a:rPr lang="pt-BR" dirty="0" smtClean="0"/>
-              <a:t> </a:t>
-            </a:r>
-            <a:r>
-              <a:rPr lang="pt-BR" dirty="0" err="1" smtClean="0"/>
-              <a:t>On</a:t>
-            </a:r>
-            <a:r>
-              <a:rPr lang="pt-BR" dirty="0" smtClean="0"/>
-              <a:t> </a:t>
-            </a:r>
-            <a:r>
-              <a:rPr lang="pt-BR" dirty="0" err="1" smtClean="0"/>
-              <a:t>Rails</a:t>
-            </a:r>
-            <a:r>
-              <a:rPr lang="pt-BR" dirty="0" smtClean="0"/>
-              <a:t>.</a:t>
-            </a:r>
-          </a:p>
-          <a:p>
-            <a:r>
-              <a:rPr lang="pt-BR" dirty="0" smtClean="0"/>
-              <a:t>Foram criados testes de unidade e de integração.</a:t>
-            </a:r>
-          </a:p>
-          <a:p>
-            <a:r>
-              <a:rPr lang="pt-BR" dirty="0" smtClean="0"/>
-              <a:t>Os testes foram criados utilizando </a:t>
-            </a:r>
-            <a:r>
-              <a:rPr lang="pt-BR" dirty="0" err="1" smtClean="0"/>
-              <a:t>R</a:t>
-            </a:r>
-            <a:r>
-              <a:rPr lang="en-US" dirty="0"/>
-              <a:t>S</a:t>
-            </a:r>
-            <a:r>
-              <a:rPr lang="pt-BR" dirty="0" smtClean="0"/>
-              <a:t>pec.</a:t>
-            </a:r>
-          </a:p>
-        </p:txBody>
-      </p:sp>
-    </p:spTree>
-    <p:extLst>
-      <p:ext uri="{BB962C8B-B14F-4D97-AF65-F5344CB8AC3E}">
-        <p14:creationId xmlns:p14="http://schemas.microsoft.com/office/powerpoint/2010/main" val="1418869883"/>
-      </p:ext>
-    </p:extLst>
-  </p:cSld>
-  <p:clrMapOvr>
-    <a:overrideClrMapping bg1="lt1" tx1="dk1" bg2="lt2" tx2="dk2" accent1="accent1" accent2="accent2" accent3="accent3" accent4="accent4" accent5="accent5" accent6="accent6" hlink="hlink" folHlink="folHlink"/>
-  </p:clrMapOvr>
-  <p:timing>
-    <p:tnLst>
-      <p:par>
-        <p:cTn xmlns:p14="http://schemas.microsoft.com/office/powerpoint/2010/main" id="1" dur="indefinite" restart="never" nodeType="tmRoot"/>
-      </p:par>
-    </p:tnLst>
-  </p:timing>
-</p:sld>
-</file>
-
-<file path=ppt/slides/slide12.xml><?xml version="1.0" encoding="utf-8"?>
-<p:sld xmlns:a="http://schemas.openxmlformats.org/drawingml/2006/main" xmlns:r="http://schemas.openxmlformats.org/officeDocument/2006/relationships" xmlns:p="http://schemas.openxmlformats.org/presentationml/2006/main">
-  <p:cSld>
-    <p:bg>
-      <p:bgRef idx="1001">
-        <a:schemeClr val="bg1"/>
-      </p:bgRef>
-    </p:bg>
-    <p:spTree>
-      <p:nvGrpSpPr>
-        <p:cNvPr id="1" name=""/>
-        <p:cNvGrpSpPr/>
-        <p:nvPr/>
-      </p:nvGrpSpPr>
-      <p:grpSpPr>
-        <a:xfrm>
-          <a:off x="0" y="0"/>
-          <a:ext cx="0" cy="0"/>
-          <a:chOff x="0" y="0"/>
-          <a:chExt cx="0" cy="0"/>
-        </a:xfrm>
-      </p:grpSpPr>
-      <p:sp>
-        <p:nvSpPr>
           <p:cNvPr id="2" name="Título 1"/>
           <p:cNvSpPr>
             <a:spLocks noGrp="1"/>
@@ -8437,6 +8292,151 @@
 </p:sld>
 </file>
 
+<file path=ppt/slides/slide12.xml><?xml version="1.0" encoding="utf-8"?>
+<p:sld xmlns:a="http://schemas.openxmlformats.org/drawingml/2006/main" xmlns:r="http://schemas.openxmlformats.org/officeDocument/2006/relationships" xmlns:p="http://schemas.openxmlformats.org/presentationml/2006/main">
+  <p:cSld>
+    <p:bg>
+      <p:bgRef idx="1001">
+        <a:schemeClr val="bg1"/>
+      </p:bgRef>
+    </p:bg>
+    <p:spTree>
+      <p:nvGrpSpPr>
+        <p:cNvPr id="1" name=""/>
+        <p:cNvGrpSpPr/>
+        <p:nvPr/>
+      </p:nvGrpSpPr>
+      <p:grpSpPr>
+        <a:xfrm>
+          <a:off x="0" y="0"/>
+          <a:ext cx="0" cy="0"/>
+          <a:chOff x="0" y="0"/>
+          <a:chExt cx="0" cy="0"/>
+        </a:xfrm>
+      </p:grpSpPr>
+      <p:sp>
+        <p:nvSpPr>
+          <p:cNvPr id="2" name="Title 1"/>
+          <p:cNvSpPr>
+            <a:spLocks noGrp="1"/>
+          </p:cNvSpPr>
+          <p:nvPr>
+            <p:ph type="title"/>
+          </p:nvPr>
+        </p:nvSpPr>
+        <p:spPr>
+          <a:xfrm>
+            <a:off x="457200" y="858838"/>
+            <a:ext cx="8229600" cy="1143000"/>
+          </a:xfrm>
+        </p:spPr>
+        <p:txBody>
+          <a:bodyPr/>
+          <a:lstStyle/>
+          <a:p>
+            <a:r>
+              <a:rPr lang="pt-BR" dirty="0" smtClean="0"/>
+              <a:t>Sistema Web</a:t>
+            </a:r>
+            <a:endParaRPr lang="pt-BR" dirty="0"/>
+          </a:p>
+        </p:txBody>
+      </p:sp>
+      <p:sp>
+        <p:nvSpPr>
+          <p:cNvPr id="3" name="Content Placeholder 2"/>
+          <p:cNvSpPr>
+            <a:spLocks noGrp="1"/>
+          </p:cNvSpPr>
+          <p:nvPr>
+            <p:ph idx="1"/>
+          </p:nvPr>
+        </p:nvSpPr>
+        <p:spPr>
+          <a:xfrm>
+            <a:off x="457200" y="2590801"/>
+            <a:ext cx="8229600" cy="2806700"/>
+          </a:xfrm>
+        </p:spPr>
+        <p:txBody>
+          <a:bodyPr/>
+          <a:lstStyle/>
+          <a:p>
+            <a:r>
+              <a:rPr lang="pt-BR" dirty="0" smtClean="0"/>
+              <a:t>Desenvolvido utilizando </a:t>
+            </a:r>
+            <a:r>
+              <a:rPr lang="pt-BR" dirty="0" err="1" smtClean="0"/>
+              <a:t>Ruby</a:t>
+            </a:r>
+            <a:r>
+              <a:rPr lang="pt-BR" dirty="0" smtClean="0"/>
+              <a:t> </a:t>
+            </a:r>
+            <a:r>
+              <a:rPr lang="pt-BR" dirty="0" err="1" smtClean="0"/>
+              <a:t>On</a:t>
+            </a:r>
+            <a:r>
+              <a:rPr lang="pt-BR" dirty="0" smtClean="0"/>
+              <a:t> </a:t>
+            </a:r>
+            <a:r>
+              <a:rPr lang="pt-BR" dirty="0" err="1" smtClean="0"/>
+              <a:t>Rails</a:t>
+            </a:r>
+            <a:r>
+              <a:rPr lang="pt-BR" dirty="0" smtClean="0"/>
+              <a:t>.</a:t>
+            </a:r>
+          </a:p>
+          <a:p>
+            <a:r>
+              <a:rPr lang="pt-BR" dirty="0" smtClean="0"/>
+              <a:t>Foram criados testes de unidade e de integração.</a:t>
+            </a:r>
+          </a:p>
+          <a:p>
+            <a:r>
+              <a:rPr lang="pt-BR" dirty="0" smtClean="0"/>
+              <a:t>Os testes foram criados utilizando </a:t>
+            </a:r>
+            <a:r>
+              <a:rPr lang="pt-BR" dirty="0" err="1" smtClean="0"/>
+              <a:t>R</a:t>
+            </a:r>
+            <a:r>
+              <a:rPr lang="en-US" dirty="0"/>
+              <a:t>S</a:t>
+            </a:r>
+            <a:r>
+              <a:rPr lang="pt-BR" dirty="0" smtClean="0"/>
+              <a:t>pec.</a:t>
+            </a:r>
+          </a:p>
+        </p:txBody>
+      </p:sp>
+    </p:spTree>
+    <p:extLst>
+      <p:ext uri="{BB962C8B-B14F-4D97-AF65-F5344CB8AC3E}">
+        <p14:creationId xmlns:p14="http://schemas.microsoft.com/office/powerpoint/2010/main" val="1418869883"/>
+      </p:ext>
+    </p:extLst>
+  </p:cSld>
+  <p:clrMapOvr>
+    <a:overrideClrMapping bg1="lt1" tx1="dk1" bg2="lt2" tx2="dk2" accent1="accent1" accent2="accent2" accent3="accent3" accent4="accent4" accent5="accent5" accent6="accent6" hlink="hlink" folHlink="folHlink"/>
+  </p:clrMapOvr>
+  <p:timing>
+    <p:tnLst>
+      <p:par>
+        <p:cTn xmlns:p14="http://schemas.microsoft.com/office/powerpoint/2010/main" id="1" dur="indefinite" restart="never" nodeType="tmRoot"/>
+      </p:par>
+    </p:tnLst>
+  </p:timing>
+</p:sld>
+</file>
+
 <file path=ppt/slides/slide13.xml><?xml version="1.0" encoding="utf-8"?>
 <p:sld xmlns:a="http://schemas.openxmlformats.org/drawingml/2006/main" xmlns:r="http://schemas.openxmlformats.org/officeDocument/2006/relationships" xmlns:p="http://schemas.openxmlformats.org/presentationml/2006/main">
   <p:cSld>
@@ -8781,7 +8781,7 @@
         </p:nvSpPr>
         <p:spPr>
           <a:xfrm>
-            <a:off x="457200" y="2540001"/>
+            <a:off x="457200" y="2552576"/>
             <a:ext cx="8229600" cy="2540000"/>
           </a:xfrm>
         </p:spPr>
@@ -8838,6 +8838,100 @@
 </file>
 
 <file path=ppt/slides/slide17.xml><?xml version="1.0" encoding="utf-8"?>
+<p:sld xmlns:a="http://schemas.openxmlformats.org/drawingml/2006/main" xmlns:r="http://schemas.openxmlformats.org/officeDocument/2006/relationships" xmlns:p="http://schemas.openxmlformats.org/presentationml/2006/main">
+  <p:cSld>
+    <p:bg>
+      <p:bgRef idx="1001">
+        <a:schemeClr val="bg1"/>
+      </p:bgRef>
+    </p:bg>
+    <p:spTree>
+      <p:nvGrpSpPr>
+        <p:cNvPr id="1" name=""/>
+        <p:cNvGrpSpPr/>
+        <p:nvPr/>
+      </p:nvGrpSpPr>
+      <p:grpSpPr>
+        <a:xfrm>
+          <a:off x="0" y="0"/>
+          <a:ext cx="0" cy="0"/>
+          <a:chOff x="0" y="0"/>
+          <a:chExt cx="0" cy="0"/>
+        </a:xfrm>
+      </p:grpSpPr>
+      <p:sp>
+        <p:nvSpPr>
+          <p:cNvPr id="2" name="Title 1"/>
+          <p:cNvSpPr>
+            <a:spLocks noGrp="1"/>
+          </p:cNvSpPr>
+          <p:nvPr>
+            <p:ph type="title"/>
+          </p:nvPr>
+        </p:nvSpPr>
+        <p:spPr>
+          <a:xfrm>
+            <a:off x="457200" y="846138"/>
+            <a:ext cx="8229600" cy="1143000"/>
+          </a:xfrm>
+        </p:spPr>
+        <p:txBody>
+          <a:bodyPr/>
+          <a:lstStyle/>
+          <a:p>
+            <a:r>
+              <a:rPr lang="pt-BR" dirty="0" smtClean="0"/>
+              <a:t>Exemplo de código de teste</a:t>
+            </a:r>
+            <a:endParaRPr lang="pt-BR" dirty="0"/>
+          </a:p>
+        </p:txBody>
+      </p:sp>
+      <p:pic>
+        <p:nvPicPr>
+          <p:cNvPr id="4" name="Picture 3"/>
+          <p:cNvPicPr>
+            <a:picLocks noChangeAspect="1"/>
+          </p:cNvPicPr>
+          <p:nvPr/>
+        </p:nvPicPr>
+        <p:blipFill>
+          <a:blip r:embed="rId3"/>
+          <a:stretch>
+            <a:fillRect/>
+          </a:stretch>
+        </p:blipFill>
+        <p:spPr>
+          <a:xfrm>
+            <a:off x="1643743" y="2141538"/>
+            <a:ext cx="5747657" cy="3920587"/>
+          </a:xfrm>
+          <a:prstGeom prst="rect">
+            <a:avLst/>
+          </a:prstGeom>
+        </p:spPr>
+      </p:pic>
+    </p:spTree>
+    <p:extLst>
+      <p:ext uri="{BB962C8B-B14F-4D97-AF65-F5344CB8AC3E}">
+        <p14:creationId xmlns:p14="http://schemas.microsoft.com/office/powerpoint/2010/main" val="2130068562"/>
+      </p:ext>
+    </p:extLst>
+  </p:cSld>
+  <p:clrMapOvr>
+    <a:overrideClrMapping bg1="lt1" tx1="dk1" bg2="lt2" tx2="dk2" accent1="accent1" accent2="accent2" accent3="accent3" accent4="accent4" accent5="accent5" accent6="accent6" hlink="hlink" folHlink="folHlink"/>
+  </p:clrMapOvr>
+  <p:timing>
+    <p:tnLst>
+      <p:par>
+        <p:cTn xmlns:p14="http://schemas.microsoft.com/office/powerpoint/2010/main" id="1" dur="indefinite" restart="never" nodeType="tmRoot"/>
+      </p:par>
+    </p:tnLst>
+  </p:timing>
+</p:sld>
+</file>
+
+<file path=ppt/slides/slide18.xml><?xml version="1.0" encoding="utf-8"?>
 <p:sld xmlns:a="http://schemas.openxmlformats.org/drawingml/2006/main" xmlns:r="http://schemas.openxmlformats.org/officeDocument/2006/relationships" xmlns:p="http://schemas.openxmlformats.org/presentationml/2006/main">
   <p:cSld>
     <p:bg>
@@ -8931,100 +9025,6 @@
 </p:sld>
 </file>
 
-<file path=ppt/slides/slide18.xml><?xml version="1.0" encoding="utf-8"?>
-<p:sld xmlns:a="http://schemas.openxmlformats.org/drawingml/2006/main" xmlns:r="http://schemas.openxmlformats.org/officeDocument/2006/relationships" xmlns:p="http://schemas.openxmlformats.org/presentationml/2006/main">
-  <p:cSld>
-    <p:bg>
-      <p:bgRef idx="1001">
-        <a:schemeClr val="bg1"/>
-      </p:bgRef>
-    </p:bg>
-    <p:spTree>
-      <p:nvGrpSpPr>
-        <p:cNvPr id="1" name=""/>
-        <p:cNvGrpSpPr/>
-        <p:nvPr/>
-      </p:nvGrpSpPr>
-      <p:grpSpPr>
-        <a:xfrm>
-          <a:off x="0" y="0"/>
-          <a:ext cx="0" cy="0"/>
-          <a:chOff x="0" y="0"/>
-          <a:chExt cx="0" cy="0"/>
-        </a:xfrm>
-      </p:grpSpPr>
-      <p:sp>
-        <p:nvSpPr>
-          <p:cNvPr id="2" name="Title 1"/>
-          <p:cNvSpPr>
-            <a:spLocks noGrp="1"/>
-          </p:cNvSpPr>
-          <p:nvPr>
-            <p:ph type="title"/>
-          </p:nvPr>
-        </p:nvSpPr>
-        <p:spPr>
-          <a:xfrm>
-            <a:off x="457200" y="846138"/>
-            <a:ext cx="8229600" cy="1143000"/>
-          </a:xfrm>
-        </p:spPr>
-        <p:txBody>
-          <a:bodyPr/>
-          <a:lstStyle/>
-          <a:p>
-            <a:r>
-              <a:rPr lang="pt-BR" dirty="0" smtClean="0"/>
-              <a:t>Exemplo de código de teste</a:t>
-            </a:r>
-            <a:endParaRPr lang="pt-BR" dirty="0"/>
-          </a:p>
-        </p:txBody>
-      </p:sp>
-      <p:pic>
-        <p:nvPicPr>
-          <p:cNvPr id="4" name="Picture 3"/>
-          <p:cNvPicPr>
-            <a:picLocks noChangeAspect="1"/>
-          </p:cNvPicPr>
-          <p:nvPr/>
-        </p:nvPicPr>
-        <p:blipFill>
-          <a:blip r:embed="rId3"/>
-          <a:stretch>
-            <a:fillRect/>
-          </a:stretch>
-        </p:blipFill>
-        <p:spPr>
-          <a:xfrm>
-            <a:off x="1643743" y="2141538"/>
-            <a:ext cx="5747657" cy="3920587"/>
-          </a:xfrm>
-          <a:prstGeom prst="rect">
-            <a:avLst/>
-          </a:prstGeom>
-        </p:spPr>
-      </p:pic>
-    </p:spTree>
-    <p:extLst>
-      <p:ext uri="{BB962C8B-B14F-4D97-AF65-F5344CB8AC3E}">
-        <p14:creationId xmlns:p14="http://schemas.microsoft.com/office/powerpoint/2010/main" val="2130068562"/>
-      </p:ext>
-    </p:extLst>
-  </p:cSld>
-  <p:clrMapOvr>
-    <a:overrideClrMapping bg1="lt1" tx1="dk1" bg2="lt2" tx2="dk2" accent1="accent1" accent2="accent2" accent3="accent3" accent4="accent4" accent5="accent5" accent6="accent6" hlink="hlink" folHlink="folHlink"/>
-  </p:clrMapOvr>
-  <p:timing>
-    <p:tnLst>
-      <p:par>
-        <p:cTn xmlns:p14="http://schemas.microsoft.com/office/powerpoint/2010/main" id="1" dur="indefinite" restart="never" nodeType="tmRoot"/>
-      </p:par>
-    </p:tnLst>
-  </p:timing>
-</p:sld>
-</file>
-
 <file path=ppt/slides/slide19.xml><?xml version="1.0" encoding="utf-8"?>
 <p:sld xmlns:a="http://schemas.openxmlformats.org/drawingml/2006/main" xmlns:r="http://schemas.openxmlformats.org/officeDocument/2006/relationships" xmlns:p="http://schemas.openxmlformats.org/presentationml/2006/main">
   <p:cSld>
@@ -9279,24 +9279,14 @@
           <a:p>
             <a:r>
               <a:rPr lang="pt-BR" sz="2800" dirty="0" smtClean="0"/>
-              <a:t>Movimentou cerca de 1,23 trilhões de dólares em </a:t>
-            </a:r>
+              <a:t>Movimentou cerca de 1,23 trilhões de dólares em 2008 (SUCESU-RS, 2011).</a:t>
+            </a:r>
+          </a:p>
+          <a:p>
             <a:r>
               <a:rPr lang="pt-BR" sz="2800" dirty="0" smtClean="0"/>
-              <a:t>2008 (SUCESU-RS, 2011).</a:t>
-            </a:r>
-            <a:endParaRPr lang="pt-BR" sz="2800" dirty="0" smtClean="0"/>
-          </a:p>
-          <a:p>
-            <a:r>
-              <a:rPr lang="pt-BR" sz="2800" dirty="0" smtClean="0"/>
-              <a:t>Possui um crescimento de 3% ao </a:t>
-            </a:r>
-            <a:r>
-              <a:rPr lang="pt-BR" sz="2800" dirty="0" smtClean="0"/>
-              <a:t>ano.</a:t>
-            </a:r>
-            <a:endParaRPr lang="pt-BR" sz="2800" dirty="0" smtClean="0"/>
+              <a:t>Possui um crescimento de 3% ao ano.</a:t>
+            </a:r>
           </a:p>
           <a:p>
             <a:r>
@@ -9859,96 +9849,6 @@
       </p:cxnSp>
       <p:sp>
         <p:nvSpPr>
-          <p:cNvPr id="15" name="TextBox 14"/>
-          <p:cNvSpPr txBox="1"/>
-          <p:nvPr/>
-        </p:nvSpPr>
-        <p:spPr>
-          <a:xfrm>
-            <a:off x="1528359" y="3910773"/>
-            <a:ext cx="877276" cy="369332"/>
-          </a:xfrm>
-          <a:prstGeom prst="rect">
-            <a:avLst/>
-          </a:prstGeom>
-          <a:noFill/>
-        </p:spPr>
-        <p:txBody>
-          <a:bodyPr wrap="none" rtlCol="0">
-            <a:spAutoFit/>
-          </a:bodyPr>
-          <a:lstStyle/>
-          <a:p>
-            <a:r>
-              <a:rPr lang="pt-BR" dirty="0" smtClean="0"/>
-              <a:t>Resulta</a:t>
-            </a:r>
-            <a:endParaRPr lang="pt-BR" dirty="0"/>
-          </a:p>
-        </p:txBody>
-      </p:sp>
-      <p:sp>
-        <p:nvSpPr>
-          <p:cNvPr id="17" name="TextBox 16"/>
-          <p:cNvSpPr txBox="1"/>
-          <p:nvPr/>
-        </p:nvSpPr>
-        <p:spPr>
-          <a:xfrm>
-            <a:off x="4057130" y="5169445"/>
-            <a:ext cx="740445" cy="369332"/>
-          </a:xfrm>
-          <a:prstGeom prst="rect">
-            <a:avLst/>
-          </a:prstGeom>
-          <a:noFill/>
-        </p:spPr>
-        <p:txBody>
-          <a:bodyPr wrap="none" rtlCol="0">
-            <a:spAutoFit/>
-          </a:bodyPr>
-          <a:lstStyle/>
-          <a:p>
-            <a:r>
-              <a:rPr lang="pt-BR" dirty="0" smtClean="0"/>
-              <a:t>Causa</a:t>
-            </a:r>
-            <a:endParaRPr lang="pt-BR" dirty="0"/>
-          </a:p>
-        </p:txBody>
-      </p:sp>
-      <p:sp>
-        <p:nvSpPr>
-          <p:cNvPr id="18" name="TextBox 17"/>
-          <p:cNvSpPr txBox="1"/>
-          <p:nvPr/>
-        </p:nvSpPr>
-        <p:spPr>
-          <a:xfrm>
-            <a:off x="7809524" y="3693841"/>
-            <a:ext cx="877276" cy="369332"/>
-          </a:xfrm>
-          <a:prstGeom prst="rect">
-            <a:avLst/>
-          </a:prstGeom>
-          <a:noFill/>
-        </p:spPr>
-        <p:txBody>
-          <a:bodyPr wrap="none" rtlCol="0">
-            <a:spAutoFit/>
-          </a:bodyPr>
-          <a:lstStyle/>
-          <a:p>
-            <a:r>
-              <a:rPr lang="pt-BR" dirty="0" smtClean="0"/>
-              <a:t>Resulta</a:t>
-            </a:r>
-            <a:endParaRPr lang="pt-BR" dirty="0"/>
-          </a:p>
-        </p:txBody>
-      </p:sp>
-      <p:sp>
-        <p:nvSpPr>
           <p:cNvPr id="16" name="Rounded Rectangle 15"/>
           <p:cNvSpPr/>
           <p:nvPr/>
@@ -10169,7 +10069,15 @@
             </a:r>
             <a:r>
               <a:rPr lang="it-IT" dirty="0" smtClean="0"/>
-              <a:t> era </a:t>
+              <a:t> </a:t>
+            </a:r>
+            <a:r>
+              <a:rPr lang="fr-FR" smtClean="0"/>
+              <a:t>é</a:t>
+            </a:r>
+            <a:r>
+              <a:rPr lang="it-IT" smtClean="0"/>
+              <a:t> </a:t>
             </a:r>
             <a:r>
               <a:rPr lang="it-IT" dirty="0" err="1" smtClean="0"/>
@@ -10826,18 +10734,6 @@
             </a:r>
           </a:p>
           <a:p>
-            <a:r>
-              <a:rPr lang="pt-BR" dirty="0" smtClean="0"/>
-              <a:t>Facilita a </a:t>
-            </a:r>
-            <a:r>
-              <a:rPr lang="pt-BR" dirty="0"/>
-              <a:t>e</a:t>
-            </a:r>
-            <a:r>
-              <a:rPr lang="pt-BR" dirty="0" smtClean="0"/>
-              <a:t>xecução de todos os testes criados.</a:t>
-            </a:r>
             <a:endParaRPr lang="pt-BR" dirty="0"/>
           </a:p>
         </p:txBody>

--- a/apresentacao tcc.pptx
+++ b/apresentacao tcc.pptx
@@ -10413,6 +10413,327 @@
           </a:p>
         </p:txBody>
       </p:sp>
+      <p:grpSp>
+        <p:nvGrpSpPr>
+          <p:cNvPr id="9" name="Group 8"/>
+          <p:cNvGrpSpPr/>
+          <p:nvPr/>
+        </p:nvGrpSpPr>
+        <p:grpSpPr>
+          <a:xfrm>
+            <a:off x="9285121" y="955081"/>
+            <a:ext cx="3244239" cy="1282634"/>
+            <a:chOff x="5067078" y="2200596"/>
+            <a:chExt cx="3244239" cy="1282634"/>
+          </a:xfrm>
+        </p:grpSpPr>
+        <p:sp>
+          <p:nvSpPr>
+            <p:cNvPr id="5" name="Left Brace 4"/>
+            <p:cNvSpPr/>
+            <p:nvPr/>
+          </p:nvSpPr>
+          <p:spPr>
+            <a:xfrm>
+              <a:off x="5067078" y="2200596"/>
+              <a:ext cx="842417" cy="1282634"/>
+            </a:xfrm>
+            <a:prstGeom prst="leftBrace">
+              <a:avLst/>
+            </a:prstGeom>
+          </p:spPr>
+          <p:style>
+            <a:lnRef idx="2">
+              <a:schemeClr val="accent1"/>
+            </a:lnRef>
+            <a:fillRef idx="0">
+              <a:schemeClr val="accent1"/>
+            </a:fillRef>
+            <a:effectRef idx="1">
+              <a:schemeClr val="accent1"/>
+            </a:effectRef>
+            <a:fontRef idx="minor">
+              <a:schemeClr val="tx1"/>
+            </a:fontRef>
+          </p:style>
+          <p:txBody>
+            <a:bodyPr rtlCol="0" anchor="ctr"/>
+            <a:lstStyle/>
+            <a:p>
+              <a:pPr algn="ctr"/>
+              <a:endParaRPr lang="pt-BR"/>
+            </a:p>
+          </p:txBody>
+        </p:sp>
+        <p:sp>
+          <p:nvSpPr>
+            <p:cNvPr id="6" name="TextBox 5"/>
+            <p:cNvSpPr txBox="1"/>
+            <p:nvPr/>
+          </p:nvSpPr>
+          <p:spPr>
+            <a:xfrm>
+              <a:off x="5708321" y="2259444"/>
+              <a:ext cx="2192502" cy="369332"/>
+            </a:xfrm>
+            <a:prstGeom prst="rect">
+              <a:avLst/>
+            </a:prstGeom>
+            <a:noFill/>
+          </p:spPr>
+          <p:txBody>
+            <a:bodyPr wrap="none" rtlCol="0">
+              <a:spAutoFit/>
+            </a:bodyPr>
+            <a:lstStyle/>
+            <a:p>
+              <a:r>
+                <a:rPr lang="pt-BR" dirty="0" smtClean="0"/>
+                <a:t>Elimine o desperd</a:t>
+              </a:r>
+              <a:r>
+                <a:rPr lang="pt-BR" dirty="0" smtClean="0"/>
+                <a:t>ício</a:t>
+              </a:r>
+              <a:endParaRPr lang="pt-BR" dirty="0"/>
+            </a:p>
+          </p:txBody>
+        </p:sp>
+        <p:sp>
+          <p:nvSpPr>
+            <p:cNvPr id="7" name="TextBox 6"/>
+            <p:cNvSpPr txBox="1"/>
+            <p:nvPr/>
+          </p:nvSpPr>
+          <p:spPr>
+            <a:xfrm>
+              <a:off x="5708321" y="2628776"/>
+              <a:ext cx="2602996" cy="369332"/>
+            </a:xfrm>
+            <a:prstGeom prst="rect">
+              <a:avLst/>
+            </a:prstGeom>
+            <a:noFill/>
+          </p:spPr>
+          <p:txBody>
+            <a:bodyPr wrap="none" rtlCol="0">
+              <a:spAutoFit/>
+            </a:bodyPr>
+            <a:lstStyle/>
+            <a:p>
+              <a:r>
+                <a:rPr lang="pt-BR" dirty="0" smtClean="0"/>
+                <a:t>Amplifique o aprendizado</a:t>
+              </a:r>
+              <a:endParaRPr lang="pt-BR" dirty="0"/>
+            </a:p>
+          </p:txBody>
+        </p:sp>
+        <p:sp>
+          <p:nvSpPr>
+            <p:cNvPr id="8" name="TextBox 7"/>
+            <p:cNvSpPr txBox="1"/>
+            <p:nvPr/>
+          </p:nvSpPr>
+          <p:spPr>
+            <a:xfrm>
+              <a:off x="5708321" y="3002137"/>
+              <a:ext cx="2008670" cy="369332"/>
+            </a:xfrm>
+            <a:prstGeom prst="rect">
+              <a:avLst/>
+            </a:prstGeom>
+            <a:noFill/>
+          </p:spPr>
+          <p:txBody>
+            <a:bodyPr wrap="none" rtlCol="0">
+              <a:spAutoFit/>
+            </a:bodyPr>
+            <a:lstStyle/>
+            <a:p>
+              <a:r>
+                <a:rPr lang="pt-BR" dirty="0" smtClean="0"/>
+                <a:t>Adicione segurança</a:t>
+              </a:r>
+              <a:endParaRPr lang="pt-BR" dirty="0"/>
+            </a:p>
+          </p:txBody>
+        </p:sp>
+      </p:grpSp>
+      <p:grpSp>
+        <p:nvGrpSpPr>
+          <p:cNvPr id="12" name="Group 11"/>
+          <p:cNvGrpSpPr/>
+          <p:nvPr/>
+        </p:nvGrpSpPr>
+        <p:grpSpPr>
+          <a:xfrm>
+            <a:off x="9285121" y="2488573"/>
+            <a:ext cx="1965987" cy="492531"/>
+            <a:chOff x="5080356" y="3052990"/>
+            <a:chExt cx="1965987" cy="492531"/>
+          </a:xfrm>
+        </p:grpSpPr>
+        <p:sp>
+          <p:nvSpPr>
+            <p:cNvPr id="10" name="Left Brace 9"/>
+            <p:cNvSpPr/>
+            <p:nvPr/>
+          </p:nvSpPr>
+          <p:spPr>
+            <a:xfrm>
+              <a:off x="5080356" y="3052990"/>
+              <a:ext cx="320730" cy="492531"/>
+            </a:xfrm>
+            <a:prstGeom prst="leftBrace">
+              <a:avLst/>
+            </a:prstGeom>
+          </p:spPr>
+          <p:style>
+            <a:lnRef idx="2">
+              <a:schemeClr val="accent1"/>
+            </a:lnRef>
+            <a:fillRef idx="0">
+              <a:schemeClr val="accent1"/>
+            </a:fillRef>
+            <a:effectRef idx="1">
+              <a:schemeClr val="accent1"/>
+            </a:effectRef>
+            <a:fontRef idx="minor">
+              <a:schemeClr val="tx1"/>
+            </a:fontRef>
+          </p:style>
+          <p:txBody>
+            <a:bodyPr rtlCol="0" anchor="ctr"/>
+            <a:lstStyle/>
+            <a:p>
+              <a:pPr algn="ctr"/>
+              <a:endParaRPr lang="pt-BR"/>
+            </a:p>
+          </p:txBody>
+        </p:sp>
+        <p:sp>
+          <p:nvSpPr>
+            <p:cNvPr id="11" name="TextBox 10"/>
+            <p:cNvSpPr txBox="1"/>
+            <p:nvPr/>
+          </p:nvSpPr>
+          <p:spPr>
+            <a:xfrm>
+              <a:off x="5349770" y="3119801"/>
+              <a:ext cx="1696573" cy="369332"/>
+            </a:xfrm>
+            <a:prstGeom prst="rect">
+              <a:avLst/>
+            </a:prstGeom>
+            <a:noFill/>
+          </p:spPr>
+          <p:txBody>
+            <a:bodyPr wrap="none" rtlCol="0">
+              <a:spAutoFit/>
+            </a:bodyPr>
+            <a:lstStyle/>
+            <a:p>
+              <a:r>
+                <a:rPr lang="pt-BR" dirty="0" smtClean="0"/>
+                <a:t>Entregue r</a:t>
+              </a:r>
+              <a:r>
+                <a:rPr lang="pt-BR" dirty="0" smtClean="0"/>
+                <a:t>ápido</a:t>
+              </a:r>
+              <a:endParaRPr lang="pt-BR" dirty="0"/>
+            </a:p>
+          </p:txBody>
+        </p:sp>
+      </p:grpSp>
+      <p:grpSp>
+        <p:nvGrpSpPr>
+          <p:cNvPr id="13" name="Group 12"/>
+          <p:cNvGrpSpPr/>
+          <p:nvPr/>
+        </p:nvGrpSpPr>
+        <p:grpSpPr>
+          <a:xfrm>
+            <a:off x="9413414" y="4903989"/>
+            <a:ext cx="2461916" cy="492531"/>
+            <a:chOff x="5080356" y="3052990"/>
+            <a:chExt cx="2461916" cy="492531"/>
+          </a:xfrm>
+        </p:grpSpPr>
+        <p:sp>
+          <p:nvSpPr>
+            <p:cNvPr id="14" name="Left Brace 13"/>
+            <p:cNvSpPr/>
+            <p:nvPr/>
+          </p:nvSpPr>
+          <p:spPr>
+            <a:xfrm>
+              <a:off x="5080356" y="3052990"/>
+              <a:ext cx="320730" cy="492531"/>
+            </a:xfrm>
+            <a:prstGeom prst="leftBrace">
+              <a:avLst/>
+            </a:prstGeom>
+          </p:spPr>
+          <p:style>
+            <a:lnRef idx="2">
+              <a:schemeClr val="accent1"/>
+            </a:lnRef>
+            <a:fillRef idx="0">
+              <a:schemeClr val="accent1"/>
+            </a:fillRef>
+            <a:effectRef idx="1">
+              <a:schemeClr val="accent1"/>
+            </a:effectRef>
+            <a:fontRef idx="minor">
+              <a:schemeClr val="tx1"/>
+            </a:fontRef>
+          </p:style>
+          <p:txBody>
+            <a:bodyPr rtlCol="0" anchor="ctr"/>
+            <a:lstStyle/>
+            <a:p>
+              <a:pPr algn="ctr"/>
+              <a:endParaRPr lang="pt-BR"/>
+            </a:p>
+          </p:txBody>
+        </p:sp>
+        <p:sp>
+          <p:nvSpPr>
+            <p:cNvPr id="15" name="TextBox 14"/>
+            <p:cNvSpPr txBox="1"/>
+            <p:nvPr/>
+          </p:nvSpPr>
+          <p:spPr>
+            <a:xfrm>
+              <a:off x="5349770" y="3119801"/>
+              <a:ext cx="2192502" cy="369332"/>
+            </a:xfrm>
+            <a:prstGeom prst="rect">
+              <a:avLst/>
+            </a:prstGeom>
+            <a:noFill/>
+          </p:spPr>
+          <p:txBody>
+            <a:bodyPr wrap="none" rtlCol="0">
+              <a:spAutoFit/>
+            </a:bodyPr>
+            <a:lstStyle/>
+            <a:p>
+              <a:r>
+                <a:rPr lang="pt-BR" dirty="0" smtClean="0"/>
+                <a:t>Elimine o desperd</a:t>
+              </a:r>
+              <a:r>
+                <a:rPr lang="pt-BR" dirty="0" smtClean="0"/>
+                <a:t>ício</a:t>
+              </a:r>
+              <a:endParaRPr lang="pt-BR" dirty="0"/>
+            </a:p>
+          </p:txBody>
+        </p:sp>
+      </p:grpSp>
     </p:spTree>
     <p:extLst>
       <p:ext uri="{BB962C8B-B14F-4D97-AF65-F5344CB8AC3E}">
@@ -10426,7 +10747,149 @@
   <p:timing>
     <p:tnLst>
       <p:par>
-        <p:cTn xmlns:p14="http://schemas.microsoft.com/office/powerpoint/2010/main" id="1" dur="indefinite" restart="never" nodeType="tmRoot"/>
+        <p:cTn xmlns:p14="http://schemas.microsoft.com/office/powerpoint/2010/main" id="1" dur="indefinite" restart="never" nodeType="tmRoot">
+          <p:childTnLst>
+            <p:seq concurrent="1" nextAc="seek">
+              <p:cTn id="2" dur="indefinite" nodeType="mainSeq">
+                <p:childTnLst>
+                  <p:par>
+                    <p:cTn id="3" fill="hold">
+                      <p:stCondLst>
+                        <p:cond delay="indefinite"/>
+                      </p:stCondLst>
+                      <p:childTnLst>
+                        <p:par>
+                          <p:cTn id="4" fill="hold">
+                            <p:stCondLst>
+                              <p:cond delay="0"/>
+                            </p:stCondLst>
+                            <p:childTnLst>
+                              <p:par>
+                                <p:cTn id="5" presetID="0" presetClass="path" presetSubtype="0" accel="50000" decel="50000" fill="hold" nodeType="clickEffect">
+                                  <p:stCondLst>
+                                    <p:cond delay="0"/>
+                                  </p:stCondLst>
+                                  <p:childTnLst>
+                                    <p:animMotion origin="layout" path="M -0.19282 0.00833 L -0.47293 0.16007 " pathEditMode="relative" rAng="0" ptsTypes="AA">
+                                      <p:cBhvr>
+                                        <p:cTn id="6" dur="2000" fill="hold"/>
+                                        <p:tgtEl>
+                                          <p:spTgt spid="9"/>
+                                        </p:tgtEl>
+                                        <p:attrNameLst>
+                                          <p:attrName>ppt_x</p:attrName>
+                                          <p:attrName>ppt_y</p:attrName>
+                                        </p:attrNameLst>
+                                      </p:cBhvr>
+                                      <p:rCtr x="-14006" y="7587"/>
+                                    </p:animMotion>
+                                  </p:childTnLst>
+                                </p:cTn>
+                              </p:par>
+                            </p:childTnLst>
+                          </p:cTn>
+                        </p:par>
+                      </p:childTnLst>
+                    </p:cTn>
+                  </p:par>
+                  <p:par>
+                    <p:cTn id="7" fill="hold">
+                      <p:stCondLst>
+                        <p:cond delay="indefinite"/>
+                      </p:stCondLst>
+                      <p:childTnLst>
+                        <p:par>
+                          <p:cTn id="8" fill="hold">
+                            <p:stCondLst>
+                              <p:cond delay="0"/>
+                            </p:stCondLst>
+                            <p:childTnLst>
+                              <p:par>
+                                <p:cTn id="9" presetID="0" presetClass="path" presetSubtype="0" accel="50000" decel="50000" fill="hold" nodeType="clickEffect">
+                                  <p:stCondLst>
+                                    <p:cond delay="0"/>
+                                  </p:stCondLst>
+                                  <p:childTnLst>
+                                    <p:animMotion origin="layout" path="M -0.03142 0.0761 L -0.57689 0.12699 " pathEditMode="relative" rAng="0" ptsTypes="AA">
+                                      <p:cBhvr>
+                                        <p:cTn id="10" dur="2000" fill="hold"/>
+                                        <p:tgtEl>
+                                          <p:spTgt spid="12"/>
+                                        </p:tgtEl>
+                                        <p:attrNameLst>
+                                          <p:attrName>ppt_x</p:attrName>
+                                          <p:attrName>ppt_y</p:attrName>
+                                        </p:attrNameLst>
+                                      </p:cBhvr>
+                                      <p:rCtr x="-27282" y="2545"/>
+                                    </p:animMotion>
+                                  </p:childTnLst>
+                                </p:cTn>
+                              </p:par>
+                            </p:childTnLst>
+                          </p:cTn>
+                        </p:par>
+                      </p:childTnLst>
+                    </p:cTn>
+                  </p:par>
+                  <p:par>
+                    <p:cTn id="11" fill="hold">
+                      <p:stCondLst>
+                        <p:cond delay="indefinite"/>
+                      </p:stCondLst>
+                      <p:childTnLst>
+                        <p:par>
+                          <p:cTn id="12" fill="hold">
+                            <p:stCondLst>
+                              <p:cond delay="0"/>
+                            </p:stCondLst>
+                            <p:childTnLst>
+                              <p:par>
+                                <p:cTn id="13" presetID="0" presetClass="path" presetSubtype="0" accel="50000" decel="50000" fill="hold" nodeType="clickEffect">
+                                  <p:stCondLst>
+                                    <p:cond delay="0"/>
+                                  </p:stCondLst>
+                                  <p:childTnLst>
+                                    <p:animMotion origin="layout" path="M -0.14683 0.00093 L -0.64474 -0.14295 " pathEditMode="relative" ptsTypes="AA">
+                                      <p:cBhvr>
+                                        <p:cTn id="14" dur="2000" fill="hold"/>
+                                        <p:tgtEl>
+                                          <p:spTgt spid="13"/>
+                                        </p:tgtEl>
+                                        <p:attrNameLst>
+                                          <p:attrName>ppt_x</p:attrName>
+                                          <p:attrName>ppt_y</p:attrName>
+                                        </p:attrNameLst>
+                                      </p:cBhvr>
+                                    </p:animMotion>
+                                  </p:childTnLst>
+                                </p:cTn>
+                              </p:par>
+                            </p:childTnLst>
+                          </p:cTn>
+                        </p:par>
+                      </p:childTnLst>
+                    </p:cTn>
+                  </p:par>
+                </p:childTnLst>
+              </p:cTn>
+              <p:prevCondLst>
+                <p:cond evt="onPrev" delay="0">
+                  <p:tgtEl>
+                    <p:sldTgt/>
+                  </p:tgtEl>
+                </p:cond>
+              </p:prevCondLst>
+              <p:nextCondLst>
+                <p:cond evt="onNext" delay="0">
+                  <p:tgtEl>
+                    <p:sldTgt/>
+                  </p:tgtEl>
+                </p:cond>
+              </p:nextCondLst>
+            </p:seq>
+          </p:childTnLst>
+        </p:cTn>
       </p:par>
     </p:tnLst>
   </p:timing>
